--- a/Documentos/APRESENTAÇÃO.SPRINT2.pptx
+++ b/Documentos/APRESENTAÇÃO.SPRINT2.pptx
@@ -11838,98 +11838,36 @@
           </a:prstGeom>
         </p:spPr>
       </p:pic>
-      <p:sp>
-        <p:nvSpPr>
-          <p:cNvPr id="5" name="Retângulo 4">
+      <p:pic>
+        <p:nvPicPr>
+          <p:cNvPr id="4" name="Imagem 3" descr="Diagrama&#10;&#10;Descrição gerada automaticamente">
             <a:extLst>
               <a:ext uri="{FF2B5EF4-FFF2-40B4-BE49-F238E27FC236}">
-                <a16:creationId xmlns:a16="http://schemas.microsoft.com/office/drawing/2014/main" id="{4B441A9A-AD78-4DFF-B3CC-4BE8F70620F0}"/>
+                <a16:creationId xmlns:a16="http://schemas.microsoft.com/office/drawing/2014/main" id="{24FF238D-B795-403C-BA1E-688484858AE3}"/>
               </a:ext>
             </a:extLst>
           </p:cNvPr>
-          <p:cNvSpPr/>
+          <p:cNvPicPr>
+            <a:picLocks noChangeAspect="1"/>
+          </p:cNvPicPr>
           <p:nvPr/>
-        </p:nvSpPr>
+        </p:nvPicPr>
+        <p:blipFill>
+          <a:blip r:embed="rId4"/>
+          <a:stretch>
+            <a:fillRect/>
+          </a:stretch>
+        </p:blipFill>
         <p:spPr>
           <a:xfrm>
-            <a:off x="686294" y="146964"/>
-            <a:ext cx="1072168" cy="572700"/>
+            <a:off x="1205800" y="221064"/>
+            <a:ext cx="6039061" cy="4524622"/>
           </a:xfrm>
           <a:prstGeom prst="rect">
             <a:avLst/>
           </a:prstGeom>
-          <a:solidFill>
-            <a:srgbClr val="385819"/>
-          </a:solidFill>
-          <a:ln>
-            <a:noFill/>
-          </a:ln>
         </p:spPr>
-        <p:style>
-          <a:lnRef idx="2">
-            <a:schemeClr val="accent1">
-              <a:shade val="50000"/>
-            </a:schemeClr>
-          </a:lnRef>
-          <a:fillRef idx="1">
-            <a:schemeClr val="accent1"/>
-          </a:fillRef>
-          <a:effectRef idx="0">
-            <a:schemeClr val="accent1"/>
-          </a:effectRef>
-          <a:fontRef idx="minor">
-            <a:schemeClr val="lt1"/>
-          </a:fontRef>
-        </p:style>
-        <p:txBody>
-          <a:bodyPr rtlCol="0" anchor="ctr"/>
-          <a:lstStyle/>
-          <a:p>
-            <a:pPr algn="ctr"/>
-            <a:endParaRPr lang="pt-BR" dirty="0"/>
-          </a:p>
-        </p:txBody>
-      </p:sp>
-      <p:sp>
-        <p:nvSpPr>
-          <p:cNvPr id="6" name="CaixaDeTexto 5">
-            <a:extLst>
-              <a:ext uri="{FF2B5EF4-FFF2-40B4-BE49-F238E27FC236}">
-                <a16:creationId xmlns:a16="http://schemas.microsoft.com/office/drawing/2014/main" id="{A6FE617F-3A2C-4A99-829E-72080B4321E5}"/>
-              </a:ext>
-            </a:extLst>
-          </p:cNvPr>
-          <p:cNvSpPr txBox="1"/>
-          <p:nvPr/>
-        </p:nvSpPr>
-        <p:spPr>
-          <a:xfrm>
-            <a:off x="862039" y="202481"/>
-            <a:ext cx="976809" cy="461665"/>
-          </a:xfrm>
-          <a:prstGeom prst="rect">
-            <a:avLst/>
-          </a:prstGeom>
-          <a:noFill/>
-        </p:spPr>
-        <p:txBody>
-          <a:bodyPr wrap="square" rtlCol="0">
-            <a:spAutoFit/>
-          </a:bodyPr>
-          <a:lstStyle/>
-          <a:p>
-            <a:r>
-              <a:rPr lang="pt-BR" sz="2400" b="1" dirty="0">
-                <a:solidFill>
-                  <a:schemeClr val="bg1"/>
-                </a:solidFill>
-                <a:latin typeface="Playfair Display"/>
-              </a:rPr>
-              <a:t>HLD</a:t>
-            </a:r>
-          </a:p>
-        </p:txBody>
-      </p:sp>
+      </p:pic>
     </p:spTree>
     <p:extLst>
       <p:ext uri="{BB962C8B-B14F-4D97-AF65-F5344CB8AC3E}">
@@ -11990,98 +11928,36 @@
           </a:prstGeom>
         </p:spPr>
       </p:pic>
-      <p:sp>
-        <p:nvSpPr>
-          <p:cNvPr id="6" name="Retângulo 5">
+      <p:pic>
+        <p:nvPicPr>
+          <p:cNvPr id="4" name="Imagem 3" descr="Linha do tempo&#10;&#10;Descrição gerada automaticamente">
             <a:extLst>
               <a:ext uri="{FF2B5EF4-FFF2-40B4-BE49-F238E27FC236}">
-                <a16:creationId xmlns:a16="http://schemas.microsoft.com/office/drawing/2014/main" id="{3F1B832A-8F5A-4882-9E7F-82658306F79F}"/>
+                <a16:creationId xmlns:a16="http://schemas.microsoft.com/office/drawing/2014/main" id="{8B4F9978-535F-4A4F-9398-50AB82AB7704}"/>
               </a:ext>
             </a:extLst>
           </p:cNvPr>
-          <p:cNvSpPr/>
+          <p:cNvPicPr>
+            <a:picLocks noChangeAspect="1"/>
+          </p:cNvPicPr>
           <p:nvPr/>
-        </p:nvSpPr>
+        </p:nvPicPr>
+        <p:blipFill>
+          <a:blip r:embed="rId4"/>
+          <a:stretch>
+            <a:fillRect/>
+          </a:stretch>
+        </p:blipFill>
         <p:spPr>
           <a:xfrm>
-            <a:off x="686294" y="146964"/>
-            <a:ext cx="1072168" cy="572700"/>
+            <a:off x="994787" y="212370"/>
+            <a:ext cx="6953460" cy="4718760"/>
           </a:xfrm>
           <a:prstGeom prst="rect">
             <a:avLst/>
           </a:prstGeom>
-          <a:solidFill>
-            <a:srgbClr val="385819"/>
-          </a:solidFill>
-          <a:ln>
-            <a:noFill/>
-          </a:ln>
         </p:spPr>
-        <p:style>
-          <a:lnRef idx="2">
-            <a:schemeClr val="accent1">
-              <a:shade val="50000"/>
-            </a:schemeClr>
-          </a:lnRef>
-          <a:fillRef idx="1">
-            <a:schemeClr val="accent1"/>
-          </a:fillRef>
-          <a:effectRef idx="0">
-            <a:schemeClr val="accent1"/>
-          </a:effectRef>
-          <a:fontRef idx="minor">
-            <a:schemeClr val="lt1"/>
-          </a:fontRef>
-        </p:style>
-        <p:txBody>
-          <a:bodyPr rtlCol="0" anchor="ctr"/>
-          <a:lstStyle/>
-          <a:p>
-            <a:pPr algn="ctr"/>
-            <a:endParaRPr lang="pt-BR" dirty="0"/>
-          </a:p>
-        </p:txBody>
-      </p:sp>
-      <p:sp>
-        <p:nvSpPr>
-          <p:cNvPr id="7" name="CaixaDeTexto 6">
-            <a:extLst>
-              <a:ext uri="{FF2B5EF4-FFF2-40B4-BE49-F238E27FC236}">
-                <a16:creationId xmlns:a16="http://schemas.microsoft.com/office/drawing/2014/main" id="{143807AC-72CF-4E69-8E84-6C2D01CF5B96}"/>
-              </a:ext>
-            </a:extLst>
-          </p:cNvPr>
-          <p:cNvSpPr txBox="1"/>
-          <p:nvPr/>
-        </p:nvSpPr>
-        <p:spPr>
-          <a:xfrm>
-            <a:off x="862039" y="202481"/>
-            <a:ext cx="976809" cy="461665"/>
-          </a:xfrm>
-          <a:prstGeom prst="rect">
-            <a:avLst/>
-          </a:prstGeom>
-          <a:noFill/>
-        </p:spPr>
-        <p:txBody>
-          <a:bodyPr wrap="square" rtlCol="0">
-            <a:spAutoFit/>
-          </a:bodyPr>
-          <a:lstStyle/>
-          <a:p>
-            <a:r>
-              <a:rPr lang="pt-BR" sz="2400" b="1" dirty="0">
-                <a:solidFill>
-                  <a:schemeClr val="bg1"/>
-                </a:solidFill>
-                <a:latin typeface="Playfair Display"/>
-              </a:rPr>
-              <a:t>LLD</a:t>
-            </a:r>
-          </a:p>
-        </p:txBody>
-      </p:sp>
+      </p:pic>
     </p:spTree>
     <p:extLst>
       <p:ext uri="{BB962C8B-B14F-4D97-AF65-F5344CB8AC3E}">
@@ -12112,293 +11988,6 @@
           <a:chExt cx="0" cy="0"/>
         </a:xfrm>
       </p:grpSpPr>
-      <p:sp>
-        <p:nvSpPr>
-          <p:cNvPr id="3" name="Google Shape;521;p58">
-            <a:extLst>
-              <a:ext uri="{FF2B5EF4-FFF2-40B4-BE49-F238E27FC236}">
-                <a16:creationId xmlns:a16="http://schemas.microsoft.com/office/drawing/2014/main" id="{9F542B2F-F38A-4F4C-8EC3-191749AC0351}"/>
-              </a:ext>
-            </a:extLst>
-          </p:cNvPr>
-          <p:cNvSpPr txBox="1">
-            <a:spLocks/>
-          </p:cNvSpPr>
-          <p:nvPr/>
-        </p:nvSpPr>
-        <p:spPr>
-          <a:xfrm>
-            <a:off x="7195866" y="2536502"/>
-            <a:ext cx="1294418" cy="572700"/>
-          </a:xfrm>
-          <a:prstGeom prst="rect">
-            <a:avLst/>
-          </a:prstGeom>
-          <a:noFill/>
-          <a:ln>
-            <a:noFill/>
-          </a:ln>
-        </p:spPr>
-        <p:txBody>
-          <a:bodyPr spcFirstLastPara="1" wrap="square" lIns="91425" tIns="91425" rIns="91425" bIns="91425" anchor="t" anchorCtr="0">
-            <a:noAutofit/>
-          </a:bodyPr>
-          <a:lstStyle>
-            <a:defPPr marR="0" lvl="0" algn="l" rtl="0">
-              <a:lnSpc>
-                <a:spcPct val="100000"/>
-              </a:lnSpc>
-              <a:spcBef>
-                <a:spcPts val="0"/>
-              </a:spcBef>
-              <a:spcAft>
-                <a:spcPts val="0"/>
-              </a:spcAft>
-            </a:defPPr>
-            <a:lvl1pPr marR="0" lvl="0" algn="l" rtl="0">
-              <a:lnSpc>
-                <a:spcPct val="100000"/>
-              </a:lnSpc>
-              <a:spcBef>
-                <a:spcPts val="0"/>
-              </a:spcBef>
-              <a:spcAft>
-                <a:spcPts val="0"/>
-              </a:spcAft>
-              <a:buClr>
-                <a:srgbClr val="324A00"/>
-              </a:buClr>
-              <a:buSzPts val="2800"/>
-              <a:buFont typeface="Playfair Display"/>
-              <a:buNone/>
-              <a:defRPr sz="2800" b="1" i="0" u="none" strike="noStrike" cap="none">
-                <a:solidFill>
-                  <a:srgbClr val="324A00"/>
-                </a:solidFill>
-                <a:latin typeface="Playfair Display"/>
-                <a:ea typeface="Playfair Display"/>
-                <a:cs typeface="Playfair Display"/>
-                <a:sym typeface="Playfair Display"/>
-              </a:defRPr>
-            </a:lvl1pPr>
-            <a:lvl2pPr marR="0" lvl="1" algn="l" rtl="0">
-              <a:lnSpc>
-                <a:spcPct val="100000"/>
-              </a:lnSpc>
-              <a:spcBef>
-                <a:spcPts val="0"/>
-              </a:spcBef>
-              <a:spcAft>
-                <a:spcPts val="0"/>
-              </a:spcAft>
-              <a:buClr>
-                <a:srgbClr val="324A00"/>
-              </a:buClr>
-              <a:buSzPts val="2800"/>
-              <a:buFont typeface="Arial"/>
-              <a:buNone/>
-              <a:defRPr sz="2800" b="0" i="0" u="none" strike="noStrike" cap="none">
-                <a:solidFill>
-                  <a:srgbClr val="324A00"/>
-                </a:solidFill>
-                <a:latin typeface="Arial"/>
-                <a:ea typeface="Arial"/>
-                <a:cs typeface="Arial"/>
-                <a:sym typeface="Arial"/>
-              </a:defRPr>
-            </a:lvl2pPr>
-            <a:lvl3pPr marR="0" lvl="2" algn="l" rtl="0">
-              <a:lnSpc>
-                <a:spcPct val="100000"/>
-              </a:lnSpc>
-              <a:spcBef>
-                <a:spcPts val="0"/>
-              </a:spcBef>
-              <a:spcAft>
-                <a:spcPts val="0"/>
-              </a:spcAft>
-              <a:buClr>
-                <a:srgbClr val="324A00"/>
-              </a:buClr>
-              <a:buSzPts val="2800"/>
-              <a:buFont typeface="Arial"/>
-              <a:buNone/>
-              <a:defRPr sz="2800" b="0" i="0" u="none" strike="noStrike" cap="none">
-                <a:solidFill>
-                  <a:srgbClr val="324A00"/>
-                </a:solidFill>
-                <a:latin typeface="Arial"/>
-                <a:ea typeface="Arial"/>
-                <a:cs typeface="Arial"/>
-                <a:sym typeface="Arial"/>
-              </a:defRPr>
-            </a:lvl3pPr>
-            <a:lvl4pPr marR="0" lvl="3" algn="l" rtl="0">
-              <a:lnSpc>
-                <a:spcPct val="100000"/>
-              </a:lnSpc>
-              <a:spcBef>
-                <a:spcPts val="0"/>
-              </a:spcBef>
-              <a:spcAft>
-                <a:spcPts val="0"/>
-              </a:spcAft>
-              <a:buClr>
-                <a:srgbClr val="324A00"/>
-              </a:buClr>
-              <a:buSzPts val="2800"/>
-              <a:buFont typeface="Arial"/>
-              <a:buNone/>
-              <a:defRPr sz="2800" b="0" i="0" u="none" strike="noStrike" cap="none">
-                <a:solidFill>
-                  <a:srgbClr val="324A00"/>
-                </a:solidFill>
-                <a:latin typeface="Arial"/>
-                <a:ea typeface="Arial"/>
-                <a:cs typeface="Arial"/>
-                <a:sym typeface="Arial"/>
-              </a:defRPr>
-            </a:lvl4pPr>
-            <a:lvl5pPr marR="0" lvl="4" algn="l" rtl="0">
-              <a:lnSpc>
-                <a:spcPct val="100000"/>
-              </a:lnSpc>
-              <a:spcBef>
-                <a:spcPts val="0"/>
-              </a:spcBef>
-              <a:spcAft>
-                <a:spcPts val="0"/>
-              </a:spcAft>
-              <a:buClr>
-                <a:srgbClr val="324A00"/>
-              </a:buClr>
-              <a:buSzPts val="2800"/>
-              <a:buFont typeface="Arial"/>
-              <a:buNone/>
-              <a:defRPr sz="2800" b="0" i="0" u="none" strike="noStrike" cap="none">
-                <a:solidFill>
-                  <a:srgbClr val="324A00"/>
-                </a:solidFill>
-                <a:latin typeface="Arial"/>
-                <a:ea typeface="Arial"/>
-                <a:cs typeface="Arial"/>
-                <a:sym typeface="Arial"/>
-              </a:defRPr>
-            </a:lvl5pPr>
-            <a:lvl6pPr marR="0" lvl="5" algn="l" rtl="0">
-              <a:lnSpc>
-                <a:spcPct val="100000"/>
-              </a:lnSpc>
-              <a:spcBef>
-                <a:spcPts val="0"/>
-              </a:spcBef>
-              <a:spcAft>
-                <a:spcPts val="0"/>
-              </a:spcAft>
-              <a:buClr>
-                <a:srgbClr val="324A00"/>
-              </a:buClr>
-              <a:buSzPts val="2800"/>
-              <a:buFont typeface="Arial"/>
-              <a:buNone/>
-              <a:defRPr sz="2800" b="0" i="0" u="none" strike="noStrike" cap="none">
-                <a:solidFill>
-                  <a:srgbClr val="324A00"/>
-                </a:solidFill>
-                <a:latin typeface="Arial"/>
-                <a:ea typeface="Arial"/>
-                <a:cs typeface="Arial"/>
-                <a:sym typeface="Arial"/>
-              </a:defRPr>
-            </a:lvl6pPr>
-            <a:lvl7pPr marR="0" lvl="6" algn="l" rtl="0">
-              <a:lnSpc>
-                <a:spcPct val="100000"/>
-              </a:lnSpc>
-              <a:spcBef>
-                <a:spcPts val="0"/>
-              </a:spcBef>
-              <a:spcAft>
-                <a:spcPts val="0"/>
-              </a:spcAft>
-              <a:buClr>
-                <a:srgbClr val="324A00"/>
-              </a:buClr>
-              <a:buSzPts val="2800"/>
-              <a:buFont typeface="Arial"/>
-              <a:buNone/>
-              <a:defRPr sz="2800" b="0" i="0" u="none" strike="noStrike" cap="none">
-                <a:solidFill>
-                  <a:srgbClr val="324A00"/>
-                </a:solidFill>
-                <a:latin typeface="Arial"/>
-                <a:ea typeface="Arial"/>
-                <a:cs typeface="Arial"/>
-                <a:sym typeface="Arial"/>
-              </a:defRPr>
-            </a:lvl7pPr>
-            <a:lvl8pPr marR="0" lvl="7" algn="l" rtl="0">
-              <a:lnSpc>
-                <a:spcPct val="100000"/>
-              </a:lnSpc>
-              <a:spcBef>
-                <a:spcPts val="0"/>
-              </a:spcBef>
-              <a:spcAft>
-                <a:spcPts val="0"/>
-              </a:spcAft>
-              <a:buClr>
-                <a:srgbClr val="324A00"/>
-              </a:buClr>
-              <a:buSzPts val="2800"/>
-              <a:buFont typeface="Arial"/>
-              <a:buNone/>
-              <a:defRPr sz="2800" b="0" i="0" u="none" strike="noStrike" cap="none">
-                <a:solidFill>
-                  <a:srgbClr val="324A00"/>
-                </a:solidFill>
-                <a:latin typeface="Arial"/>
-                <a:ea typeface="Arial"/>
-                <a:cs typeface="Arial"/>
-                <a:sym typeface="Arial"/>
-              </a:defRPr>
-            </a:lvl8pPr>
-            <a:lvl9pPr marR="0" lvl="8" algn="l" rtl="0">
-              <a:lnSpc>
-                <a:spcPct val="100000"/>
-              </a:lnSpc>
-              <a:spcBef>
-                <a:spcPts val="0"/>
-              </a:spcBef>
-              <a:spcAft>
-                <a:spcPts val="0"/>
-              </a:spcAft>
-              <a:buClr>
-                <a:srgbClr val="324A00"/>
-              </a:buClr>
-              <a:buSzPts val="2800"/>
-              <a:buFont typeface="Arial"/>
-              <a:buNone/>
-              <a:defRPr sz="2800" b="0" i="0" u="none" strike="noStrike" cap="none">
-                <a:solidFill>
-                  <a:srgbClr val="324A00"/>
-                </a:solidFill>
-                <a:latin typeface="Arial"/>
-                <a:ea typeface="Arial"/>
-                <a:cs typeface="Arial"/>
-                <a:sym typeface="Arial"/>
-              </a:defRPr>
-            </a:lvl9pPr>
-          </a:lstStyle>
-          <a:p>
-            <a:r>
-              <a:rPr lang="pt-BR" sz="2400" dirty="0"/>
-              <a:t>wisoy-1</a:t>
-            </a:r>
-            <a:endParaRPr lang="en-US" sz="2400" dirty="0"/>
-          </a:p>
-        </p:txBody>
-      </p:sp>
       <p:pic>
         <p:nvPicPr>
           <p:cNvPr id="5" name="Picture 5" descr="Graphical user interface, application&#10;&#10;Description automatically generated">
@@ -12421,38 +12010,8 @@
         </p:blipFill>
         <p:spPr>
           <a:xfrm>
-            <a:off x="631910" y="1087379"/>
-            <a:ext cx="5724723" cy="2898245"/>
-          </a:xfrm>
-          <a:prstGeom prst="rect">
-            <a:avLst/>
-          </a:prstGeom>
-        </p:spPr>
-      </p:pic>
-      <p:pic>
-        <p:nvPicPr>
-          <p:cNvPr id="10" name="Picture 10" descr="Icon&#10;&#10;Description automatically generated">
-            <a:extLst>
-              <a:ext uri="{FF2B5EF4-FFF2-40B4-BE49-F238E27FC236}">
-                <a16:creationId xmlns:a16="http://schemas.microsoft.com/office/drawing/2014/main" id="{9992696E-C8B1-4DD6-927E-9DFF6BE6689C}"/>
-              </a:ext>
-            </a:extLst>
-          </p:cNvPr>
-          <p:cNvPicPr>
-            <a:picLocks noChangeAspect="1"/>
-          </p:cNvPicPr>
-          <p:nvPr/>
-        </p:nvPicPr>
-        <p:blipFill>
-          <a:blip r:embed="rId4"/>
-          <a:stretch>
-            <a:fillRect/>
-          </a:stretch>
-        </p:blipFill>
-        <p:spPr>
-          <a:xfrm>
-            <a:off x="6714118" y="1764770"/>
-            <a:ext cx="2116165" cy="2116165"/>
+            <a:off x="216271" y="915614"/>
+            <a:ext cx="4014086" cy="2641727"/>
           </a:xfrm>
           <a:prstGeom prst="rect">
             <a:avLst/>
@@ -12474,7 +12033,7 @@
           <p:nvPr/>
         </p:nvPicPr>
         <p:blipFill>
-          <a:blip r:embed="rId5"/>
+          <a:blip r:embed="rId4"/>
           <a:stretch>
             <a:fillRect/>
           </a:stretch>
@@ -12503,8 +12062,8 @@
         </p:nvSpPr>
         <p:spPr>
           <a:xfrm>
-            <a:off x="631910" y="159456"/>
-            <a:ext cx="6472275" cy="572700"/>
+            <a:off x="216271" y="96963"/>
+            <a:ext cx="7060829" cy="572700"/>
           </a:xfrm>
           <a:prstGeom prst="rect">
             <a:avLst/>
@@ -12555,8 +12114,8 @@
         </p:nvSpPr>
         <p:spPr>
           <a:xfrm>
-            <a:off x="752650" y="214973"/>
-            <a:ext cx="6230793" cy="461665"/>
+            <a:off x="337012" y="152480"/>
+            <a:ext cx="7060828" cy="461665"/>
           </a:xfrm>
           <a:prstGeom prst="rect">
             <a:avLst/>
@@ -12581,6 +12140,36 @@
           </a:p>
         </p:txBody>
       </p:sp>
+      <p:pic>
+        <p:nvPicPr>
+          <p:cNvPr id="4" name="Imagem 3" descr="Tela de celular com aplicativo aberto&#10;&#10;Descrição gerada automaticamente">
+            <a:extLst>
+              <a:ext uri="{FF2B5EF4-FFF2-40B4-BE49-F238E27FC236}">
+                <a16:creationId xmlns:a16="http://schemas.microsoft.com/office/drawing/2014/main" id="{728DC4EA-9646-4A02-9454-E319E599A92C}"/>
+              </a:ext>
+            </a:extLst>
+          </p:cNvPr>
+          <p:cNvPicPr>
+            <a:picLocks noChangeAspect="1"/>
+          </p:cNvPicPr>
+          <p:nvPr/>
+        </p:nvPicPr>
+        <p:blipFill>
+          <a:blip r:embed="rId5"/>
+          <a:stretch>
+            <a:fillRect/>
+          </a:stretch>
+        </p:blipFill>
+        <p:spPr>
+          <a:xfrm>
+            <a:off x="4408670" y="2062301"/>
+            <a:ext cx="4318268" cy="2471519"/>
+          </a:xfrm>
+          <a:prstGeom prst="rect">
+            <a:avLst/>
+          </a:prstGeom>
+        </p:spPr>
+      </p:pic>
     </p:spTree>
     <p:extLst>
       <p:ext uri="{BB962C8B-B14F-4D97-AF65-F5344CB8AC3E}">
@@ -12591,95 +12180,6 @@
   <p:clrMapOvr>
     <a:masterClrMapping/>
   </p:clrMapOvr>
-  <p:timing>
-    <p:tnLst>
-      <p:par>
-        <p:cTn id="1" dur="indefinite" restart="never" nodeType="tmRoot">
-          <p:childTnLst>
-            <p:seq concurrent="1" nextAc="seek">
-              <p:cTn id="2" dur="indefinite" nodeType="mainSeq">
-                <p:childTnLst>
-                  <p:par>
-                    <p:cTn id="3" fill="hold">
-                      <p:stCondLst>
-                        <p:cond delay="indefinite"/>
-                        <p:cond evt="onBegin" delay="0">
-                          <p:tn val="2"/>
-                        </p:cond>
-                      </p:stCondLst>
-                      <p:childTnLst>
-                        <p:par>
-                          <p:cTn id="4" fill="hold">
-                            <p:stCondLst>
-                              <p:cond delay="0"/>
-                            </p:stCondLst>
-                            <p:childTnLst>
-                              <p:par>
-                                <p:cTn id="5" presetID="10" presetClass="entr" presetSubtype="0" fill="hold" grpId="0" nodeType="afterEffect">
-                                  <p:stCondLst>
-                                    <p:cond delay="250"/>
-                                  </p:stCondLst>
-                                  <p:childTnLst>
-                                    <p:set>
-                                      <p:cBhvr>
-                                        <p:cTn id="6" dur="1" fill="hold">
-                                          <p:stCondLst>
-                                            <p:cond delay="0"/>
-                                          </p:stCondLst>
-                                        </p:cTn>
-                                        <p:tgtEl>
-                                          <p:spTgt spid="3"/>
-                                        </p:tgtEl>
-                                        <p:attrNameLst>
-                                          <p:attrName>style.visibility</p:attrName>
-                                        </p:attrNameLst>
-                                      </p:cBhvr>
-                                      <p:to>
-                                        <p:strVal val="visible"/>
-                                      </p:to>
-                                    </p:set>
-                                    <p:animEffect transition="in" filter="fade">
-                                      <p:cBhvr>
-                                        <p:cTn id="7" dur="500"/>
-                                        <p:tgtEl>
-                                          <p:spTgt spid="3"/>
-                                        </p:tgtEl>
-                                      </p:cBhvr>
-                                    </p:animEffect>
-                                  </p:childTnLst>
-                                </p:cTn>
-                              </p:par>
-                            </p:childTnLst>
-                          </p:cTn>
-                        </p:par>
-                      </p:childTnLst>
-                    </p:cTn>
-                  </p:par>
-                </p:childTnLst>
-              </p:cTn>
-              <p:prevCondLst>
-                <p:cond evt="onPrev" delay="0">
-                  <p:tgtEl>
-                    <p:sldTgt/>
-                  </p:tgtEl>
-                </p:cond>
-              </p:prevCondLst>
-              <p:nextCondLst>
-                <p:cond evt="onNext" delay="0">
-                  <p:tgtEl>
-                    <p:sldTgt/>
-                  </p:tgtEl>
-                </p:cond>
-              </p:nextCondLst>
-            </p:seq>
-          </p:childTnLst>
-        </p:cTn>
-      </p:par>
-    </p:tnLst>
-    <p:bldLst>
-      <p:bldP spid="3" grpId="0"/>
-    </p:bldLst>
-  </p:timing>
 </p:sld>
 </file>
 

--- a/Documentos/APRESENTAÇÃO.SPRINT2.pptx
+++ b/Documentos/APRESENTAÇÃO.SPRINT2.pptx
@@ -12215,14 +12215,14 @@
           <p:nvPr>
             <p:extLst>
               <p:ext uri="{D42A27DB-BD31-4B8C-83A1-F6EECF244321}">
-                <p14:modId xmlns:p14="http://schemas.microsoft.com/office/powerpoint/2010/main" val="411665888"/>
+                <p14:modId xmlns:p14="http://schemas.microsoft.com/office/powerpoint/2010/main" val="810266585"/>
               </p:ext>
             </p:extLst>
           </p:nvPr>
         </p:nvGraphicFramePr>
         <p:xfrm>
           <a:off x="180807" y="991101"/>
-          <a:ext cx="8228455" cy="3660942"/>
+          <a:ext cx="8028696" cy="3508542"/>
         </p:xfrm>
         <a:graphic>
           <a:graphicData uri="http://schemas.openxmlformats.org/drawingml/2006/table">
@@ -12231,28 +12231,28 @@
                 <a:tableStyleId>{473ACEA7-2A10-4AA4-BFA6-6C7E4F44E177}</a:tableStyleId>
               </a:tblPr>
               <a:tblGrid>
-                <a:gridCol w="987412">
+                <a:gridCol w="552723">
                   <a:extLst>
                     <a:ext uri="{9D8B030D-6E8A-4147-A177-3AD203B41FA5}">
                       <a16:colId xmlns:a16="http://schemas.microsoft.com/office/drawing/2014/main" val="319095284"/>
                     </a:ext>
                   </a:extLst>
                 </a:gridCol>
-                <a:gridCol w="1720454">
+                <a:gridCol w="1627833">
                   <a:extLst>
                     <a:ext uri="{9D8B030D-6E8A-4147-A177-3AD203B41FA5}">
                       <a16:colId xmlns:a16="http://schemas.microsoft.com/office/drawing/2014/main" val="388584863"/>
                     </a:ext>
                   </a:extLst>
                 </a:gridCol>
-                <a:gridCol w="759841">
+                <a:gridCol w="1155560">
                   <a:extLst>
                     <a:ext uri="{9D8B030D-6E8A-4147-A177-3AD203B41FA5}">
                       <a16:colId xmlns:a16="http://schemas.microsoft.com/office/drawing/2014/main" val="421641730"/>
                     </a:ext>
                   </a:extLst>
                 </a:gridCol>
-                <a:gridCol w="585833">
+                <a:gridCol w="717424">
                   <a:extLst>
                     <a:ext uri="{9D8B030D-6E8A-4147-A177-3AD203B41FA5}">
                       <a16:colId xmlns:a16="http://schemas.microsoft.com/office/drawing/2014/main" val="3205104673"/>
@@ -12273,7 +12273,7 @@
                     </a:ext>
                   </a:extLst>
                 </a:gridCol>
-                <a:gridCol w="2666385">
+                <a:gridCol w="2466626">
                   <a:extLst>
                     <a:ext uri="{9D8B030D-6E8A-4147-A177-3AD203B41FA5}">
                       <a16:colId xmlns:a16="http://schemas.microsoft.com/office/drawing/2014/main" val="227289974"/>

--- a/Documentos/APRESENTAÇÃO.SPRINT2.pptx
+++ b/Documentos/APRESENTAÇÃO.SPRINT2.pptx
@@ -5,21 +5,24 @@
     <p:sldMasterId id="2147483683" r:id="rId1"/>
   </p:sldMasterIdLst>
   <p:notesMasterIdLst>
-    <p:notesMasterId r:id="rId14"/>
+    <p:notesMasterId r:id="rId17"/>
   </p:notesMasterIdLst>
   <p:sldIdLst>
     <p:sldId id="256" r:id="rId2"/>
-    <p:sldId id="323" r:id="rId3"/>
-    <p:sldId id="324" r:id="rId4"/>
-    <p:sldId id="330" r:id="rId5"/>
-    <p:sldId id="325" r:id="rId6"/>
-    <p:sldId id="264" r:id="rId7"/>
-    <p:sldId id="328" r:id="rId8"/>
-    <p:sldId id="327" r:id="rId9"/>
-    <p:sldId id="322" r:id="rId10"/>
-    <p:sldId id="326" r:id="rId11"/>
-    <p:sldId id="316" r:id="rId12"/>
-    <p:sldId id="301" r:id="rId13"/>
+    <p:sldId id="301" r:id="rId3"/>
+    <p:sldId id="323" r:id="rId4"/>
+    <p:sldId id="324" r:id="rId5"/>
+    <p:sldId id="330" r:id="rId6"/>
+    <p:sldId id="325" r:id="rId7"/>
+    <p:sldId id="264" r:id="rId8"/>
+    <p:sldId id="328" r:id="rId9"/>
+    <p:sldId id="327" r:id="rId10"/>
+    <p:sldId id="322" r:id="rId11"/>
+    <p:sldId id="333" r:id="rId12"/>
+    <p:sldId id="334" r:id="rId13"/>
+    <p:sldId id="335" r:id="rId14"/>
+    <p:sldId id="326" r:id="rId15"/>
+    <p:sldId id="316" r:id="rId16"/>
   </p:sldIdLst>
   <p:sldSz cx="9144000" cy="5143500" type="screen16x9"/>
   <p:notesSz cx="6858000" cy="9144000"/>
@@ -291,6 +294,3669 @@
     <p1510:client id="{A2916D42-B181-40B4-A221-A873AD1A8EB1}" v="233" dt="2021-04-20T23:10:06.873"/>
   </p1510:revLst>
 </p1510:revInfo>
+</file>
+
+<file path=ppt/charts/chart1.xml><?xml version="1.0" encoding="utf-8"?>
+<c:chartSpace xmlns:c="http://schemas.openxmlformats.org/drawingml/2006/chart" xmlns:a="http://schemas.openxmlformats.org/drawingml/2006/main" xmlns:r="http://schemas.openxmlformats.org/officeDocument/2006/relationships" xmlns:c16r2="http://schemas.microsoft.com/office/drawing/2015/06/chart">
+  <c:date1904 val="0"/>
+  <c:lang val="pt-BR"/>
+  <c:roundedCorners val="0"/>
+  <mc:AlternateContent xmlns:mc="http://schemas.openxmlformats.org/markup-compatibility/2006">
+    <mc:Choice xmlns:c14="http://schemas.microsoft.com/office/drawing/2007/8/2/chart" Requires="c14">
+      <c14:style val="102"/>
+    </mc:Choice>
+    <mc:Fallback>
+      <c:style val="2"/>
+    </mc:Fallback>
+  </mc:AlternateContent>
+  <c:chart>
+    <c:title>
+      <c:tx>
+        <c:rich>
+          <a:bodyPr rot="0" spcFirstLastPara="1" vertOverflow="ellipsis" vert="horz" wrap="square" anchor="ctr" anchorCtr="1"/>
+          <a:lstStyle/>
+          <a:p>
+            <a:pPr>
+              <a:defRPr sz="1400" b="0" i="0" u="none" strike="noStrike" kern="1200" spc="0" baseline="0">
+                <a:solidFill>
+                  <a:schemeClr val="tx1">
+                    <a:lumMod val="65000"/>
+                    <a:lumOff val="35000"/>
+                  </a:schemeClr>
+                </a:solidFill>
+                <a:latin typeface="+mn-lt"/>
+                <a:ea typeface="+mn-ea"/>
+                <a:cs typeface="+mn-cs"/>
+              </a:defRPr>
+            </a:pPr>
+            <a:r>
+              <a:rPr lang="pt-BR"/>
+              <a:t>Germinação</a:t>
+            </a:r>
+            <a:r>
+              <a:rPr lang="pt-BR" baseline="0"/>
+              <a:t> (umidade)</a:t>
+            </a:r>
+            <a:endParaRPr lang="pt-BR"/>
+          </a:p>
+        </c:rich>
+      </c:tx>
+      <c:overlay val="0"/>
+      <c:spPr>
+        <a:noFill/>
+        <a:ln>
+          <a:noFill/>
+        </a:ln>
+        <a:effectLst/>
+      </c:spPr>
+      <c:txPr>
+        <a:bodyPr rot="0" spcFirstLastPara="1" vertOverflow="ellipsis" vert="horz" wrap="square" anchor="ctr" anchorCtr="1"/>
+        <a:lstStyle/>
+        <a:p>
+          <a:pPr>
+            <a:defRPr sz="1400" b="0" i="0" u="none" strike="noStrike" kern="1200" spc="0" baseline="0">
+              <a:solidFill>
+                <a:schemeClr val="tx1">
+                  <a:lumMod val="65000"/>
+                  <a:lumOff val="35000"/>
+                </a:schemeClr>
+              </a:solidFill>
+              <a:latin typeface="+mn-lt"/>
+              <a:ea typeface="+mn-ea"/>
+              <a:cs typeface="+mn-cs"/>
+            </a:defRPr>
+          </a:pPr>
+          <a:endParaRPr lang="pt-BR"/>
+        </a:p>
+      </c:txPr>
+    </c:title>
+    <c:autoTitleDeleted val="0"/>
+    <c:plotArea>
+      <c:layout/>
+      <c:lineChart>
+        <c:grouping val="standard"/>
+        <c:varyColors val="0"/>
+        <c:ser>
+          <c:idx val="0"/>
+          <c:order val="0"/>
+          <c:tx>
+            <c:strRef>
+              <c:f>Planilha1!$F$3</c:f>
+              <c:strCache>
+                <c:ptCount val="1"/>
+                <c:pt idx="0">
+                  <c:v>Germinação</c:v>
+                </c:pt>
+              </c:strCache>
+            </c:strRef>
+          </c:tx>
+          <c:spPr>
+            <a:ln w="28575" cap="rnd">
+              <a:solidFill>
+                <a:schemeClr val="accent1"/>
+              </a:solidFill>
+              <a:round/>
+            </a:ln>
+            <a:effectLst/>
+          </c:spPr>
+          <c:marker>
+            <c:symbol val="none"/>
+          </c:marker>
+          <c:cat>
+            <c:strRef>
+              <c:f>Planilha1!$E$4:$E$8</c:f>
+              <c:strCache>
+                <c:ptCount val="5"/>
+                <c:pt idx="0">
+                  <c:v>SENSOR 1</c:v>
+                </c:pt>
+                <c:pt idx="1">
+                  <c:v>SENSOR 2</c:v>
+                </c:pt>
+                <c:pt idx="2">
+                  <c:v>SENSOR 3</c:v>
+                </c:pt>
+                <c:pt idx="3">
+                  <c:v>SENSOR 4</c:v>
+                </c:pt>
+                <c:pt idx="4">
+                  <c:v>SENSOR 5</c:v>
+                </c:pt>
+              </c:strCache>
+            </c:strRef>
+          </c:cat>
+          <c:val>
+            <c:numRef>
+              <c:f>Planilha1!$F$4:$F$8</c:f>
+              <c:numCache>
+                <c:formatCode>0%</c:formatCode>
+                <c:ptCount val="5"/>
+                <c:pt idx="0">
+                  <c:v>0.53</c:v>
+                </c:pt>
+                <c:pt idx="1">
+                  <c:v>0.7</c:v>
+                </c:pt>
+                <c:pt idx="2">
+                  <c:v>0.6</c:v>
+                </c:pt>
+                <c:pt idx="3">
+                  <c:v>0.69</c:v>
+                </c:pt>
+                <c:pt idx="4">
+                  <c:v>0.92</c:v>
+                </c:pt>
+              </c:numCache>
+            </c:numRef>
+          </c:val>
+          <c:smooth val="0"/>
+          <c:extLst>
+            <c:ext xmlns:c16="http://schemas.microsoft.com/office/drawing/2014/chart" uri="{C3380CC4-5D6E-409C-BE32-E72D297353CC}">
+              <c16:uniqueId val="{00000000-C698-4A25-831C-FB5EFB9508FE}"/>
+            </c:ext>
+          </c:extLst>
+        </c:ser>
+        <c:ser>
+          <c:idx val="1"/>
+          <c:order val="1"/>
+          <c:tx>
+            <c:strRef>
+              <c:f>Planilha1!$G$3</c:f>
+              <c:strCache>
+                <c:ptCount val="1"/>
+                <c:pt idx="0">
+                  <c:v>Emergência</c:v>
+                </c:pt>
+              </c:strCache>
+            </c:strRef>
+          </c:tx>
+          <c:spPr>
+            <a:ln w="28575" cap="rnd">
+              <a:solidFill>
+                <a:schemeClr val="accent2"/>
+              </a:solidFill>
+              <a:round/>
+            </a:ln>
+            <a:effectLst/>
+          </c:spPr>
+          <c:marker>
+            <c:symbol val="none"/>
+          </c:marker>
+          <c:cat>
+            <c:strRef>
+              <c:f>Planilha1!$E$4:$E$8</c:f>
+              <c:strCache>
+                <c:ptCount val="5"/>
+                <c:pt idx="0">
+                  <c:v>SENSOR 1</c:v>
+                </c:pt>
+                <c:pt idx="1">
+                  <c:v>SENSOR 2</c:v>
+                </c:pt>
+                <c:pt idx="2">
+                  <c:v>SENSOR 3</c:v>
+                </c:pt>
+                <c:pt idx="3">
+                  <c:v>SENSOR 4</c:v>
+                </c:pt>
+                <c:pt idx="4">
+                  <c:v>SENSOR 5</c:v>
+                </c:pt>
+              </c:strCache>
+            </c:strRef>
+          </c:cat>
+          <c:val>
+            <c:numRef>
+              <c:f>Planilha1!$G$4:$G$8</c:f>
+              <c:numCache>
+                <c:formatCode>0%</c:formatCode>
+                <c:ptCount val="5"/>
+                <c:pt idx="0">
+                  <c:v>0.5</c:v>
+                </c:pt>
+                <c:pt idx="1">
+                  <c:v>0.5</c:v>
+                </c:pt>
+                <c:pt idx="2">
+                  <c:v>0.5</c:v>
+                </c:pt>
+                <c:pt idx="3">
+                  <c:v>0.5</c:v>
+                </c:pt>
+                <c:pt idx="4">
+                  <c:v>0.5</c:v>
+                </c:pt>
+              </c:numCache>
+            </c:numRef>
+          </c:val>
+          <c:smooth val="0"/>
+          <c:extLst>
+            <c:ext xmlns:c16="http://schemas.microsoft.com/office/drawing/2014/chart" uri="{C3380CC4-5D6E-409C-BE32-E72D297353CC}">
+              <c16:uniqueId val="{00000001-C698-4A25-831C-FB5EFB9508FE}"/>
+            </c:ext>
+          </c:extLst>
+        </c:ser>
+        <c:ser>
+          <c:idx val="2"/>
+          <c:order val="2"/>
+          <c:tx>
+            <c:strRef>
+              <c:f>Planilha1!$H$3</c:f>
+              <c:strCache>
+                <c:ptCount val="1"/>
+                <c:pt idx="0">
+                  <c:v>Alerta (Min)</c:v>
+                </c:pt>
+              </c:strCache>
+            </c:strRef>
+          </c:tx>
+          <c:spPr>
+            <a:ln w="28575" cap="rnd">
+              <a:solidFill>
+                <a:schemeClr val="accent3"/>
+              </a:solidFill>
+              <a:round/>
+            </a:ln>
+            <a:effectLst/>
+          </c:spPr>
+          <c:marker>
+            <c:symbol val="none"/>
+          </c:marker>
+          <c:cat>
+            <c:strRef>
+              <c:f>Planilha1!$E$4:$E$8</c:f>
+              <c:strCache>
+                <c:ptCount val="5"/>
+                <c:pt idx="0">
+                  <c:v>SENSOR 1</c:v>
+                </c:pt>
+                <c:pt idx="1">
+                  <c:v>SENSOR 2</c:v>
+                </c:pt>
+                <c:pt idx="2">
+                  <c:v>SENSOR 3</c:v>
+                </c:pt>
+                <c:pt idx="3">
+                  <c:v>SENSOR 4</c:v>
+                </c:pt>
+                <c:pt idx="4">
+                  <c:v>SENSOR 5</c:v>
+                </c:pt>
+              </c:strCache>
+            </c:strRef>
+          </c:cat>
+          <c:val>
+            <c:numRef>
+              <c:f>Planilha1!$H$4:$H$8</c:f>
+              <c:numCache>
+                <c:formatCode>0%</c:formatCode>
+                <c:ptCount val="5"/>
+                <c:pt idx="0">
+                  <c:v>0.54</c:v>
+                </c:pt>
+                <c:pt idx="1">
+                  <c:v>0.54</c:v>
+                </c:pt>
+                <c:pt idx="2">
+                  <c:v>0.54</c:v>
+                </c:pt>
+                <c:pt idx="3">
+                  <c:v>0.54</c:v>
+                </c:pt>
+                <c:pt idx="4">
+                  <c:v>0.54</c:v>
+                </c:pt>
+              </c:numCache>
+            </c:numRef>
+          </c:val>
+          <c:smooth val="0"/>
+          <c:extLst>
+            <c:ext xmlns:c16="http://schemas.microsoft.com/office/drawing/2014/chart" uri="{C3380CC4-5D6E-409C-BE32-E72D297353CC}">
+              <c16:uniqueId val="{00000002-C698-4A25-831C-FB5EFB9508FE}"/>
+            </c:ext>
+          </c:extLst>
+        </c:ser>
+        <c:ser>
+          <c:idx val="3"/>
+          <c:order val="3"/>
+          <c:tx>
+            <c:strRef>
+              <c:f>Planilha1!$I$3</c:f>
+              <c:strCache>
+                <c:ptCount val="1"/>
+                <c:pt idx="0">
+                  <c:v>Alerta (Max)</c:v>
+                </c:pt>
+              </c:strCache>
+            </c:strRef>
+          </c:tx>
+          <c:spPr>
+            <a:ln w="28575" cap="rnd">
+              <a:solidFill>
+                <a:schemeClr val="accent4"/>
+              </a:solidFill>
+              <a:round/>
+            </a:ln>
+            <a:effectLst/>
+          </c:spPr>
+          <c:marker>
+            <c:symbol val="none"/>
+          </c:marker>
+          <c:cat>
+            <c:strRef>
+              <c:f>Planilha1!$E$4:$E$8</c:f>
+              <c:strCache>
+                <c:ptCount val="5"/>
+                <c:pt idx="0">
+                  <c:v>SENSOR 1</c:v>
+                </c:pt>
+                <c:pt idx="1">
+                  <c:v>SENSOR 2</c:v>
+                </c:pt>
+                <c:pt idx="2">
+                  <c:v>SENSOR 3</c:v>
+                </c:pt>
+                <c:pt idx="3">
+                  <c:v>SENSOR 4</c:v>
+                </c:pt>
+                <c:pt idx="4">
+                  <c:v>SENSOR 5</c:v>
+                </c:pt>
+              </c:strCache>
+            </c:strRef>
+          </c:cat>
+          <c:val>
+            <c:numRef>
+              <c:f>Planilha1!$I$4:$I$8</c:f>
+              <c:numCache>
+                <c:formatCode>0%</c:formatCode>
+                <c:ptCount val="5"/>
+                <c:pt idx="0">
+                  <c:v>0.81</c:v>
+                </c:pt>
+                <c:pt idx="1">
+                  <c:v>0.81</c:v>
+                </c:pt>
+                <c:pt idx="2">
+                  <c:v>0.81</c:v>
+                </c:pt>
+                <c:pt idx="3">
+                  <c:v>0.81</c:v>
+                </c:pt>
+                <c:pt idx="4">
+                  <c:v>0.81</c:v>
+                </c:pt>
+              </c:numCache>
+            </c:numRef>
+          </c:val>
+          <c:smooth val="0"/>
+          <c:extLst>
+            <c:ext xmlns:c16="http://schemas.microsoft.com/office/drawing/2014/chart" uri="{C3380CC4-5D6E-409C-BE32-E72D297353CC}">
+              <c16:uniqueId val="{00000003-C698-4A25-831C-FB5EFB9508FE}"/>
+            </c:ext>
+          </c:extLst>
+        </c:ser>
+        <c:ser>
+          <c:idx val="4"/>
+          <c:order val="4"/>
+          <c:tx>
+            <c:strRef>
+              <c:f>Planilha1!$J$3</c:f>
+              <c:strCache>
+                <c:ptCount val="1"/>
+                <c:pt idx="0">
+                  <c:v>Emergência</c:v>
+                </c:pt>
+              </c:strCache>
+            </c:strRef>
+          </c:tx>
+          <c:spPr>
+            <a:ln w="28575" cap="rnd">
+              <a:solidFill>
+                <a:schemeClr val="accent5"/>
+              </a:solidFill>
+              <a:round/>
+            </a:ln>
+            <a:effectLst/>
+          </c:spPr>
+          <c:marker>
+            <c:symbol val="none"/>
+          </c:marker>
+          <c:cat>
+            <c:strRef>
+              <c:f>Planilha1!$E$4:$E$8</c:f>
+              <c:strCache>
+                <c:ptCount val="5"/>
+                <c:pt idx="0">
+                  <c:v>SENSOR 1</c:v>
+                </c:pt>
+                <c:pt idx="1">
+                  <c:v>SENSOR 2</c:v>
+                </c:pt>
+                <c:pt idx="2">
+                  <c:v>SENSOR 3</c:v>
+                </c:pt>
+                <c:pt idx="3">
+                  <c:v>SENSOR 4</c:v>
+                </c:pt>
+                <c:pt idx="4">
+                  <c:v>SENSOR 5</c:v>
+                </c:pt>
+              </c:strCache>
+            </c:strRef>
+          </c:cat>
+          <c:val>
+            <c:numRef>
+              <c:f>Planilha1!$J$4:$J$8</c:f>
+              <c:numCache>
+                <c:formatCode>0%</c:formatCode>
+                <c:ptCount val="5"/>
+                <c:pt idx="0">
+                  <c:v>0.85</c:v>
+                </c:pt>
+                <c:pt idx="1">
+                  <c:v>0.85</c:v>
+                </c:pt>
+                <c:pt idx="2">
+                  <c:v>0.85</c:v>
+                </c:pt>
+                <c:pt idx="3">
+                  <c:v>0.85</c:v>
+                </c:pt>
+                <c:pt idx="4">
+                  <c:v>0.85</c:v>
+                </c:pt>
+              </c:numCache>
+            </c:numRef>
+          </c:val>
+          <c:smooth val="0"/>
+          <c:extLst>
+            <c:ext xmlns:c16="http://schemas.microsoft.com/office/drawing/2014/chart" uri="{C3380CC4-5D6E-409C-BE32-E72D297353CC}">
+              <c16:uniqueId val="{00000004-C698-4A25-831C-FB5EFB9508FE}"/>
+            </c:ext>
+          </c:extLst>
+        </c:ser>
+        <c:dLbls>
+          <c:showLegendKey val="0"/>
+          <c:showVal val="0"/>
+          <c:showCatName val="0"/>
+          <c:showSerName val="0"/>
+          <c:showPercent val="0"/>
+          <c:showBubbleSize val="0"/>
+        </c:dLbls>
+        <c:smooth val="0"/>
+        <c:axId val="487826352"/>
+        <c:axId val="487826768"/>
+      </c:lineChart>
+      <c:catAx>
+        <c:axId val="487826352"/>
+        <c:scaling>
+          <c:orientation val="minMax"/>
+        </c:scaling>
+        <c:delete val="0"/>
+        <c:axPos val="b"/>
+        <c:numFmt formatCode="General" sourceLinked="1"/>
+        <c:majorTickMark val="none"/>
+        <c:minorTickMark val="none"/>
+        <c:tickLblPos val="nextTo"/>
+        <c:spPr>
+          <a:noFill/>
+          <a:ln w="9525" cap="flat" cmpd="sng" algn="ctr">
+            <a:solidFill>
+              <a:schemeClr val="tx1">
+                <a:lumMod val="15000"/>
+                <a:lumOff val="85000"/>
+              </a:schemeClr>
+            </a:solidFill>
+            <a:round/>
+          </a:ln>
+          <a:effectLst/>
+        </c:spPr>
+        <c:txPr>
+          <a:bodyPr rot="-60000000" spcFirstLastPara="1" vertOverflow="ellipsis" vert="horz" wrap="square" anchor="ctr" anchorCtr="1"/>
+          <a:lstStyle/>
+          <a:p>
+            <a:pPr>
+              <a:defRPr sz="900" b="0" i="0" u="none" strike="noStrike" kern="1200" baseline="0">
+                <a:solidFill>
+                  <a:schemeClr val="tx1">
+                    <a:lumMod val="65000"/>
+                    <a:lumOff val="35000"/>
+                  </a:schemeClr>
+                </a:solidFill>
+                <a:latin typeface="+mn-lt"/>
+                <a:ea typeface="+mn-ea"/>
+                <a:cs typeface="+mn-cs"/>
+              </a:defRPr>
+            </a:pPr>
+            <a:endParaRPr lang="pt-BR"/>
+          </a:p>
+        </c:txPr>
+        <c:crossAx val="487826768"/>
+        <c:crosses val="autoZero"/>
+        <c:auto val="1"/>
+        <c:lblAlgn val="ctr"/>
+        <c:lblOffset val="100"/>
+        <c:noMultiLvlLbl val="0"/>
+      </c:catAx>
+      <c:valAx>
+        <c:axId val="487826768"/>
+        <c:scaling>
+          <c:orientation val="minMax"/>
+        </c:scaling>
+        <c:delete val="0"/>
+        <c:axPos val="l"/>
+        <c:majorGridlines>
+          <c:spPr>
+            <a:ln w="9525" cap="flat" cmpd="sng" algn="ctr">
+              <a:solidFill>
+                <a:schemeClr val="tx1">
+                  <a:lumMod val="15000"/>
+                  <a:lumOff val="85000"/>
+                </a:schemeClr>
+              </a:solidFill>
+              <a:round/>
+            </a:ln>
+            <a:effectLst/>
+          </c:spPr>
+        </c:majorGridlines>
+        <c:numFmt formatCode="0%" sourceLinked="1"/>
+        <c:majorTickMark val="none"/>
+        <c:minorTickMark val="none"/>
+        <c:tickLblPos val="nextTo"/>
+        <c:spPr>
+          <a:noFill/>
+          <a:ln>
+            <a:noFill/>
+          </a:ln>
+          <a:effectLst/>
+        </c:spPr>
+        <c:txPr>
+          <a:bodyPr rot="-60000000" spcFirstLastPara="1" vertOverflow="ellipsis" vert="horz" wrap="square" anchor="ctr" anchorCtr="1"/>
+          <a:lstStyle/>
+          <a:p>
+            <a:pPr>
+              <a:defRPr sz="900" b="0" i="0" u="none" strike="noStrike" kern="1200" baseline="0">
+                <a:solidFill>
+                  <a:schemeClr val="tx1">
+                    <a:lumMod val="65000"/>
+                    <a:lumOff val="35000"/>
+                  </a:schemeClr>
+                </a:solidFill>
+                <a:latin typeface="+mn-lt"/>
+                <a:ea typeface="+mn-ea"/>
+                <a:cs typeface="+mn-cs"/>
+              </a:defRPr>
+            </a:pPr>
+            <a:endParaRPr lang="pt-BR"/>
+          </a:p>
+        </c:txPr>
+        <c:crossAx val="487826352"/>
+        <c:crosses val="autoZero"/>
+        <c:crossBetween val="between"/>
+      </c:valAx>
+      <c:spPr>
+        <a:noFill/>
+        <a:ln>
+          <a:noFill/>
+        </a:ln>
+        <a:effectLst/>
+      </c:spPr>
+    </c:plotArea>
+    <c:legend>
+      <c:legendPos val="b"/>
+      <c:overlay val="0"/>
+      <c:spPr>
+        <a:noFill/>
+        <a:ln>
+          <a:noFill/>
+        </a:ln>
+        <a:effectLst/>
+      </c:spPr>
+      <c:txPr>
+        <a:bodyPr rot="0" spcFirstLastPara="1" vertOverflow="ellipsis" vert="horz" wrap="square" anchor="ctr" anchorCtr="1"/>
+        <a:lstStyle/>
+        <a:p>
+          <a:pPr>
+            <a:defRPr sz="900" b="0" i="0" u="none" strike="noStrike" kern="1200" baseline="0">
+              <a:solidFill>
+                <a:schemeClr val="tx1">
+                  <a:lumMod val="65000"/>
+                  <a:lumOff val="35000"/>
+                </a:schemeClr>
+              </a:solidFill>
+              <a:latin typeface="+mn-lt"/>
+              <a:ea typeface="+mn-ea"/>
+              <a:cs typeface="+mn-cs"/>
+            </a:defRPr>
+          </a:pPr>
+          <a:endParaRPr lang="pt-BR"/>
+        </a:p>
+      </c:txPr>
+    </c:legend>
+    <c:plotVisOnly val="1"/>
+    <c:dispBlanksAs val="gap"/>
+    <c:showDLblsOverMax val="0"/>
+  </c:chart>
+  <c:spPr>
+    <a:noFill/>
+    <a:ln>
+      <a:noFill/>
+    </a:ln>
+    <a:effectLst/>
+  </c:spPr>
+  <c:txPr>
+    <a:bodyPr/>
+    <a:lstStyle/>
+    <a:p>
+      <a:pPr>
+        <a:defRPr/>
+      </a:pPr>
+      <a:endParaRPr lang="pt-BR"/>
+    </a:p>
+  </c:txPr>
+  <c:externalData r:id="rId3">
+    <c:autoUpdate val="0"/>
+  </c:externalData>
+</c:chartSpace>
+</file>
+
+<file path=ppt/charts/chart2.xml><?xml version="1.0" encoding="utf-8"?>
+<c:chartSpace xmlns:c="http://schemas.openxmlformats.org/drawingml/2006/chart" xmlns:a="http://schemas.openxmlformats.org/drawingml/2006/main" xmlns:r="http://schemas.openxmlformats.org/officeDocument/2006/relationships" xmlns:c16r2="http://schemas.microsoft.com/office/drawing/2015/06/chart">
+  <c:date1904 val="0"/>
+  <c:lang val="pt-BR"/>
+  <c:roundedCorners val="0"/>
+  <mc:AlternateContent xmlns:mc="http://schemas.openxmlformats.org/markup-compatibility/2006">
+    <mc:Choice xmlns:c14="http://schemas.microsoft.com/office/drawing/2007/8/2/chart" Requires="c14">
+      <c14:style val="102"/>
+    </mc:Choice>
+    <mc:Fallback>
+      <c:style val="2"/>
+    </mc:Fallback>
+  </mc:AlternateContent>
+  <c:chart>
+    <c:title>
+      <c:tx>
+        <c:rich>
+          <a:bodyPr rot="0" spcFirstLastPara="1" vertOverflow="ellipsis" vert="horz" wrap="square" anchor="ctr" anchorCtr="1"/>
+          <a:lstStyle/>
+          <a:p>
+            <a:pPr>
+              <a:defRPr sz="1400" b="0" i="0" u="none" strike="noStrike" kern="1200" spc="0" baseline="0">
+                <a:solidFill>
+                  <a:schemeClr val="tx1">
+                    <a:lumMod val="65000"/>
+                    <a:lumOff val="35000"/>
+                  </a:schemeClr>
+                </a:solidFill>
+                <a:latin typeface="+mn-lt"/>
+                <a:ea typeface="+mn-ea"/>
+                <a:cs typeface="+mn-cs"/>
+              </a:defRPr>
+            </a:pPr>
+            <a:r>
+              <a:rPr lang="pt-BR"/>
+              <a:t>Vegetativa</a:t>
+            </a:r>
+            <a:r>
+              <a:rPr lang="pt-BR" baseline="0"/>
+              <a:t> (umidade)</a:t>
+            </a:r>
+            <a:endParaRPr lang="pt-BR"/>
+          </a:p>
+        </c:rich>
+      </c:tx>
+      <c:overlay val="0"/>
+      <c:spPr>
+        <a:noFill/>
+        <a:ln>
+          <a:noFill/>
+        </a:ln>
+        <a:effectLst/>
+      </c:spPr>
+      <c:txPr>
+        <a:bodyPr rot="0" spcFirstLastPara="1" vertOverflow="ellipsis" vert="horz" wrap="square" anchor="ctr" anchorCtr="1"/>
+        <a:lstStyle/>
+        <a:p>
+          <a:pPr>
+            <a:defRPr sz="1400" b="0" i="0" u="none" strike="noStrike" kern="1200" spc="0" baseline="0">
+              <a:solidFill>
+                <a:schemeClr val="tx1">
+                  <a:lumMod val="65000"/>
+                  <a:lumOff val="35000"/>
+                </a:schemeClr>
+              </a:solidFill>
+              <a:latin typeface="+mn-lt"/>
+              <a:ea typeface="+mn-ea"/>
+              <a:cs typeface="+mn-cs"/>
+            </a:defRPr>
+          </a:pPr>
+          <a:endParaRPr lang="pt-BR"/>
+        </a:p>
+      </c:txPr>
+    </c:title>
+    <c:autoTitleDeleted val="0"/>
+    <c:plotArea>
+      <c:layout/>
+      <c:lineChart>
+        <c:grouping val="standard"/>
+        <c:varyColors val="0"/>
+        <c:ser>
+          <c:idx val="0"/>
+          <c:order val="0"/>
+          <c:tx>
+            <c:strRef>
+              <c:f>Planilha1!$F$19</c:f>
+              <c:strCache>
+                <c:ptCount val="1"/>
+                <c:pt idx="0">
+                  <c:v>Vegetativa</c:v>
+                </c:pt>
+              </c:strCache>
+            </c:strRef>
+          </c:tx>
+          <c:spPr>
+            <a:ln w="28575" cap="rnd">
+              <a:solidFill>
+                <a:schemeClr val="accent1"/>
+              </a:solidFill>
+              <a:round/>
+            </a:ln>
+            <a:effectLst/>
+          </c:spPr>
+          <c:marker>
+            <c:symbol val="none"/>
+          </c:marker>
+          <c:cat>
+            <c:strRef>
+              <c:f>Planilha1!$E$20:$E$24</c:f>
+              <c:strCache>
+                <c:ptCount val="5"/>
+                <c:pt idx="0">
+                  <c:v>SENSOR 1</c:v>
+                </c:pt>
+                <c:pt idx="1">
+                  <c:v>SENSOR 2</c:v>
+                </c:pt>
+                <c:pt idx="2">
+                  <c:v>SENSOR 3</c:v>
+                </c:pt>
+                <c:pt idx="3">
+                  <c:v>SENSOR 4</c:v>
+                </c:pt>
+                <c:pt idx="4">
+                  <c:v>SENSOR 5</c:v>
+                </c:pt>
+              </c:strCache>
+            </c:strRef>
+          </c:cat>
+          <c:val>
+            <c:numRef>
+              <c:f>Planilha1!$F$20:$F$24</c:f>
+              <c:numCache>
+                <c:formatCode>0.0%</c:formatCode>
+                <c:ptCount val="5"/>
+                <c:pt idx="0">
+                  <c:v>1.7000000000000001E-2</c:v>
+                </c:pt>
+                <c:pt idx="1">
+                  <c:v>3.7999999999999999E-2</c:v>
+                </c:pt>
+                <c:pt idx="2">
+                  <c:v>2.8000000000000001E-2</c:v>
+                </c:pt>
+                <c:pt idx="3">
+                  <c:v>2.3E-2</c:v>
+                </c:pt>
+                <c:pt idx="4">
+                  <c:v>3.4000000000000002E-2</c:v>
+                </c:pt>
+              </c:numCache>
+            </c:numRef>
+          </c:val>
+          <c:smooth val="0"/>
+          <c:extLst>
+            <c:ext xmlns:c16="http://schemas.microsoft.com/office/drawing/2014/chart" uri="{C3380CC4-5D6E-409C-BE32-E72D297353CC}">
+              <c16:uniqueId val="{00000000-D794-482A-8EA7-EBF69C61A7E4}"/>
+            </c:ext>
+          </c:extLst>
+        </c:ser>
+        <c:ser>
+          <c:idx val="1"/>
+          <c:order val="1"/>
+          <c:tx>
+            <c:strRef>
+              <c:f>Planilha1!$G$19</c:f>
+              <c:strCache>
+                <c:ptCount val="1"/>
+                <c:pt idx="0">
+                  <c:v>Emergência</c:v>
+                </c:pt>
+              </c:strCache>
+            </c:strRef>
+          </c:tx>
+          <c:spPr>
+            <a:ln w="28575" cap="rnd">
+              <a:solidFill>
+                <a:schemeClr val="accent2"/>
+              </a:solidFill>
+              <a:round/>
+            </a:ln>
+            <a:effectLst/>
+          </c:spPr>
+          <c:marker>
+            <c:symbol val="none"/>
+          </c:marker>
+          <c:cat>
+            <c:strRef>
+              <c:f>Planilha1!$E$20:$E$24</c:f>
+              <c:strCache>
+                <c:ptCount val="5"/>
+                <c:pt idx="0">
+                  <c:v>SENSOR 1</c:v>
+                </c:pt>
+                <c:pt idx="1">
+                  <c:v>SENSOR 2</c:v>
+                </c:pt>
+                <c:pt idx="2">
+                  <c:v>SENSOR 3</c:v>
+                </c:pt>
+                <c:pt idx="3">
+                  <c:v>SENSOR 4</c:v>
+                </c:pt>
+                <c:pt idx="4">
+                  <c:v>SENSOR 5</c:v>
+                </c:pt>
+              </c:strCache>
+            </c:strRef>
+          </c:cat>
+          <c:val>
+            <c:numRef>
+              <c:f>Planilha1!$G$20:$G$24</c:f>
+              <c:numCache>
+                <c:formatCode>0.0%</c:formatCode>
+                <c:ptCount val="5"/>
+                <c:pt idx="0">
+                  <c:v>1.9E-2</c:v>
+                </c:pt>
+                <c:pt idx="1">
+                  <c:v>1.9E-2</c:v>
+                </c:pt>
+                <c:pt idx="2">
+                  <c:v>1.9E-2</c:v>
+                </c:pt>
+                <c:pt idx="3">
+                  <c:v>1.9E-2</c:v>
+                </c:pt>
+                <c:pt idx="4">
+                  <c:v>1.9E-2</c:v>
+                </c:pt>
+              </c:numCache>
+            </c:numRef>
+          </c:val>
+          <c:smooth val="0"/>
+          <c:extLst>
+            <c:ext xmlns:c16="http://schemas.microsoft.com/office/drawing/2014/chart" uri="{C3380CC4-5D6E-409C-BE32-E72D297353CC}">
+              <c16:uniqueId val="{00000001-D794-482A-8EA7-EBF69C61A7E4}"/>
+            </c:ext>
+          </c:extLst>
+        </c:ser>
+        <c:ser>
+          <c:idx val="2"/>
+          <c:order val="2"/>
+          <c:tx>
+            <c:strRef>
+              <c:f>Planilha1!$H$19</c:f>
+              <c:strCache>
+                <c:ptCount val="1"/>
+                <c:pt idx="0">
+                  <c:v>Alerta (Min)</c:v>
+                </c:pt>
+              </c:strCache>
+            </c:strRef>
+          </c:tx>
+          <c:spPr>
+            <a:ln w="28575" cap="rnd">
+              <a:solidFill>
+                <a:schemeClr val="accent3"/>
+              </a:solidFill>
+              <a:round/>
+            </a:ln>
+            <a:effectLst/>
+          </c:spPr>
+          <c:marker>
+            <c:symbol val="none"/>
+          </c:marker>
+          <c:cat>
+            <c:strRef>
+              <c:f>Planilha1!$E$20:$E$24</c:f>
+              <c:strCache>
+                <c:ptCount val="5"/>
+                <c:pt idx="0">
+                  <c:v>SENSOR 1</c:v>
+                </c:pt>
+                <c:pt idx="1">
+                  <c:v>SENSOR 2</c:v>
+                </c:pt>
+                <c:pt idx="2">
+                  <c:v>SENSOR 3</c:v>
+                </c:pt>
+                <c:pt idx="3">
+                  <c:v>SENSOR 4</c:v>
+                </c:pt>
+                <c:pt idx="4">
+                  <c:v>SENSOR 5</c:v>
+                </c:pt>
+              </c:strCache>
+            </c:strRef>
+          </c:cat>
+          <c:val>
+            <c:numRef>
+              <c:f>Planilha1!$H$20:$H$24</c:f>
+              <c:numCache>
+                <c:formatCode>0.0%</c:formatCode>
+                <c:ptCount val="5"/>
+                <c:pt idx="0">
+                  <c:v>2.4E-2</c:v>
+                </c:pt>
+                <c:pt idx="1">
+                  <c:v>2.4E-2</c:v>
+                </c:pt>
+                <c:pt idx="2">
+                  <c:v>2.4E-2</c:v>
+                </c:pt>
+                <c:pt idx="3">
+                  <c:v>2.4E-2</c:v>
+                </c:pt>
+                <c:pt idx="4">
+                  <c:v>2.4E-2</c:v>
+                </c:pt>
+              </c:numCache>
+            </c:numRef>
+          </c:val>
+          <c:smooth val="0"/>
+          <c:extLst>
+            <c:ext xmlns:c16="http://schemas.microsoft.com/office/drawing/2014/chart" uri="{C3380CC4-5D6E-409C-BE32-E72D297353CC}">
+              <c16:uniqueId val="{00000002-D794-482A-8EA7-EBF69C61A7E4}"/>
+            </c:ext>
+          </c:extLst>
+        </c:ser>
+        <c:ser>
+          <c:idx val="3"/>
+          <c:order val="3"/>
+          <c:tx>
+            <c:strRef>
+              <c:f>Planilha1!$I$19</c:f>
+              <c:strCache>
+                <c:ptCount val="1"/>
+                <c:pt idx="0">
+                  <c:v>Alerta (Max)</c:v>
+                </c:pt>
+              </c:strCache>
+            </c:strRef>
+          </c:tx>
+          <c:spPr>
+            <a:ln w="28575" cap="rnd">
+              <a:solidFill>
+                <a:schemeClr val="accent4"/>
+              </a:solidFill>
+              <a:round/>
+            </a:ln>
+            <a:effectLst/>
+          </c:spPr>
+          <c:marker>
+            <c:symbol val="none"/>
+          </c:marker>
+          <c:cat>
+            <c:strRef>
+              <c:f>Planilha1!$E$20:$E$24</c:f>
+              <c:strCache>
+                <c:ptCount val="5"/>
+                <c:pt idx="0">
+                  <c:v>SENSOR 1</c:v>
+                </c:pt>
+                <c:pt idx="1">
+                  <c:v>SENSOR 2</c:v>
+                </c:pt>
+                <c:pt idx="2">
+                  <c:v>SENSOR 3</c:v>
+                </c:pt>
+                <c:pt idx="3">
+                  <c:v>SENSOR 4</c:v>
+                </c:pt>
+                <c:pt idx="4">
+                  <c:v>SENSOR 5</c:v>
+                </c:pt>
+              </c:strCache>
+            </c:strRef>
+          </c:cat>
+          <c:val>
+            <c:numRef>
+              <c:f>Planilha1!$I$20:$I$24</c:f>
+              <c:numCache>
+                <c:formatCode>0.0%</c:formatCode>
+                <c:ptCount val="5"/>
+                <c:pt idx="0">
+                  <c:v>3.5999999999999997E-2</c:v>
+                </c:pt>
+                <c:pt idx="1">
+                  <c:v>3.5999999999999997E-2</c:v>
+                </c:pt>
+                <c:pt idx="2">
+                  <c:v>3.5999999999999997E-2</c:v>
+                </c:pt>
+                <c:pt idx="3">
+                  <c:v>3.5999999999999997E-2</c:v>
+                </c:pt>
+                <c:pt idx="4">
+                  <c:v>3.5999999999999997E-2</c:v>
+                </c:pt>
+              </c:numCache>
+            </c:numRef>
+          </c:val>
+          <c:smooth val="0"/>
+          <c:extLst>
+            <c:ext xmlns:c16="http://schemas.microsoft.com/office/drawing/2014/chart" uri="{C3380CC4-5D6E-409C-BE32-E72D297353CC}">
+              <c16:uniqueId val="{00000003-D794-482A-8EA7-EBF69C61A7E4}"/>
+            </c:ext>
+          </c:extLst>
+        </c:ser>
+        <c:ser>
+          <c:idx val="4"/>
+          <c:order val="4"/>
+          <c:tx>
+            <c:strRef>
+              <c:f>Planilha1!$J$19</c:f>
+              <c:strCache>
+                <c:ptCount val="1"/>
+                <c:pt idx="0">
+                  <c:v>Emergência</c:v>
+                </c:pt>
+              </c:strCache>
+            </c:strRef>
+          </c:tx>
+          <c:spPr>
+            <a:ln w="28575" cap="rnd">
+              <a:solidFill>
+                <a:schemeClr val="accent5"/>
+              </a:solidFill>
+              <a:round/>
+            </a:ln>
+            <a:effectLst/>
+          </c:spPr>
+          <c:marker>
+            <c:symbol val="none"/>
+          </c:marker>
+          <c:cat>
+            <c:strRef>
+              <c:f>Planilha1!$E$20:$E$24</c:f>
+              <c:strCache>
+                <c:ptCount val="5"/>
+                <c:pt idx="0">
+                  <c:v>SENSOR 1</c:v>
+                </c:pt>
+                <c:pt idx="1">
+                  <c:v>SENSOR 2</c:v>
+                </c:pt>
+                <c:pt idx="2">
+                  <c:v>SENSOR 3</c:v>
+                </c:pt>
+                <c:pt idx="3">
+                  <c:v>SENSOR 4</c:v>
+                </c:pt>
+                <c:pt idx="4">
+                  <c:v>SENSOR 5</c:v>
+                </c:pt>
+              </c:strCache>
+            </c:strRef>
+          </c:cat>
+          <c:val>
+            <c:numRef>
+              <c:f>Planilha1!$J$20:$J$24</c:f>
+              <c:numCache>
+                <c:formatCode>0.0%</c:formatCode>
+                <c:ptCount val="5"/>
+                <c:pt idx="0">
+                  <c:v>4.1000000000000002E-2</c:v>
+                </c:pt>
+                <c:pt idx="1">
+                  <c:v>4.1000000000000002E-2</c:v>
+                </c:pt>
+                <c:pt idx="2">
+                  <c:v>4.1000000000000002E-2</c:v>
+                </c:pt>
+                <c:pt idx="3">
+                  <c:v>4.1000000000000002E-2</c:v>
+                </c:pt>
+                <c:pt idx="4">
+                  <c:v>4.1000000000000002E-2</c:v>
+                </c:pt>
+              </c:numCache>
+            </c:numRef>
+          </c:val>
+          <c:smooth val="0"/>
+          <c:extLst>
+            <c:ext xmlns:c16="http://schemas.microsoft.com/office/drawing/2014/chart" uri="{C3380CC4-5D6E-409C-BE32-E72D297353CC}">
+              <c16:uniqueId val="{00000004-D794-482A-8EA7-EBF69C61A7E4}"/>
+            </c:ext>
+          </c:extLst>
+        </c:ser>
+        <c:dLbls>
+          <c:showLegendKey val="0"/>
+          <c:showVal val="0"/>
+          <c:showCatName val="0"/>
+          <c:showSerName val="0"/>
+          <c:showPercent val="0"/>
+          <c:showBubbleSize val="0"/>
+        </c:dLbls>
+        <c:smooth val="0"/>
+        <c:axId val="487551584"/>
+        <c:axId val="487547008"/>
+      </c:lineChart>
+      <c:catAx>
+        <c:axId val="487551584"/>
+        <c:scaling>
+          <c:orientation val="minMax"/>
+        </c:scaling>
+        <c:delete val="0"/>
+        <c:axPos val="b"/>
+        <c:numFmt formatCode="General" sourceLinked="1"/>
+        <c:majorTickMark val="none"/>
+        <c:minorTickMark val="none"/>
+        <c:tickLblPos val="nextTo"/>
+        <c:spPr>
+          <a:noFill/>
+          <a:ln w="9525" cap="flat" cmpd="sng" algn="ctr">
+            <a:solidFill>
+              <a:schemeClr val="tx1">
+                <a:lumMod val="15000"/>
+                <a:lumOff val="85000"/>
+              </a:schemeClr>
+            </a:solidFill>
+            <a:round/>
+          </a:ln>
+          <a:effectLst/>
+        </c:spPr>
+        <c:txPr>
+          <a:bodyPr rot="-60000000" spcFirstLastPara="1" vertOverflow="ellipsis" vert="horz" wrap="square" anchor="ctr" anchorCtr="1"/>
+          <a:lstStyle/>
+          <a:p>
+            <a:pPr>
+              <a:defRPr sz="900" b="0" i="0" u="none" strike="noStrike" kern="1200" baseline="0">
+                <a:solidFill>
+                  <a:schemeClr val="tx1">
+                    <a:lumMod val="65000"/>
+                    <a:lumOff val="35000"/>
+                  </a:schemeClr>
+                </a:solidFill>
+                <a:latin typeface="+mn-lt"/>
+                <a:ea typeface="+mn-ea"/>
+                <a:cs typeface="+mn-cs"/>
+              </a:defRPr>
+            </a:pPr>
+            <a:endParaRPr lang="pt-BR"/>
+          </a:p>
+        </c:txPr>
+        <c:crossAx val="487547008"/>
+        <c:crosses val="autoZero"/>
+        <c:auto val="1"/>
+        <c:lblAlgn val="ctr"/>
+        <c:lblOffset val="100"/>
+        <c:noMultiLvlLbl val="0"/>
+      </c:catAx>
+      <c:valAx>
+        <c:axId val="487547008"/>
+        <c:scaling>
+          <c:orientation val="minMax"/>
+        </c:scaling>
+        <c:delete val="0"/>
+        <c:axPos val="l"/>
+        <c:majorGridlines>
+          <c:spPr>
+            <a:ln w="9525" cap="flat" cmpd="sng" algn="ctr">
+              <a:solidFill>
+                <a:schemeClr val="tx1">
+                  <a:lumMod val="15000"/>
+                  <a:lumOff val="85000"/>
+                </a:schemeClr>
+              </a:solidFill>
+              <a:round/>
+            </a:ln>
+            <a:effectLst/>
+          </c:spPr>
+        </c:majorGridlines>
+        <c:numFmt formatCode="0.0%" sourceLinked="1"/>
+        <c:majorTickMark val="none"/>
+        <c:minorTickMark val="none"/>
+        <c:tickLblPos val="nextTo"/>
+        <c:spPr>
+          <a:noFill/>
+          <a:ln>
+            <a:noFill/>
+          </a:ln>
+          <a:effectLst/>
+        </c:spPr>
+        <c:txPr>
+          <a:bodyPr rot="-60000000" spcFirstLastPara="1" vertOverflow="ellipsis" vert="horz" wrap="square" anchor="ctr" anchorCtr="1"/>
+          <a:lstStyle/>
+          <a:p>
+            <a:pPr>
+              <a:defRPr sz="900" b="0" i="0" u="none" strike="noStrike" kern="1200" baseline="0">
+                <a:solidFill>
+                  <a:schemeClr val="tx1">
+                    <a:lumMod val="65000"/>
+                    <a:lumOff val="35000"/>
+                  </a:schemeClr>
+                </a:solidFill>
+                <a:latin typeface="+mn-lt"/>
+                <a:ea typeface="+mn-ea"/>
+                <a:cs typeface="+mn-cs"/>
+              </a:defRPr>
+            </a:pPr>
+            <a:endParaRPr lang="pt-BR"/>
+          </a:p>
+        </c:txPr>
+        <c:crossAx val="487551584"/>
+        <c:crosses val="autoZero"/>
+        <c:crossBetween val="between"/>
+      </c:valAx>
+      <c:spPr>
+        <a:noFill/>
+        <a:ln>
+          <a:noFill/>
+        </a:ln>
+        <a:effectLst/>
+      </c:spPr>
+    </c:plotArea>
+    <c:legend>
+      <c:legendPos val="b"/>
+      <c:overlay val="0"/>
+      <c:spPr>
+        <a:noFill/>
+        <a:ln>
+          <a:noFill/>
+        </a:ln>
+        <a:effectLst/>
+      </c:spPr>
+      <c:txPr>
+        <a:bodyPr rot="0" spcFirstLastPara="1" vertOverflow="ellipsis" vert="horz" wrap="square" anchor="ctr" anchorCtr="1"/>
+        <a:lstStyle/>
+        <a:p>
+          <a:pPr>
+            <a:defRPr sz="900" b="0" i="0" u="none" strike="noStrike" kern="1200" baseline="0">
+              <a:solidFill>
+                <a:schemeClr val="tx1">
+                  <a:lumMod val="65000"/>
+                  <a:lumOff val="35000"/>
+                </a:schemeClr>
+              </a:solidFill>
+              <a:latin typeface="+mn-lt"/>
+              <a:ea typeface="+mn-ea"/>
+              <a:cs typeface="+mn-cs"/>
+            </a:defRPr>
+          </a:pPr>
+          <a:endParaRPr lang="pt-BR"/>
+        </a:p>
+      </c:txPr>
+    </c:legend>
+    <c:plotVisOnly val="1"/>
+    <c:dispBlanksAs val="gap"/>
+    <c:showDLblsOverMax val="0"/>
+  </c:chart>
+  <c:spPr>
+    <a:noFill/>
+    <a:ln>
+      <a:noFill/>
+    </a:ln>
+    <a:effectLst/>
+  </c:spPr>
+  <c:txPr>
+    <a:bodyPr/>
+    <a:lstStyle/>
+    <a:p>
+      <a:pPr>
+        <a:defRPr/>
+      </a:pPr>
+      <a:endParaRPr lang="pt-BR"/>
+    </a:p>
+  </c:txPr>
+  <c:externalData r:id="rId3">
+    <c:autoUpdate val="0"/>
+  </c:externalData>
+</c:chartSpace>
+</file>
+
+<file path=ppt/charts/chart3.xml><?xml version="1.0" encoding="utf-8"?>
+<c:chartSpace xmlns:c="http://schemas.openxmlformats.org/drawingml/2006/chart" xmlns:a="http://schemas.openxmlformats.org/drawingml/2006/main" xmlns:r="http://schemas.openxmlformats.org/officeDocument/2006/relationships" xmlns:c16r2="http://schemas.microsoft.com/office/drawing/2015/06/chart">
+  <c:date1904 val="0"/>
+  <c:lang val="pt-BR"/>
+  <c:roundedCorners val="0"/>
+  <mc:AlternateContent xmlns:mc="http://schemas.openxmlformats.org/markup-compatibility/2006">
+    <mc:Choice xmlns:c14="http://schemas.microsoft.com/office/drawing/2007/8/2/chart" Requires="c14">
+      <c14:style val="102"/>
+    </mc:Choice>
+    <mc:Fallback>
+      <c:style val="2"/>
+    </mc:Fallback>
+  </mc:AlternateContent>
+  <c:chart>
+    <c:title>
+      <c:tx>
+        <c:rich>
+          <a:bodyPr rot="0" spcFirstLastPara="1" vertOverflow="ellipsis" vert="horz" wrap="square" anchor="ctr" anchorCtr="1"/>
+          <a:lstStyle/>
+          <a:p>
+            <a:pPr>
+              <a:defRPr sz="1400" b="0" i="0" u="none" strike="noStrike" kern="1200" spc="0" baseline="0">
+                <a:solidFill>
+                  <a:schemeClr val="tx1">
+                    <a:lumMod val="65000"/>
+                    <a:lumOff val="35000"/>
+                  </a:schemeClr>
+                </a:solidFill>
+                <a:latin typeface="+mn-lt"/>
+                <a:ea typeface="+mn-ea"/>
+                <a:cs typeface="+mn-cs"/>
+              </a:defRPr>
+            </a:pPr>
+            <a:r>
+              <a:rPr lang="pt-BR"/>
+              <a:t>Grãos</a:t>
+            </a:r>
+            <a:r>
+              <a:rPr lang="pt-BR" baseline="0"/>
+              <a:t> e floração (umidade)</a:t>
+            </a:r>
+            <a:endParaRPr lang="pt-BR"/>
+          </a:p>
+        </c:rich>
+      </c:tx>
+      <c:overlay val="0"/>
+      <c:spPr>
+        <a:noFill/>
+        <a:ln>
+          <a:noFill/>
+        </a:ln>
+        <a:effectLst/>
+      </c:spPr>
+      <c:txPr>
+        <a:bodyPr rot="0" spcFirstLastPara="1" vertOverflow="ellipsis" vert="horz" wrap="square" anchor="ctr" anchorCtr="1"/>
+        <a:lstStyle/>
+        <a:p>
+          <a:pPr>
+            <a:defRPr sz="1400" b="0" i="0" u="none" strike="noStrike" kern="1200" spc="0" baseline="0">
+              <a:solidFill>
+                <a:schemeClr val="tx1">
+                  <a:lumMod val="65000"/>
+                  <a:lumOff val="35000"/>
+                </a:schemeClr>
+              </a:solidFill>
+              <a:latin typeface="+mn-lt"/>
+              <a:ea typeface="+mn-ea"/>
+              <a:cs typeface="+mn-cs"/>
+            </a:defRPr>
+          </a:pPr>
+          <a:endParaRPr lang="pt-BR"/>
+        </a:p>
+      </c:txPr>
+    </c:title>
+    <c:autoTitleDeleted val="0"/>
+    <c:plotArea>
+      <c:layout/>
+      <c:lineChart>
+        <c:grouping val="standard"/>
+        <c:varyColors val="0"/>
+        <c:ser>
+          <c:idx val="0"/>
+          <c:order val="0"/>
+          <c:tx>
+            <c:strRef>
+              <c:f>Planilha1!$F$36</c:f>
+              <c:strCache>
+                <c:ptCount val="1"/>
+                <c:pt idx="0">
+                  <c:v>Grãos e floração</c:v>
+                </c:pt>
+              </c:strCache>
+            </c:strRef>
+          </c:tx>
+          <c:spPr>
+            <a:ln w="28575" cap="rnd">
+              <a:solidFill>
+                <a:schemeClr val="accent1"/>
+              </a:solidFill>
+              <a:round/>
+            </a:ln>
+            <a:effectLst/>
+          </c:spPr>
+          <c:marker>
+            <c:symbol val="none"/>
+          </c:marker>
+          <c:cat>
+            <c:strRef>
+              <c:f>Planilha1!$E$37:$E$41</c:f>
+              <c:strCache>
+                <c:ptCount val="5"/>
+                <c:pt idx="0">
+                  <c:v>SENSOR 1</c:v>
+                </c:pt>
+                <c:pt idx="1">
+                  <c:v>SENSOR 2</c:v>
+                </c:pt>
+                <c:pt idx="2">
+                  <c:v>SENSOR 3</c:v>
+                </c:pt>
+                <c:pt idx="3">
+                  <c:v>SENSOR 4</c:v>
+                </c:pt>
+                <c:pt idx="4">
+                  <c:v>SENSOR 5</c:v>
+                </c:pt>
+              </c:strCache>
+            </c:strRef>
+          </c:cat>
+          <c:val>
+            <c:numRef>
+              <c:f>Planilha1!$F$37:$F$41</c:f>
+              <c:numCache>
+                <c:formatCode>0%</c:formatCode>
+                <c:ptCount val="5"/>
+                <c:pt idx="0">
+                  <c:v>0.1</c:v>
+                </c:pt>
+                <c:pt idx="1">
+                  <c:v>0.08</c:v>
+                </c:pt>
+                <c:pt idx="2">
+                  <c:v>0.06</c:v>
+                </c:pt>
+                <c:pt idx="3">
+                  <c:v>7.0000000000000007E-2</c:v>
+                </c:pt>
+                <c:pt idx="4">
+                  <c:v>0.08</c:v>
+                </c:pt>
+              </c:numCache>
+            </c:numRef>
+          </c:val>
+          <c:smooth val="0"/>
+          <c:extLst>
+            <c:ext xmlns:c16="http://schemas.microsoft.com/office/drawing/2014/chart" uri="{C3380CC4-5D6E-409C-BE32-E72D297353CC}">
+              <c16:uniqueId val="{00000000-569B-4E29-ACD6-1811C02ED96E}"/>
+            </c:ext>
+          </c:extLst>
+        </c:ser>
+        <c:ser>
+          <c:idx val="1"/>
+          <c:order val="1"/>
+          <c:tx>
+            <c:strRef>
+              <c:f>Planilha1!$G$36</c:f>
+              <c:strCache>
+                <c:ptCount val="1"/>
+                <c:pt idx="0">
+                  <c:v>Emergência</c:v>
+                </c:pt>
+              </c:strCache>
+            </c:strRef>
+          </c:tx>
+          <c:spPr>
+            <a:ln w="28575" cap="rnd">
+              <a:solidFill>
+                <a:schemeClr val="accent2"/>
+              </a:solidFill>
+              <a:round/>
+            </a:ln>
+            <a:effectLst/>
+          </c:spPr>
+          <c:marker>
+            <c:symbol val="none"/>
+          </c:marker>
+          <c:cat>
+            <c:strRef>
+              <c:f>Planilha1!$E$37:$E$41</c:f>
+              <c:strCache>
+                <c:ptCount val="5"/>
+                <c:pt idx="0">
+                  <c:v>SENSOR 1</c:v>
+                </c:pt>
+                <c:pt idx="1">
+                  <c:v>SENSOR 2</c:v>
+                </c:pt>
+                <c:pt idx="2">
+                  <c:v>SENSOR 3</c:v>
+                </c:pt>
+                <c:pt idx="3">
+                  <c:v>SENSOR 4</c:v>
+                </c:pt>
+                <c:pt idx="4">
+                  <c:v>SENSOR 5</c:v>
+                </c:pt>
+              </c:strCache>
+            </c:strRef>
+          </c:cat>
+          <c:val>
+            <c:numRef>
+              <c:f>Planilha1!$G$37:$G$41</c:f>
+              <c:numCache>
+                <c:formatCode>0%</c:formatCode>
+                <c:ptCount val="5"/>
+                <c:pt idx="0">
+                  <c:v>0.06</c:v>
+                </c:pt>
+                <c:pt idx="1">
+                  <c:v>0.06</c:v>
+                </c:pt>
+                <c:pt idx="2">
+                  <c:v>0.06</c:v>
+                </c:pt>
+                <c:pt idx="3">
+                  <c:v>0.06</c:v>
+                </c:pt>
+                <c:pt idx="4">
+                  <c:v>0.06</c:v>
+                </c:pt>
+              </c:numCache>
+            </c:numRef>
+          </c:val>
+          <c:smooth val="0"/>
+          <c:extLst>
+            <c:ext xmlns:c16="http://schemas.microsoft.com/office/drawing/2014/chart" uri="{C3380CC4-5D6E-409C-BE32-E72D297353CC}">
+              <c16:uniqueId val="{00000001-569B-4E29-ACD6-1811C02ED96E}"/>
+            </c:ext>
+          </c:extLst>
+        </c:ser>
+        <c:ser>
+          <c:idx val="2"/>
+          <c:order val="2"/>
+          <c:tx>
+            <c:strRef>
+              <c:f>Planilha1!$H$36</c:f>
+              <c:strCache>
+                <c:ptCount val="1"/>
+                <c:pt idx="0">
+                  <c:v>Alerta (Min)</c:v>
+                </c:pt>
+              </c:strCache>
+            </c:strRef>
+          </c:tx>
+          <c:spPr>
+            <a:ln w="28575" cap="rnd">
+              <a:solidFill>
+                <a:schemeClr val="accent3"/>
+              </a:solidFill>
+              <a:round/>
+            </a:ln>
+            <a:effectLst/>
+          </c:spPr>
+          <c:marker>
+            <c:symbol val="none"/>
+          </c:marker>
+          <c:cat>
+            <c:strRef>
+              <c:f>Planilha1!$E$37:$E$41</c:f>
+              <c:strCache>
+                <c:ptCount val="5"/>
+                <c:pt idx="0">
+                  <c:v>SENSOR 1</c:v>
+                </c:pt>
+                <c:pt idx="1">
+                  <c:v>SENSOR 2</c:v>
+                </c:pt>
+                <c:pt idx="2">
+                  <c:v>SENSOR 3</c:v>
+                </c:pt>
+                <c:pt idx="3">
+                  <c:v>SENSOR 4</c:v>
+                </c:pt>
+                <c:pt idx="4">
+                  <c:v>SENSOR 5</c:v>
+                </c:pt>
+              </c:strCache>
+            </c:strRef>
+          </c:cat>
+          <c:val>
+            <c:numRef>
+              <c:f>Planilha1!$H$37:$H$41</c:f>
+              <c:numCache>
+                <c:formatCode>0%</c:formatCode>
+                <c:ptCount val="5"/>
+                <c:pt idx="0">
+                  <c:v>7.0000000000000007E-2</c:v>
+                </c:pt>
+                <c:pt idx="1">
+                  <c:v>7.0000000000000007E-2</c:v>
+                </c:pt>
+                <c:pt idx="2">
+                  <c:v>7.0000000000000007E-2</c:v>
+                </c:pt>
+                <c:pt idx="3">
+                  <c:v>7.0000000000000007E-2</c:v>
+                </c:pt>
+                <c:pt idx="4">
+                  <c:v>7.0000000000000007E-2</c:v>
+                </c:pt>
+              </c:numCache>
+            </c:numRef>
+          </c:val>
+          <c:smooth val="0"/>
+          <c:extLst>
+            <c:ext xmlns:c16="http://schemas.microsoft.com/office/drawing/2014/chart" uri="{C3380CC4-5D6E-409C-BE32-E72D297353CC}">
+              <c16:uniqueId val="{00000002-569B-4E29-ACD6-1811C02ED96E}"/>
+            </c:ext>
+          </c:extLst>
+        </c:ser>
+        <c:ser>
+          <c:idx val="3"/>
+          <c:order val="3"/>
+          <c:tx>
+            <c:strRef>
+              <c:f>Planilha1!$I$36</c:f>
+              <c:strCache>
+                <c:ptCount val="1"/>
+                <c:pt idx="0">
+                  <c:v>Alerta (Max)</c:v>
+                </c:pt>
+              </c:strCache>
+            </c:strRef>
+          </c:tx>
+          <c:spPr>
+            <a:ln w="28575" cap="rnd">
+              <a:solidFill>
+                <a:schemeClr val="accent4"/>
+              </a:solidFill>
+              <a:round/>
+            </a:ln>
+            <a:effectLst/>
+          </c:spPr>
+          <c:marker>
+            <c:symbol val="none"/>
+          </c:marker>
+          <c:cat>
+            <c:strRef>
+              <c:f>Planilha1!$E$37:$E$41</c:f>
+              <c:strCache>
+                <c:ptCount val="5"/>
+                <c:pt idx="0">
+                  <c:v>SENSOR 1</c:v>
+                </c:pt>
+                <c:pt idx="1">
+                  <c:v>SENSOR 2</c:v>
+                </c:pt>
+                <c:pt idx="2">
+                  <c:v>SENSOR 3</c:v>
+                </c:pt>
+                <c:pt idx="3">
+                  <c:v>SENSOR 4</c:v>
+                </c:pt>
+                <c:pt idx="4">
+                  <c:v>SENSOR 5</c:v>
+                </c:pt>
+              </c:strCache>
+            </c:strRef>
+          </c:cat>
+          <c:val>
+            <c:numRef>
+              <c:f>Planilha1!$I$37:$I$41</c:f>
+              <c:numCache>
+                <c:formatCode>0%</c:formatCode>
+                <c:ptCount val="5"/>
+                <c:pt idx="0">
+                  <c:v>0.09</c:v>
+                </c:pt>
+                <c:pt idx="1">
+                  <c:v>0.09</c:v>
+                </c:pt>
+                <c:pt idx="2">
+                  <c:v>0.09</c:v>
+                </c:pt>
+                <c:pt idx="3">
+                  <c:v>0.09</c:v>
+                </c:pt>
+                <c:pt idx="4">
+                  <c:v>0.09</c:v>
+                </c:pt>
+              </c:numCache>
+            </c:numRef>
+          </c:val>
+          <c:smooth val="0"/>
+          <c:extLst>
+            <c:ext xmlns:c16="http://schemas.microsoft.com/office/drawing/2014/chart" uri="{C3380CC4-5D6E-409C-BE32-E72D297353CC}">
+              <c16:uniqueId val="{00000003-569B-4E29-ACD6-1811C02ED96E}"/>
+            </c:ext>
+          </c:extLst>
+        </c:ser>
+        <c:ser>
+          <c:idx val="4"/>
+          <c:order val="4"/>
+          <c:tx>
+            <c:strRef>
+              <c:f>Planilha1!$J$36</c:f>
+              <c:strCache>
+                <c:ptCount val="1"/>
+                <c:pt idx="0">
+                  <c:v>Emergência</c:v>
+                </c:pt>
+              </c:strCache>
+            </c:strRef>
+          </c:tx>
+          <c:spPr>
+            <a:ln w="28575" cap="rnd">
+              <a:solidFill>
+                <a:schemeClr val="accent5"/>
+              </a:solidFill>
+              <a:round/>
+            </a:ln>
+            <a:effectLst/>
+          </c:spPr>
+          <c:marker>
+            <c:symbol val="none"/>
+          </c:marker>
+          <c:cat>
+            <c:strRef>
+              <c:f>Planilha1!$E$37:$E$41</c:f>
+              <c:strCache>
+                <c:ptCount val="5"/>
+                <c:pt idx="0">
+                  <c:v>SENSOR 1</c:v>
+                </c:pt>
+                <c:pt idx="1">
+                  <c:v>SENSOR 2</c:v>
+                </c:pt>
+                <c:pt idx="2">
+                  <c:v>SENSOR 3</c:v>
+                </c:pt>
+                <c:pt idx="3">
+                  <c:v>SENSOR 4</c:v>
+                </c:pt>
+                <c:pt idx="4">
+                  <c:v>SENSOR 5</c:v>
+                </c:pt>
+              </c:strCache>
+            </c:strRef>
+          </c:cat>
+          <c:val>
+            <c:numRef>
+              <c:f>Planilha1!$J$37:$J$41</c:f>
+              <c:numCache>
+                <c:formatCode>0%</c:formatCode>
+                <c:ptCount val="5"/>
+                <c:pt idx="0">
+                  <c:v>0.1</c:v>
+                </c:pt>
+                <c:pt idx="1">
+                  <c:v>0.1</c:v>
+                </c:pt>
+                <c:pt idx="2">
+                  <c:v>0.1</c:v>
+                </c:pt>
+                <c:pt idx="3">
+                  <c:v>0.1</c:v>
+                </c:pt>
+                <c:pt idx="4">
+                  <c:v>0.1</c:v>
+                </c:pt>
+              </c:numCache>
+            </c:numRef>
+          </c:val>
+          <c:smooth val="0"/>
+          <c:extLst>
+            <c:ext xmlns:c16="http://schemas.microsoft.com/office/drawing/2014/chart" uri="{C3380CC4-5D6E-409C-BE32-E72D297353CC}">
+              <c16:uniqueId val="{00000004-569B-4E29-ACD6-1811C02ED96E}"/>
+            </c:ext>
+          </c:extLst>
+        </c:ser>
+        <c:dLbls>
+          <c:showLegendKey val="0"/>
+          <c:showVal val="0"/>
+          <c:showCatName val="0"/>
+          <c:showSerName val="0"/>
+          <c:showPercent val="0"/>
+          <c:showBubbleSize val="0"/>
+        </c:dLbls>
+        <c:smooth val="0"/>
+        <c:axId val="17828512"/>
+        <c:axId val="17826432"/>
+      </c:lineChart>
+      <c:catAx>
+        <c:axId val="17828512"/>
+        <c:scaling>
+          <c:orientation val="minMax"/>
+        </c:scaling>
+        <c:delete val="0"/>
+        <c:axPos val="b"/>
+        <c:numFmt formatCode="General" sourceLinked="1"/>
+        <c:majorTickMark val="none"/>
+        <c:minorTickMark val="none"/>
+        <c:tickLblPos val="nextTo"/>
+        <c:spPr>
+          <a:noFill/>
+          <a:ln w="9525" cap="flat" cmpd="sng" algn="ctr">
+            <a:solidFill>
+              <a:schemeClr val="tx1">
+                <a:lumMod val="15000"/>
+                <a:lumOff val="85000"/>
+              </a:schemeClr>
+            </a:solidFill>
+            <a:round/>
+          </a:ln>
+          <a:effectLst/>
+        </c:spPr>
+        <c:txPr>
+          <a:bodyPr rot="-60000000" spcFirstLastPara="1" vertOverflow="ellipsis" vert="horz" wrap="square" anchor="ctr" anchorCtr="1"/>
+          <a:lstStyle/>
+          <a:p>
+            <a:pPr>
+              <a:defRPr sz="900" b="0" i="0" u="none" strike="noStrike" kern="1200" baseline="0">
+                <a:solidFill>
+                  <a:schemeClr val="tx1">
+                    <a:lumMod val="65000"/>
+                    <a:lumOff val="35000"/>
+                  </a:schemeClr>
+                </a:solidFill>
+                <a:latin typeface="+mn-lt"/>
+                <a:ea typeface="+mn-ea"/>
+                <a:cs typeface="+mn-cs"/>
+              </a:defRPr>
+            </a:pPr>
+            <a:endParaRPr lang="pt-BR"/>
+          </a:p>
+        </c:txPr>
+        <c:crossAx val="17826432"/>
+        <c:crosses val="autoZero"/>
+        <c:auto val="1"/>
+        <c:lblAlgn val="ctr"/>
+        <c:lblOffset val="100"/>
+        <c:noMultiLvlLbl val="0"/>
+      </c:catAx>
+      <c:valAx>
+        <c:axId val="17826432"/>
+        <c:scaling>
+          <c:orientation val="minMax"/>
+        </c:scaling>
+        <c:delete val="0"/>
+        <c:axPos val="l"/>
+        <c:majorGridlines>
+          <c:spPr>
+            <a:ln w="9525" cap="flat" cmpd="sng" algn="ctr">
+              <a:solidFill>
+                <a:schemeClr val="tx1">
+                  <a:lumMod val="15000"/>
+                  <a:lumOff val="85000"/>
+                </a:schemeClr>
+              </a:solidFill>
+              <a:round/>
+            </a:ln>
+            <a:effectLst/>
+          </c:spPr>
+        </c:majorGridlines>
+        <c:numFmt formatCode="0%" sourceLinked="1"/>
+        <c:majorTickMark val="none"/>
+        <c:minorTickMark val="none"/>
+        <c:tickLblPos val="nextTo"/>
+        <c:spPr>
+          <a:noFill/>
+          <a:ln>
+            <a:noFill/>
+          </a:ln>
+          <a:effectLst/>
+        </c:spPr>
+        <c:txPr>
+          <a:bodyPr rot="-60000000" spcFirstLastPara="1" vertOverflow="ellipsis" vert="horz" wrap="square" anchor="ctr" anchorCtr="1"/>
+          <a:lstStyle/>
+          <a:p>
+            <a:pPr>
+              <a:defRPr sz="900" b="0" i="0" u="none" strike="noStrike" kern="1200" baseline="0">
+                <a:solidFill>
+                  <a:schemeClr val="tx1">
+                    <a:lumMod val="65000"/>
+                    <a:lumOff val="35000"/>
+                  </a:schemeClr>
+                </a:solidFill>
+                <a:latin typeface="+mn-lt"/>
+                <a:ea typeface="+mn-ea"/>
+                <a:cs typeface="+mn-cs"/>
+              </a:defRPr>
+            </a:pPr>
+            <a:endParaRPr lang="pt-BR"/>
+          </a:p>
+        </c:txPr>
+        <c:crossAx val="17828512"/>
+        <c:crosses val="autoZero"/>
+        <c:crossBetween val="between"/>
+      </c:valAx>
+      <c:spPr>
+        <a:noFill/>
+        <a:ln>
+          <a:noFill/>
+        </a:ln>
+        <a:effectLst/>
+      </c:spPr>
+    </c:plotArea>
+    <c:legend>
+      <c:legendPos val="b"/>
+      <c:overlay val="0"/>
+      <c:spPr>
+        <a:noFill/>
+        <a:ln>
+          <a:noFill/>
+        </a:ln>
+        <a:effectLst/>
+      </c:spPr>
+      <c:txPr>
+        <a:bodyPr rot="0" spcFirstLastPara="1" vertOverflow="ellipsis" vert="horz" wrap="square" anchor="ctr" anchorCtr="1"/>
+        <a:lstStyle/>
+        <a:p>
+          <a:pPr>
+            <a:defRPr sz="900" b="0" i="0" u="none" strike="noStrike" kern="1200" baseline="0">
+              <a:solidFill>
+                <a:schemeClr val="tx1">
+                  <a:lumMod val="65000"/>
+                  <a:lumOff val="35000"/>
+                </a:schemeClr>
+              </a:solidFill>
+              <a:latin typeface="+mn-lt"/>
+              <a:ea typeface="+mn-ea"/>
+              <a:cs typeface="+mn-cs"/>
+            </a:defRPr>
+          </a:pPr>
+          <a:endParaRPr lang="pt-BR"/>
+        </a:p>
+      </c:txPr>
+    </c:legend>
+    <c:plotVisOnly val="1"/>
+    <c:dispBlanksAs val="gap"/>
+    <c:showDLblsOverMax val="0"/>
+  </c:chart>
+  <c:spPr>
+    <a:noFill/>
+    <a:ln>
+      <a:noFill/>
+    </a:ln>
+    <a:effectLst/>
+  </c:spPr>
+  <c:txPr>
+    <a:bodyPr/>
+    <a:lstStyle/>
+    <a:p>
+      <a:pPr>
+        <a:defRPr/>
+      </a:pPr>
+      <a:endParaRPr lang="pt-BR"/>
+    </a:p>
+  </c:txPr>
+  <c:externalData r:id="rId3">
+    <c:autoUpdate val="0"/>
+  </c:externalData>
+</c:chartSpace>
+</file>
+
+<file path=ppt/charts/colors1.xml><?xml version="1.0" encoding="utf-8"?>
+<cs:colorStyle xmlns:cs="http://schemas.microsoft.com/office/drawing/2012/chartStyle" xmlns:a="http://schemas.openxmlformats.org/drawingml/2006/main" meth="cycle" id="10">
+  <a:schemeClr val="accent1"/>
+  <a:schemeClr val="accent2"/>
+  <a:schemeClr val="accent3"/>
+  <a:schemeClr val="accent4"/>
+  <a:schemeClr val="accent5"/>
+  <a:schemeClr val="accent6"/>
+  <cs:variation/>
+  <cs:variation>
+    <a:lumMod val="60000"/>
+  </cs:variation>
+  <cs:variation>
+    <a:lumMod val="80000"/>
+    <a:lumOff val="20000"/>
+  </cs:variation>
+  <cs:variation>
+    <a:lumMod val="80000"/>
+  </cs:variation>
+  <cs:variation>
+    <a:lumMod val="60000"/>
+    <a:lumOff val="40000"/>
+  </cs:variation>
+  <cs:variation>
+    <a:lumMod val="50000"/>
+  </cs:variation>
+  <cs:variation>
+    <a:lumMod val="70000"/>
+    <a:lumOff val="30000"/>
+  </cs:variation>
+  <cs:variation>
+    <a:lumMod val="70000"/>
+  </cs:variation>
+  <cs:variation>
+    <a:lumMod val="50000"/>
+    <a:lumOff val="50000"/>
+  </cs:variation>
+</cs:colorStyle>
+</file>
+
+<file path=ppt/charts/colors2.xml><?xml version="1.0" encoding="utf-8"?>
+<cs:colorStyle xmlns:cs="http://schemas.microsoft.com/office/drawing/2012/chartStyle" xmlns:a="http://schemas.openxmlformats.org/drawingml/2006/main" meth="cycle" id="10">
+  <a:schemeClr val="accent1"/>
+  <a:schemeClr val="accent2"/>
+  <a:schemeClr val="accent3"/>
+  <a:schemeClr val="accent4"/>
+  <a:schemeClr val="accent5"/>
+  <a:schemeClr val="accent6"/>
+  <cs:variation/>
+  <cs:variation>
+    <a:lumMod val="60000"/>
+  </cs:variation>
+  <cs:variation>
+    <a:lumMod val="80000"/>
+    <a:lumOff val="20000"/>
+  </cs:variation>
+  <cs:variation>
+    <a:lumMod val="80000"/>
+  </cs:variation>
+  <cs:variation>
+    <a:lumMod val="60000"/>
+    <a:lumOff val="40000"/>
+  </cs:variation>
+  <cs:variation>
+    <a:lumMod val="50000"/>
+  </cs:variation>
+  <cs:variation>
+    <a:lumMod val="70000"/>
+    <a:lumOff val="30000"/>
+  </cs:variation>
+  <cs:variation>
+    <a:lumMod val="70000"/>
+  </cs:variation>
+  <cs:variation>
+    <a:lumMod val="50000"/>
+    <a:lumOff val="50000"/>
+  </cs:variation>
+</cs:colorStyle>
+</file>
+
+<file path=ppt/charts/colors3.xml><?xml version="1.0" encoding="utf-8"?>
+<cs:colorStyle xmlns:cs="http://schemas.microsoft.com/office/drawing/2012/chartStyle" xmlns:a="http://schemas.openxmlformats.org/drawingml/2006/main" meth="cycle" id="10">
+  <a:schemeClr val="accent1"/>
+  <a:schemeClr val="accent2"/>
+  <a:schemeClr val="accent3"/>
+  <a:schemeClr val="accent4"/>
+  <a:schemeClr val="accent5"/>
+  <a:schemeClr val="accent6"/>
+  <cs:variation/>
+  <cs:variation>
+    <a:lumMod val="60000"/>
+  </cs:variation>
+  <cs:variation>
+    <a:lumMod val="80000"/>
+    <a:lumOff val="20000"/>
+  </cs:variation>
+  <cs:variation>
+    <a:lumMod val="80000"/>
+  </cs:variation>
+  <cs:variation>
+    <a:lumMod val="60000"/>
+    <a:lumOff val="40000"/>
+  </cs:variation>
+  <cs:variation>
+    <a:lumMod val="50000"/>
+  </cs:variation>
+  <cs:variation>
+    <a:lumMod val="70000"/>
+    <a:lumOff val="30000"/>
+  </cs:variation>
+  <cs:variation>
+    <a:lumMod val="70000"/>
+  </cs:variation>
+  <cs:variation>
+    <a:lumMod val="50000"/>
+    <a:lumOff val="50000"/>
+  </cs:variation>
+</cs:colorStyle>
+</file>
+
+<file path=ppt/charts/style1.xml><?xml version="1.0" encoding="utf-8"?>
+<cs:chartStyle xmlns:cs="http://schemas.microsoft.com/office/drawing/2012/chartStyle" xmlns:a="http://schemas.openxmlformats.org/drawingml/2006/main" id="227">
+  <cs:axisTitle>
+    <cs:lnRef idx="0"/>
+    <cs:fillRef idx="0"/>
+    <cs:effectRef idx="0"/>
+    <cs:fontRef idx="minor">
+      <a:schemeClr val="tx1">
+        <a:lumMod val="65000"/>
+        <a:lumOff val="35000"/>
+      </a:schemeClr>
+    </cs:fontRef>
+    <cs:defRPr sz="1000" kern="1200"/>
+  </cs:axisTitle>
+  <cs:categoryAxis>
+    <cs:lnRef idx="0"/>
+    <cs:fillRef idx="0"/>
+    <cs:effectRef idx="0"/>
+    <cs:fontRef idx="minor">
+      <a:schemeClr val="tx1">
+        <a:lumMod val="65000"/>
+        <a:lumOff val="35000"/>
+      </a:schemeClr>
+    </cs:fontRef>
+    <cs:spPr>
+      <a:ln w="9525" cap="flat" cmpd="sng" algn="ctr">
+        <a:solidFill>
+          <a:schemeClr val="tx1">
+            <a:lumMod val="15000"/>
+            <a:lumOff val="85000"/>
+          </a:schemeClr>
+        </a:solidFill>
+        <a:round/>
+      </a:ln>
+    </cs:spPr>
+    <cs:defRPr sz="900" kern="1200"/>
+  </cs:categoryAxis>
+  <cs:chartArea mods="allowNoFillOverride allowNoLineOverride">
+    <cs:lnRef idx="0"/>
+    <cs:fillRef idx="0"/>
+    <cs:effectRef idx="0"/>
+    <cs:fontRef idx="minor">
+      <a:schemeClr val="tx1"/>
+    </cs:fontRef>
+    <cs:spPr>
+      <a:solidFill>
+        <a:schemeClr val="bg1"/>
+      </a:solidFill>
+      <a:ln w="9525" cap="flat" cmpd="sng" algn="ctr">
+        <a:solidFill>
+          <a:schemeClr val="tx1">
+            <a:lumMod val="15000"/>
+            <a:lumOff val="85000"/>
+          </a:schemeClr>
+        </a:solidFill>
+        <a:round/>
+      </a:ln>
+    </cs:spPr>
+    <cs:defRPr sz="1000" kern="1200"/>
+  </cs:chartArea>
+  <cs:dataLabel>
+    <cs:lnRef idx="0"/>
+    <cs:fillRef idx="0"/>
+    <cs:effectRef idx="0"/>
+    <cs:fontRef idx="minor">
+      <a:schemeClr val="tx1">
+        <a:lumMod val="75000"/>
+        <a:lumOff val="25000"/>
+      </a:schemeClr>
+    </cs:fontRef>
+    <cs:defRPr sz="900" kern="1200"/>
+  </cs:dataLabel>
+  <cs:dataLabelCallout>
+    <cs:lnRef idx="0"/>
+    <cs:fillRef idx="0"/>
+    <cs:effectRef idx="0"/>
+    <cs:fontRef idx="minor">
+      <a:schemeClr val="dk1">
+        <a:lumMod val="65000"/>
+        <a:lumOff val="35000"/>
+      </a:schemeClr>
+    </cs:fontRef>
+    <cs:spPr>
+      <a:solidFill>
+        <a:schemeClr val="lt1"/>
+      </a:solidFill>
+      <a:ln>
+        <a:solidFill>
+          <a:schemeClr val="dk1">
+            <a:lumMod val="25000"/>
+            <a:lumOff val="75000"/>
+          </a:schemeClr>
+        </a:solidFill>
+      </a:ln>
+    </cs:spPr>
+    <cs:defRPr sz="900" kern="1200"/>
+    <cs:bodyPr rot="0" spcFirstLastPara="1" vertOverflow="clip" horzOverflow="clip" vert="horz" wrap="square" lIns="36576" tIns="18288" rIns="36576" bIns="18288" anchor="ctr" anchorCtr="1">
+      <a:spAutoFit/>
+    </cs:bodyPr>
+  </cs:dataLabelCallout>
+  <cs:dataPoint>
+    <cs:lnRef idx="0"/>
+    <cs:fillRef idx="1">
+      <cs:styleClr val="auto"/>
+    </cs:fillRef>
+    <cs:effectRef idx="0"/>
+    <cs:fontRef idx="minor">
+      <a:schemeClr val="tx1"/>
+    </cs:fontRef>
+    <cs:spPr>
+      <a:solidFill>
+        <a:schemeClr val="phClr"/>
+      </a:solidFill>
+    </cs:spPr>
+  </cs:dataPoint>
+  <cs:dataPoint3D>
+    <cs:lnRef idx="0"/>
+    <cs:fillRef idx="1">
+      <cs:styleClr val="auto"/>
+    </cs:fillRef>
+    <cs:effectRef idx="0"/>
+    <cs:fontRef idx="minor">
+      <a:schemeClr val="tx1"/>
+    </cs:fontRef>
+    <cs:spPr>
+      <a:solidFill>
+        <a:schemeClr val="phClr"/>
+      </a:solidFill>
+    </cs:spPr>
+  </cs:dataPoint3D>
+  <cs:dataPointLine>
+    <cs:lnRef idx="0">
+      <cs:styleClr val="auto"/>
+    </cs:lnRef>
+    <cs:fillRef idx="1"/>
+    <cs:effectRef idx="0"/>
+    <cs:fontRef idx="minor">
+      <a:schemeClr val="tx1"/>
+    </cs:fontRef>
+    <cs:spPr>
+      <a:ln w="28575" cap="rnd">
+        <a:solidFill>
+          <a:schemeClr val="phClr"/>
+        </a:solidFill>
+        <a:round/>
+      </a:ln>
+    </cs:spPr>
+  </cs:dataPointLine>
+  <cs:dataPointMarker>
+    <cs:lnRef idx="0">
+      <cs:styleClr val="auto"/>
+    </cs:lnRef>
+    <cs:fillRef idx="1">
+      <cs:styleClr val="auto"/>
+    </cs:fillRef>
+    <cs:effectRef idx="0"/>
+    <cs:fontRef idx="minor">
+      <a:schemeClr val="tx1"/>
+    </cs:fontRef>
+    <cs:spPr>
+      <a:solidFill>
+        <a:schemeClr val="phClr"/>
+      </a:solidFill>
+      <a:ln w="9525">
+        <a:solidFill>
+          <a:schemeClr val="phClr"/>
+        </a:solidFill>
+      </a:ln>
+    </cs:spPr>
+  </cs:dataPointMarker>
+  <cs:dataPointMarkerLayout symbol="circle" size="5"/>
+  <cs:dataPointWireframe>
+    <cs:lnRef idx="0">
+      <cs:styleClr val="auto"/>
+    </cs:lnRef>
+    <cs:fillRef idx="1"/>
+    <cs:effectRef idx="0"/>
+    <cs:fontRef idx="minor">
+      <a:schemeClr val="tx1"/>
+    </cs:fontRef>
+    <cs:spPr>
+      <a:ln w="9525" cap="rnd">
+        <a:solidFill>
+          <a:schemeClr val="phClr"/>
+        </a:solidFill>
+        <a:round/>
+      </a:ln>
+    </cs:spPr>
+  </cs:dataPointWireframe>
+  <cs:dataTable>
+    <cs:lnRef idx="0"/>
+    <cs:fillRef idx="0"/>
+    <cs:effectRef idx="0"/>
+    <cs:fontRef idx="minor">
+      <a:schemeClr val="tx1">
+        <a:lumMod val="65000"/>
+        <a:lumOff val="35000"/>
+      </a:schemeClr>
+    </cs:fontRef>
+    <cs:spPr>
+      <a:noFill/>
+      <a:ln w="9525" cap="flat" cmpd="sng" algn="ctr">
+        <a:solidFill>
+          <a:schemeClr val="tx1">
+            <a:lumMod val="15000"/>
+            <a:lumOff val="85000"/>
+          </a:schemeClr>
+        </a:solidFill>
+        <a:round/>
+      </a:ln>
+    </cs:spPr>
+    <cs:defRPr sz="900" kern="1200"/>
+  </cs:dataTable>
+  <cs:downBar>
+    <cs:lnRef idx="0"/>
+    <cs:fillRef idx="0"/>
+    <cs:effectRef idx="0"/>
+    <cs:fontRef idx="minor">
+      <a:schemeClr val="dk1"/>
+    </cs:fontRef>
+    <cs:spPr>
+      <a:solidFill>
+        <a:schemeClr val="dk1">
+          <a:lumMod val="65000"/>
+          <a:lumOff val="35000"/>
+        </a:schemeClr>
+      </a:solidFill>
+      <a:ln w="9525">
+        <a:solidFill>
+          <a:schemeClr val="tx1">
+            <a:lumMod val="65000"/>
+            <a:lumOff val="35000"/>
+          </a:schemeClr>
+        </a:solidFill>
+      </a:ln>
+    </cs:spPr>
+  </cs:downBar>
+  <cs:dropLine>
+    <cs:lnRef idx="0"/>
+    <cs:fillRef idx="0"/>
+    <cs:effectRef idx="0"/>
+    <cs:fontRef idx="minor">
+      <a:schemeClr val="tx1"/>
+    </cs:fontRef>
+    <cs:spPr>
+      <a:ln w="9525" cap="flat" cmpd="sng" algn="ctr">
+        <a:solidFill>
+          <a:schemeClr val="tx1">
+            <a:lumMod val="35000"/>
+            <a:lumOff val="65000"/>
+          </a:schemeClr>
+        </a:solidFill>
+        <a:round/>
+      </a:ln>
+    </cs:spPr>
+  </cs:dropLine>
+  <cs:errorBar>
+    <cs:lnRef idx="0"/>
+    <cs:fillRef idx="0"/>
+    <cs:effectRef idx="0"/>
+    <cs:fontRef idx="minor">
+      <a:schemeClr val="tx1"/>
+    </cs:fontRef>
+    <cs:spPr>
+      <a:ln w="9525" cap="flat" cmpd="sng" algn="ctr">
+        <a:solidFill>
+          <a:schemeClr val="tx1">
+            <a:lumMod val="65000"/>
+            <a:lumOff val="35000"/>
+          </a:schemeClr>
+        </a:solidFill>
+        <a:round/>
+      </a:ln>
+    </cs:spPr>
+  </cs:errorBar>
+  <cs:floor>
+    <cs:lnRef idx="0"/>
+    <cs:fillRef idx="0"/>
+    <cs:effectRef idx="0"/>
+    <cs:fontRef idx="minor">
+      <a:schemeClr val="tx1"/>
+    </cs:fontRef>
+    <cs:spPr>
+      <a:noFill/>
+      <a:ln>
+        <a:noFill/>
+      </a:ln>
+    </cs:spPr>
+  </cs:floor>
+  <cs:gridlineMajor>
+    <cs:lnRef idx="0"/>
+    <cs:fillRef idx="0"/>
+    <cs:effectRef idx="0"/>
+    <cs:fontRef idx="minor">
+      <a:schemeClr val="tx1"/>
+    </cs:fontRef>
+    <cs:spPr>
+      <a:ln w="9525" cap="flat" cmpd="sng" algn="ctr">
+        <a:solidFill>
+          <a:schemeClr val="tx1">
+            <a:lumMod val="15000"/>
+            <a:lumOff val="85000"/>
+          </a:schemeClr>
+        </a:solidFill>
+        <a:round/>
+      </a:ln>
+    </cs:spPr>
+  </cs:gridlineMajor>
+  <cs:gridlineMinor>
+    <cs:lnRef idx="0"/>
+    <cs:fillRef idx="0"/>
+    <cs:effectRef idx="0"/>
+    <cs:fontRef idx="minor">
+      <a:schemeClr val="tx1"/>
+    </cs:fontRef>
+    <cs:spPr>
+      <a:ln w="9525" cap="flat" cmpd="sng" algn="ctr">
+        <a:solidFill>
+          <a:schemeClr val="tx1">
+            <a:lumMod val="5000"/>
+            <a:lumOff val="95000"/>
+          </a:schemeClr>
+        </a:solidFill>
+        <a:round/>
+      </a:ln>
+    </cs:spPr>
+  </cs:gridlineMinor>
+  <cs:hiLoLine>
+    <cs:lnRef idx="0"/>
+    <cs:fillRef idx="0"/>
+    <cs:effectRef idx="0"/>
+    <cs:fontRef idx="minor">
+      <a:schemeClr val="tx1"/>
+    </cs:fontRef>
+    <cs:spPr>
+      <a:ln w="9525" cap="flat" cmpd="sng" algn="ctr">
+        <a:solidFill>
+          <a:schemeClr val="tx1">
+            <a:lumMod val="75000"/>
+            <a:lumOff val="25000"/>
+          </a:schemeClr>
+        </a:solidFill>
+        <a:round/>
+      </a:ln>
+    </cs:spPr>
+  </cs:hiLoLine>
+  <cs:leaderLine>
+    <cs:lnRef idx="0"/>
+    <cs:fillRef idx="0"/>
+    <cs:effectRef idx="0"/>
+    <cs:fontRef idx="minor">
+      <a:schemeClr val="tx1"/>
+    </cs:fontRef>
+    <cs:spPr>
+      <a:ln w="9525" cap="flat" cmpd="sng" algn="ctr">
+        <a:solidFill>
+          <a:schemeClr val="tx1">
+            <a:lumMod val="35000"/>
+            <a:lumOff val="65000"/>
+          </a:schemeClr>
+        </a:solidFill>
+        <a:round/>
+      </a:ln>
+    </cs:spPr>
+  </cs:leaderLine>
+  <cs:legend>
+    <cs:lnRef idx="0"/>
+    <cs:fillRef idx="0"/>
+    <cs:effectRef idx="0"/>
+    <cs:fontRef idx="minor">
+      <a:schemeClr val="tx1">
+        <a:lumMod val="65000"/>
+        <a:lumOff val="35000"/>
+      </a:schemeClr>
+    </cs:fontRef>
+    <cs:defRPr sz="900" kern="1200"/>
+  </cs:legend>
+  <cs:plotArea mods="allowNoFillOverride allowNoLineOverride">
+    <cs:lnRef idx="0"/>
+    <cs:fillRef idx="0"/>
+    <cs:effectRef idx="0"/>
+    <cs:fontRef idx="minor">
+      <a:schemeClr val="tx1"/>
+    </cs:fontRef>
+  </cs:plotArea>
+  <cs:plotArea3D mods="allowNoFillOverride allowNoLineOverride">
+    <cs:lnRef idx="0"/>
+    <cs:fillRef idx="0"/>
+    <cs:effectRef idx="0"/>
+    <cs:fontRef idx="minor">
+      <a:schemeClr val="tx1"/>
+    </cs:fontRef>
+  </cs:plotArea3D>
+  <cs:seriesAxis>
+    <cs:lnRef idx="0"/>
+    <cs:fillRef idx="0"/>
+    <cs:effectRef idx="0"/>
+    <cs:fontRef idx="minor">
+      <a:schemeClr val="tx1">
+        <a:lumMod val="65000"/>
+        <a:lumOff val="35000"/>
+      </a:schemeClr>
+    </cs:fontRef>
+    <cs:defRPr sz="900" kern="1200"/>
+  </cs:seriesAxis>
+  <cs:seriesLine>
+    <cs:lnRef idx="0"/>
+    <cs:fillRef idx="0"/>
+    <cs:effectRef idx="0"/>
+    <cs:fontRef idx="minor">
+      <a:schemeClr val="tx1"/>
+    </cs:fontRef>
+    <cs:spPr>
+      <a:ln w="9525" cap="flat" cmpd="sng" algn="ctr">
+        <a:solidFill>
+          <a:schemeClr val="tx1">
+            <a:lumMod val="35000"/>
+            <a:lumOff val="65000"/>
+          </a:schemeClr>
+        </a:solidFill>
+        <a:round/>
+      </a:ln>
+    </cs:spPr>
+  </cs:seriesLine>
+  <cs:title>
+    <cs:lnRef idx="0"/>
+    <cs:fillRef idx="0"/>
+    <cs:effectRef idx="0"/>
+    <cs:fontRef idx="minor">
+      <a:schemeClr val="tx1">
+        <a:lumMod val="65000"/>
+        <a:lumOff val="35000"/>
+      </a:schemeClr>
+    </cs:fontRef>
+    <cs:defRPr sz="1400" b="0" kern="1200" spc="0" baseline="0"/>
+  </cs:title>
+  <cs:trendline>
+    <cs:lnRef idx="0">
+      <cs:styleClr val="auto"/>
+    </cs:lnRef>
+    <cs:fillRef idx="0"/>
+    <cs:effectRef idx="0"/>
+    <cs:fontRef idx="minor">
+      <a:schemeClr val="tx1"/>
+    </cs:fontRef>
+    <cs:spPr>
+      <a:ln w="19050" cap="rnd">
+        <a:solidFill>
+          <a:schemeClr val="phClr"/>
+        </a:solidFill>
+        <a:prstDash val="sysDot"/>
+      </a:ln>
+    </cs:spPr>
+  </cs:trendline>
+  <cs:trendlineLabel>
+    <cs:lnRef idx="0"/>
+    <cs:fillRef idx="0"/>
+    <cs:effectRef idx="0"/>
+    <cs:fontRef idx="minor">
+      <a:schemeClr val="tx1">
+        <a:lumMod val="65000"/>
+        <a:lumOff val="35000"/>
+      </a:schemeClr>
+    </cs:fontRef>
+    <cs:defRPr sz="900" kern="1200"/>
+  </cs:trendlineLabel>
+  <cs:upBar>
+    <cs:lnRef idx="0"/>
+    <cs:fillRef idx="0"/>
+    <cs:effectRef idx="0"/>
+    <cs:fontRef idx="minor">
+      <a:schemeClr val="dk1"/>
+    </cs:fontRef>
+    <cs:spPr>
+      <a:solidFill>
+        <a:schemeClr val="lt1"/>
+      </a:solidFill>
+      <a:ln w="9525">
+        <a:solidFill>
+          <a:schemeClr val="tx1">
+            <a:lumMod val="15000"/>
+            <a:lumOff val="85000"/>
+          </a:schemeClr>
+        </a:solidFill>
+      </a:ln>
+    </cs:spPr>
+  </cs:upBar>
+  <cs:valueAxis>
+    <cs:lnRef idx="0"/>
+    <cs:fillRef idx="0"/>
+    <cs:effectRef idx="0"/>
+    <cs:fontRef idx="minor">
+      <a:schemeClr val="tx1">
+        <a:lumMod val="65000"/>
+        <a:lumOff val="35000"/>
+      </a:schemeClr>
+    </cs:fontRef>
+    <cs:defRPr sz="900" kern="1200"/>
+  </cs:valueAxis>
+  <cs:wall>
+    <cs:lnRef idx="0"/>
+    <cs:fillRef idx="0"/>
+    <cs:effectRef idx="0"/>
+    <cs:fontRef idx="minor">
+      <a:schemeClr val="tx1"/>
+    </cs:fontRef>
+    <cs:spPr>
+      <a:noFill/>
+      <a:ln>
+        <a:noFill/>
+      </a:ln>
+    </cs:spPr>
+  </cs:wall>
+</cs:chartStyle>
+</file>
+
+<file path=ppt/charts/style2.xml><?xml version="1.0" encoding="utf-8"?>
+<cs:chartStyle xmlns:cs="http://schemas.microsoft.com/office/drawing/2012/chartStyle" xmlns:a="http://schemas.openxmlformats.org/drawingml/2006/main" id="227">
+  <cs:axisTitle>
+    <cs:lnRef idx="0"/>
+    <cs:fillRef idx="0"/>
+    <cs:effectRef idx="0"/>
+    <cs:fontRef idx="minor">
+      <a:schemeClr val="tx1">
+        <a:lumMod val="65000"/>
+        <a:lumOff val="35000"/>
+      </a:schemeClr>
+    </cs:fontRef>
+    <cs:defRPr sz="1000" kern="1200"/>
+  </cs:axisTitle>
+  <cs:categoryAxis>
+    <cs:lnRef idx="0"/>
+    <cs:fillRef idx="0"/>
+    <cs:effectRef idx="0"/>
+    <cs:fontRef idx="minor">
+      <a:schemeClr val="tx1">
+        <a:lumMod val="65000"/>
+        <a:lumOff val="35000"/>
+      </a:schemeClr>
+    </cs:fontRef>
+    <cs:spPr>
+      <a:ln w="9525" cap="flat" cmpd="sng" algn="ctr">
+        <a:solidFill>
+          <a:schemeClr val="tx1">
+            <a:lumMod val="15000"/>
+            <a:lumOff val="85000"/>
+          </a:schemeClr>
+        </a:solidFill>
+        <a:round/>
+      </a:ln>
+    </cs:spPr>
+    <cs:defRPr sz="900" kern="1200"/>
+  </cs:categoryAxis>
+  <cs:chartArea mods="allowNoFillOverride allowNoLineOverride">
+    <cs:lnRef idx="0"/>
+    <cs:fillRef idx="0"/>
+    <cs:effectRef idx="0"/>
+    <cs:fontRef idx="minor">
+      <a:schemeClr val="tx1"/>
+    </cs:fontRef>
+    <cs:spPr>
+      <a:solidFill>
+        <a:schemeClr val="bg1"/>
+      </a:solidFill>
+      <a:ln w="9525" cap="flat" cmpd="sng" algn="ctr">
+        <a:solidFill>
+          <a:schemeClr val="tx1">
+            <a:lumMod val="15000"/>
+            <a:lumOff val="85000"/>
+          </a:schemeClr>
+        </a:solidFill>
+        <a:round/>
+      </a:ln>
+    </cs:spPr>
+    <cs:defRPr sz="1000" kern="1200"/>
+  </cs:chartArea>
+  <cs:dataLabel>
+    <cs:lnRef idx="0"/>
+    <cs:fillRef idx="0"/>
+    <cs:effectRef idx="0"/>
+    <cs:fontRef idx="minor">
+      <a:schemeClr val="tx1">
+        <a:lumMod val="75000"/>
+        <a:lumOff val="25000"/>
+      </a:schemeClr>
+    </cs:fontRef>
+    <cs:defRPr sz="900" kern="1200"/>
+  </cs:dataLabel>
+  <cs:dataLabelCallout>
+    <cs:lnRef idx="0"/>
+    <cs:fillRef idx="0"/>
+    <cs:effectRef idx="0"/>
+    <cs:fontRef idx="minor">
+      <a:schemeClr val="dk1">
+        <a:lumMod val="65000"/>
+        <a:lumOff val="35000"/>
+      </a:schemeClr>
+    </cs:fontRef>
+    <cs:spPr>
+      <a:solidFill>
+        <a:schemeClr val="lt1"/>
+      </a:solidFill>
+      <a:ln>
+        <a:solidFill>
+          <a:schemeClr val="dk1">
+            <a:lumMod val="25000"/>
+            <a:lumOff val="75000"/>
+          </a:schemeClr>
+        </a:solidFill>
+      </a:ln>
+    </cs:spPr>
+    <cs:defRPr sz="900" kern="1200"/>
+    <cs:bodyPr rot="0" spcFirstLastPara="1" vertOverflow="clip" horzOverflow="clip" vert="horz" wrap="square" lIns="36576" tIns="18288" rIns="36576" bIns="18288" anchor="ctr" anchorCtr="1">
+      <a:spAutoFit/>
+    </cs:bodyPr>
+  </cs:dataLabelCallout>
+  <cs:dataPoint>
+    <cs:lnRef idx="0"/>
+    <cs:fillRef idx="1">
+      <cs:styleClr val="auto"/>
+    </cs:fillRef>
+    <cs:effectRef idx="0"/>
+    <cs:fontRef idx="minor">
+      <a:schemeClr val="tx1"/>
+    </cs:fontRef>
+    <cs:spPr>
+      <a:solidFill>
+        <a:schemeClr val="phClr"/>
+      </a:solidFill>
+    </cs:spPr>
+  </cs:dataPoint>
+  <cs:dataPoint3D>
+    <cs:lnRef idx="0"/>
+    <cs:fillRef idx="1">
+      <cs:styleClr val="auto"/>
+    </cs:fillRef>
+    <cs:effectRef idx="0"/>
+    <cs:fontRef idx="minor">
+      <a:schemeClr val="tx1"/>
+    </cs:fontRef>
+    <cs:spPr>
+      <a:solidFill>
+        <a:schemeClr val="phClr"/>
+      </a:solidFill>
+    </cs:spPr>
+  </cs:dataPoint3D>
+  <cs:dataPointLine>
+    <cs:lnRef idx="0">
+      <cs:styleClr val="auto"/>
+    </cs:lnRef>
+    <cs:fillRef idx="1"/>
+    <cs:effectRef idx="0"/>
+    <cs:fontRef idx="minor">
+      <a:schemeClr val="tx1"/>
+    </cs:fontRef>
+    <cs:spPr>
+      <a:ln w="28575" cap="rnd">
+        <a:solidFill>
+          <a:schemeClr val="phClr"/>
+        </a:solidFill>
+        <a:round/>
+      </a:ln>
+    </cs:spPr>
+  </cs:dataPointLine>
+  <cs:dataPointMarker>
+    <cs:lnRef idx="0">
+      <cs:styleClr val="auto"/>
+    </cs:lnRef>
+    <cs:fillRef idx="1">
+      <cs:styleClr val="auto"/>
+    </cs:fillRef>
+    <cs:effectRef idx="0"/>
+    <cs:fontRef idx="minor">
+      <a:schemeClr val="tx1"/>
+    </cs:fontRef>
+    <cs:spPr>
+      <a:solidFill>
+        <a:schemeClr val="phClr"/>
+      </a:solidFill>
+      <a:ln w="9525">
+        <a:solidFill>
+          <a:schemeClr val="phClr"/>
+        </a:solidFill>
+      </a:ln>
+    </cs:spPr>
+  </cs:dataPointMarker>
+  <cs:dataPointMarkerLayout symbol="circle" size="5"/>
+  <cs:dataPointWireframe>
+    <cs:lnRef idx="0">
+      <cs:styleClr val="auto"/>
+    </cs:lnRef>
+    <cs:fillRef idx="1"/>
+    <cs:effectRef idx="0"/>
+    <cs:fontRef idx="minor">
+      <a:schemeClr val="tx1"/>
+    </cs:fontRef>
+    <cs:spPr>
+      <a:ln w="9525" cap="rnd">
+        <a:solidFill>
+          <a:schemeClr val="phClr"/>
+        </a:solidFill>
+        <a:round/>
+      </a:ln>
+    </cs:spPr>
+  </cs:dataPointWireframe>
+  <cs:dataTable>
+    <cs:lnRef idx="0"/>
+    <cs:fillRef idx="0"/>
+    <cs:effectRef idx="0"/>
+    <cs:fontRef idx="minor">
+      <a:schemeClr val="tx1">
+        <a:lumMod val="65000"/>
+        <a:lumOff val="35000"/>
+      </a:schemeClr>
+    </cs:fontRef>
+    <cs:spPr>
+      <a:noFill/>
+      <a:ln w="9525" cap="flat" cmpd="sng" algn="ctr">
+        <a:solidFill>
+          <a:schemeClr val="tx1">
+            <a:lumMod val="15000"/>
+            <a:lumOff val="85000"/>
+          </a:schemeClr>
+        </a:solidFill>
+        <a:round/>
+      </a:ln>
+    </cs:spPr>
+    <cs:defRPr sz="900" kern="1200"/>
+  </cs:dataTable>
+  <cs:downBar>
+    <cs:lnRef idx="0"/>
+    <cs:fillRef idx="0"/>
+    <cs:effectRef idx="0"/>
+    <cs:fontRef idx="minor">
+      <a:schemeClr val="dk1"/>
+    </cs:fontRef>
+    <cs:spPr>
+      <a:solidFill>
+        <a:schemeClr val="dk1">
+          <a:lumMod val="65000"/>
+          <a:lumOff val="35000"/>
+        </a:schemeClr>
+      </a:solidFill>
+      <a:ln w="9525">
+        <a:solidFill>
+          <a:schemeClr val="tx1">
+            <a:lumMod val="65000"/>
+            <a:lumOff val="35000"/>
+          </a:schemeClr>
+        </a:solidFill>
+      </a:ln>
+    </cs:spPr>
+  </cs:downBar>
+  <cs:dropLine>
+    <cs:lnRef idx="0"/>
+    <cs:fillRef idx="0"/>
+    <cs:effectRef idx="0"/>
+    <cs:fontRef idx="minor">
+      <a:schemeClr val="tx1"/>
+    </cs:fontRef>
+    <cs:spPr>
+      <a:ln w="9525" cap="flat" cmpd="sng" algn="ctr">
+        <a:solidFill>
+          <a:schemeClr val="tx1">
+            <a:lumMod val="35000"/>
+            <a:lumOff val="65000"/>
+          </a:schemeClr>
+        </a:solidFill>
+        <a:round/>
+      </a:ln>
+    </cs:spPr>
+  </cs:dropLine>
+  <cs:errorBar>
+    <cs:lnRef idx="0"/>
+    <cs:fillRef idx="0"/>
+    <cs:effectRef idx="0"/>
+    <cs:fontRef idx="minor">
+      <a:schemeClr val="tx1"/>
+    </cs:fontRef>
+    <cs:spPr>
+      <a:ln w="9525" cap="flat" cmpd="sng" algn="ctr">
+        <a:solidFill>
+          <a:schemeClr val="tx1">
+            <a:lumMod val="65000"/>
+            <a:lumOff val="35000"/>
+          </a:schemeClr>
+        </a:solidFill>
+        <a:round/>
+      </a:ln>
+    </cs:spPr>
+  </cs:errorBar>
+  <cs:floor>
+    <cs:lnRef idx="0"/>
+    <cs:fillRef idx="0"/>
+    <cs:effectRef idx="0"/>
+    <cs:fontRef idx="minor">
+      <a:schemeClr val="tx1"/>
+    </cs:fontRef>
+    <cs:spPr>
+      <a:noFill/>
+      <a:ln>
+        <a:noFill/>
+      </a:ln>
+    </cs:spPr>
+  </cs:floor>
+  <cs:gridlineMajor>
+    <cs:lnRef idx="0"/>
+    <cs:fillRef idx="0"/>
+    <cs:effectRef idx="0"/>
+    <cs:fontRef idx="minor">
+      <a:schemeClr val="tx1"/>
+    </cs:fontRef>
+    <cs:spPr>
+      <a:ln w="9525" cap="flat" cmpd="sng" algn="ctr">
+        <a:solidFill>
+          <a:schemeClr val="tx1">
+            <a:lumMod val="15000"/>
+            <a:lumOff val="85000"/>
+          </a:schemeClr>
+        </a:solidFill>
+        <a:round/>
+      </a:ln>
+    </cs:spPr>
+  </cs:gridlineMajor>
+  <cs:gridlineMinor>
+    <cs:lnRef idx="0"/>
+    <cs:fillRef idx="0"/>
+    <cs:effectRef idx="0"/>
+    <cs:fontRef idx="minor">
+      <a:schemeClr val="tx1"/>
+    </cs:fontRef>
+    <cs:spPr>
+      <a:ln w="9525" cap="flat" cmpd="sng" algn="ctr">
+        <a:solidFill>
+          <a:schemeClr val="tx1">
+            <a:lumMod val="5000"/>
+            <a:lumOff val="95000"/>
+          </a:schemeClr>
+        </a:solidFill>
+        <a:round/>
+      </a:ln>
+    </cs:spPr>
+  </cs:gridlineMinor>
+  <cs:hiLoLine>
+    <cs:lnRef idx="0"/>
+    <cs:fillRef idx="0"/>
+    <cs:effectRef idx="0"/>
+    <cs:fontRef idx="minor">
+      <a:schemeClr val="tx1"/>
+    </cs:fontRef>
+    <cs:spPr>
+      <a:ln w="9525" cap="flat" cmpd="sng" algn="ctr">
+        <a:solidFill>
+          <a:schemeClr val="tx1">
+            <a:lumMod val="75000"/>
+            <a:lumOff val="25000"/>
+          </a:schemeClr>
+        </a:solidFill>
+        <a:round/>
+      </a:ln>
+    </cs:spPr>
+  </cs:hiLoLine>
+  <cs:leaderLine>
+    <cs:lnRef idx="0"/>
+    <cs:fillRef idx="0"/>
+    <cs:effectRef idx="0"/>
+    <cs:fontRef idx="minor">
+      <a:schemeClr val="tx1"/>
+    </cs:fontRef>
+    <cs:spPr>
+      <a:ln w="9525" cap="flat" cmpd="sng" algn="ctr">
+        <a:solidFill>
+          <a:schemeClr val="tx1">
+            <a:lumMod val="35000"/>
+            <a:lumOff val="65000"/>
+          </a:schemeClr>
+        </a:solidFill>
+        <a:round/>
+      </a:ln>
+    </cs:spPr>
+  </cs:leaderLine>
+  <cs:legend>
+    <cs:lnRef idx="0"/>
+    <cs:fillRef idx="0"/>
+    <cs:effectRef idx="0"/>
+    <cs:fontRef idx="minor">
+      <a:schemeClr val="tx1">
+        <a:lumMod val="65000"/>
+        <a:lumOff val="35000"/>
+      </a:schemeClr>
+    </cs:fontRef>
+    <cs:defRPr sz="900" kern="1200"/>
+  </cs:legend>
+  <cs:plotArea mods="allowNoFillOverride allowNoLineOverride">
+    <cs:lnRef idx="0"/>
+    <cs:fillRef idx="0"/>
+    <cs:effectRef idx="0"/>
+    <cs:fontRef idx="minor">
+      <a:schemeClr val="tx1"/>
+    </cs:fontRef>
+  </cs:plotArea>
+  <cs:plotArea3D mods="allowNoFillOverride allowNoLineOverride">
+    <cs:lnRef idx="0"/>
+    <cs:fillRef idx="0"/>
+    <cs:effectRef idx="0"/>
+    <cs:fontRef idx="minor">
+      <a:schemeClr val="tx1"/>
+    </cs:fontRef>
+  </cs:plotArea3D>
+  <cs:seriesAxis>
+    <cs:lnRef idx="0"/>
+    <cs:fillRef idx="0"/>
+    <cs:effectRef idx="0"/>
+    <cs:fontRef idx="minor">
+      <a:schemeClr val="tx1">
+        <a:lumMod val="65000"/>
+        <a:lumOff val="35000"/>
+      </a:schemeClr>
+    </cs:fontRef>
+    <cs:defRPr sz="900" kern="1200"/>
+  </cs:seriesAxis>
+  <cs:seriesLine>
+    <cs:lnRef idx="0"/>
+    <cs:fillRef idx="0"/>
+    <cs:effectRef idx="0"/>
+    <cs:fontRef idx="minor">
+      <a:schemeClr val="tx1"/>
+    </cs:fontRef>
+    <cs:spPr>
+      <a:ln w="9525" cap="flat" cmpd="sng" algn="ctr">
+        <a:solidFill>
+          <a:schemeClr val="tx1">
+            <a:lumMod val="35000"/>
+            <a:lumOff val="65000"/>
+          </a:schemeClr>
+        </a:solidFill>
+        <a:round/>
+      </a:ln>
+    </cs:spPr>
+  </cs:seriesLine>
+  <cs:title>
+    <cs:lnRef idx="0"/>
+    <cs:fillRef idx="0"/>
+    <cs:effectRef idx="0"/>
+    <cs:fontRef idx="minor">
+      <a:schemeClr val="tx1">
+        <a:lumMod val="65000"/>
+        <a:lumOff val="35000"/>
+      </a:schemeClr>
+    </cs:fontRef>
+    <cs:defRPr sz="1400" b="0" kern="1200" spc="0" baseline="0"/>
+  </cs:title>
+  <cs:trendline>
+    <cs:lnRef idx="0">
+      <cs:styleClr val="auto"/>
+    </cs:lnRef>
+    <cs:fillRef idx="0"/>
+    <cs:effectRef idx="0"/>
+    <cs:fontRef idx="minor">
+      <a:schemeClr val="tx1"/>
+    </cs:fontRef>
+    <cs:spPr>
+      <a:ln w="19050" cap="rnd">
+        <a:solidFill>
+          <a:schemeClr val="phClr"/>
+        </a:solidFill>
+        <a:prstDash val="sysDot"/>
+      </a:ln>
+    </cs:spPr>
+  </cs:trendline>
+  <cs:trendlineLabel>
+    <cs:lnRef idx="0"/>
+    <cs:fillRef idx="0"/>
+    <cs:effectRef idx="0"/>
+    <cs:fontRef idx="minor">
+      <a:schemeClr val="tx1">
+        <a:lumMod val="65000"/>
+        <a:lumOff val="35000"/>
+      </a:schemeClr>
+    </cs:fontRef>
+    <cs:defRPr sz="900" kern="1200"/>
+  </cs:trendlineLabel>
+  <cs:upBar>
+    <cs:lnRef idx="0"/>
+    <cs:fillRef idx="0"/>
+    <cs:effectRef idx="0"/>
+    <cs:fontRef idx="minor">
+      <a:schemeClr val="dk1"/>
+    </cs:fontRef>
+    <cs:spPr>
+      <a:solidFill>
+        <a:schemeClr val="lt1"/>
+      </a:solidFill>
+      <a:ln w="9525">
+        <a:solidFill>
+          <a:schemeClr val="tx1">
+            <a:lumMod val="15000"/>
+            <a:lumOff val="85000"/>
+          </a:schemeClr>
+        </a:solidFill>
+      </a:ln>
+    </cs:spPr>
+  </cs:upBar>
+  <cs:valueAxis>
+    <cs:lnRef idx="0"/>
+    <cs:fillRef idx="0"/>
+    <cs:effectRef idx="0"/>
+    <cs:fontRef idx="minor">
+      <a:schemeClr val="tx1">
+        <a:lumMod val="65000"/>
+        <a:lumOff val="35000"/>
+      </a:schemeClr>
+    </cs:fontRef>
+    <cs:defRPr sz="900" kern="1200"/>
+  </cs:valueAxis>
+  <cs:wall>
+    <cs:lnRef idx="0"/>
+    <cs:fillRef idx="0"/>
+    <cs:effectRef idx="0"/>
+    <cs:fontRef idx="minor">
+      <a:schemeClr val="tx1"/>
+    </cs:fontRef>
+    <cs:spPr>
+      <a:noFill/>
+      <a:ln>
+        <a:noFill/>
+      </a:ln>
+    </cs:spPr>
+  </cs:wall>
+</cs:chartStyle>
+</file>
+
+<file path=ppt/charts/style3.xml><?xml version="1.0" encoding="utf-8"?>
+<cs:chartStyle xmlns:cs="http://schemas.microsoft.com/office/drawing/2012/chartStyle" xmlns:a="http://schemas.openxmlformats.org/drawingml/2006/main" id="227">
+  <cs:axisTitle>
+    <cs:lnRef idx="0"/>
+    <cs:fillRef idx="0"/>
+    <cs:effectRef idx="0"/>
+    <cs:fontRef idx="minor">
+      <a:schemeClr val="tx1">
+        <a:lumMod val="65000"/>
+        <a:lumOff val="35000"/>
+      </a:schemeClr>
+    </cs:fontRef>
+    <cs:defRPr sz="1000" kern="1200"/>
+  </cs:axisTitle>
+  <cs:categoryAxis>
+    <cs:lnRef idx="0"/>
+    <cs:fillRef idx="0"/>
+    <cs:effectRef idx="0"/>
+    <cs:fontRef idx="minor">
+      <a:schemeClr val="tx1">
+        <a:lumMod val="65000"/>
+        <a:lumOff val="35000"/>
+      </a:schemeClr>
+    </cs:fontRef>
+    <cs:spPr>
+      <a:ln w="9525" cap="flat" cmpd="sng" algn="ctr">
+        <a:solidFill>
+          <a:schemeClr val="tx1">
+            <a:lumMod val="15000"/>
+            <a:lumOff val="85000"/>
+          </a:schemeClr>
+        </a:solidFill>
+        <a:round/>
+      </a:ln>
+    </cs:spPr>
+    <cs:defRPr sz="900" kern="1200"/>
+  </cs:categoryAxis>
+  <cs:chartArea mods="allowNoFillOverride allowNoLineOverride">
+    <cs:lnRef idx="0"/>
+    <cs:fillRef idx="0"/>
+    <cs:effectRef idx="0"/>
+    <cs:fontRef idx="minor">
+      <a:schemeClr val="tx1"/>
+    </cs:fontRef>
+    <cs:spPr>
+      <a:solidFill>
+        <a:schemeClr val="bg1"/>
+      </a:solidFill>
+      <a:ln w="9525" cap="flat" cmpd="sng" algn="ctr">
+        <a:solidFill>
+          <a:schemeClr val="tx1">
+            <a:lumMod val="15000"/>
+            <a:lumOff val="85000"/>
+          </a:schemeClr>
+        </a:solidFill>
+        <a:round/>
+      </a:ln>
+    </cs:spPr>
+    <cs:defRPr sz="1000" kern="1200"/>
+  </cs:chartArea>
+  <cs:dataLabel>
+    <cs:lnRef idx="0"/>
+    <cs:fillRef idx="0"/>
+    <cs:effectRef idx="0"/>
+    <cs:fontRef idx="minor">
+      <a:schemeClr val="tx1">
+        <a:lumMod val="75000"/>
+        <a:lumOff val="25000"/>
+      </a:schemeClr>
+    </cs:fontRef>
+    <cs:defRPr sz="900" kern="1200"/>
+  </cs:dataLabel>
+  <cs:dataLabelCallout>
+    <cs:lnRef idx="0"/>
+    <cs:fillRef idx="0"/>
+    <cs:effectRef idx="0"/>
+    <cs:fontRef idx="minor">
+      <a:schemeClr val="dk1">
+        <a:lumMod val="65000"/>
+        <a:lumOff val="35000"/>
+      </a:schemeClr>
+    </cs:fontRef>
+    <cs:spPr>
+      <a:solidFill>
+        <a:schemeClr val="lt1"/>
+      </a:solidFill>
+      <a:ln>
+        <a:solidFill>
+          <a:schemeClr val="dk1">
+            <a:lumMod val="25000"/>
+            <a:lumOff val="75000"/>
+          </a:schemeClr>
+        </a:solidFill>
+      </a:ln>
+    </cs:spPr>
+    <cs:defRPr sz="900" kern="1200"/>
+    <cs:bodyPr rot="0" spcFirstLastPara="1" vertOverflow="clip" horzOverflow="clip" vert="horz" wrap="square" lIns="36576" tIns="18288" rIns="36576" bIns="18288" anchor="ctr" anchorCtr="1">
+      <a:spAutoFit/>
+    </cs:bodyPr>
+  </cs:dataLabelCallout>
+  <cs:dataPoint>
+    <cs:lnRef idx="0"/>
+    <cs:fillRef idx="1">
+      <cs:styleClr val="auto"/>
+    </cs:fillRef>
+    <cs:effectRef idx="0"/>
+    <cs:fontRef idx="minor">
+      <a:schemeClr val="tx1"/>
+    </cs:fontRef>
+    <cs:spPr>
+      <a:solidFill>
+        <a:schemeClr val="phClr"/>
+      </a:solidFill>
+    </cs:spPr>
+  </cs:dataPoint>
+  <cs:dataPoint3D>
+    <cs:lnRef idx="0"/>
+    <cs:fillRef idx="1">
+      <cs:styleClr val="auto"/>
+    </cs:fillRef>
+    <cs:effectRef idx="0"/>
+    <cs:fontRef idx="minor">
+      <a:schemeClr val="tx1"/>
+    </cs:fontRef>
+    <cs:spPr>
+      <a:solidFill>
+        <a:schemeClr val="phClr"/>
+      </a:solidFill>
+    </cs:spPr>
+  </cs:dataPoint3D>
+  <cs:dataPointLine>
+    <cs:lnRef idx="0">
+      <cs:styleClr val="auto"/>
+    </cs:lnRef>
+    <cs:fillRef idx="1"/>
+    <cs:effectRef idx="0"/>
+    <cs:fontRef idx="minor">
+      <a:schemeClr val="tx1"/>
+    </cs:fontRef>
+    <cs:spPr>
+      <a:ln w="28575" cap="rnd">
+        <a:solidFill>
+          <a:schemeClr val="phClr"/>
+        </a:solidFill>
+        <a:round/>
+      </a:ln>
+    </cs:spPr>
+  </cs:dataPointLine>
+  <cs:dataPointMarker>
+    <cs:lnRef idx="0">
+      <cs:styleClr val="auto"/>
+    </cs:lnRef>
+    <cs:fillRef idx="1">
+      <cs:styleClr val="auto"/>
+    </cs:fillRef>
+    <cs:effectRef idx="0"/>
+    <cs:fontRef idx="minor">
+      <a:schemeClr val="tx1"/>
+    </cs:fontRef>
+    <cs:spPr>
+      <a:solidFill>
+        <a:schemeClr val="phClr"/>
+      </a:solidFill>
+      <a:ln w="9525">
+        <a:solidFill>
+          <a:schemeClr val="phClr"/>
+        </a:solidFill>
+      </a:ln>
+    </cs:spPr>
+  </cs:dataPointMarker>
+  <cs:dataPointMarkerLayout symbol="circle" size="5"/>
+  <cs:dataPointWireframe>
+    <cs:lnRef idx="0">
+      <cs:styleClr val="auto"/>
+    </cs:lnRef>
+    <cs:fillRef idx="1"/>
+    <cs:effectRef idx="0"/>
+    <cs:fontRef idx="minor">
+      <a:schemeClr val="tx1"/>
+    </cs:fontRef>
+    <cs:spPr>
+      <a:ln w="9525" cap="rnd">
+        <a:solidFill>
+          <a:schemeClr val="phClr"/>
+        </a:solidFill>
+        <a:round/>
+      </a:ln>
+    </cs:spPr>
+  </cs:dataPointWireframe>
+  <cs:dataTable>
+    <cs:lnRef idx="0"/>
+    <cs:fillRef idx="0"/>
+    <cs:effectRef idx="0"/>
+    <cs:fontRef idx="minor">
+      <a:schemeClr val="tx1">
+        <a:lumMod val="65000"/>
+        <a:lumOff val="35000"/>
+      </a:schemeClr>
+    </cs:fontRef>
+    <cs:spPr>
+      <a:noFill/>
+      <a:ln w="9525" cap="flat" cmpd="sng" algn="ctr">
+        <a:solidFill>
+          <a:schemeClr val="tx1">
+            <a:lumMod val="15000"/>
+            <a:lumOff val="85000"/>
+          </a:schemeClr>
+        </a:solidFill>
+        <a:round/>
+      </a:ln>
+    </cs:spPr>
+    <cs:defRPr sz="900" kern="1200"/>
+  </cs:dataTable>
+  <cs:downBar>
+    <cs:lnRef idx="0"/>
+    <cs:fillRef idx="0"/>
+    <cs:effectRef idx="0"/>
+    <cs:fontRef idx="minor">
+      <a:schemeClr val="dk1"/>
+    </cs:fontRef>
+    <cs:spPr>
+      <a:solidFill>
+        <a:schemeClr val="dk1">
+          <a:lumMod val="65000"/>
+          <a:lumOff val="35000"/>
+        </a:schemeClr>
+      </a:solidFill>
+      <a:ln w="9525">
+        <a:solidFill>
+          <a:schemeClr val="tx1">
+            <a:lumMod val="65000"/>
+            <a:lumOff val="35000"/>
+          </a:schemeClr>
+        </a:solidFill>
+      </a:ln>
+    </cs:spPr>
+  </cs:downBar>
+  <cs:dropLine>
+    <cs:lnRef idx="0"/>
+    <cs:fillRef idx="0"/>
+    <cs:effectRef idx="0"/>
+    <cs:fontRef idx="minor">
+      <a:schemeClr val="tx1"/>
+    </cs:fontRef>
+    <cs:spPr>
+      <a:ln w="9525" cap="flat" cmpd="sng" algn="ctr">
+        <a:solidFill>
+          <a:schemeClr val="tx1">
+            <a:lumMod val="35000"/>
+            <a:lumOff val="65000"/>
+          </a:schemeClr>
+        </a:solidFill>
+        <a:round/>
+      </a:ln>
+    </cs:spPr>
+  </cs:dropLine>
+  <cs:errorBar>
+    <cs:lnRef idx="0"/>
+    <cs:fillRef idx="0"/>
+    <cs:effectRef idx="0"/>
+    <cs:fontRef idx="minor">
+      <a:schemeClr val="tx1"/>
+    </cs:fontRef>
+    <cs:spPr>
+      <a:ln w="9525" cap="flat" cmpd="sng" algn="ctr">
+        <a:solidFill>
+          <a:schemeClr val="tx1">
+            <a:lumMod val="65000"/>
+            <a:lumOff val="35000"/>
+          </a:schemeClr>
+        </a:solidFill>
+        <a:round/>
+      </a:ln>
+    </cs:spPr>
+  </cs:errorBar>
+  <cs:floor>
+    <cs:lnRef idx="0"/>
+    <cs:fillRef idx="0"/>
+    <cs:effectRef idx="0"/>
+    <cs:fontRef idx="minor">
+      <a:schemeClr val="tx1"/>
+    </cs:fontRef>
+    <cs:spPr>
+      <a:noFill/>
+      <a:ln>
+        <a:noFill/>
+      </a:ln>
+    </cs:spPr>
+  </cs:floor>
+  <cs:gridlineMajor>
+    <cs:lnRef idx="0"/>
+    <cs:fillRef idx="0"/>
+    <cs:effectRef idx="0"/>
+    <cs:fontRef idx="minor">
+      <a:schemeClr val="tx1"/>
+    </cs:fontRef>
+    <cs:spPr>
+      <a:ln w="9525" cap="flat" cmpd="sng" algn="ctr">
+        <a:solidFill>
+          <a:schemeClr val="tx1">
+            <a:lumMod val="15000"/>
+            <a:lumOff val="85000"/>
+          </a:schemeClr>
+        </a:solidFill>
+        <a:round/>
+      </a:ln>
+    </cs:spPr>
+  </cs:gridlineMajor>
+  <cs:gridlineMinor>
+    <cs:lnRef idx="0"/>
+    <cs:fillRef idx="0"/>
+    <cs:effectRef idx="0"/>
+    <cs:fontRef idx="minor">
+      <a:schemeClr val="tx1"/>
+    </cs:fontRef>
+    <cs:spPr>
+      <a:ln w="9525" cap="flat" cmpd="sng" algn="ctr">
+        <a:solidFill>
+          <a:schemeClr val="tx1">
+            <a:lumMod val="5000"/>
+            <a:lumOff val="95000"/>
+          </a:schemeClr>
+        </a:solidFill>
+        <a:round/>
+      </a:ln>
+    </cs:spPr>
+  </cs:gridlineMinor>
+  <cs:hiLoLine>
+    <cs:lnRef idx="0"/>
+    <cs:fillRef idx="0"/>
+    <cs:effectRef idx="0"/>
+    <cs:fontRef idx="minor">
+      <a:schemeClr val="tx1"/>
+    </cs:fontRef>
+    <cs:spPr>
+      <a:ln w="9525" cap="flat" cmpd="sng" algn="ctr">
+        <a:solidFill>
+          <a:schemeClr val="tx1">
+            <a:lumMod val="75000"/>
+            <a:lumOff val="25000"/>
+          </a:schemeClr>
+        </a:solidFill>
+        <a:round/>
+      </a:ln>
+    </cs:spPr>
+  </cs:hiLoLine>
+  <cs:leaderLine>
+    <cs:lnRef idx="0"/>
+    <cs:fillRef idx="0"/>
+    <cs:effectRef idx="0"/>
+    <cs:fontRef idx="minor">
+      <a:schemeClr val="tx1"/>
+    </cs:fontRef>
+    <cs:spPr>
+      <a:ln w="9525" cap="flat" cmpd="sng" algn="ctr">
+        <a:solidFill>
+          <a:schemeClr val="tx1">
+            <a:lumMod val="35000"/>
+            <a:lumOff val="65000"/>
+          </a:schemeClr>
+        </a:solidFill>
+        <a:round/>
+      </a:ln>
+    </cs:spPr>
+  </cs:leaderLine>
+  <cs:legend>
+    <cs:lnRef idx="0"/>
+    <cs:fillRef idx="0"/>
+    <cs:effectRef idx="0"/>
+    <cs:fontRef idx="minor">
+      <a:schemeClr val="tx1">
+        <a:lumMod val="65000"/>
+        <a:lumOff val="35000"/>
+      </a:schemeClr>
+    </cs:fontRef>
+    <cs:defRPr sz="900" kern="1200"/>
+  </cs:legend>
+  <cs:plotArea mods="allowNoFillOverride allowNoLineOverride">
+    <cs:lnRef idx="0"/>
+    <cs:fillRef idx="0"/>
+    <cs:effectRef idx="0"/>
+    <cs:fontRef idx="minor">
+      <a:schemeClr val="tx1"/>
+    </cs:fontRef>
+  </cs:plotArea>
+  <cs:plotArea3D mods="allowNoFillOverride allowNoLineOverride">
+    <cs:lnRef idx="0"/>
+    <cs:fillRef idx="0"/>
+    <cs:effectRef idx="0"/>
+    <cs:fontRef idx="minor">
+      <a:schemeClr val="tx1"/>
+    </cs:fontRef>
+  </cs:plotArea3D>
+  <cs:seriesAxis>
+    <cs:lnRef idx="0"/>
+    <cs:fillRef idx="0"/>
+    <cs:effectRef idx="0"/>
+    <cs:fontRef idx="minor">
+      <a:schemeClr val="tx1">
+        <a:lumMod val="65000"/>
+        <a:lumOff val="35000"/>
+      </a:schemeClr>
+    </cs:fontRef>
+    <cs:defRPr sz="900" kern="1200"/>
+  </cs:seriesAxis>
+  <cs:seriesLine>
+    <cs:lnRef idx="0"/>
+    <cs:fillRef idx="0"/>
+    <cs:effectRef idx="0"/>
+    <cs:fontRef idx="minor">
+      <a:schemeClr val="tx1"/>
+    </cs:fontRef>
+    <cs:spPr>
+      <a:ln w="9525" cap="flat" cmpd="sng" algn="ctr">
+        <a:solidFill>
+          <a:schemeClr val="tx1">
+            <a:lumMod val="35000"/>
+            <a:lumOff val="65000"/>
+          </a:schemeClr>
+        </a:solidFill>
+        <a:round/>
+      </a:ln>
+    </cs:spPr>
+  </cs:seriesLine>
+  <cs:title>
+    <cs:lnRef idx="0"/>
+    <cs:fillRef idx="0"/>
+    <cs:effectRef idx="0"/>
+    <cs:fontRef idx="minor">
+      <a:schemeClr val="tx1">
+        <a:lumMod val="65000"/>
+        <a:lumOff val="35000"/>
+      </a:schemeClr>
+    </cs:fontRef>
+    <cs:defRPr sz="1400" b="0" kern="1200" spc="0" baseline="0"/>
+  </cs:title>
+  <cs:trendline>
+    <cs:lnRef idx="0">
+      <cs:styleClr val="auto"/>
+    </cs:lnRef>
+    <cs:fillRef idx="0"/>
+    <cs:effectRef idx="0"/>
+    <cs:fontRef idx="minor">
+      <a:schemeClr val="tx1"/>
+    </cs:fontRef>
+    <cs:spPr>
+      <a:ln w="19050" cap="rnd">
+        <a:solidFill>
+          <a:schemeClr val="phClr"/>
+        </a:solidFill>
+        <a:prstDash val="sysDot"/>
+      </a:ln>
+    </cs:spPr>
+  </cs:trendline>
+  <cs:trendlineLabel>
+    <cs:lnRef idx="0"/>
+    <cs:fillRef idx="0"/>
+    <cs:effectRef idx="0"/>
+    <cs:fontRef idx="minor">
+      <a:schemeClr val="tx1">
+        <a:lumMod val="65000"/>
+        <a:lumOff val="35000"/>
+      </a:schemeClr>
+    </cs:fontRef>
+    <cs:defRPr sz="900" kern="1200"/>
+  </cs:trendlineLabel>
+  <cs:upBar>
+    <cs:lnRef idx="0"/>
+    <cs:fillRef idx="0"/>
+    <cs:effectRef idx="0"/>
+    <cs:fontRef idx="minor">
+      <a:schemeClr val="dk1"/>
+    </cs:fontRef>
+    <cs:spPr>
+      <a:solidFill>
+        <a:schemeClr val="lt1"/>
+      </a:solidFill>
+      <a:ln w="9525">
+        <a:solidFill>
+          <a:schemeClr val="tx1">
+            <a:lumMod val="15000"/>
+            <a:lumOff val="85000"/>
+          </a:schemeClr>
+        </a:solidFill>
+      </a:ln>
+    </cs:spPr>
+  </cs:upBar>
+  <cs:valueAxis>
+    <cs:lnRef idx="0"/>
+    <cs:fillRef idx="0"/>
+    <cs:effectRef idx="0"/>
+    <cs:fontRef idx="minor">
+      <a:schemeClr val="tx1">
+        <a:lumMod val="65000"/>
+        <a:lumOff val="35000"/>
+      </a:schemeClr>
+    </cs:fontRef>
+    <cs:defRPr sz="900" kern="1200"/>
+  </cs:valueAxis>
+  <cs:wall>
+    <cs:lnRef idx="0"/>
+    <cs:fillRef idx="0"/>
+    <cs:effectRef idx="0"/>
+    <cs:fontRef idx="minor">
+      <a:schemeClr val="tx1"/>
+    </cs:fontRef>
+    <cs:spPr>
+      <a:noFill/>
+      <a:ln>
+        <a:noFill/>
+      </a:ln>
+    </cs:spPr>
+  </cs:wall>
+</cs:chartStyle>
 </file>
 
 <file path=ppt/notesMasters/notesMaster1.xml><?xml version="1.0" encoding="utf-8"?>
@@ -1366,6 +5032,333 @@
         </p:txBody>
       </p:sp>
     </p:spTree>
+  </p:cSld>
+  <p:clrMapOvr>
+    <a:masterClrMapping/>
+  </p:clrMapOvr>
+</p:notes>
+</file>
+
+<file path=ppt/notesSlides/notesSlide7.xml><?xml version="1.0" encoding="utf-8"?>
+<p:notes xmlns:a="http://schemas.openxmlformats.org/drawingml/2006/main" xmlns:r="http://schemas.openxmlformats.org/officeDocument/2006/relationships" xmlns:p="http://schemas.openxmlformats.org/presentationml/2006/main" showMasterSp="0" showMasterPhAnim="0">
+  <p:cSld>
+    <p:spTree>
+      <p:nvGrpSpPr>
+        <p:cNvPr id="1" name="Shape 517"/>
+        <p:cNvGrpSpPr/>
+        <p:nvPr/>
+      </p:nvGrpSpPr>
+      <p:grpSpPr>
+        <a:xfrm>
+          <a:off x="0" y="0"/>
+          <a:ext cx="0" cy="0"/>
+          <a:chOff x="0" y="0"/>
+          <a:chExt cx="0" cy="0"/>
+        </a:xfrm>
+      </p:grpSpPr>
+      <p:sp>
+        <p:nvSpPr>
+          <p:cNvPr id="518" name="Google Shape;518;gac187c80fb_4_328:notes"/>
+          <p:cNvSpPr>
+            <a:spLocks noGrp="1" noRot="1" noChangeAspect="1"/>
+          </p:cNvSpPr>
+          <p:nvPr>
+            <p:ph type="sldImg" idx="2"/>
+          </p:nvPr>
+        </p:nvSpPr>
+        <p:spPr>
+          <a:xfrm>
+            <a:off x="381000" y="685800"/>
+            <a:ext cx="6096000" cy="3429000"/>
+          </a:xfrm>
+          <a:custGeom>
+            <a:avLst/>
+            <a:gdLst/>
+            <a:ahLst/>
+            <a:cxnLst/>
+            <a:rect l="l" t="t" r="r" b="b"/>
+            <a:pathLst>
+              <a:path w="120000" h="120000" extrusionOk="0">
+                <a:moveTo>
+                  <a:pt x="0" y="0"/>
+                </a:moveTo>
+                <a:lnTo>
+                  <a:pt x="120000" y="0"/>
+                </a:lnTo>
+                <a:lnTo>
+                  <a:pt x="120000" y="120000"/>
+                </a:lnTo>
+                <a:lnTo>
+                  <a:pt x="0" y="120000"/>
+                </a:lnTo>
+                <a:close/>
+              </a:path>
+            </a:pathLst>
+          </a:custGeom>
+        </p:spPr>
+      </p:sp>
+      <p:sp>
+        <p:nvSpPr>
+          <p:cNvPr id="519" name="Google Shape;519;gac187c80fb_4_328:notes"/>
+          <p:cNvSpPr txBox="1">
+            <a:spLocks noGrp="1"/>
+          </p:cNvSpPr>
+          <p:nvPr>
+            <p:ph type="body" idx="1"/>
+          </p:nvPr>
+        </p:nvSpPr>
+        <p:spPr>
+          <a:xfrm>
+            <a:off x="685800" y="4343400"/>
+            <a:ext cx="5486400" cy="4114800"/>
+          </a:xfrm>
+          <a:prstGeom prst="rect">
+            <a:avLst/>
+          </a:prstGeom>
+        </p:spPr>
+        <p:txBody>
+          <a:bodyPr spcFirstLastPara="1" wrap="square" lIns="91425" tIns="91425" rIns="91425" bIns="91425" anchor="t" anchorCtr="0">
+            <a:noAutofit/>
+          </a:bodyPr>
+          <a:lstStyle/>
+          <a:p>
+            <a:pPr marL="0" lvl="0" indent="0" algn="l" rtl="0">
+              <a:spcBef>
+                <a:spcPts val="0"/>
+              </a:spcBef>
+              <a:spcAft>
+                <a:spcPts val="0"/>
+              </a:spcAft>
+              <a:buNone/>
+            </a:pPr>
+            <a:endParaRPr/>
+          </a:p>
+        </p:txBody>
+      </p:sp>
+    </p:spTree>
+    <p:extLst>
+      <p:ext uri="{BB962C8B-B14F-4D97-AF65-F5344CB8AC3E}">
+        <p14:creationId xmlns:p14="http://schemas.microsoft.com/office/powerpoint/2010/main" val="2297099040"/>
+      </p:ext>
+    </p:extLst>
+  </p:cSld>
+  <p:clrMapOvr>
+    <a:masterClrMapping/>
+  </p:clrMapOvr>
+</p:notes>
+</file>
+
+<file path=ppt/notesSlides/notesSlide8.xml><?xml version="1.0" encoding="utf-8"?>
+<p:notes xmlns:a="http://schemas.openxmlformats.org/drawingml/2006/main" xmlns:r="http://schemas.openxmlformats.org/officeDocument/2006/relationships" xmlns:p="http://schemas.openxmlformats.org/presentationml/2006/main" showMasterSp="0" showMasterPhAnim="0">
+  <p:cSld>
+    <p:spTree>
+      <p:nvGrpSpPr>
+        <p:cNvPr id="1" name="Shape 517"/>
+        <p:cNvGrpSpPr/>
+        <p:nvPr/>
+      </p:nvGrpSpPr>
+      <p:grpSpPr>
+        <a:xfrm>
+          <a:off x="0" y="0"/>
+          <a:ext cx="0" cy="0"/>
+          <a:chOff x="0" y="0"/>
+          <a:chExt cx="0" cy="0"/>
+        </a:xfrm>
+      </p:grpSpPr>
+      <p:sp>
+        <p:nvSpPr>
+          <p:cNvPr id="518" name="Google Shape;518;gac187c80fb_4_328:notes"/>
+          <p:cNvSpPr>
+            <a:spLocks noGrp="1" noRot="1" noChangeAspect="1"/>
+          </p:cNvSpPr>
+          <p:nvPr>
+            <p:ph type="sldImg" idx="2"/>
+          </p:nvPr>
+        </p:nvSpPr>
+        <p:spPr>
+          <a:xfrm>
+            <a:off x="381000" y="685800"/>
+            <a:ext cx="6096000" cy="3429000"/>
+          </a:xfrm>
+          <a:custGeom>
+            <a:avLst/>
+            <a:gdLst/>
+            <a:ahLst/>
+            <a:cxnLst/>
+            <a:rect l="l" t="t" r="r" b="b"/>
+            <a:pathLst>
+              <a:path w="120000" h="120000" extrusionOk="0">
+                <a:moveTo>
+                  <a:pt x="0" y="0"/>
+                </a:moveTo>
+                <a:lnTo>
+                  <a:pt x="120000" y="0"/>
+                </a:lnTo>
+                <a:lnTo>
+                  <a:pt x="120000" y="120000"/>
+                </a:lnTo>
+                <a:lnTo>
+                  <a:pt x="0" y="120000"/>
+                </a:lnTo>
+                <a:close/>
+              </a:path>
+            </a:pathLst>
+          </a:custGeom>
+        </p:spPr>
+      </p:sp>
+      <p:sp>
+        <p:nvSpPr>
+          <p:cNvPr id="519" name="Google Shape;519;gac187c80fb_4_328:notes"/>
+          <p:cNvSpPr txBox="1">
+            <a:spLocks noGrp="1"/>
+          </p:cNvSpPr>
+          <p:nvPr>
+            <p:ph type="body" idx="1"/>
+          </p:nvPr>
+        </p:nvSpPr>
+        <p:spPr>
+          <a:xfrm>
+            <a:off x="685800" y="4343400"/>
+            <a:ext cx="5486400" cy="4114800"/>
+          </a:xfrm>
+          <a:prstGeom prst="rect">
+            <a:avLst/>
+          </a:prstGeom>
+        </p:spPr>
+        <p:txBody>
+          <a:bodyPr spcFirstLastPara="1" wrap="square" lIns="91425" tIns="91425" rIns="91425" bIns="91425" anchor="t" anchorCtr="0">
+            <a:noAutofit/>
+          </a:bodyPr>
+          <a:lstStyle/>
+          <a:p>
+            <a:pPr marL="0" lvl="0" indent="0" algn="l" rtl="0">
+              <a:spcBef>
+                <a:spcPts val="0"/>
+              </a:spcBef>
+              <a:spcAft>
+                <a:spcPts val="0"/>
+              </a:spcAft>
+              <a:buNone/>
+            </a:pPr>
+            <a:endParaRPr/>
+          </a:p>
+        </p:txBody>
+      </p:sp>
+    </p:spTree>
+    <p:extLst>
+      <p:ext uri="{BB962C8B-B14F-4D97-AF65-F5344CB8AC3E}">
+        <p14:creationId xmlns:p14="http://schemas.microsoft.com/office/powerpoint/2010/main" val="1592497985"/>
+      </p:ext>
+    </p:extLst>
+  </p:cSld>
+  <p:clrMapOvr>
+    <a:masterClrMapping/>
+  </p:clrMapOvr>
+</p:notes>
+</file>
+
+<file path=ppt/notesSlides/notesSlide9.xml><?xml version="1.0" encoding="utf-8"?>
+<p:notes xmlns:a="http://schemas.openxmlformats.org/drawingml/2006/main" xmlns:r="http://schemas.openxmlformats.org/officeDocument/2006/relationships" xmlns:p="http://schemas.openxmlformats.org/presentationml/2006/main" showMasterSp="0" showMasterPhAnim="0">
+  <p:cSld>
+    <p:spTree>
+      <p:nvGrpSpPr>
+        <p:cNvPr id="1" name="Shape 517"/>
+        <p:cNvGrpSpPr/>
+        <p:nvPr/>
+      </p:nvGrpSpPr>
+      <p:grpSpPr>
+        <a:xfrm>
+          <a:off x="0" y="0"/>
+          <a:ext cx="0" cy="0"/>
+          <a:chOff x="0" y="0"/>
+          <a:chExt cx="0" cy="0"/>
+        </a:xfrm>
+      </p:grpSpPr>
+      <p:sp>
+        <p:nvSpPr>
+          <p:cNvPr id="518" name="Google Shape;518;gac187c80fb_4_328:notes"/>
+          <p:cNvSpPr>
+            <a:spLocks noGrp="1" noRot="1" noChangeAspect="1"/>
+          </p:cNvSpPr>
+          <p:nvPr>
+            <p:ph type="sldImg" idx="2"/>
+          </p:nvPr>
+        </p:nvSpPr>
+        <p:spPr>
+          <a:xfrm>
+            <a:off x="381000" y="685800"/>
+            <a:ext cx="6096000" cy="3429000"/>
+          </a:xfrm>
+          <a:custGeom>
+            <a:avLst/>
+            <a:gdLst/>
+            <a:ahLst/>
+            <a:cxnLst/>
+            <a:rect l="l" t="t" r="r" b="b"/>
+            <a:pathLst>
+              <a:path w="120000" h="120000" extrusionOk="0">
+                <a:moveTo>
+                  <a:pt x="0" y="0"/>
+                </a:moveTo>
+                <a:lnTo>
+                  <a:pt x="120000" y="0"/>
+                </a:lnTo>
+                <a:lnTo>
+                  <a:pt x="120000" y="120000"/>
+                </a:lnTo>
+                <a:lnTo>
+                  <a:pt x="0" y="120000"/>
+                </a:lnTo>
+                <a:close/>
+              </a:path>
+            </a:pathLst>
+          </a:custGeom>
+        </p:spPr>
+      </p:sp>
+      <p:sp>
+        <p:nvSpPr>
+          <p:cNvPr id="519" name="Google Shape;519;gac187c80fb_4_328:notes"/>
+          <p:cNvSpPr txBox="1">
+            <a:spLocks noGrp="1"/>
+          </p:cNvSpPr>
+          <p:nvPr>
+            <p:ph type="body" idx="1"/>
+          </p:nvPr>
+        </p:nvSpPr>
+        <p:spPr>
+          <a:xfrm>
+            <a:off x="685800" y="4343400"/>
+            <a:ext cx="5486400" cy="4114800"/>
+          </a:xfrm>
+          <a:prstGeom prst="rect">
+            <a:avLst/>
+          </a:prstGeom>
+        </p:spPr>
+        <p:txBody>
+          <a:bodyPr spcFirstLastPara="1" wrap="square" lIns="91425" tIns="91425" rIns="91425" bIns="91425" anchor="t" anchorCtr="0">
+            <a:noAutofit/>
+          </a:bodyPr>
+          <a:lstStyle/>
+          <a:p>
+            <a:pPr marL="0" lvl="0" indent="0" algn="l" rtl="0">
+              <a:spcBef>
+                <a:spcPts val="0"/>
+              </a:spcBef>
+              <a:spcAft>
+                <a:spcPts val="0"/>
+              </a:spcAft>
+              <a:buNone/>
+            </a:pPr>
+            <a:endParaRPr/>
+          </a:p>
+        </p:txBody>
+      </p:sp>
+    </p:spTree>
+    <p:extLst>
+      <p:ext uri="{BB962C8B-B14F-4D97-AF65-F5344CB8AC3E}">
+        <p14:creationId xmlns:p14="http://schemas.microsoft.com/office/powerpoint/2010/main" val="4025552888"/>
+      </p:ext>
+    </p:extLst>
   </p:cSld>
   <p:clrMapOvr>
     <a:masterClrMapping/>
@@ -8765,6 +12758,992 @@
       </p:grpSpPr>
       <p:pic>
         <p:nvPicPr>
+          <p:cNvPr id="3" name="Picture 1562675041">
+            <a:extLst>
+              <a:ext uri="{FF2B5EF4-FFF2-40B4-BE49-F238E27FC236}">
+                <a16:creationId xmlns:a16="http://schemas.microsoft.com/office/drawing/2014/main" id="{18CE8369-97B8-47BC-8C74-599BB3DD9255}"/>
+              </a:ext>
+            </a:extLst>
+          </p:cNvPr>
+          <p:cNvPicPr/>
+          <p:nvPr/>
+        </p:nvPicPr>
+        <p:blipFill>
+          <a:blip r:embed="rId2"/>
+          <a:stretch>
+            <a:fillRect/>
+          </a:stretch>
+        </p:blipFill>
+        <p:spPr>
+          <a:xfrm>
+            <a:off x="897286" y="1457011"/>
+            <a:ext cx="6143625" cy="3314700"/>
+          </a:xfrm>
+          <a:prstGeom prst="rect">
+            <a:avLst/>
+          </a:prstGeom>
+          <a:noFill/>
+          <a:ln>
+            <a:noFill/>
+            <a:prstDash/>
+          </a:ln>
+        </p:spPr>
+      </p:pic>
+      <p:sp>
+        <p:nvSpPr>
+          <p:cNvPr id="5" name="CaixaDeTexto 4">
+            <a:extLst>
+              <a:ext uri="{FF2B5EF4-FFF2-40B4-BE49-F238E27FC236}">
+                <a16:creationId xmlns:a16="http://schemas.microsoft.com/office/drawing/2014/main" id="{FA7E217D-7B26-470E-99AB-860C541522D0}"/>
+              </a:ext>
+            </a:extLst>
+          </p:cNvPr>
+          <p:cNvSpPr txBox="1"/>
+          <p:nvPr/>
+        </p:nvSpPr>
+        <p:spPr>
+          <a:xfrm>
+            <a:off x="321547" y="915694"/>
+            <a:ext cx="8239648" cy="340734"/>
+          </a:xfrm>
+          <a:prstGeom prst="rect">
+            <a:avLst/>
+          </a:prstGeom>
+          <a:noFill/>
+        </p:spPr>
+        <p:txBody>
+          <a:bodyPr wrap="square">
+            <a:spAutoFit/>
+          </a:bodyPr>
+          <a:lstStyle/>
+          <a:p>
+            <a:pPr indent="457200">
+              <a:lnSpc>
+                <a:spcPct val="150000"/>
+              </a:lnSpc>
+              <a:spcAft>
+                <a:spcPts val="800"/>
+              </a:spcAft>
+            </a:pPr>
+            <a:r>
+              <a:rPr lang="pt-BR" sz="1200" dirty="0">
+                <a:solidFill>
+                  <a:srgbClr val="000000"/>
+                </a:solidFill>
+                <a:effectLst/>
+                <a:latin typeface="Playfair Display"/>
+                <a:ea typeface="Arial" panose="020B0604020202020204" pitchFamily="34" charset="0"/>
+                <a:cs typeface="Arial" panose="020B0604020202020204" pitchFamily="34" charset="0"/>
+              </a:rPr>
+              <a:t>Os teores ideais de umidade para cada fase de desenvolvimento podem ser observados abaixo:</a:t>
+            </a:r>
+            <a:endParaRPr lang="pt-BR" sz="1200" dirty="0">
+              <a:effectLst/>
+              <a:latin typeface="Playfair Display"/>
+              <a:ea typeface="Calibri" panose="020F0502020204030204" pitchFamily="34" charset="0"/>
+              <a:cs typeface="Arial" panose="020B0604020202020204" pitchFamily="34" charset="0"/>
+            </a:endParaRPr>
+          </a:p>
+        </p:txBody>
+      </p:sp>
+      <p:pic>
+        <p:nvPicPr>
+          <p:cNvPr id="6" name="Imagem 5" descr="Desenho de personagem&#10;&#10;Descrição gerada automaticamente com confiança baixa">
+            <a:extLst>
+              <a:ext uri="{FF2B5EF4-FFF2-40B4-BE49-F238E27FC236}">
+                <a16:creationId xmlns:a16="http://schemas.microsoft.com/office/drawing/2014/main" id="{DFDDE728-A644-47B0-8DBD-2DE4FA5BD4EF}"/>
+              </a:ext>
+            </a:extLst>
+          </p:cNvPr>
+          <p:cNvPicPr>
+            <a:picLocks noChangeAspect="1"/>
+          </p:cNvPicPr>
+          <p:nvPr/>
+        </p:nvPicPr>
+        <p:blipFill>
+          <a:blip r:embed="rId3"/>
+          <a:stretch>
+            <a:fillRect/>
+          </a:stretch>
+        </p:blipFill>
+        <p:spPr>
+          <a:xfrm>
+            <a:off x="8738217" y="4320688"/>
+            <a:ext cx="445975" cy="451023"/>
+          </a:xfrm>
+          <a:prstGeom prst="rect">
+            <a:avLst/>
+          </a:prstGeom>
+        </p:spPr>
+      </p:pic>
+      <p:sp>
+        <p:nvSpPr>
+          <p:cNvPr id="7" name="Retângulo 6">
+            <a:extLst>
+              <a:ext uri="{FF2B5EF4-FFF2-40B4-BE49-F238E27FC236}">
+                <a16:creationId xmlns:a16="http://schemas.microsoft.com/office/drawing/2014/main" id="{F189BD6E-2543-4E50-995B-EA8408B57909}"/>
+              </a:ext>
+            </a:extLst>
+          </p:cNvPr>
+          <p:cNvSpPr/>
+          <p:nvPr/>
+        </p:nvSpPr>
+        <p:spPr>
+          <a:xfrm>
+            <a:off x="758581" y="142411"/>
+            <a:ext cx="2117195" cy="572700"/>
+          </a:xfrm>
+          <a:prstGeom prst="rect">
+            <a:avLst/>
+          </a:prstGeom>
+          <a:solidFill>
+            <a:srgbClr val="385819"/>
+          </a:solidFill>
+          <a:ln>
+            <a:noFill/>
+          </a:ln>
+        </p:spPr>
+        <p:style>
+          <a:lnRef idx="2">
+            <a:schemeClr val="accent1">
+              <a:shade val="50000"/>
+            </a:schemeClr>
+          </a:lnRef>
+          <a:fillRef idx="1">
+            <a:schemeClr val="accent1"/>
+          </a:fillRef>
+          <a:effectRef idx="0">
+            <a:schemeClr val="accent1"/>
+          </a:effectRef>
+          <a:fontRef idx="minor">
+            <a:schemeClr val="lt1"/>
+          </a:fontRef>
+        </p:style>
+        <p:txBody>
+          <a:bodyPr rtlCol="0" anchor="ctr"/>
+          <a:lstStyle/>
+          <a:p>
+            <a:pPr algn="ctr"/>
+            <a:endParaRPr lang="pt-BR"/>
+          </a:p>
+        </p:txBody>
+      </p:sp>
+      <p:sp>
+        <p:nvSpPr>
+          <p:cNvPr id="8" name="CaixaDeTexto 7">
+            <a:extLst>
+              <a:ext uri="{FF2B5EF4-FFF2-40B4-BE49-F238E27FC236}">
+                <a16:creationId xmlns:a16="http://schemas.microsoft.com/office/drawing/2014/main" id="{F2973D04-B16D-4607-96D1-534BA3A2A2F0}"/>
+              </a:ext>
+            </a:extLst>
+          </p:cNvPr>
+          <p:cNvSpPr txBox="1"/>
+          <p:nvPr/>
+        </p:nvSpPr>
+        <p:spPr>
+          <a:xfrm>
+            <a:off x="894134" y="197928"/>
+            <a:ext cx="2343385" cy="461665"/>
+          </a:xfrm>
+          <a:prstGeom prst="rect">
+            <a:avLst/>
+          </a:prstGeom>
+          <a:noFill/>
+        </p:spPr>
+        <p:txBody>
+          <a:bodyPr wrap="square" rtlCol="0">
+            <a:spAutoFit/>
+          </a:bodyPr>
+          <a:lstStyle/>
+          <a:p>
+            <a:r>
+              <a:rPr lang="pt-BR" sz="2400" b="1" dirty="0">
+                <a:solidFill>
+                  <a:schemeClr val="bg1"/>
+                </a:solidFill>
+                <a:latin typeface="Playfair Display"/>
+              </a:rPr>
+              <a:t>ANALYTICS</a:t>
+            </a:r>
+          </a:p>
+        </p:txBody>
+      </p:sp>
+    </p:spTree>
+    <p:extLst>
+      <p:ext uri="{BB962C8B-B14F-4D97-AF65-F5344CB8AC3E}">
+        <p14:creationId xmlns:p14="http://schemas.microsoft.com/office/powerpoint/2010/main" val="275403506"/>
+      </p:ext>
+    </p:extLst>
+  </p:cSld>
+  <p:clrMapOvr>
+    <a:masterClrMapping/>
+  </p:clrMapOvr>
+</p:sld>
+</file>
+
+<file path=ppt/slides/slide11.xml><?xml version="1.0" encoding="utf-8"?>
+<p:sld xmlns:a="http://schemas.openxmlformats.org/drawingml/2006/main" xmlns:r="http://schemas.openxmlformats.org/officeDocument/2006/relationships" xmlns:p="http://schemas.openxmlformats.org/presentationml/2006/main">
+  <p:cSld>
+    <p:spTree>
+      <p:nvGrpSpPr>
+        <p:cNvPr id="1" name="Shape 520"/>
+        <p:cNvGrpSpPr/>
+        <p:nvPr/>
+      </p:nvGrpSpPr>
+      <p:grpSpPr>
+        <a:xfrm>
+          <a:off x="0" y="0"/>
+          <a:ext cx="0" cy="0"/>
+          <a:chOff x="0" y="0"/>
+          <a:chExt cx="0" cy="0"/>
+        </a:xfrm>
+      </p:grpSpPr>
+      <p:sp>
+        <p:nvSpPr>
+          <p:cNvPr id="521" name="Google Shape;521;p58"/>
+          <p:cNvSpPr txBox="1">
+            <a:spLocks noGrp="1"/>
+          </p:cNvSpPr>
+          <p:nvPr>
+            <p:ph type="title"/>
+          </p:nvPr>
+        </p:nvSpPr>
+        <p:spPr>
+          <a:xfrm>
+            <a:off x="723900" y="24917"/>
+            <a:ext cx="7696200" cy="572700"/>
+          </a:xfrm>
+          <a:prstGeom prst="rect">
+            <a:avLst/>
+          </a:prstGeom>
+        </p:spPr>
+        <p:txBody>
+          <a:bodyPr spcFirstLastPara="1" wrap="square" lIns="91425" tIns="91425" rIns="91425" bIns="91425" anchor="t" anchorCtr="0">
+            <a:noAutofit/>
+          </a:bodyPr>
+          <a:lstStyle/>
+          <a:p>
+            <a:pPr marL="0" lvl="0" indent="0" algn="ctr" rtl="0">
+              <a:spcBef>
+                <a:spcPts val="0"/>
+              </a:spcBef>
+              <a:spcAft>
+                <a:spcPts val="0"/>
+              </a:spcAft>
+              <a:buNone/>
+            </a:pPr>
+            <a:r>
+              <a:rPr lang="pt-BR" sz="3600" dirty="0">
+                <a:latin typeface="+mj-lt"/>
+              </a:rPr>
+              <a:t>Soja</a:t>
+            </a:r>
+            <a:endParaRPr sz="3600" dirty="0">
+              <a:latin typeface="+mj-lt"/>
+            </a:endParaRPr>
+          </a:p>
+        </p:txBody>
+      </p:sp>
+      <p:sp>
+        <p:nvSpPr>
+          <p:cNvPr id="2" name="AutoShape 1" descr="data:image/png;base64,iVBORw0KGgoAAAANSUhEUgAAAeIAAAEiCAYAAAAlAdEXAAAgAElEQVR4Xu3daYwc553f8X/P1XNxrqYoUpQoiRQPiVQsUwdlyyvL3pUlA7vCIovAAO3FJnGAvF3rXd7si7xJkBfaV1kggB3kRTywESCr0GtbPlfWYVsri5IlkiKHpERSBw/NxeHcZ/Cvnpqprqnqqq5+uuv6FjCYme6qp57n81T3r5+q6qqCMCGAAAIIIIBAbAIFXfNHH320Njs7G1slWDECCCCAAAJ5FCgUCi9bQXzu3Lm1AwcO5NGANiOAAAIIIBCbwMjIiBDEsfGzYgQQQACBvAsQxHnfAmg/AggggECsAgRxrPysHAEEEEAg7wIEcd63ANqPAAIIIBCrAEEcKz8rRwABBBDIuwBBnPctgPYjgAACCMQqQBDHys/KEUAAAQTyLlBzEB8/ftwyGx4errCzH3c/5/d43uFpPwIIIIAAAipQUxBrqGoA279tQr//g+ajCxBAAAEEEMi7QE1BHBS87ucJ4rxvXrQfAQQQQCBIgCAOEuJ5BBBAAAEEGihAEDcQl6IRQAABBBAIEiCIg4R4HgEEEEAAgQYKJD6I5xZW5KPr3J6xgdsARSOAAAII1ClQ6u+QUn8xUik1BbHzq0j22uyvMfH1pUj+LIQAAgggkHOBmoI451Y0HwEEEEAAAeMCBLFxUgpEAAEEEEAgvABBHN6KORFAAAEEEDAuQBAbJ6VABBBAAAEEwgsQxOGtmBMBBBBAAAHjAgSxcVIKRAABBBBAILwAQRzeijkRQAABBBAwLkAQGyelQAQQQAABBMILEMThrZgTAQQQQAAB4wIEsXFSCkQAAQQQQCC8AEEc3oo5EUAAAQQQMC5AEBsnpUAEEEAAgXoEXj43KSfeGZUbtxZlx7YOee6h7fLUwYF6ikz0sgRxoruHyiGAAAL5EtAQ/v4b12RucXWj4V0dLfLNYzszG8bGgpi7L+XrxUJrEUAAgUYIPP/DC9ZI2D3pyPiFb9zXiFXGXqaRINYQtm+HqC2y//d7PPZWUwEEEEAAgUQKfOu7Zzzr9a+P3ib6k8WJIM5ir9ImBBBAIKUCf/uD8zI6vcSIuNb+Y0RcqxjzI4AAAgi4BX59dkL+78nPZHJ2ueKp9taC/M0Xd3GMOGiTcR4j1nl1VzW7poPUeB4BBBBA4K3Lt+SlU+Py/tWZLRiD3W3yVw/vyGwIa4ON7Jp2y3GMmBcWAggggECQwIUbc/LSqTH5/QdTFbMeuL1bnj0yJI/d2xdURCaeNx7EzlGwqRHxyJVbmcCmEQgggAACIpNzy/LG5Wl5w/XePtTdJsf2bJNH9/SmjqnU3yGl/mKkehsJYr+vLmmNqj0XqcYshAACCCCQSoHF5VV56fS4tRt6am7zOHBne4s1An7mcEm2dbamsm31VNpIENdTAZZFAAEEEMi+wG9GJuVnp8blyvh8RWO/cmhQnjk8JHcORhtNZkGOIM5CL9IGBBBAIKEC73w0LT87NSbvfVJ5ItbRPdusUfADd/QktObNqxZB3Dxr1oQAAgjkRuDD0XkrgF+7cLOizftu67IC+Av7+nNjEdRQgjhIiOcRQAABBEILjM8sWbugf/zeWMUy23vby8eBj5SkELq0fMxIEOejn2klAggg0FCBldU1+dnpcfnJe2MVF+TQi3E8e6RkHQce6G5raB3SWjhBnNaeo94IIIBAQgRev3BTfnpqTC6NVp6I9eSBASuA7y51JqSmyawGQZzMfqFWCCCAQOIFTn0yY12QQ0/Ick6fu6tXnj08JA/emb7vA8eBThDHoc46EUAAgRQLfDQ+b30XWL+S5Jzu2d4pzx4uyZf2cyJWLd1LENeixbwIIIBAjgX0Ihx6QY4f/XFU1tY2IfR60NZx4CND0tbCqVi1biIEca1izI8AAgjkUEBPxPqnd0dlYmbzilgtBT0RS8+EHpJST3sOVcw0mSA240gpCCCAQCYF9IYMeib0B5/NVbTvifv6rQDeu70rk+1uZqMI4mZqsy4EEEAgJQJ6S8KfnhqXk5crb7pzZHePdRz4oRTemCGp9ARxUnuGeiGAAAIxCHw6uWCdiPXrsxMVa79rqGgF8JcPDsRQq2yvkiDOdv/SOgQQQCCUwMzCinUi1ol3RkUvzmFPfV1t1leRdDd0sa0lVFnMVJuAsSD2u90ht0GsrUOYGwEEEGi2wC/fn7DOhB6bXqpYtV6MQwN4x7aOZlcpV+szEsQatsPDwxtw9v9+j+dKmMYigAACCRV489It60zoizcqT8R6fG+fdU3o/Ts4EasZXUcQN0OZdSCAAAIJEhi5PmudCf2HS5UnYt2/q8f6OtLDd29LUG2zXxUjQaxMXrugGRFnfwOihQggkB6B61OL1jWhf3mm8kSsOwaKVgB/9dBgehqToZoaCWJ2TWdoi6ApCCCQOYH5pVXrRKwX3/5Mllc2T8TqKbaun4hVku4OTsSKq+NTEcQjVyp3n8SFxXoRQACBtAm8/cmMvPrBlEzObV4RS9vwyF29cuzubVLi1oRGurTU3yGl/mKkslIRxJFaxkIIIIBAjgXevnJLTvxxVM5frzwR69F79ESsITm0szvHOslqupEg9jtGXO3xZDFQGwQQQCAbAnopyh+9OyZvfjhV0aADt3dbx4Efu7cvGw3NUCuMBXGGTGgKAgggkDoB/Q7wj98bk5+fHq+o++19HVYAP/3AUOralJcKE8R56WnaiQACmRTQk69+cmpMXnx7VBaXVzfa2NneUr4z0uGSbOtszWTbs9IogjgrPUk7EEAgdwKvnp+Uf3x7VG5MLVa0/SuHBkWvinXnYLSTh3IHGXODCeKYO4DVI4AAArUKvPvxtPy/d0bl3LXZikWP7tlmjYIfuKOn1iKZP0YBgjhGfFaNAAII1CJweWzeOhP6jQ8qT8Tad1uXFcBf2NdfS3HMmxABgjghHUE1EEAAAT+Bydll+dG7o/KzU5UnYm3vbS8fBz5SkgJ8qRUgiFPbdVQcAQSyLrC2JvLj90atE7H06lj21N5akGePlKzjwANckCP1mwFBnPoupAEIIJBFgdcu3LQuSXntZuWJWE8eGLAC+O5SZxabncs2EcS57HYajQACSRU4/emM/OPbn8nZq5UnYn3url7rutAP3tmb1KpTr4gCBHFEOBZDAAEETAp8PLFgnQn9u4s3K4q9Z3unPHu4JF/az4lYJr2TVBZBnKTeoC4IIJA7gVvzK9aZ0D99b6yi7YPdbeXjwEeGpK2FU7GyvGEQxFnuXdqGAAKJFvjJe2PWbui5xc0TsVoKeiKWngk9JKWe9kTXn8qZESCIzThSCgIIIBBa4LcX9USsUfl0cqFimSfu67cCeO/2rtBlMWP6BYwE8fHjx7dIDA8PW485n7MfSz8bLUAAAQRqFzhzdcYK4DOfzlQsfGR3j3Uc+KE9nIhVu2r6lzASxG4GDV8NXfu3/bz7//Tz0QIEEEAgWODqzQXrmtC/vVB5ItZdQ0UrgL98cCC4EObIrIDxIHaGLUGc2e2m4Q17+dyknHhnVG7cWpQd2zrkuYe2y1O8WTXcnRWYFdBjvy++85n8+N3KE7H6utqsryLpbuhiW4vZlVJa6gQI4tR1WfYrrCH8/TeuVZzA0tXRIt88tpMwzn73Z6aFP12/NeHMwkpFm/RiHBrA+gGTCQEVMBrEQSNgdk2z0YUReP6HF6yRsHvq72qT//pX+7i3ahhE5mmagHvvjR7vPXd9Vj6ZqDwR6/G9fdY1offv4ESspnVOSlaUiiAeuXIrJZxUsx6BWwsr8uaVaXntw8o7y7jLvK2nXfYMFeXuwfLPtiI3Pa/HnWWjC7z9yYz8/NykLCxvfv3IXdo9Q0V5bM82OUQAR4dOwZKl/g4p9Ue7/7OxIPYa7QaNkFNgSxWbIKBnkP7izIS8eal6APtV5fa+Drl/V7cc2tkjh3Z1i96RhgmBRgt8ODov/+2ly6IX5PCa7hgoWt8H/uqhwUZXhfJTLtDQIFYbvr6U8i2kgdX/1fsT8vMz41t24Xmtsq21YB1T09vBzS56v/HZy2kQayBrMGtAa1AzIVCPwNT8sly8MS8XP5uzfj64MSczVbZD3e6+8/Qe6e7gRKx63POyrLEgzgsY7axP4NrUovzi9Lj8+uyELK2sbSls92BRHr+3TwoFkVdGbm45a/rG1KJ8ODYvl0b1Z04ujc37jkjswvVSgYd29cihnd1WQO8eiLb7qL6Ws3SaBD4a19Cdl4s3ysF7ZXy+purrh8YXvnFfTcswc34FCOL89n1TW/72lVvW7ud3P572XO9Dd/XKsb19cmxvv3S0hr+u7uj0khXKH66Hsv59c265atu2dbbK/Y5g3jPE7eSaujEkbGW6h8Ua6doj3huzMuWzu9lZdb0PcF9nm+h3hJ0fKjnDP2EdnILqEMQp6KS0VlHfnHTX86/OTHieBd1bbJXH9/XJ4/f2WyNVE9PE7LJ8+Fl5pKzH8C6NzcnETPVg7u5oXd+V3W3tyr6Xywua6IrElqGXlSzvYi6PePVDXJhJ74Kk28a91u/y3zrxnfcwesxTTYAgZvswLnB5bF5+cWZcfjMyKWtb9z5bb2D6VQ4dATf6xKrphRW5cGOuvCt7rPxbR9HVJr3AQvkYs+7K7uHrJsa3kOYVuLi8uj7aLQfv+Ruz1nkGQZNecGNvRfB2yWBPW9BiPI9AJAGCOBIbC3kJ/P6DKfn56XEZuV55Q3N73sfuLYfvsXv7YgPUr5mMXJt1HGee9xytOyvY2lJYPyu7HMwa0EzJFNDvn9vHdfUDmP6Eme4ubY5y7dGunqfAhEAzBAjiZihneB361Q0d/eruufGZrSNNPY72xX391gh4723Ju5DB6tqanL06a+3Gto8zX7u59WIi7i60R8v6W3dna1gzNVdgZXVt4yxmDd/zN+ZkLGBvh9awp9gq9+2wdzGXfw9xu8Hmdh5rqxAgiNkgIgnoqFdPvvrdxcqL2NuFaUCVT77qs05oSdN0/vpseXf2+nFm963qvNqiV0tynpnN9YPN97h+0CufVFUO3fPX50Q/SAVNdw4WZZ8VvJvHd/Wev0wIJEWAIE5KT6SkHr85N2l99UjfEL2mL+3vl2P39svnM3Q7Nz2urJcstI8zfzReeelCLwd90y9fZKT8lSk9IYypNoEP1r+zqx+KNHj1q2tBU2d7i+zf0S17b9s8sarEBV6C2Hg+ZgGCOOYOSMPq9eQm3f386vmbMuXx1SA94epP9g9Yo18dfWR9+nhiQc7qcWb9ytTovOjJaUGTfkXKPgFMvzqlX6Fi2hTQr5xVjnZnPb9n7jbb1d8h+2/XM903g5fDBGxZaRMgiNPWY02s73sfT8sv35+Qty57X+v7wd291teP9OQrHYnkdbo+tWgFc/mrMOWzs4P2mOpFRZxnZutFR/I06QUyNncxz8rVEMfl21sLVug6j+82+qz7PPUJbY1PgCCOzz6Ra9YA0e/+vjIy6TvS02vn6slXD9zRk8g2xF0pPZapwaxnZ9vHmfXEompTlq+XrbcB1NGutYv5uu5mnpX5Jf+bJNhOO/o6rK+OOY/vtnFSXNybN+tvgABB3ADUNBb5yeSCtfv5dxenxH3/VG2P7gJ88kB59zP3Ua2th/XM8rPXZjbOztYR8+Jy9WBO8/WydVtyjnZ1V37QpCdP7b+9ywpePbtej7Hfto2bdwS58Xw2BAjibPRj5Fb84dItefnchLzzkfelJz+/Z5t8Ua9+tbffuv4zU/0Cc0urcu7arJy9OiMX9Cpgo/OBI8SkXi9bv5dtf19XzzbXk6q8Psi51fQEKg1d5/Fd3fXMhEAeBYwGsdedlrj7UvI2Kw0CvfHCby/eFK/Rit7p6M/uH7J2P+vxOKbGCiyvlr/LrOGsXwvT48xBd5iK63rZejxcw/bCeuiGOVFN9XQ7ch7fZa9KY7cpSk+XgLEg5n7Eye94/TrIP5+dtALY60bmdw0V5amDg9bJV3ohDqb4BKwR87VyOOvZ2X73vLVr2IjrZesHBGu0ux66GsBeZ827lXTb0a8Q6a5m+/huLTfyiE+dNSMQj4CRIPYKYW2O+3G/+eJpen7W+tqFm/La+Uk59cmMZ6P10pNP3NcvD9+9LT8oKWupfojSYLbPzg66w5TX9bKDbk6gX1PTk6ku3CjvYtZ1hpn0eK7z+C73fw6jxjwIbAoYC2In6vDwsPUvQRzfpqYXtv/V2fKVr7wu2djV3iJPHy7vfuY2gPH1U9Q160VFrBPA1ndnB91hyrqSVEFk1XH2tob1Q3t6ra9a6fFdvXNV0NTX2Sr33d69cXxXb4zQ0Zbfr64FefE8AmEEjAWxHb7OACaIw3SB2Xnevzojr4zctAJYdy26Jx29fPXQgHXyld43lSkbAvphqzxiLp+dHXSHqbCt3lPqLIfu+q5mRrth5ZgPgfACqQjikSveF5QI38zsz/nWx9Ny6uqsXPb5qsiDu7rlc3f0yN5SZ/YxaKHcnF+xtoUrE/PW77GAezIrmV6U5c7+DrlroCh3DnTI7v6icGyXjQmBcAKl/g4p9Ue7smAqgjgcQ/7m0jNY9drPevKV1whIz6z92gND8oV9/bKzvyN/QLR4Q+Bvf3DecxvR8P3rL+y0Rr13DER7E4EZAQTqEzASxPbuaLsq7t3UXo/XV+18L/32lWkrfP3ufHTg9m750/vLV7/iurv53lbs1uuJWt9/45rMLW5e0UoPTXzz2E556uAASAggEKOAsSCOsQ25WPXSypp14Y3fXpyyTqzxmvTKV/qmqkHMhIBbIOisacQQQCAeAYI4HvfQa9WL4792vjz69TqrdbCnzdr9rF8/4ubmoVmZEQEEEEiMAEGcmK6orMibl25Z4fsvH0551lBvuKAB/Mg9fPc3oV1ItRBAAIFQAgRxKKbmzDS9sCKvjkxaN174YNT7Ygp67PcrhwblHs5+bk6nsBYEEECgwQIEcYOBwxSvlxHU0a+egOV1KUO9Lu/Thwflyf0D0lPkhvJhTJkHAQQQSIsAQRxjT/3+gykrfE9e9v6e9L+6s1e+dnhIHrqrN8ZasmoEEEAAgUYKEMSN1PUoe2x6af2rR1OiJ2K5J70SoR771V3QfK+zyZ3D6hBAAIEYBAjiJqHr5Qd197P+zDq+y2mvXkNXA/jLBweE+7I2qVNYDQIIIJAAAYK4gZ2gF9N/XcP3wk3548fTnmvSOx49/cCQHNnd08CaUDQCCCCAQFIFCOI6e8brIgn37+peP/lqSj6dXNiyho62ghW++rO9t73OGrA4AggggECaBQjiOnrP67KBbS0Fq0SvOx/pnWx09zOXFKwDnUURQACBjAkQxHV06PM/vCA3bi0GlnBsb58VwAd3cunJQCxmQAABBHImQBDX0eHf+u4Z36W7O1rla4cHrd3P/V1tdayFRRFAAAEEsixgJIiPHz++xci+A5PzOeddmbKA6jci7utsk3/41oEsNJE2IIAAAgg0WMBYEHuFrIaw+5aIWQpjbi3X4K2T4hFAAIEcCBDEdXYyt5arE5DFEUAAgZwLGAtip6Nzt3SWR8Q533ZoPgIIIICAAQEjQeyuh71LOuu7pg34UwQCCCCAQM4FCOKcbwA0HwEEEEAgXgEjQew38jU1Ih654n13onjpWDsCCCCAAAJlgVJ/h5T6i5E4jASxrtnva0pZ/vpSJHEWQgABBBBAwCFgLIhRRQABBBBAAIHaBQji2s1YAgEEEEAAAWMCBLExSgpCAAEEEECgdgGCuHYzlkAAAQQQQMCYAEFsjJKCEEAAAQQQqF2AIK7djCUQQAABBBAwJkAQG6OkIAQQQAABBGoXIIhrN2MJBBBAAAEEjAkQxMYoKQgBBBBAAIHaBQji2s1YAgEEEEAAAWMCBLExSgpCAAEEEECgdgGCuHYzlkAAAQQQQMCYAEFsjJKCEEAAAQQQqF3AaBDbd1oaHh7eqAl3X6q9U1gCAQQQQCA/Ag0NYlP3I85Pd9BSBBBAAIG8CRgLYjt0neFLEOdtc6K9CCCAAAK1ChDEtYoxPwIIIIAAAgYFjASx3yiYEbHBnqIoBBBAAIFMChgLYreOnrBFEGdym6FRCCCAAAIGBYwEsbM+jThGPHLllsEmUxQCCCCAAAJmBUr9HVLqL0YqtKFBrDXi60uR+oWFEEAAAQRyImA8iHPiRjMRQAABBBAwIkAQG2GkEAQQQAABBKIJEMTR3FgKAQQQQAABIwIEsRFGCkEAAQQQQCCaAEEczY2lEEAAAQQQMCJAEBthpBAEEEAAAQSiCRDE0dxYCgEEEEAAASMCBLERRgpBAAEEEEAgmgBBHM2NpRBAAAEEEDAiQBAbYaQQBBBAAAEEogkQxNHcWAoBBBBAAAEjAgSxEUYKQQABBBBAIJoAQRzNjaUQQAABBBAwIkAQG2GkEAQQQAABBKIJGAtiv9sdchvEaB3DUggggAAC+RAwEsQatsPDwxti9v9+j+eDllYigAACCCAQLGAkiN2rIYiD4ZkDAQQQQAABFTAWxF67oBkRs5EhgAACCCBQXcBYEDtXw4iYzQ4BBBBAAIFwAqkI4pErt8K1hrkQQAABBBCIQaDU3yGl/mKkNRsJYk7WimTPQggggAACCDT2GLH68vUltjIEEEAAAQT8BYyMiAFGAAEEEEAAgWgCBHE0N5ZCAAEEEEDAiABBbISRQhBAAAEEEIgmQBBHc2MpBBBAAAEEjAgQxEYYKQQBBBBAAIFoAgRxNDeWQgABBBBAwIgAQWyEkUIQQAABBBCIJkAQR3NjKQQQQAABBIwIEMRGGCkEAQQQQACBaAIEcTQ3lkIAAQQQQMCIAEFshJFCEEAAAQQQiCZAEEdzYykEEEAAAQSMCBDERhgpBAEEEEAAgWgCxoLY7y5L3H0pWsewFAIIIIBAPgSMBDH3I87HxkIrEUAAAQTMCxgJYne17GD2C2jzzaBEBBBAAAEE0ilAEKez36g1AggggEBGBIwHsXMUzIg4I1sJzUAAAQQQaJiA0SAOCl7382FbNXLlVthZmQ8BBBBAAIGmC5T6O6TUX4y0XmNB7BWyQcEcqcYshAACCCCAQIYEjASx8ytKts3w8LD1J19fytDWQlMQQAABBIwLGAli47WiQAQQQAABBHIiQBDnpKNpJgIIIIBAMgUI4mT2C7VCAAEEEMiJAEGck46mmQgggAACyRQgiJPZL9QKAQQQQCAnAgRxTjqaZiKAAAIIJFOAIE5mv1ArBBBAAIGcCBDEOelomokAAgggkEwBgjiZ/UKtEEAAAQRyIkAQ56SjaSYCCCCAQDIFCOJk9gu1QgABBBDIiQBBnJOOppkIIIAAAskUIIiT2S/UCgEEEEAgJwLGgti+y5J91yXbj7sv5WRLopkIIIAAApEEjASxfd/hoPsPe92zOFKtWQgBBBBAAIGMCBgJYufo1zkiDgrmLBhevHhRTp8+LdPT09Lb2yuHDx+Wffv2ZaFptAEBBBBAoAkCBHEdyBrCJ0+elKWlpY1S2tvb5ejRo4RxHa4sigACCORJgCCuo7dPnDhhjYTdU0tLi/T19YmGsv50dHQE/u2cr44qsSgCCCCAQMoEUhHEI1duJZL1D6/9qCH1am1rl9bWNvH73RbwvC7HhAACCCDQPIFSf4eU+ouRVpiKII7UsiYs5DcibsKqA1fhHomnbWTOsffALmYGBDIrkLfXv5Egdn5Fyd4y7JO2svz1Jb9jxHrC1q5du6xjx86fxcXFLY/ZzzufW1tbS8QLLK4w59h7IrqfSiAQi0AeX/9GgjiW3krISk1/ctMQ1nD2Cm2/IPd6PM1h/vrrr8vs7OyWHtaz0p977rmE9DzVQKAsYPo9IO+ufnsas/z6J4gzuNXbYe4V6O7QrjZKT0qY212kJ7319PRIW1tbxY+O3Gt9TE+oY0KgXoE0j95WV1fF/bOysrLlMa/59LGw84adzy7T60O49tODDz5o/WRxIoiz2KsG2uQM86BArzZ6N1CVhhShQWyHd5Qgdwa/c/mGVNZQoYzcDEE6ivEbvekHxmeeecYKtVqDyC/4nI+bKNO8RmNLZETcWF9Kz7BA0Ajc+bz998zMjMzNzUnSRuRhuqlauOtzUULfxOg9zSM33Q5qDaGgoAp6PkyAahnz8/NhNgvmqVOgtbVVHnnkkcxen4ERcZ0bCIs3RsA5etPRxcGDB2X37t2yvLy85UdH7O7Hgx7TN9q0TCZG737H3dX261//eqiRm6nwChrxudeTxg9kadi2dLty/2jgeT1ez7xRyrx8+bKcPXtW9EN5Hq5YSBCn4RVDHY0LaBjY4R0U2tXm0+ecyxuvKAWmUsDeM6IBFiWIgsLQRJmphM1opQnijHYszYpHoJbQDvtBIE2j90aoFwqFilFamBAKmifo+TABapeho7f333+f6803ovNzUiZBnJOOTlszF956UeZe+Z6sTnwiLYO7pevJb0vx4b9MWzOM1NfE6N3vuLu927uW4Kk2WgsKuKDnveqhQcyEQJYFCOIs925K26YhPPvSC7K2sHkd70KxV7qffT63YWyiKzlr2oQiZTRDIG8fxAniZmxVrKMmgcm//wtrJOyedGQ88J3GXN+7pgqmdOa8vbmltJtyX+08fhAniHO/2RsEWF2RtcVZWVucW/89K6J/L+hjlY/rPGI95njcmm9OVq6d865UW1FaOntFWtul0Npu/ZbWto2/y4+1VTxvP7Y5//qybZvLbZbnLitC+QY5TRaVxzc3k37VysrdB5yVJVlbWpC15QUR6/e89b8sL1T81sfLz68/vj5vxWPWc/OOshZk5bNLIqvLufogThDX+WpN64twbXlxPQg3Q9MOUFkPxHJIegRrxWN2oM5ZL6jcTxsfEgyEul2WgQ8NU9/7tqxOXs3Vm1sztsXYP+CsrlpBGBRum8/PbwTmZnhWBqHnvI7QlZi++tf1lf8o+pPFiSCuo1eb9SLcCEjHSNM56twcXdqhuvm7POqsfNwapWoQMyHQ0lLeo1BoFdHLfp6HyQkAAArtSURBVK7/LhRaRFpaRdZ/V/5fnq+g82/M43jMUZY1T1BZLa3iXp8uU152s15Vy3KsJ3xZdtnldlSub/0xz7pv1uvmf/+G92GU/p2y7d/9j42ADAw3HS1GGWWuLOVmG87yoamGB3GW777keyxzYJds+5t/sALQKwj9HrcC0is4V7bupknkq0/f1Du6HT9dIhv/d5UfL+rz5b/Lz60/bs9XLC+zdPY3Mv/GD2R14lPrrOnOJ/5aig8+K2v6xqO7xtZ/y8qy67HliufL823Os7HsssdjW8qqXNYuy7n+LeUnsmOoFALmBAptHSJtRSm0F0XaOq3f5b/Lvwttm39vPK+P2c+t/7bms/92LL947lWZf+V/Wu+F9pT1kzUbGsQawvbtEBXU/b+5TSOeksb/7mg8KzaxVt3t6QzCqgG5HpzWPO7wdISqvpjyPm18SHB/QIgQ6nZZBj40rM1Py9rijEhCbrGZ983EWPt1JG+HYntnOQQrwm09KCuC0PGYMzzdQWmHo7vMljZj1fcrKK2H/KLCEMRR5UTEb0RcR5Gei1qfNt0jS0cgik9AVizjmsc60YkpVwJb3tz+5N9L8fN/Lmt6zG9tRaxjf+u/19ZWRVZXRNZ/V/5fns9abmMex2OOssplB5SlJ/m55tFl3PWqWpZjPeHLsttcrl/l+tYf86y7w2tlUdbce6wKBSl09kpL14BrFFgOwI2Ro2NEuTma7KwM0o0R5tZAtcridZyJ1zBBXEc3eh0jFilIodgjLT2D5fAsuna9drh217oD0mN3rXXsjgkBBBIpkLfRWyI7IeWVIojr7EBehHUCsjgCCCCQcwGCOOcbAM1HAAEEEIhXIPFBPDY2JvrDhAACCCCAQFIFSqWS6E+UqaFBrBXK8teXooCzDAIIIIAAAk6Bhgcx3AgggAACCCDgL0AQs3UggAACCCAQowBBHCM+q0YAAQQQQIAgZhtAAAEEEEAgRgGCOEZ8Vo0AAggggABBzDaAAAIIIIBAjAIEcYz4rBoBBBBAAAGCmG0AAQQQQACBGAUIYsdFR5y3bIyxTzYugpKU+kS1sC/mkpR2ZOHiMphG3RqrL5c0V61tEutUi36S6u987dttSMr7ktYn90HsvEdyEu6XbNchCXWp5UXnnjeprnY90+iLaT1bpP+ySXN1bqP6d5ICI2wPJM006a93gvj4cd8N3W8E5QxLrxdKteW8Po15zZ/0DSfoBVmt/nG6ZiWIvT74+G1b+kbuNzoxsa2m2dQeefqFXVzbato/kCft9Z/0DzS5D2K/F6J7Q3J/wnN2bJhPf0Hlud8I0h7ESXXNYmgEbVuN3Fb9girog1rSnvd6vcXtan+ASuOIOGmvf/eu6aSZEsTr7wheLzr3m4XdebW8QP3e+IPCOwtB7PVidL8g/ELCvWy1EZ3zRRXkGjQCSlpAeNUnadtq2j/cVHuNxvEeEGYbTsN2mtTXfxLfAwhixxYd9gVQLYidL+paQiaLI2KvN7igXVZ+oYpr5VtvkrbVrASx14e/arusG7WtVvuwmpYAdtaTbTW413IfxH4bSb2BEfSiDto40z4iTqIrpuUzcb3Cpdr2GLYv0+obtn1+4VJthBXFtdp6gt/SkzFH0kzDDJ7ilMt9ENsvIufo1T36sv+vZdd0UHnVdqf67Q6Lc0OJsu5qu5Od5eEaXjdJps7Xjtf2Hr5V8c+ZNNcs7GVImqlzTwPHiON/zVEDBBBAAAEEEiPAiDgxXUFFEEAAAQTyKEAQ57HXaTMCCCCAQGIECOLEdAUVQQABBBDIowBBnMdep80IIIAAAokRIIgT0xVUBAEEEEAgjwIEcR57nTYjgAACCCRGgCBOTFdQEQQQQACBPAoQxHnsddqMAAIIIJAYAYI4MV1BRRBAAAEE8ihAEOex12kzAggggEBiBAjixHQFFUEAAQQQyKMAQZzHXqfNCCCAAAKJESCIE9MVVAQBBBBAII8CBHEee502I4AAAggkRoAgTkxXUBEEEEAAgTwKEMR57HXajAACCCCQGAGCODFdQUWCBI4fP27NMjw8LPq3/mZCoNkCed0O89ruZmxfBHEzlGNeh/0CskOskdVpZEDaZTvfEBrZlkaX7WfVSMMobUpafaK0weQySdgOna/pZryudR1JaLfJfkxSWQRxknqjAXVxv4nyptoA5IhFNjOIa+n3WuaN2HQWq1PA2Uf0V52YCVicIE5AJzir8PK5STnxzqjcuLUoO7Z1yHMPbZenDg5EqmWYF6jfaNn9uNenYa+RqV/w+83rbJh7V7NXHWqZPxJaiIUW3npR5l75nqxOfCItg7ul68lvS/Hhvwyx5NZZqn1QqrYnw29E5LWM17xhlndbB/WtPX8zDxlcvHhRTp8+LdPT09Lb2yuHDx+Wffv2ReoLe9Tn1W5n24JGo2H7zc+p2vLuOnodpqnlNV3L66medkfukJwsSBAnqKM1hL//xjWZW1zdqFVXR4t889jOSGEcFMRBIeB8o3AHqd8ncq8ytTF2WdXqVOun/GrzB7U9ardrCM++9IKsLUxvFFEo9kr3s89HCuNq4eb29zIMaxDkEaacatuL0zNoXVHt3ctpCJ88eVKWlpY2nmpvb5ejR49GCuOw27S7HmHs7AAN+pASxdjU+tPw+jO17SStHII4QT3y/A8vWCNh96Qj4xe+cV/NNXW/sNwjFvcn3GqBGTa0g95I/ILaq25eb1rVRnJ+wVUzXJUFJv/+L6yRsHvSkfHAd34UaVW2iV9/VbOJsoxdXhRLr7q6R2nO7SgSSMiFTpw4YY2E3ZOOjJ977rmQpWzOVksQR7ULsqn2mvT7sFNPEIdtRz3bTM0dkcMFCOIGd/r/ev2q/PL9iQavZbP4P7t/UP7tE7usB7xGJmE/9dYSqGHfCNx1ChvuzjeBMKNEv7ZX64SZf/ovsvAv/6cp/VR87N9Iz5//p411+QVxtdGT/QYa9sNH1P7067Na+rwW1DfffFPOnz9fyyJ1zbt//3559NFHK/rCHZam7Nxh5vdBM2jUXO11VMtrqpZ5vV5TjdoG6urQlC5MEDe447713TMNXsPW4v/3f3hgy5u8V5h5BXWY0Iv6RpDkIB7/u6NN7aeh/3yyYn1Bb/bOmf36rRH9GfQGHOb5WmDDhFAt5YWZ1/5QE9a1lgALW6bf686v/mFH77WEZdCHdBPtDtMfeZyHIG5wr8c5InZ/And/0rffRJ0Efsdyw74IgwLF63mv9bvr5qxXLfOH7d44R8ReYVatb/xswi4TZOncXel3MlC1E+u8trOw/ZCUEbGzDX57lmrdDt2u1ULWr2yvwK72mgraY+Ksk7vfvOpb6/xh+z3v8xHECdsCTJ41nbCmRapOtVFepAINLGTyrOko1Qn6sBOlzLQuY/KsaVy3bgVJfP2ldVutVm+COIu9mpE22Z++49hdmWTCaqOSJNc76XXDtbKHeP01b4sliJtnzZoQQAABBBDYIkAQs1EggAACCCAQowBBHCM+q0YAAQQQQIAgZhtAAAEEEEAgRgGCOEZ8Vo0AAggggABBzDaAAAIIIIBAjAIEcYz4rBoBBBBAAAGCmG0AAQQQQACBGAUI4hjxWTUCCCCAAAIEMdsAAggggAACMQoQxDHis2oEEEAAAQQIYrYBBBBAAAEEYhQgiGPEZ9UIIIAAAggQxGwDCCCAAAIIxChAEMeIz6oRQAABBBDYCOKRkZF/XltbewoSBBBAAAEEEGieQKFQePn/AzysEmJ3HkxXAAAAAElFTkSuQmCC"/>
+          <p:cNvSpPr>
+            <a:spLocks noChangeAspect="1" noChangeArrowheads="1"/>
+          </p:cNvSpPr>
+          <p:nvPr/>
+        </p:nvSpPr>
+        <p:spPr bwMode="auto">
+          <a:xfrm>
+            <a:off x="0" y="0"/>
+            <a:ext cx="304800" cy="304800"/>
+          </a:xfrm>
+          <a:prstGeom prst="rect">
+            <a:avLst/>
+          </a:prstGeom>
+          <a:noFill/>
+          <a:extLst>
+            <a:ext uri="{909E8E84-426E-40DD-AFC4-6F175D3DCCD1}">
+              <a14:hiddenFill xmlns:a14="http://schemas.microsoft.com/office/drawing/2010/main">
+                <a:solidFill>
+                  <a:srgbClr val="FFFFFF"/>
+                </a:solidFill>
+              </a14:hiddenFill>
+            </a:ext>
+          </a:extLst>
+        </p:spPr>
+        <p:txBody>
+          <a:bodyPr vert="horz" wrap="square" lIns="91440" tIns="45720" rIns="91440" bIns="45720" numCol="1" anchor="t" anchorCtr="0" compatLnSpc="1">
+            <a:prstTxWarp prst="textNoShape">
+              <a:avLst/>
+            </a:prstTxWarp>
+          </a:bodyPr>
+          <a:lstStyle/>
+          <a:p>
+            <a:endParaRPr lang="pt-BR"/>
+          </a:p>
+        </p:txBody>
+      </p:sp>
+      <p:sp>
+        <p:nvSpPr>
+          <p:cNvPr id="3" name="AutoShape 2" descr="data:image/png;base64,iVBORw0KGgoAAAANSUhEUgAAAeIAAAEiCAYAAAAlAdEXAAAgAElEQVR4Xu3daYwc553f8X/P1XNxrqYoUpQoiRQPiVQsUwdlyyvL3pUlA7vCIovAAO3FJnGAvF3rXd7si7xJkBfaV1kggB3kRTywESCr0GtbPlfWYVsri5IlkiKHpERSBw/NxeHcZ/Cvnpqprqnqqq5+uuv6FjCYme6qp57n81T3r5+q6qqCMCGAAAIIIIBAbAIFXfNHH320Njs7G1slWDECCCCAAAJ5FCgUCi9bQXzu3Lm1AwcO5NGANiOAAAIIIBCbwMjIiBDEsfGzYgQQQACBvAsQxHnfAmg/AggggECsAgRxrPysHAEEEEAg7wIEcd63ANqPAAIIIBCrAEEcKz8rRwABBBDIuwBBnPctgPYjgAACCMQqQBDHys/KEUAAAQTyLlBzEB8/ftwyGx4errCzH3c/5/d43uFpPwIIIIAAAipQUxBrqGoA279tQr//g+ajCxBAAAEEEMi7QE1BHBS87ucJ4rxvXrQfAQQQQCBIgCAOEuJ5BBBAAAEEGihAEDcQl6IRQAABBBAIEiCIg4R4HgEEEEAAgQYKJD6I5xZW5KPr3J6xgdsARSOAAAII1ClQ6u+QUn8xUik1BbHzq0j22uyvMfH1pUj+LIQAAgggkHOBmoI451Y0HwEEEEAAAeMCBLFxUgpEAAEEEEAgvABBHN6KORFAAAEEEDAuQBAbJ6VABBBAAAEEwgsQxOGtmBMBBBBAAAHjAgSxcVIKRAABBBBAILwAQRzeijkRQAABBBAwLkAQGyelQAQQQAABBMILEMThrZgTAQQQQAAB4wIEsXFSCkQAAQQQQCC8AEEc3oo5EUAAAQQQMC5AEBsnpUAEEEAAgXoEXj43KSfeGZUbtxZlx7YOee6h7fLUwYF6ikz0sgRxoruHyiGAAAL5EtAQ/v4b12RucXWj4V0dLfLNYzszG8bGgpi7L+XrxUJrEUAAgUYIPP/DC9ZI2D3pyPiFb9zXiFXGXqaRINYQtm+HqC2y//d7PPZWUwEEEEAAgUQKfOu7Zzzr9a+P3ib6k8WJIM5ir9ImBBBAIKUCf/uD8zI6vcSIuNb+Y0RcqxjzI4AAAgi4BX59dkL+78nPZHJ2ueKp9taC/M0Xd3GMOGiTcR4j1nl1VzW7poPUeB4BBBBA4K3Lt+SlU+Py/tWZLRiD3W3yVw/vyGwIa4ON7Jp2y3GMmBcWAggggECQwIUbc/LSqTH5/QdTFbMeuL1bnj0yJI/d2xdURCaeNx7EzlGwqRHxyJVbmcCmEQgggAACIpNzy/LG5Wl5w/XePtTdJsf2bJNH9/SmjqnU3yGl/mKkehsJYr+vLmmNqj0XqcYshAACCCCQSoHF5VV56fS4tRt6am7zOHBne4s1An7mcEm2dbamsm31VNpIENdTAZZFAAEEEMi+wG9GJuVnp8blyvh8RWO/cmhQnjk8JHcORhtNZkGOIM5CL9IGBBBAIKEC73w0LT87NSbvfVJ5ItbRPdusUfADd/QktObNqxZB3Dxr1oQAAgjkRuDD0XkrgF+7cLOizftu67IC+Av7+nNjEdRQgjhIiOcRQAABBEILjM8sWbugf/zeWMUy23vby8eBj5SkELq0fMxIEOejn2klAggg0FCBldU1+dnpcfnJe2MVF+TQi3E8e6RkHQce6G5raB3SWjhBnNaeo94IIIBAQgRev3BTfnpqTC6NVp6I9eSBASuA7y51JqSmyawGQZzMfqFWCCCAQOIFTn0yY12QQ0/Ick6fu6tXnj08JA/emb7vA8eBThDHoc46EUAAgRQLfDQ+b30XWL+S5Jzu2d4pzx4uyZf2cyJWLd1LENeixbwIIIBAjgX0Ihx6QY4f/XFU1tY2IfR60NZx4CND0tbCqVi1biIEca1izI8AAgjkUEBPxPqnd0dlYmbzilgtBT0RS8+EHpJST3sOVcw0mSA240gpCCCAQCYF9IYMeib0B5/NVbTvifv6rQDeu70rk+1uZqMI4mZqsy4EEEAgJQJ6S8KfnhqXk5crb7pzZHePdRz4oRTemCGp9ARxUnuGeiGAAAIxCHw6uWCdiPXrsxMVa79rqGgF8JcPDsRQq2yvkiDOdv/SOgQQQCCUwMzCinUi1ol3RkUvzmFPfV1t1leRdDd0sa0lVFnMVJuAsSD2u90ht0GsrUOYGwEEEGi2wC/fn7DOhB6bXqpYtV6MQwN4x7aOZlcpV+szEsQatsPDwxtw9v9+j+dKmMYigAACCRV489It60zoizcqT8R6fG+fdU3o/Ts4EasZXUcQN0OZdSCAAAIJEhi5PmudCf2HS5UnYt2/q8f6OtLDd29LUG2zXxUjQaxMXrugGRFnfwOihQggkB6B61OL1jWhf3mm8kSsOwaKVgB/9dBgehqToZoaCWJ2TWdoi6ApCCCQOYH5pVXrRKwX3/5Mllc2T8TqKbaun4hVku4OTsSKq+NTEcQjVyp3n8SFxXoRQACBtAm8/cmMvPrBlEzObV4RS9vwyF29cuzubVLi1oRGurTU3yGl/mKkslIRxJFaxkIIIIBAjgXevnJLTvxxVM5frzwR69F79ESsITm0szvHOslqupEg9jtGXO3xZDFQGwQQQCAbAnopyh+9OyZvfjhV0aADt3dbx4Efu7cvGw3NUCuMBXGGTGgKAgggkDoB/Q7wj98bk5+fHq+o++19HVYAP/3AUOralJcKE8R56WnaiQACmRTQk69+cmpMXnx7VBaXVzfa2NneUr4z0uGSbOtszWTbs9IogjgrPUk7EEAgdwKvnp+Uf3x7VG5MLVa0/SuHBkWvinXnYLSTh3IHGXODCeKYO4DVI4AAArUKvPvxtPy/d0bl3LXZikWP7tlmjYIfuKOn1iKZP0YBgjhGfFaNAAII1CJweWzeOhP6jQ8qT8Tad1uXFcBf2NdfS3HMmxABgjghHUE1EEAAAT+Bydll+dG7o/KzU5UnYm3vbS8fBz5SkgJ8qRUgiFPbdVQcAQSyLrC2JvLj90atE7H06lj21N5akGePlKzjwANckCP1mwFBnPoupAEIIJBFgdcu3LQuSXntZuWJWE8eGLAC+O5SZxabncs2EcS57HYajQACSRU4/emM/OPbn8nZq5UnYn3url7rutAP3tmb1KpTr4gCBHFEOBZDAAEETAp8PLFgnQn9u4s3K4q9Z3unPHu4JF/az4lYJr2TVBZBnKTeoC4IIJA7gVvzK9aZ0D99b6yi7YPdbeXjwEeGpK2FU7GyvGEQxFnuXdqGAAKJFvjJe2PWbui5xc0TsVoKeiKWngk9JKWe9kTXn8qZESCIzThSCgIIIBBa4LcX9USsUfl0cqFimSfu67cCeO/2rtBlMWP6BYwE8fHjx7dIDA8PW485n7MfSz8bLUAAAQRqFzhzdcYK4DOfzlQsfGR3j3Uc+KE9nIhVu2r6lzASxG4GDV8NXfu3/bz7//Tz0QIEEEAgWODqzQXrmtC/vVB5ItZdQ0UrgL98cCC4EObIrIDxIHaGLUGc2e2m4Q17+dyknHhnVG7cWpQd2zrkuYe2y1O8WTXcnRWYFdBjvy++85n8+N3KE7H6utqsryLpbuhiW4vZlVJa6gQI4tR1WfYrrCH8/TeuVZzA0tXRIt88tpMwzn73Z6aFP12/NeHMwkpFm/RiHBrA+gGTCQEVMBrEQSNgdk2z0YUReP6HF6yRsHvq72qT//pX+7i3ahhE5mmagHvvjR7vPXd9Vj6ZqDwR6/G9fdY1offv4ESspnVOSlaUiiAeuXIrJZxUsx6BWwsr8uaVaXntw8o7y7jLvK2nXfYMFeXuwfLPtiI3Pa/HnWWjC7z9yYz8/NykLCxvfv3IXdo9Q0V5bM82OUQAR4dOwZKl/g4p9Ue7/7OxIPYa7QaNkFNgSxWbIKBnkP7izIS8eal6APtV5fa+Drl/V7cc2tkjh3Z1i96RhgmBRgt8ODov/+2ly6IX5PCa7hgoWt8H/uqhwUZXhfJTLtDQIFYbvr6U8i2kgdX/1fsT8vMz41t24Xmtsq21YB1T09vBzS56v/HZy2kQayBrMGtAa1AzIVCPwNT8sly8MS8XP5uzfj64MSczVbZD3e6+8/Qe6e7gRKx63POyrLEgzgsY7axP4NrUovzi9Lj8+uyELK2sbSls92BRHr+3TwoFkVdGbm45a/rG1KJ8ODYvl0b1Z04ujc37jkjswvVSgYd29cihnd1WQO8eiLb7qL6Ws3SaBD4a19Cdl4s3ysF7ZXy+purrh8YXvnFfTcswc34FCOL89n1TW/72lVvW7ud3P572XO9Dd/XKsb19cmxvv3S0hr+u7uj0khXKH66Hsv59c265atu2dbbK/Y5g3jPE7eSaujEkbGW6h8Ua6doj3huzMuWzu9lZdb0PcF9nm+h3hJ0fKjnDP2EdnILqEMQp6KS0VlHfnHTX86/OTHieBd1bbJXH9/XJ4/f2WyNVE9PE7LJ8+Fl5pKzH8C6NzcnETPVg7u5oXd+V3W3tyr6Xywua6IrElqGXlSzvYi6PePVDXJhJ74Kk28a91u/y3zrxnfcwesxTTYAgZvswLnB5bF5+cWZcfjMyKWtb9z5bb2D6VQ4dATf6xKrphRW5cGOuvCt7rPxbR9HVJr3AQvkYs+7K7uHrJsa3kOYVuLi8uj7aLQfv+Ruz1nkGQZNecGNvRfB2yWBPW9BiPI9AJAGCOBIbC3kJ/P6DKfn56XEZuV55Q3N73sfuLYfvsXv7YgPUr5mMXJt1HGee9xytOyvY2lJYPyu7HMwa0EzJFNDvn9vHdfUDmP6Eme4ubY5y7dGunqfAhEAzBAjiZihneB361Q0d/eruufGZrSNNPY72xX391gh4723Ju5DB6tqanL06a+3Gto8zX7u59WIi7i60R8v6W3dna1gzNVdgZXVt4yxmDd/zN+ZkLGBvh9awp9gq9+2wdzGXfw9xu8Hmdh5rqxAgiNkgIgnoqFdPvvrdxcqL2NuFaUCVT77qs05oSdN0/vpseXf2+nFm963qvNqiV0tynpnN9YPN97h+0CufVFUO3fPX50Q/SAVNdw4WZZ8VvJvHd/Wev0wIJEWAIE5KT6SkHr85N2l99UjfEL2mL+3vl2P39svnM3Q7Nz2urJcstI8zfzReeelCLwd90y9fZKT8lSk9IYypNoEP1r+zqx+KNHj1q2tBU2d7i+zf0S17b9s8sarEBV6C2Hg+ZgGCOOYOSMPq9eQm3f386vmbMuXx1SA94epP9g9Yo18dfWR9+nhiQc7qcWb9ytTovOjJaUGTfkXKPgFMvzqlX6Fi2hTQr5xVjnZnPb9n7jbb1d8h+2/XM903g5fDBGxZaRMgiNPWY02s73sfT8sv35+Qty57X+v7wd291teP9OQrHYnkdbo+tWgFc/mrMOWzs4P2mOpFRZxnZutFR/I06QUyNncxz8rVEMfl21sLVug6j+82+qz7PPUJbY1PgCCOzz6Ra9YA0e/+vjIy6TvS02vn6slXD9zRk8g2xF0pPZapwaxnZ9vHmfXEompTlq+XrbcB1NGutYv5uu5mnpX5Jf+bJNhOO/o6rK+OOY/vtnFSXNybN+tvgABB3ADUNBb5yeSCtfv5dxenxH3/VG2P7gJ88kB59zP3Ua2th/XM8rPXZjbOztYR8+Jy9WBO8/WydVtyjnZ1V37QpCdP7b+9ywpePbtej7Hfto2bdwS58Xw2BAjibPRj5Fb84dItefnchLzzkfelJz+/Z5t8Ua9+tbffuv4zU/0Cc0urcu7arJy9OiMX9Cpgo/OBI8SkXi9bv5dtf19XzzbXk6q8Psi51fQEKg1d5/Fd3fXMhEAeBYwGsdedlrj7UvI2Kw0CvfHCby/eFK/Rit7p6M/uH7J2P+vxOKbGCiyvlr/LrOGsXwvT48xBd5iK63rZejxcw/bCeuiGOVFN9XQ7ch7fZa9KY7cpSk+XgLEg5n7Eye94/TrIP5+dtALY60bmdw0V5amDg9bJV3ohDqb4BKwR87VyOOvZ2X73vLVr2IjrZesHBGu0ux66GsBeZ827lXTb0a8Q6a5m+/huLTfyiE+dNSMQj4CRIPYKYW2O+3G/+eJpen7W+tqFm/La+Uk59cmMZ6P10pNP3NcvD9+9LT8oKWupfojSYLbPzg66w5TX9bKDbk6gX1PTk6ku3CjvYtZ1hpn0eK7z+C73fw6jxjwIbAoYC2In6vDwsPUvQRzfpqYXtv/V2fKVr7wu2djV3iJPHy7vfuY2gPH1U9Q160VFrBPA1ndnB91hyrqSVEFk1XH2tob1Q3t6ra9a6fFdvXNV0NTX2Sr33d69cXxXb4zQ0Zbfr64FefE8AmEEjAWxHb7OACaIw3SB2Xnevzojr4zctAJYdy26Jx29fPXQgHXyld43lSkbAvphqzxiLp+dHXSHqbCt3lPqLIfu+q5mRrth5ZgPgfACqQjikSveF5QI38zsz/nWx9Ny6uqsXPb5qsiDu7rlc3f0yN5SZ/YxaKHcnF+xtoUrE/PW77GAezIrmV6U5c7+DrlroCh3DnTI7v6icGyXjQmBcAKl/g4p9Ue7smAqgjgcQ/7m0jNY9drPevKV1whIz6z92gND8oV9/bKzvyN/QLR4Q+Bvf3DecxvR8P3rL+y0Rr13DER7E4EZAQTqEzASxPbuaLsq7t3UXo/XV+18L/32lWkrfP3ufHTg9m750/vLV7/iurv53lbs1uuJWt9/45rMLW5e0UoPTXzz2E556uAASAggEKOAsSCOsQ25WPXSypp14Y3fXpyyTqzxmvTKV/qmqkHMhIBbIOisacQQQCAeAYI4HvfQa9WL4792vjz69TqrdbCnzdr9rF8/4ubmoVmZEQEEEEiMAEGcmK6orMibl25Z4fsvH0551lBvuKAB/Mg9fPc3oV1ItRBAAIFQAgRxKKbmzDS9sCKvjkxaN174YNT7Ygp67PcrhwblHs5+bk6nsBYEEECgwQIEcYOBwxSvlxHU0a+egOV1KUO9Lu/Thwflyf0D0lPkhvJhTJkHAQQQSIsAQRxjT/3+gykrfE9e9v6e9L+6s1e+dnhIHrqrN8ZasmoEEEAAgUYKEMSN1PUoe2x6af2rR1OiJ2K5J70SoR771V3QfK+zyZ3D6hBAAIEYBAjiJqHr5Qd197P+zDq+y2mvXkNXA/jLBweE+7I2qVNYDQIIIJAAAYK4gZ2gF9N/XcP3wk3548fTnmvSOx49/cCQHNnd08CaUDQCCCCAQFIFCOI6e8brIgn37+peP/lqSj6dXNiyho62ghW++rO9t73OGrA4AggggECaBQjiOnrP67KBbS0Fq0SvOx/pnWx09zOXFKwDnUURQACBjAkQxHV06PM/vCA3bi0GlnBsb58VwAd3cunJQCxmQAABBHImQBDX0eHf+u4Z36W7O1rla4cHrd3P/V1tdayFRRFAAAEEsixgJIiPHz++xci+A5PzOeddmbKA6jci7utsk3/41oEsNJE2IIAAAgg0WMBYEHuFrIaw+5aIWQpjbi3X4K2T4hFAAIEcCBDEdXYyt5arE5DFEUAAgZwLGAtip6Nzt3SWR8Q533ZoPgIIIICAAQEjQeyuh71LOuu7pg34UwQCCCCAQM4FCOKcbwA0HwEEEEAgXgEjQew38jU1Ih654n13onjpWDsCCCCAAAJlgVJ/h5T6i5E4jASxrtnva0pZ/vpSJHEWQgABBBBAwCFgLIhRRQABBBBAAIHaBQji2s1YAgEEEEAAAWMCBLExSgpCAAEEEECgdgGCuHYzlkAAAQQQQMCYAEFsjJKCEEAAAQQQqF2AIK7djCUQQAABBBAwJkAQG6OkIAQQQAABBGoXIIhrN2MJBBBAAAEEjAkQxMYoKQgBBBBAAIHaBQji2s1YAgEEEEAAAWMCBLExSgpCAAEEEECgdgGCuHYzlkAAAQQQQMCYAEFsjJKCEEAAAQQQqF3AaBDbd1oaHh7eqAl3X6q9U1gCAQQQQCA/Ag0NYlP3I85Pd9BSBBBAAIG8CRgLYjt0neFLEOdtc6K9CCCAAAK1ChDEtYoxPwIIIIAAAgYFjASx3yiYEbHBnqIoBBBAAIFMChgLYreOnrBFEGdym6FRCCCAAAIGBYwEsbM+jThGPHLllsEmUxQCCCCAAAJmBUr9HVLqL0YqtKFBrDXi60uR+oWFEEAAAQRyImA8iHPiRjMRQAABBBAwIkAQG2GkEAQQQAABBKIJEMTR3FgKAQQQQAABIwIEsRFGCkEAAQQQQCCaAEEczY2lEEAAAQQQMCJAEBthpBAEEEAAAQSiCRDE0dxYCgEEEEAAASMCBLERRgpBAAEEEEAgmgBBHM2NpRBAAAEEEDAiQBAbYaQQBBBAAAEEogkQxNHcWAoBBBBAAAEjAgSxEUYKQQABBBBAIJoAQRzNjaUQQAABBBAwIkAQG2GkEAQQQAABBKIJGAtiv9sdchvEaB3DUggggAAC+RAwEsQatsPDwxti9v9+j+eDllYigAACCCAQLGAkiN2rIYiD4ZkDAQQQQAABFTAWxF67oBkRs5EhgAACCCBQXcBYEDtXw4iYzQ4BBBBAAIFwAqkI4pErt8K1hrkQQAABBBCIQaDU3yGl/mKkNRsJYk7WimTPQggggAACCDT2GLH68vUltjIEEEAAAQT8BYyMiAFGAAEEEEAAgWgCBHE0N5ZCAAEEEEDAiABBbISRQhBAAAEEEIgmQBBHc2MpBBBAAAEEjAgQxEYYKQQBBBBAAIFoAgRxNDeWQgABBBBAwIgAQWyEkUIQQAABBBCIJkAQR3NjKQQQQAABBIwIEMRGGCkEAQQQQACBaAIEcTQ3lkIAAQQQQMCIAEFshJFCEEAAAQQQiCZAEEdzYykEEEAAAQSMCBDERhgpBAEEEEAAgWgCxoLY7y5L3H0pWsewFAIIIIBAPgSMBDH3I87HxkIrEUAAAQTMCxgJYne17GD2C2jzzaBEBBBAAAEE0ilAEKez36g1AggggEBGBIwHsXMUzIg4I1sJzUAAAQQQaJiA0SAOCl7382FbNXLlVthZmQ8BBBBAAIGmC5T6O6TUX4y0XmNB7BWyQcEcqcYshAACCCCAQIYEjASx8ytKts3w8LD1J19fytDWQlMQQAABBIwLGAli47WiQAQQQAABBHIiQBDnpKNpJgIIIIBAMgUI4mT2C7VCAAEEEMiJAEGck46mmQgggAACyRQgiJPZL9QKAQQQQCAnAgRxTjqaZiKAAAIIJFOAIE5mv1ArBBBAAIGcCBDEOelomokAAgggkEwBgjiZ/UKtEEAAAQRyIkAQ56SjaSYCCCCAQDIFCOJk9gu1QgABBBDIiQBBnJOOppkIIIAAAskUIIiT2S/UCgEEEEAgJwLGgti+y5J91yXbj7sv5WRLopkIIIAAApEEjASxfd/hoPsPe92zOFKtWQgBBBBAAIGMCBgJYufo1zkiDgrmLBhevHhRTp8+LdPT09Lb2yuHDx+Wffv2ZaFptAEBBBBAoAkCBHEdyBrCJ0+elKWlpY1S2tvb5ejRo4RxHa4sigACCORJgCCuo7dPnDhhjYTdU0tLi/T19YmGsv50dHQE/u2cr44qsSgCCCCAQMoEUhHEI1duJZL1D6/9qCH1am1rl9bWNvH73RbwvC7HhAACCCDQPIFSf4eU+ouRVpiKII7UsiYs5DcibsKqA1fhHomnbWTOsffALmYGBDIrkLfXv5Egdn5Fyd4y7JO2svz1Jb9jxHrC1q5du6xjx86fxcXFLY/ZzzufW1tbS8QLLK4w59h7IrqfSiAQi0AeX/9GgjiW3krISk1/ctMQ1nD2Cm2/IPd6PM1h/vrrr8vs7OyWHtaz0p977rmE9DzVQKAsYPo9IO+ufnsas/z6J4gzuNXbYe4V6O7QrjZKT0qY212kJ7319PRIW1tbxY+O3Gt9TE+oY0KgXoE0j95WV1fF/bOysrLlMa/59LGw84adzy7T60O49tODDz5o/WRxIoiz2KsG2uQM86BArzZ6N1CVhhShQWyHd5Qgdwa/c/mGVNZQoYzcDEE6ivEbvekHxmeeecYKtVqDyC/4nI+bKNO8RmNLZETcWF9Kz7BA0Ajc+bz998zMjMzNzUnSRuRhuqlauOtzUULfxOg9zSM33Q5qDaGgoAp6PkyAahnz8/NhNgvmqVOgtbVVHnnkkcxen4ERcZ0bCIs3RsA5etPRxcGDB2X37t2yvLy85UdH7O7Hgx7TN9q0TCZG737H3dX261//eqiRm6nwChrxudeTxg9kadi2dLty/2jgeT1ez7xRyrx8+bKcPXtW9EN5Hq5YSBCn4RVDHY0LaBjY4R0U2tXm0+ecyxuvKAWmUsDeM6IBFiWIgsLQRJmphM1opQnijHYszYpHoJbQDvtBIE2j90aoFwqFilFamBAKmifo+TABapeho7f333+f6803ovNzUiZBnJOOTlszF956UeZe+Z6sTnwiLYO7pevJb0vx4b9MWzOM1NfE6N3vuLu927uW4Kk2WgsKuKDnveqhQcyEQJYFCOIs925K26YhPPvSC7K2sHkd70KxV7qffT63YWyiKzlr2oQiZTRDIG8fxAniZmxVrKMmgcm//wtrJOyedGQ88J3GXN+7pgqmdOa8vbmltJtyX+08fhAniHO/2RsEWF2RtcVZWVucW/89K6J/L+hjlY/rPGI95njcmm9OVq6d865UW1FaOntFWtul0Npu/ZbWto2/y4+1VTxvP7Y5//qybZvLbZbnLitC+QY5TRaVxzc3k37VysrdB5yVJVlbWpC15QUR6/e89b8sL1T81sfLz68/vj5vxWPWc/OOshZk5bNLIqvLufogThDX+WpN64twbXlxPQg3Q9MOUFkPxHJIegRrxWN2oM5ZL6jcTxsfEgyEul2WgQ8NU9/7tqxOXs3Vm1sztsXYP+CsrlpBGBRum8/PbwTmZnhWBqHnvI7QlZi++tf1lf8o+pPFiSCuo1eb9SLcCEjHSNM56twcXdqhuvm7POqsfNwapWoQMyHQ0lLeo1BoFdHLfp6HyQkAAArtSURBVK7/LhRaRFpaRdZ/V/5fnq+g82/M43jMUZY1T1BZLa3iXp8uU152s15Vy3KsJ3xZdtnldlSub/0xz7pv1uvmf/+G92GU/p2y7d/9j42ADAw3HS1GGWWuLOVmG87yoamGB3GW777keyxzYJds+5t/sALQKwj9HrcC0is4V7bupknkq0/f1Du6HT9dIhv/d5UfL+rz5b/Lz60/bs9XLC+zdPY3Mv/GD2R14lPrrOnOJ/5aig8+K2v6xqO7xtZ/y8qy67HliufL823Os7HsssdjW8qqXNYuy7n+LeUnsmOoFALmBAptHSJtRSm0F0XaOq3f5b/Lvwttm39vPK+P2c+t/7bms/92LL947lWZf+V/Wu+F9pT1kzUbGsQawvbtEBXU/b+5TSOeksb/7mg8KzaxVt3t6QzCqgG5HpzWPO7wdISqvpjyPm18SHB/QIgQ6nZZBj40rM1Py9rijEhCbrGZ983EWPt1JG+HYntnOQQrwm09KCuC0PGYMzzdQWmHo7vMljZj1fcrKK2H/KLCEMRR5UTEb0RcR5Gei1qfNt0jS0cgik9AVizjmsc60YkpVwJb3tz+5N9L8fN/Lmt6zG9tRaxjf+u/19ZWRVZXRNZ/V/5fns9abmMex2OOssplB5SlJ/m55tFl3PWqWpZjPeHLsttcrl/l+tYf86y7w2tlUdbce6wKBSl09kpL14BrFFgOwI2Ro2NEuTma7KwM0o0R5tZAtcridZyJ1zBBXEc3eh0jFilIodgjLT2D5fAsuna9drh217oD0mN3rXXsjgkBBBIpkLfRWyI7IeWVIojr7EBehHUCsjgCCCCQcwGCOOcbAM1HAAEEEIhXIPFBPDY2JvrDhAACCCCAQFIFSqWS6E+UqaFBrBXK8teXooCzDAIIIIAAAk6Bhgcx3AgggAACCCDgL0AQs3UggAACCCAQowBBHCM+q0YAAQQQQIAgZhtAAAEEEEAgRgGCOEZ8Vo0AAggggABBzDaAAAIIIIBAjAIEcYz4rBoBBBBAAAGCmG0AAQQQQACBGAUIYsdFR5y3bIyxTzYugpKU+kS1sC/mkpR2ZOHiMphG3RqrL5c0V61tEutUi36S6u987dttSMr7ktYn90HsvEdyEu6XbNchCXWp5UXnnjeprnY90+iLaT1bpP+ySXN1bqP6d5ICI2wPJM006a93gvj4cd8N3W8E5QxLrxdKteW8Po15zZ/0DSfoBVmt/nG6ZiWIvT74+G1b+kbuNzoxsa2m2dQeefqFXVzbato/kCft9Z/0DzS5D2K/F6J7Q3J/wnN2bJhPf0Hlud8I0h7ESXXNYmgEbVuN3Fb9girog1rSnvd6vcXtan+ASuOIOGmvf/eu6aSZEsTr7wheLzr3m4XdebW8QP3e+IPCOwtB7PVidL8g/ELCvWy1EZ3zRRXkGjQCSlpAeNUnadtq2j/cVHuNxvEeEGYbTsN2mtTXfxLfAwhixxYd9gVQLYidL+paQiaLI2KvN7igXVZ+oYpr5VtvkrbVrASx14e/arusG7WtVvuwmpYAdtaTbTW413IfxH4bSb2BEfSiDto40z4iTqIrpuUzcb3Cpdr2GLYv0+obtn1+4VJthBXFtdp6gt/SkzFH0kzDDJ7ilMt9ENsvIufo1T36sv+vZdd0UHnVdqf67Q6Lc0OJsu5qu5Od5eEaXjdJps7Xjtf2Hr5V8c+ZNNcs7GVImqlzTwPHiON/zVEDBBBAAAEEEiPAiDgxXUFFEEAAAQTyKEAQ57HXaTMCCCCAQGIECOLEdAUVQQABBBDIowBBnMdep80IIIAAAokRIIgT0xVUBAEEEEAgjwIEcR57nTYjgAACCCRGgCBOTFdQEQQQQACBPAoQxHnsddqMAAIIIJAYAYI4MV1BRRBAAAEE8ihAEOex12kzAggggEBiBAjixHQFFUEAAQQQyKMAQZzHXqfNCCCAAAKJESCIE9MVVAQBBBBAII8CBHEee502I4AAAggkRoAgTkxXUBEEEEAAgTwKEMR57HXajAACCCCQGAGCODFdQUWCBI4fP27NMjw8LPq3/mZCoNkCed0O89ruZmxfBHEzlGNeh/0CskOskdVpZEDaZTvfEBrZlkaX7WfVSMMobUpafaK0weQySdgOna/pZryudR1JaLfJfkxSWQRxknqjAXVxv4nyptoA5IhFNjOIa+n3WuaN2HQWq1PA2Uf0V52YCVicIE5AJzir8PK5STnxzqjcuLUoO7Z1yHMPbZenDg5EqmWYF6jfaNn9uNenYa+RqV/w+83rbJh7V7NXHWqZPxJaiIUW3npR5l75nqxOfCItg7ul68lvS/Hhvwyx5NZZqn1QqrYnw29E5LWM17xhlndbB/WtPX8zDxlcvHhRTp8+LdPT09Lb2yuHDx+Wffv2ReoLe9Tn1W5n24JGo2H7zc+p2vLuOnodpqnlNV3L66medkfukJwsSBAnqKM1hL//xjWZW1zdqFVXR4t889jOSGEcFMRBIeB8o3AHqd8ncq8ytTF2WdXqVOun/GrzB7U9ardrCM++9IKsLUxvFFEo9kr3s89HCuNq4eb29zIMaxDkEaacatuL0zNoXVHt3ctpCJ88eVKWlpY2nmpvb5ejR49GCuOw27S7HmHs7AAN+pASxdjU+tPw+jO17SStHII4QT3y/A8vWCNh96Qj4xe+cV/NNXW/sNwjFvcn3GqBGTa0g95I/ILaq25eb1rVRnJ+wVUzXJUFJv/+L6yRsHvSkfHAd34UaVW2iV9/VbOJsoxdXhRLr7q6R2nO7SgSSMiFTpw4YY2E3ZOOjJ977rmQpWzOVksQR7ULsqn2mvT7sFNPEIdtRz3bTM0dkcMFCOIGd/r/ev2q/PL9iQavZbP4P7t/UP7tE7usB7xGJmE/9dYSqGHfCNx1ChvuzjeBMKNEv7ZX64SZf/ovsvAv/6cp/VR87N9Iz5//p411+QVxtdGT/QYa9sNH1P7067Na+rwW1DfffFPOnz9fyyJ1zbt//3559NFHK/rCHZam7Nxh5vdBM2jUXO11VMtrqpZ5vV5TjdoG6urQlC5MEDe447713TMNXsPW4v/3f3hgy5u8V5h5BXWY0Iv6RpDkIB7/u6NN7aeh/3yyYn1Bb/bOmf36rRH9GfQGHOb5WmDDhFAt5YWZ1/5QE9a1lgALW6bf686v/mFH77WEZdCHdBPtDtMfeZyHIG5wr8c5InZ/And/0rffRJ0Efsdyw74IgwLF63mv9bvr5qxXLfOH7d44R8ReYVatb/xswi4TZOncXel3MlC1E+u8trOw/ZCUEbGzDX57lmrdDt2u1ULWr2yvwK72mgraY+Ksk7vfvOpb6/xh+z3v8xHECdsCTJ41nbCmRapOtVFepAINLGTyrOko1Qn6sBOlzLQuY/KsaVy3bgVJfP2ldVutVm+COIu9mpE22Z++49hdmWTCaqOSJNc76XXDtbKHeP01b4sliJtnzZoQQAABBBDYIkAQs1EggAACCCAQowBBHCM+q0YAAQQQQIAgZhtAAAEEEEAgRgGCOEZ8Vo0AAggggABBzDaAAAIIIIBAjAIEcYz4rBoBBBBAAAGCmG0AAQQQQACBGAUI4hjxWTUCCCCAAAIEMdsAAggggAACMQoQxDHis2oEEEAAAQQIYrYBBBBAAAEEYhQgiGPEZ9UIIIAAAggQxGwDCCCAAAIIxChAEMeIz6oRQAABBBDYCOKRkZF/XltbewoSBBBAAAEEEGieQKFQePn/AzysEmJ3HkxXAAAAAElFTkSuQmCC"/>
+          <p:cNvSpPr>
+            <a:spLocks noChangeAspect="1" noChangeArrowheads="1"/>
+          </p:cNvSpPr>
+          <p:nvPr/>
+        </p:nvSpPr>
+        <p:spPr bwMode="auto">
+          <a:xfrm>
+            <a:off x="152400" y="152400"/>
+            <a:ext cx="304800" cy="304800"/>
+          </a:xfrm>
+          <a:prstGeom prst="rect">
+            <a:avLst/>
+          </a:prstGeom>
+          <a:noFill/>
+          <a:extLst>
+            <a:ext uri="{909E8E84-426E-40DD-AFC4-6F175D3DCCD1}">
+              <a14:hiddenFill xmlns:a14="http://schemas.microsoft.com/office/drawing/2010/main">
+                <a:solidFill>
+                  <a:srgbClr val="FFFFFF"/>
+                </a:solidFill>
+              </a14:hiddenFill>
+            </a:ext>
+          </a:extLst>
+        </p:spPr>
+        <p:txBody>
+          <a:bodyPr vert="horz" wrap="square" lIns="91440" tIns="45720" rIns="91440" bIns="45720" numCol="1" anchor="t" anchorCtr="0" compatLnSpc="1">
+            <a:prstTxWarp prst="textNoShape">
+              <a:avLst/>
+            </a:prstTxWarp>
+          </a:bodyPr>
+          <a:lstStyle/>
+          <a:p>
+            <a:endParaRPr lang="pt-BR"/>
+          </a:p>
+        </p:txBody>
+      </p:sp>
+      <p:graphicFrame>
+        <p:nvGraphicFramePr>
+          <p:cNvPr id="29" name="Gráfico 28"/>
+          <p:cNvGraphicFramePr>
+            <a:graphicFrameLocks/>
+          </p:cNvGraphicFramePr>
+          <p:nvPr/>
+        </p:nvGraphicFramePr>
+        <p:xfrm>
+          <a:off x="1940642" y="1072330"/>
+          <a:ext cx="5262716" cy="3332522"/>
+        </p:xfrm>
+        <a:graphic>
+          <a:graphicData uri="http://schemas.openxmlformats.org/drawingml/2006/chart">
+            <c:chart xmlns:c="http://schemas.openxmlformats.org/drawingml/2006/chart" xmlns:r="http://schemas.openxmlformats.org/officeDocument/2006/relationships" r:id="rId3"/>
+          </a:graphicData>
+        </a:graphic>
+      </p:graphicFrame>
+    </p:spTree>
+    <p:extLst>
+      <p:ext uri="{BB962C8B-B14F-4D97-AF65-F5344CB8AC3E}">
+        <p14:creationId xmlns:p14="http://schemas.microsoft.com/office/powerpoint/2010/main" val="3145620549"/>
+      </p:ext>
+    </p:extLst>
+  </p:cSld>
+  <p:clrMapOvr>
+    <a:masterClrMapping/>
+  </p:clrMapOvr>
+  <p:timing>
+    <p:tnLst>
+      <p:par>
+        <p:cTn id="1" dur="indefinite" restart="never" nodeType="tmRoot">
+          <p:childTnLst>
+            <p:seq concurrent="1" nextAc="seek">
+              <p:cTn id="2" dur="indefinite" nodeType="mainSeq">
+                <p:childTnLst>
+                  <p:par>
+                    <p:cTn id="3" fill="hold">
+                      <p:stCondLst>
+                        <p:cond delay="indefinite"/>
+                        <p:cond evt="onBegin" delay="0">
+                          <p:tn val="2"/>
+                        </p:cond>
+                      </p:stCondLst>
+                      <p:childTnLst>
+                        <p:par>
+                          <p:cTn id="4" fill="hold">
+                            <p:stCondLst>
+                              <p:cond delay="0"/>
+                            </p:stCondLst>
+                            <p:childTnLst>
+                              <p:par>
+                                <p:cTn id="5" presetID="10" presetClass="entr" presetSubtype="0" fill="hold" grpId="0" nodeType="afterEffect">
+                                  <p:stCondLst>
+                                    <p:cond delay="250"/>
+                                  </p:stCondLst>
+                                  <p:childTnLst>
+                                    <p:set>
+                                      <p:cBhvr>
+                                        <p:cTn id="6" dur="1" fill="hold">
+                                          <p:stCondLst>
+                                            <p:cond delay="0"/>
+                                          </p:stCondLst>
+                                        </p:cTn>
+                                        <p:tgtEl>
+                                          <p:spTgt spid="521"/>
+                                        </p:tgtEl>
+                                        <p:attrNameLst>
+                                          <p:attrName>style.visibility</p:attrName>
+                                        </p:attrNameLst>
+                                      </p:cBhvr>
+                                      <p:to>
+                                        <p:strVal val="visible"/>
+                                      </p:to>
+                                    </p:set>
+                                    <p:animEffect transition="in" filter="fade">
+                                      <p:cBhvr>
+                                        <p:cTn id="7" dur="500"/>
+                                        <p:tgtEl>
+                                          <p:spTgt spid="521"/>
+                                        </p:tgtEl>
+                                      </p:cBhvr>
+                                    </p:animEffect>
+                                  </p:childTnLst>
+                                </p:cTn>
+                              </p:par>
+                            </p:childTnLst>
+                          </p:cTn>
+                        </p:par>
+                      </p:childTnLst>
+                    </p:cTn>
+                  </p:par>
+                </p:childTnLst>
+              </p:cTn>
+              <p:prevCondLst>
+                <p:cond evt="onPrev" delay="0">
+                  <p:tgtEl>
+                    <p:sldTgt/>
+                  </p:tgtEl>
+                </p:cond>
+              </p:prevCondLst>
+              <p:nextCondLst>
+                <p:cond evt="onNext" delay="0">
+                  <p:tgtEl>
+                    <p:sldTgt/>
+                  </p:tgtEl>
+                </p:cond>
+              </p:nextCondLst>
+            </p:seq>
+          </p:childTnLst>
+        </p:cTn>
+      </p:par>
+    </p:tnLst>
+    <p:bldLst>
+      <p:bldP spid="521" grpId="0"/>
+    </p:bldLst>
+  </p:timing>
+</p:sld>
+</file>
+
+<file path=ppt/slides/slide12.xml><?xml version="1.0" encoding="utf-8"?>
+<p:sld xmlns:a="http://schemas.openxmlformats.org/drawingml/2006/main" xmlns:r="http://schemas.openxmlformats.org/officeDocument/2006/relationships" xmlns:p="http://schemas.openxmlformats.org/presentationml/2006/main">
+  <p:cSld>
+    <p:spTree>
+      <p:nvGrpSpPr>
+        <p:cNvPr id="1" name="Shape 520"/>
+        <p:cNvGrpSpPr/>
+        <p:nvPr/>
+      </p:nvGrpSpPr>
+      <p:grpSpPr>
+        <a:xfrm>
+          <a:off x="0" y="0"/>
+          <a:ext cx="0" cy="0"/>
+          <a:chOff x="0" y="0"/>
+          <a:chExt cx="0" cy="0"/>
+        </a:xfrm>
+      </p:grpSpPr>
+      <p:sp>
+        <p:nvSpPr>
+          <p:cNvPr id="521" name="Google Shape;521;p58"/>
+          <p:cNvSpPr txBox="1">
+            <a:spLocks noGrp="1"/>
+          </p:cNvSpPr>
+          <p:nvPr>
+            <p:ph type="title"/>
+          </p:nvPr>
+        </p:nvSpPr>
+        <p:spPr>
+          <a:xfrm>
+            <a:off x="723900" y="24917"/>
+            <a:ext cx="7696200" cy="572700"/>
+          </a:xfrm>
+          <a:prstGeom prst="rect">
+            <a:avLst/>
+          </a:prstGeom>
+        </p:spPr>
+        <p:txBody>
+          <a:bodyPr spcFirstLastPara="1" wrap="square" lIns="91425" tIns="91425" rIns="91425" bIns="91425" anchor="t" anchorCtr="0">
+            <a:noAutofit/>
+          </a:bodyPr>
+          <a:lstStyle/>
+          <a:p>
+            <a:pPr marL="0" lvl="0" indent="0" algn="ctr" rtl="0">
+              <a:spcBef>
+                <a:spcPts val="0"/>
+              </a:spcBef>
+              <a:spcAft>
+                <a:spcPts val="0"/>
+              </a:spcAft>
+              <a:buNone/>
+            </a:pPr>
+            <a:r>
+              <a:rPr lang="pt-BR" sz="3600" dirty="0">
+                <a:latin typeface="+mj-lt"/>
+              </a:rPr>
+              <a:t>Soja</a:t>
+            </a:r>
+            <a:endParaRPr sz="3600" dirty="0">
+              <a:latin typeface="+mj-lt"/>
+            </a:endParaRPr>
+          </a:p>
+        </p:txBody>
+      </p:sp>
+      <p:sp>
+        <p:nvSpPr>
+          <p:cNvPr id="2" name="AutoShape 1" descr="data:image/png;base64,iVBORw0KGgoAAAANSUhEUgAAAeIAAAEiCAYAAAAlAdEXAAAgAElEQVR4Xu3daYwc553f8X/P1XNxrqYoUpQoiRQPiVQsUwdlyyvL3pUlA7vCIovAAO3FJnGAvF3rXd7si7xJkBfaV1kggB3kRTywESCr0GtbPlfWYVsri5IlkiKHpERSBw/NxeHcZ/Cvnpqprqnqqq5+uuv6FjCYme6qp57n81T3r5+q6qqCMCGAAAIIIIBAbAIFXfNHH320Njs7G1slWDECCCCAAAJ5FCgUCi9bQXzu3Lm1AwcO5NGANiOAAAIIIBCbwMjIiBDEsfGzYgQQQACBvAsQxHnfAmg/AggggECsAgRxrPysHAEEEEAg7wIEcd63ANqPAAIIIBCrAEEcKz8rRwABBBDIuwBBnPctgPYjgAACCMQqQBDHys/KEUAAAQTyLlBzEB8/ftwyGx4errCzH3c/5/d43uFpPwIIIIAAAipQUxBrqGoA279tQr//g+ajCxBAAAEEEMi7QE1BHBS87ucJ4rxvXrQfAQQQQCBIgCAOEuJ5BBBAAAEEGihAEDcQl6IRQAABBBAIEiCIg4R4HgEEEEAAgQYKJD6I5xZW5KPr3J6xgdsARSOAAAII1ClQ6u+QUn8xUik1BbHzq0j22uyvMfH1pUj+LIQAAgggkHOBmoI451Y0HwEEEEAAAeMCBLFxUgpEAAEEEEAgvABBHN6KORFAAAEEEDAuQBAbJ6VABBBAAAEEwgsQxOGtmBMBBBBAAAHjAgSxcVIKRAABBBBAILwAQRzeijkRQAABBBAwLkAQGyelQAQQQAABBMILEMThrZgTAQQQQAAB4wIEsXFSCkQAAQQQQCC8AEEc3oo5EUAAAQQQMC5AEBsnpUAEEEAAgXoEXj43KSfeGZUbtxZlx7YOee6h7fLUwYF6ikz0sgRxoruHyiGAAAL5EtAQ/v4b12RucXWj4V0dLfLNYzszG8bGgpi7L+XrxUJrEUAAgUYIPP/DC9ZI2D3pyPiFb9zXiFXGXqaRINYQtm+HqC2y//d7PPZWUwEEEEAAgUQKfOu7Zzzr9a+P3ib6k8WJIM5ir9ImBBBAIKUCf/uD8zI6vcSIuNb+Y0RcqxjzI4AAAgi4BX59dkL+78nPZHJ2ueKp9taC/M0Xd3GMOGiTcR4j1nl1VzW7poPUeB4BBBBA4K3Lt+SlU+Py/tWZLRiD3W3yVw/vyGwIa4ON7Jp2y3GMmBcWAggggECQwIUbc/LSqTH5/QdTFbMeuL1bnj0yJI/d2xdURCaeNx7EzlGwqRHxyJVbmcCmEQgggAACIpNzy/LG5Wl5w/XePtTdJsf2bJNH9/SmjqnU3yGl/mKkehsJYr+vLmmNqj0XqcYshAACCCCQSoHF5VV56fS4tRt6am7zOHBne4s1An7mcEm2dbamsm31VNpIENdTAZZFAAEEEMi+wG9GJuVnp8blyvh8RWO/cmhQnjk8JHcORhtNZkGOIM5CL9IGBBBAIKEC73w0LT87NSbvfVJ5ItbRPdusUfADd/QktObNqxZB3Dxr1oQAAgjkRuDD0XkrgF+7cLOizftu67IC+Av7+nNjEdRQgjhIiOcRQAABBEILjM8sWbugf/zeWMUy23vby8eBj5SkELq0fMxIEOejn2klAggg0FCBldU1+dnpcfnJe2MVF+TQi3E8e6RkHQce6G5raB3SWjhBnNaeo94IIIBAQgRev3BTfnpqTC6NVp6I9eSBASuA7y51JqSmyawGQZzMfqFWCCCAQOIFTn0yY12QQ0/Ick6fu6tXnj08JA/emb7vA8eBThDHoc46EUAAgRQLfDQ+b30XWL+S5Jzu2d4pzx4uyZf2cyJWLd1LENeixbwIIIBAjgX0Ihx6QY4f/XFU1tY2IfR60NZx4CND0tbCqVi1biIEca1izI8AAgjkUEBPxPqnd0dlYmbzilgtBT0RS8+EHpJST3sOVcw0mSA240gpCCCAQCYF9IYMeib0B5/NVbTvifv6rQDeu70rk+1uZqMI4mZqsy4EEEAgJQJ6S8KfnhqXk5crb7pzZHePdRz4oRTemCGp9ARxUnuGeiGAAAIxCHw6uWCdiPXrsxMVa79rqGgF8JcPDsRQq2yvkiDOdv/SOgQQQCCUwMzCinUi1ol3RkUvzmFPfV1t1leRdDd0sa0lVFnMVJuAsSD2u90ht0GsrUOYGwEEEGi2wC/fn7DOhB6bXqpYtV6MQwN4x7aOZlcpV+szEsQatsPDwxtw9v9+j+dKmMYigAACCRV489It60zoizcqT8R6fG+fdU3o/Ts4EasZXUcQN0OZdSCAAAIJEhi5PmudCf2HS5UnYt2/q8f6OtLDd29LUG2zXxUjQaxMXrugGRFnfwOihQggkB6B61OL1jWhf3mm8kSsOwaKVgB/9dBgehqToZoaCWJ2TWdoi6ApCCCQOYH5pVXrRKwX3/5Mllc2T8TqKbaun4hVku4OTsSKq+NTEcQjVyp3n8SFxXoRQACBtAm8/cmMvPrBlEzObV4RS9vwyF29cuzubVLi1oRGurTU3yGl/mKkslIRxJFaxkIIIIBAjgXevnJLTvxxVM5frzwR69F79ESsITm0szvHOslqupEg9jtGXO3xZDFQGwQQQCAbAnopyh+9OyZvfjhV0aADt3dbx4Efu7cvGw3NUCuMBXGGTGgKAgggkDoB/Q7wj98bk5+fHq+o++19HVYAP/3AUOralJcKE8R56WnaiQACmRTQk69+cmpMXnx7VBaXVzfa2NneUr4z0uGSbOtszWTbs9IogjgrPUk7EEAgdwKvnp+Uf3x7VG5MLVa0/SuHBkWvinXnYLSTh3IHGXODCeKYO4DVI4AAArUKvPvxtPy/d0bl3LXZikWP7tlmjYIfuKOn1iKZP0YBgjhGfFaNAAII1CJweWzeOhP6jQ8qT8Tad1uXFcBf2NdfS3HMmxABgjghHUE1EEAAAT+Bydll+dG7o/KzU5UnYm3vbS8fBz5SkgJ8qRUgiFPbdVQcAQSyLrC2JvLj90atE7H06lj21N5akGePlKzjwANckCP1mwFBnPoupAEIIJBFgdcu3LQuSXntZuWJWE8eGLAC+O5SZxabncs2EcS57HYajQACSRU4/emM/OPbn8nZq5UnYn3url7rutAP3tmb1KpTr4gCBHFEOBZDAAEETAp8PLFgnQn9u4s3K4q9Z3unPHu4JF/az4lYJr2TVBZBnKTeoC4IIJA7gVvzK9aZ0D99b6yi7YPdbeXjwEeGpK2FU7GyvGEQxFnuXdqGAAKJFvjJe2PWbui5xc0TsVoKeiKWngk9JKWe9kTXn8qZESCIzThSCgIIIBBa4LcX9USsUfl0cqFimSfu67cCeO/2rtBlMWP6BYwE8fHjx7dIDA8PW485n7MfSz8bLUAAAQRqFzhzdcYK4DOfzlQsfGR3j3Uc+KE9nIhVu2r6lzASxG4GDV8NXfu3/bz7//Tz0QIEEEAgWODqzQXrmtC/vVB5ItZdQ0UrgL98cCC4EObIrIDxIHaGLUGc2e2m4Q17+dyknHhnVG7cWpQd2zrkuYe2y1O8WTXcnRWYFdBjvy++85n8+N3KE7H6utqsryLpbuhiW4vZlVJa6gQI4tR1WfYrrCH8/TeuVZzA0tXRIt88tpMwzn73Z6aFP12/NeHMwkpFm/RiHBrA+gGTCQEVMBrEQSNgdk2z0YUReP6HF6yRsHvq72qT//pX+7i3ahhE5mmagHvvjR7vPXd9Vj6ZqDwR6/G9fdY1offv4ESspnVOSlaUiiAeuXIrJZxUsx6BWwsr8uaVaXntw8o7y7jLvK2nXfYMFeXuwfLPtiI3Pa/HnWWjC7z9yYz8/NykLCxvfv3IXdo9Q0V5bM82OUQAR4dOwZKl/g4p9Ue7/7OxIPYa7QaNkFNgSxWbIKBnkP7izIS8eal6APtV5fa+Drl/V7cc2tkjh3Z1i96RhgmBRgt8ODov/+2ly6IX5PCa7hgoWt8H/uqhwUZXhfJTLtDQIFYbvr6U8i2kgdX/1fsT8vMz41t24Xmtsq21YB1T09vBzS56v/HZy2kQayBrMGtAa1AzIVCPwNT8sly8MS8XP5uzfj64MSczVbZD3e6+8/Qe6e7gRKx63POyrLEgzgsY7axP4NrUovzi9Lj8+uyELK2sbSls92BRHr+3TwoFkVdGbm45a/rG1KJ8ODYvl0b1Z04ujc37jkjswvVSgYd29cihnd1WQO8eiLb7qL6Ws3SaBD4a19Cdl4s3ysF7ZXy+purrh8YXvnFfTcswc34FCOL89n1TW/72lVvW7ud3P572XO9Dd/XKsb19cmxvv3S0hr+u7uj0khXKH66Hsv59c265atu2dbbK/Y5g3jPE7eSaujEkbGW6h8Ua6doj3huzMuWzu9lZdb0PcF9nm+h3hJ0fKjnDP2EdnILqEMQp6KS0VlHfnHTX86/OTHieBd1bbJXH9/XJ4/f2WyNVE9PE7LJ8+Fl5pKzH8C6NzcnETPVg7u5oXd+V3W3tyr6Xywua6IrElqGXlSzvYi6PePVDXJhJ74Kk28a91u/y3zrxnfcwesxTTYAgZvswLnB5bF5+cWZcfjMyKWtb9z5bb2D6VQ4dATf6xKrphRW5cGOuvCt7rPxbR9HVJr3AQvkYs+7K7uHrJsa3kOYVuLi8uj7aLQfv+Ruz1nkGQZNecGNvRfB2yWBPW9BiPI9AJAGCOBIbC3kJ/P6DKfn56XEZuV55Q3N73sfuLYfvsXv7YgPUr5mMXJt1HGee9xytOyvY2lJYPyu7HMwa0EzJFNDvn9vHdfUDmP6Eme4ubY5y7dGunqfAhEAzBAjiZihneB361Q0d/eruufGZrSNNPY72xX391gh4723Ju5DB6tqanL06a+3Gto8zX7u59WIi7i60R8v6W3dna1gzNVdgZXVt4yxmDd/zN+ZkLGBvh9awp9gq9+2wdzGXfw9xu8Hmdh5rqxAgiNkgIgnoqFdPvvrdxcqL2NuFaUCVT77qs05oSdN0/vpseXf2+nFm963qvNqiV0tynpnN9YPN97h+0CufVFUO3fPX50Q/SAVNdw4WZZ8VvJvHd/Wev0wIJEWAIE5KT6SkHr85N2l99UjfEL2mL+3vl2P39svnM3Q7Nz2urJcstI8zfzReeelCLwd90y9fZKT8lSk9IYypNoEP1r+zqx+KNHj1q2tBU2d7i+zf0S17b9s8sarEBV6C2Hg+ZgGCOOYOSMPq9eQm3f386vmbMuXx1SA94epP9g9Yo18dfWR9+nhiQc7qcWb9ytTovOjJaUGTfkXKPgFMvzqlX6Fi2hTQr5xVjnZnPb9n7jbb1d8h+2/XM903g5fDBGxZaRMgiNPWY02s73sfT8sv35+Qty57X+v7wd291teP9OQrHYnkdbo+tWgFc/mrMOWzs4P2mOpFRZxnZutFR/I06QUyNncxz8rVEMfl21sLVug6j+82+qz7PPUJbY1PgCCOzz6Ra9YA0e/+vjIy6TvS02vn6slXD9zRk8g2xF0pPZapwaxnZ9vHmfXEompTlq+XrbcB1NGutYv5uu5mnpX5Jf+bJNhOO/o6rK+OOY/vtnFSXNybN+tvgABB3ADUNBb5yeSCtfv5dxenxH3/VG2P7gJ88kB59zP3Ua2th/XM8rPXZjbOztYR8+Jy9WBO8/WydVtyjnZ1V37QpCdP7b+9ywpePbtej7Hfto2bdwS58Xw2BAjibPRj5Fb84dItefnchLzzkfelJz+/Z5t8Ua9+tbffuv4zU/0Cc0urcu7arJy9OiMX9Cpgo/OBI8SkXi9bv5dtf19XzzbXk6q8Psi51fQEKg1d5/Fd3fXMhEAeBYwGsdedlrj7UvI2Kw0CvfHCby/eFK/Rit7p6M/uH7J2P+vxOKbGCiyvlr/LrOGsXwvT48xBd5iK63rZejxcw/bCeuiGOVFN9XQ7ch7fZa9KY7cpSk+XgLEg5n7Eye94/TrIP5+dtALY60bmdw0V5amDg9bJV3ohDqb4BKwR87VyOOvZ2X73vLVr2IjrZesHBGu0ux66GsBeZ827lXTb0a8Q6a5m+/huLTfyiE+dNSMQj4CRIPYKYW2O+3G/+eJpen7W+tqFm/La+Uk59cmMZ6P10pNP3NcvD9+9LT8oKWupfojSYLbPzg66w5TX9bKDbk6gX1PTk6ku3CjvYtZ1hpn0eK7z+C73fw6jxjwIbAoYC2In6vDwsPUvQRzfpqYXtv/V2fKVr7wu2djV3iJPHy7vfuY2gPH1U9Q160VFrBPA1ndnB91hyrqSVEFk1XH2tob1Q3t6ra9a6fFdvXNV0NTX2Sr33d69cXxXb4zQ0Zbfr64FefE8AmEEjAWxHb7OACaIw3SB2Xnevzojr4zctAJYdy26Jx29fPXQgHXyld43lSkbAvphqzxiLp+dHXSHqbCt3lPqLIfu+q5mRrth5ZgPgfACqQjikSveF5QI38zsz/nWx9Ny6uqsXPb5qsiDu7rlc3f0yN5SZ/YxaKHcnF+xtoUrE/PW77GAezIrmV6U5c7+DrlroCh3DnTI7v6icGyXjQmBcAKl/g4p9Ue7smAqgjgcQ/7m0jNY9drPevKV1whIz6z92gND8oV9/bKzvyN/QLR4Q+Bvf3DecxvR8P3rL+y0Rr13DER7E4EZAQTqEzASxPbuaLsq7t3UXo/XV+18L/32lWkrfP3ufHTg9m750/vLV7/iurv53lbs1uuJWt9/45rMLW5e0UoPTXzz2E556uAASAggEKOAsSCOsQ25WPXSypp14Y3fXpyyTqzxmvTKV/qmqkHMhIBbIOisacQQQCAeAYI4HvfQa9WL4792vjz69TqrdbCnzdr9rF8/4ubmoVmZEQEEEEiMAEGcmK6orMibl25Z4fsvH0551lBvuKAB/Mg9fPc3oV1ItRBAAIFQAgRxKKbmzDS9sCKvjkxaN174YNT7Ygp67PcrhwblHs5+bk6nsBYEEECgwQIEcYOBwxSvlxHU0a+egOV1KUO9Lu/Thwflyf0D0lPkhvJhTJkHAQQQSIsAQRxjT/3+gykrfE9e9v6e9L+6s1e+dnhIHrqrN8ZasmoEEEAAgUYKEMSN1PUoe2x6af2rR1OiJ2K5J70SoR771V3QfK+zyZ3D6hBAAIEYBAjiJqHr5Qd197P+zDq+y2mvXkNXA/jLBweE+7I2qVNYDQIIIJAAAYK4gZ2gF9N/XcP3wk3548fTnmvSOx49/cCQHNnd08CaUDQCCCCAQFIFCOI6e8brIgn37+peP/lqSj6dXNiyho62ghW++rO9t73OGrA4AggggECaBQjiOnrP67KBbS0Fq0SvOx/pnWx09zOXFKwDnUURQACBjAkQxHV06PM/vCA3bi0GlnBsb58VwAd3cunJQCxmQAABBHImQBDX0eHf+u4Z36W7O1rla4cHrd3P/V1tdayFRRFAAAEEsixgJIiPHz++xci+A5PzOeddmbKA6jci7utsk3/41oEsNJE2IIAAAgg0WMBYEHuFrIaw+5aIWQpjbi3X4K2T4hFAAIEcCBDEdXYyt5arE5DFEUAAgZwLGAtip6Nzt3SWR8Q533ZoPgIIIICAAQEjQeyuh71LOuu7pg34UwQCCCCAQM4FCOKcbwA0HwEEEEAgXgEjQew38jU1Ih654n13onjpWDsCCCCAAAJlgVJ/h5T6i5E4jASxrtnva0pZ/vpSJHEWQgABBBBAwCFgLIhRRQABBBBAAIHaBQji2s1YAgEEEEAAAWMCBLExSgpCAAEEEECgdgGCuHYzlkAAAQQQQMCYAEFsjJKCEEAAAQQQqF2AIK7djCUQQAABBBAwJkAQG6OkIAQQQAABBGoXIIhrN2MJBBBAAAEEjAkQxMYoKQgBBBBAAIHaBQji2s1YAgEEEEAAAWMCBLExSgpCAAEEEECgdgGCuHYzlkAAAQQQQMCYAEFsjJKCEEAAAQQQqF3AaBDbd1oaHh7eqAl3X6q9U1gCAQQQQCA/Ag0NYlP3I85Pd9BSBBBAAIG8CRgLYjt0neFLEOdtc6K9CCCAAAK1ChDEtYoxPwIIIIAAAgYFjASx3yiYEbHBnqIoBBBAAIFMChgLYreOnrBFEGdym6FRCCCAAAIGBYwEsbM+jThGPHLllsEmUxQCCCCAAAJmBUr9HVLqL0YqtKFBrDXi60uR+oWFEEAAAQRyImA8iHPiRjMRQAABBBAwIkAQG2GkEAQQQAABBKIJEMTR3FgKAQQQQAABIwIEsRFGCkEAAQQQQCCaAEEczY2lEEAAAQQQMCJAEBthpBAEEEAAAQSiCRDE0dxYCgEEEEAAASMCBLERRgpBAAEEEEAgmgBBHM2NpRBAAAEEEDAiQBAbYaQQBBBAAAEEogkQxNHcWAoBBBBAAAEjAgSxEUYKQQABBBBAIJoAQRzNjaUQQAABBBAwIkAQG2GkEAQQQAABBKIJGAtiv9sdchvEaB3DUggggAAC+RAwEsQatsPDwxti9v9+j+eDllYigAACCCAQLGAkiN2rIYiD4ZkDAQQQQAABFTAWxF67oBkRs5EhgAACCCBQXcBYEDtXw4iYzQ4BBBBAAIFwAqkI4pErt8K1hrkQQAABBBCIQaDU3yGl/mKkNRsJYk7WimTPQggggAACCDT2GLH68vUltjIEEEAAAQT8BYyMiAFGAAEEEEAAgWgCBHE0N5ZCAAEEEEDAiABBbISRQhBAAAEEEIgmQBBHc2MpBBBAAAEEjAgQxEYYKQQBBBBAAIFoAgRxNDeWQgABBBBAwIgAQWyEkUIQQAABBBCIJkAQR3NjKQQQQAABBIwIEMRGGCkEAQQQQACBaAIEcTQ3lkIAAQQQQMCIAEFshJFCEEAAAQQQiCZAEEdzYykEEEAAAQSMCBDERhgpBAEEEEAAgWgCxoLY7y5L3H0pWsewFAIIIIBAPgSMBDH3I87HxkIrEUAAAQTMCxgJYne17GD2C2jzzaBEBBBAAAEE0ilAEKez36g1AggggEBGBIwHsXMUzIg4I1sJzUAAAQQQaJiA0SAOCl7382FbNXLlVthZmQ8BBBBAAIGmC5T6O6TUX4y0XmNB7BWyQcEcqcYshAACCCCAQIYEjASx8ytKts3w8LD1J19fytDWQlMQQAABBIwLGAli47WiQAQQQAABBHIiQBDnpKNpJgIIIIBAMgUI4mT2C7VCAAEEEMiJAEGck46mmQgggAACyRQgiJPZL9QKAQQQQCAnAgRxTjqaZiKAAAIIJFOAIE5mv1ArBBBAAIGcCBDEOelomokAAgggkEwBgjiZ/UKtEEAAAQRyIkAQ56SjaSYCCCCAQDIFCOJk9gu1QgABBBDIiQBBnJOOppkIIIAAAskUIIiT2S/UCgEEEEAgJwLGgti+y5J91yXbj7sv5WRLopkIIIAAApEEjASxfd/hoPsPe92zOFKtWQgBBBBAAIGMCBgJYufo1zkiDgrmLBhevHhRTp8+LdPT09Lb2yuHDx+Wffv2ZaFptAEBBBBAoAkCBHEdyBrCJ0+elKWlpY1S2tvb5ejRo4RxHa4sigACCORJgCCuo7dPnDhhjYTdU0tLi/T19YmGsv50dHQE/u2cr44qsSgCCCCAQMoEUhHEI1duJZL1D6/9qCH1am1rl9bWNvH73RbwvC7HhAACCCDQPIFSf4eU+ouRVpiKII7UsiYs5DcibsKqA1fhHomnbWTOsffALmYGBDIrkLfXv5Egdn5Fyd4y7JO2svz1Jb9jxHrC1q5du6xjx86fxcXFLY/ZzzufW1tbS8QLLK4w59h7IrqfSiAQi0AeX/9GgjiW3krISk1/ctMQ1nD2Cm2/IPd6PM1h/vrrr8vs7OyWHtaz0p977rmE9DzVQKAsYPo9IO+ufnsas/z6J4gzuNXbYe4V6O7QrjZKT0qY212kJ7319PRIW1tbxY+O3Gt9TE+oY0KgXoE0j95WV1fF/bOysrLlMa/59LGw84adzy7T60O49tODDz5o/WRxIoiz2KsG2uQM86BArzZ6N1CVhhShQWyHd5Qgdwa/c/mGVNZQoYzcDEE6ivEbvekHxmeeecYKtVqDyC/4nI+bKNO8RmNLZETcWF9Kz7BA0Ajc+bz998zMjMzNzUnSRuRhuqlauOtzUULfxOg9zSM33Q5qDaGgoAp6PkyAahnz8/NhNgvmqVOgtbVVHnnkkcxen4ERcZ0bCIs3RsA5etPRxcGDB2X37t2yvLy85UdH7O7Hgx7TN9q0TCZG737H3dX261//eqiRm6nwChrxudeTxg9kadi2dLty/2jgeT1ez7xRyrx8+bKcPXtW9EN5Hq5YSBCn4RVDHY0LaBjY4R0U2tXm0+ecyxuvKAWmUsDeM6IBFiWIgsLQRJmphM1opQnijHYszYpHoJbQDvtBIE2j90aoFwqFilFamBAKmifo+TABapeho7f333+f6803ovNzUiZBnJOOTlszF956UeZe+Z6sTnwiLYO7pevJb0vx4b9MWzOM1NfE6N3vuLu927uW4Kk2WgsKuKDnveqhQcyEQJYFCOIs925K26YhPPvSC7K2sHkd70KxV7qffT63YWyiKzlr2oQiZTRDIG8fxAniZmxVrKMmgcm//wtrJOyedGQ88J3GXN+7pgqmdOa8vbmltJtyX+08fhAniHO/2RsEWF2RtcVZWVucW/89K6J/L+hjlY/rPGI95njcmm9OVq6d865UW1FaOntFWtul0Npu/ZbWto2/y4+1VTxvP7Y5//qybZvLbZbnLitC+QY5TRaVxzc3k37VysrdB5yVJVlbWpC15QUR6/e89b8sL1T81sfLz68/vj5vxWPWc/OOshZk5bNLIqvLufogThDX+WpN64twbXlxPQg3Q9MOUFkPxHJIegRrxWN2oM5ZL6jcTxsfEgyEul2WgQ8NU9/7tqxOXs3Vm1sztsXYP+CsrlpBGBRum8/PbwTmZnhWBqHnvI7QlZi++tf1lf8o+pPFiSCuo1eb9SLcCEjHSNM56twcXdqhuvm7POqsfNwapWoQMyHQ0lLeo1BoFdHLfp6HyQkAAArtSURBVK7/LhRaRFpaRdZ/V/5fnq+g82/M43jMUZY1T1BZLa3iXp8uU152s15Vy3KsJ3xZdtnldlSub/0xz7pv1uvmf/+G92GU/p2y7d/9j42ADAw3HS1GGWWuLOVmG87yoamGB3GW777keyxzYJds+5t/sALQKwj9HrcC0is4V7bupknkq0/f1Du6HT9dIhv/d5UfL+rz5b/Lz60/bs9XLC+zdPY3Mv/GD2R14lPrrOnOJ/5aig8+K2v6xqO7xtZ/y8qy67HliufL823Os7HsssdjW8qqXNYuy7n+LeUnsmOoFALmBAptHSJtRSm0F0XaOq3f5b/Lvwttm39vPK+P2c+t/7bms/92LL947lWZf+V/Wu+F9pT1kzUbGsQawvbtEBXU/b+5TSOeksb/7mg8KzaxVt3t6QzCqgG5HpzWPO7wdISqvpjyPm18SHB/QIgQ6nZZBj40rM1Py9rijEhCbrGZ983EWPt1JG+HYntnOQQrwm09KCuC0PGYMzzdQWmHo7vMljZj1fcrKK2H/KLCEMRR5UTEb0RcR5Gei1qfNt0jS0cgik9AVizjmsc60YkpVwJb3tz+5N9L8fN/Lmt6zG9tRaxjf+u/19ZWRVZXRNZ/V/5fns9abmMex2OOssplB5SlJ/m55tFl3PWqWpZjPeHLsttcrl/l+tYf86y7w2tlUdbce6wKBSl09kpL14BrFFgOwI2Ro2NEuTma7KwM0o0R5tZAtcridZyJ1zBBXEc3eh0jFilIodgjLT2D5fAsuna9drh217oD0mN3rXXsjgkBBBIpkLfRWyI7IeWVIojr7EBehHUCsjgCCCCQcwGCOOcbAM1HAAEEEIhXIPFBPDY2JvrDhAACCCCAQFIFSqWS6E+UqaFBrBXK8teXooCzDAIIIIAAAk6Bhgcx3AgggAACCCDgL0AQs3UggAACCCAQowBBHCM+q0YAAQQQQIAgZhtAAAEEEEAgRgGCOEZ8Vo0AAggggABBzDaAAAIIIIBAjAIEcYz4rBoBBBBAAAGCmG0AAQQQQACBGAUIYsdFR5y3bIyxTzYugpKU+kS1sC/mkpR2ZOHiMphG3RqrL5c0V61tEutUi36S6u987dttSMr7ktYn90HsvEdyEu6XbNchCXWp5UXnnjeprnY90+iLaT1bpP+ySXN1bqP6d5ICI2wPJM006a93gvj4cd8N3W8E5QxLrxdKteW8Po15zZ/0DSfoBVmt/nG6ZiWIvT74+G1b+kbuNzoxsa2m2dQeefqFXVzbato/kCft9Z/0DzS5D2K/F6J7Q3J/wnN2bJhPf0Hlud8I0h7ESXXNYmgEbVuN3Fb9girog1rSnvd6vcXtan+ASuOIOGmvf/eu6aSZEsTr7wheLzr3m4XdebW8QP3e+IPCOwtB7PVidL8g/ELCvWy1EZ3zRRXkGjQCSlpAeNUnadtq2j/cVHuNxvEeEGYbTsN2mtTXfxLfAwhixxYd9gVQLYidL+paQiaLI2KvN7igXVZ+oYpr5VtvkrbVrASx14e/arusG7WtVvuwmpYAdtaTbTW413IfxH4bSb2BEfSiDto40z4iTqIrpuUzcb3Cpdr2GLYv0+obtn1+4VJthBXFtdp6gt/SkzFH0kzDDJ7ilMt9ENsvIufo1T36sv+vZdd0UHnVdqf67Q6Lc0OJsu5qu5Od5eEaXjdJps7Xjtf2Hr5V8c+ZNNcs7GVImqlzTwPHiON/zVEDBBBAAAEEEiPAiDgxXUFFEEAAAQTyKEAQ57HXaTMCCCCAQGIECOLEdAUVQQABBBDIowBBnMdep80IIIAAAokRIIgT0xVUBAEEEEAgjwIEcR57nTYjgAACCCRGgCBOTFdQEQQQQACBPAoQxHnsddqMAAIIIJAYAYI4MV1BRRBAAAEE8ihAEOex12kzAggggEBiBAjixHQFFUEAAQQQyKMAQZzHXqfNCCCAAAKJESCIE9MVVAQBBBBAII8CBHEee502I4AAAggkRoAgTkxXUBEEEEAAgTwKEMR57HXajAACCCCQGAGCODFdQUWCBI4fP27NMjw8LPq3/mZCoNkCed0O89ruZmxfBHEzlGNeh/0CskOskdVpZEDaZTvfEBrZlkaX7WfVSMMobUpafaK0weQySdgOna/pZryudR1JaLfJfkxSWQRxknqjAXVxv4nyptoA5IhFNjOIa+n3WuaN2HQWq1PA2Uf0V52YCVicIE5AJzir8PK5STnxzqjcuLUoO7Z1yHMPbZenDg5EqmWYF6jfaNn9uNenYa+RqV/w+83rbJh7V7NXHWqZPxJaiIUW3npR5l75nqxOfCItg7ul68lvS/Hhvwyx5NZZqn1QqrYnw29E5LWM17xhlndbB/WtPX8zDxlcvHhRTp8+LdPT09Lb2yuHDx+Wffv2ReoLe9Tn1W5n24JGo2H7zc+p2vLuOnodpqnlNV3L66medkfukJwsSBAnqKM1hL//xjWZW1zdqFVXR4t889jOSGEcFMRBIeB8o3AHqd8ncq8ytTF2WdXqVOun/GrzB7U9ardrCM++9IKsLUxvFFEo9kr3s89HCuNq4eb29zIMaxDkEaacatuL0zNoXVHt3ctpCJ88eVKWlpY2nmpvb5ejR49GCuOw27S7HmHs7AAN+pASxdjU+tPw+jO17SStHII4QT3y/A8vWCNh96Qj4xe+cV/NNXW/sNwjFvcn3GqBGTa0g95I/ILaq25eb1rVRnJ+wVUzXJUFJv/+L6yRsHvSkfHAd34UaVW2iV9/VbOJsoxdXhRLr7q6R2nO7SgSSMiFTpw4YY2E3ZOOjJ977rmQpWzOVksQR7ULsqn2mvT7sFNPEIdtRz3bTM0dkcMFCOIGd/r/ev2q/PL9iQavZbP4P7t/UP7tE7usB7xGJmE/9dYSqGHfCNx1ChvuzjeBMKNEv7ZX64SZf/ovsvAv/6cp/VR87N9Iz5//p411+QVxtdGT/QYa9sNH1P7067Na+rwW1DfffFPOnz9fyyJ1zbt//3559NFHK/rCHZam7Nxh5vdBM2jUXO11VMtrqpZ5vV5TjdoG6urQlC5MEDe447713TMNXsPW4v/3f3hgy5u8V5h5BXWY0Iv6RpDkIB7/u6NN7aeh/3yyYn1Bb/bOmf36rRH9GfQGHOb5WmDDhFAt5YWZ1/5QE9a1lgALW6bf686v/mFH77WEZdCHdBPtDtMfeZyHIG5wr8c5InZ/And/0rffRJ0Efsdyw74IgwLF63mv9bvr5qxXLfOH7d44R8ReYVatb/xswi4TZOncXel3MlC1E+u8trOw/ZCUEbGzDX57lmrdDt2u1ULWr2yvwK72mgraY+Ksk7vfvOpb6/xh+z3v8xHECdsCTJ41nbCmRapOtVFepAINLGTyrOko1Qn6sBOlzLQuY/KsaVy3bgVJfP2ldVutVm+COIu9mpE22Z++49hdmWTCaqOSJNc76XXDtbKHeP01b4sliJtnzZoQQAABBBDYIkAQs1EggAACCCAQowBBHCM+q0YAAQQQQIAgZhtAAAEEEEAgRgGCOEZ8Vo0AAggggABBzDaAAAIIIIBAjAIEcYz4rBoBBBBAAAGCmG0AAQQQQACBGAUI4hjxWTUCCCCAAAIEMdsAAggggAACMQoQxDHis2oEEEAAAQQIYrYBBBBAAAEEYhQgiGPEZ9UIIIAAAggQxGwDCCCAAAIIxChAEMeIz6oRQAABBBDYCOKRkZF/XltbewoSBBBAAAEEEGieQKFQePn/AzysEmJ3HkxXAAAAAElFTkSuQmCC"/>
+          <p:cNvSpPr>
+            <a:spLocks noChangeAspect="1" noChangeArrowheads="1"/>
+          </p:cNvSpPr>
+          <p:nvPr/>
+        </p:nvSpPr>
+        <p:spPr bwMode="auto">
+          <a:xfrm>
+            <a:off x="0" y="0"/>
+            <a:ext cx="304800" cy="304800"/>
+          </a:xfrm>
+          <a:prstGeom prst="rect">
+            <a:avLst/>
+          </a:prstGeom>
+          <a:noFill/>
+          <a:extLst>
+            <a:ext uri="{909E8E84-426E-40DD-AFC4-6F175D3DCCD1}">
+              <a14:hiddenFill xmlns:a14="http://schemas.microsoft.com/office/drawing/2010/main">
+                <a:solidFill>
+                  <a:srgbClr val="FFFFFF"/>
+                </a:solidFill>
+              </a14:hiddenFill>
+            </a:ext>
+          </a:extLst>
+        </p:spPr>
+        <p:txBody>
+          <a:bodyPr vert="horz" wrap="square" lIns="91440" tIns="45720" rIns="91440" bIns="45720" numCol="1" anchor="t" anchorCtr="0" compatLnSpc="1">
+            <a:prstTxWarp prst="textNoShape">
+              <a:avLst/>
+            </a:prstTxWarp>
+          </a:bodyPr>
+          <a:lstStyle/>
+          <a:p>
+            <a:endParaRPr lang="pt-BR"/>
+          </a:p>
+        </p:txBody>
+      </p:sp>
+      <p:graphicFrame>
+        <p:nvGraphicFramePr>
+          <p:cNvPr id="7" name="Gráfico 6"/>
+          <p:cNvGraphicFramePr>
+            <a:graphicFrameLocks/>
+          </p:cNvGraphicFramePr>
+          <p:nvPr/>
+        </p:nvGraphicFramePr>
+        <p:xfrm>
+          <a:off x="1917290" y="1042834"/>
+          <a:ext cx="5314335" cy="3538998"/>
+        </p:xfrm>
+        <a:graphic>
+          <a:graphicData uri="http://schemas.openxmlformats.org/drawingml/2006/chart">
+            <c:chart xmlns:c="http://schemas.openxmlformats.org/drawingml/2006/chart" xmlns:r="http://schemas.openxmlformats.org/officeDocument/2006/relationships" r:id="rId3"/>
+          </a:graphicData>
+        </a:graphic>
+      </p:graphicFrame>
+    </p:spTree>
+    <p:extLst>
+      <p:ext uri="{BB962C8B-B14F-4D97-AF65-F5344CB8AC3E}">
+        <p14:creationId xmlns:p14="http://schemas.microsoft.com/office/powerpoint/2010/main" val="858933322"/>
+      </p:ext>
+    </p:extLst>
+  </p:cSld>
+  <p:clrMapOvr>
+    <a:masterClrMapping/>
+  </p:clrMapOvr>
+  <p:timing>
+    <p:tnLst>
+      <p:par>
+        <p:cTn id="1" dur="indefinite" restart="never" nodeType="tmRoot">
+          <p:childTnLst>
+            <p:seq concurrent="1" nextAc="seek">
+              <p:cTn id="2" dur="indefinite" nodeType="mainSeq">
+                <p:childTnLst>
+                  <p:par>
+                    <p:cTn id="3" fill="hold">
+                      <p:stCondLst>
+                        <p:cond delay="indefinite"/>
+                        <p:cond evt="onBegin" delay="0">
+                          <p:tn val="2"/>
+                        </p:cond>
+                      </p:stCondLst>
+                      <p:childTnLst>
+                        <p:par>
+                          <p:cTn id="4" fill="hold">
+                            <p:stCondLst>
+                              <p:cond delay="0"/>
+                            </p:stCondLst>
+                            <p:childTnLst>
+                              <p:par>
+                                <p:cTn id="5" presetID="10" presetClass="entr" presetSubtype="0" fill="hold" grpId="0" nodeType="afterEffect">
+                                  <p:stCondLst>
+                                    <p:cond delay="250"/>
+                                  </p:stCondLst>
+                                  <p:childTnLst>
+                                    <p:set>
+                                      <p:cBhvr>
+                                        <p:cTn id="6" dur="1" fill="hold">
+                                          <p:stCondLst>
+                                            <p:cond delay="0"/>
+                                          </p:stCondLst>
+                                        </p:cTn>
+                                        <p:tgtEl>
+                                          <p:spTgt spid="521"/>
+                                        </p:tgtEl>
+                                        <p:attrNameLst>
+                                          <p:attrName>style.visibility</p:attrName>
+                                        </p:attrNameLst>
+                                      </p:cBhvr>
+                                      <p:to>
+                                        <p:strVal val="visible"/>
+                                      </p:to>
+                                    </p:set>
+                                    <p:animEffect transition="in" filter="fade">
+                                      <p:cBhvr>
+                                        <p:cTn id="7" dur="500"/>
+                                        <p:tgtEl>
+                                          <p:spTgt spid="521"/>
+                                        </p:tgtEl>
+                                      </p:cBhvr>
+                                    </p:animEffect>
+                                  </p:childTnLst>
+                                </p:cTn>
+                              </p:par>
+                            </p:childTnLst>
+                          </p:cTn>
+                        </p:par>
+                      </p:childTnLst>
+                    </p:cTn>
+                  </p:par>
+                </p:childTnLst>
+              </p:cTn>
+              <p:prevCondLst>
+                <p:cond evt="onPrev" delay="0">
+                  <p:tgtEl>
+                    <p:sldTgt/>
+                  </p:tgtEl>
+                </p:cond>
+              </p:prevCondLst>
+              <p:nextCondLst>
+                <p:cond evt="onNext" delay="0">
+                  <p:tgtEl>
+                    <p:sldTgt/>
+                  </p:tgtEl>
+                </p:cond>
+              </p:nextCondLst>
+            </p:seq>
+          </p:childTnLst>
+        </p:cTn>
+      </p:par>
+    </p:tnLst>
+    <p:bldLst>
+      <p:bldP spid="521" grpId="0"/>
+    </p:bldLst>
+  </p:timing>
+</p:sld>
+</file>
+
+<file path=ppt/slides/slide13.xml><?xml version="1.0" encoding="utf-8"?>
+<p:sld xmlns:a="http://schemas.openxmlformats.org/drawingml/2006/main" xmlns:r="http://schemas.openxmlformats.org/officeDocument/2006/relationships" xmlns:p="http://schemas.openxmlformats.org/presentationml/2006/main">
+  <p:cSld>
+    <p:spTree>
+      <p:nvGrpSpPr>
+        <p:cNvPr id="1" name="Shape 520"/>
+        <p:cNvGrpSpPr/>
+        <p:nvPr/>
+      </p:nvGrpSpPr>
+      <p:grpSpPr>
+        <a:xfrm>
+          <a:off x="0" y="0"/>
+          <a:ext cx="0" cy="0"/>
+          <a:chOff x="0" y="0"/>
+          <a:chExt cx="0" cy="0"/>
+        </a:xfrm>
+      </p:grpSpPr>
+      <p:sp>
+        <p:nvSpPr>
+          <p:cNvPr id="521" name="Google Shape;521;p58"/>
+          <p:cNvSpPr txBox="1">
+            <a:spLocks noGrp="1"/>
+          </p:cNvSpPr>
+          <p:nvPr>
+            <p:ph type="title"/>
+          </p:nvPr>
+        </p:nvSpPr>
+        <p:spPr>
+          <a:xfrm>
+            <a:off x="723900" y="24917"/>
+            <a:ext cx="7696200" cy="572700"/>
+          </a:xfrm>
+          <a:prstGeom prst="rect">
+            <a:avLst/>
+          </a:prstGeom>
+        </p:spPr>
+        <p:txBody>
+          <a:bodyPr spcFirstLastPara="1" wrap="square" lIns="91425" tIns="91425" rIns="91425" bIns="91425" anchor="t" anchorCtr="0">
+            <a:noAutofit/>
+          </a:bodyPr>
+          <a:lstStyle/>
+          <a:p>
+            <a:pPr marL="0" lvl="0" indent="0" algn="ctr" rtl="0">
+              <a:spcBef>
+                <a:spcPts val="0"/>
+              </a:spcBef>
+              <a:spcAft>
+                <a:spcPts val="0"/>
+              </a:spcAft>
+              <a:buNone/>
+            </a:pPr>
+            <a:r>
+              <a:rPr lang="pt-BR" sz="3600" dirty="0">
+                <a:latin typeface="+mj-lt"/>
+              </a:rPr>
+              <a:t>Soja</a:t>
+            </a:r>
+            <a:endParaRPr sz="3600" dirty="0">
+              <a:latin typeface="+mj-lt"/>
+            </a:endParaRPr>
+          </a:p>
+        </p:txBody>
+      </p:sp>
+      <p:sp>
+        <p:nvSpPr>
+          <p:cNvPr id="2" name="AutoShape 1" descr="data:image/png;base64,iVBORw0KGgoAAAANSUhEUgAAAeIAAAEiCAYAAAAlAdEXAAAgAElEQVR4Xu3daYwc553f8X/P1XNxrqYoUpQoiRQPiVQsUwdlyyvL3pUlA7vCIovAAO3FJnGAvF3rXd7si7xJkBfaV1kggB3kRTywESCr0GtbPlfWYVsri5IlkiKHpERSBw/NxeHcZ/Cvnpqprqnqqq5+uuv6FjCYme6qp57n81T3r5+q6qqCMCGAAAIIIIBAbAIFXfNHH320Njs7G1slWDECCCCAAAJ5FCgUCi9bQXzu3Lm1AwcO5NGANiOAAAIIIBCbwMjIiBDEsfGzYgQQQACBvAsQxHnfAmg/AggggECsAgRxrPysHAEEEEAg7wIEcd63ANqPAAIIIBCrAEEcKz8rRwABBBDIuwBBnPctgPYjgAACCMQqQBDHys/KEUAAAQTyLlBzEB8/ftwyGx4errCzH3c/5/d43uFpPwIIIIAAAipQUxBrqGoA279tQr//g+ajCxBAAAEEEMi7QE1BHBS87ucJ4rxvXrQfAQQQQCBIgCAOEuJ5BBBAAAEEGihAEDcQl6IRQAABBBAIEiCIg4R4HgEEEEAAgQYKJD6I5xZW5KPr3J6xgdsARSOAAAII1ClQ6u+QUn8xUik1BbHzq0j22uyvMfH1pUj+LIQAAgggkHOBmoI451Y0HwEEEEAAAeMCBLFxUgpEAAEEEEAgvABBHN6KORFAAAEEEDAuQBAbJ6VABBBAAAEEwgsQxOGtmBMBBBBAAAHjAgSxcVIKRAABBBBAILwAQRzeijkRQAABBBAwLkAQGyelQAQQQAABBMILEMThrZgTAQQQQAAB4wIEsXFSCkQAAQQQQCC8AEEc3oo5EUAAAQQQMC5AEBsnpUAEEEAAgXoEXj43KSfeGZUbtxZlx7YOee6h7fLUwYF6ikz0sgRxoruHyiGAAAL5EtAQ/v4b12RucXWj4V0dLfLNYzszG8bGgpi7L+XrxUJrEUAAgUYIPP/DC9ZI2D3pyPiFb9zXiFXGXqaRINYQtm+HqC2y//d7PPZWUwEEEEAAgUQKfOu7Zzzr9a+P3ib6k8WJIM5ir9ImBBBAIKUCf/uD8zI6vcSIuNb+Y0RcqxjzI4AAAgi4BX59dkL+78nPZHJ2ueKp9taC/M0Xd3GMOGiTcR4j1nl1VzW7poPUeB4BBBBA4K3Lt+SlU+Py/tWZLRiD3W3yVw/vyGwIa4ON7Jp2y3GMmBcWAggggECQwIUbc/LSqTH5/QdTFbMeuL1bnj0yJI/d2xdURCaeNx7EzlGwqRHxyJVbmcCmEQgggAACIpNzy/LG5Wl5w/XePtTdJsf2bJNH9/SmjqnU3yGl/mKkehsJYr+vLmmNqj0XqcYshAACCCCQSoHF5VV56fS4tRt6am7zOHBne4s1An7mcEm2dbamsm31VNpIENdTAZZFAAEEEMi+wG9GJuVnp8blyvh8RWO/cmhQnjk8JHcORhtNZkGOIM5CL9IGBBBAIKEC73w0LT87NSbvfVJ5ItbRPdusUfADd/QktObNqxZB3Dxr1oQAAgjkRuDD0XkrgF+7cLOizftu67IC+Av7+nNjEdRQgjhIiOcRQAABBEILjM8sWbugf/zeWMUy23vby8eBj5SkELq0fMxIEOejn2klAggg0FCBldU1+dnpcfnJe2MVF+TQi3E8e6RkHQce6G5raB3SWjhBnNaeo94IIIBAQgRev3BTfnpqTC6NVp6I9eSBASuA7y51JqSmyawGQZzMfqFWCCCAQOIFTn0yY12QQ0/Ick6fu6tXnj08JA/emb7vA8eBThDHoc46EUAAgRQLfDQ+b30XWL+S5Jzu2d4pzx4uyZf2cyJWLd1LENeixbwIIIBAjgX0Ihx6QY4f/XFU1tY2IfR60NZx4CND0tbCqVi1biIEca1izI8AAgjkUEBPxPqnd0dlYmbzilgtBT0RS8+EHpJST3sOVcw0mSA240gpCCCAQCYF9IYMeib0B5/NVbTvifv6rQDeu70rk+1uZqMI4mZqsy4EEEAgJQJ6S8KfnhqXk5crb7pzZHePdRz4oRTemCGp9ARxUnuGeiGAAAIxCHw6uWCdiPXrsxMVa79rqGgF8JcPDsRQq2yvkiDOdv/SOgQQQCCUwMzCinUi1ol3RkUvzmFPfV1t1leRdDd0sa0lVFnMVJuAsSD2u90ht0GsrUOYGwEEEGi2wC/fn7DOhB6bXqpYtV6MQwN4x7aOZlcpV+szEsQatsPDwxtw9v9+j+dKmMYigAACCRV489It60zoizcqT8R6fG+fdU3o/Ts4EasZXUcQN0OZdSCAAAIJEhi5PmudCf2HS5UnYt2/q8f6OtLDd29LUG2zXxUjQaxMXrugGRFnfwOihQggkB6B61OL1jWhf3mm8kSsOwaKVgB/9dBgehqToZoaCWJ2TWdoi6ApCCCQOYH5pVXrRKwX3/5Mllc2T8TqKbaun4hVku4OTsSKq+NTEcQjVyp3n8SFxXoRQACBtAm8/cmMvPrBlEzObV4RS9vwyF29cuzubVLi1oRGurTU3yGl/mKkslIRxJFaxkIIIIBAjgXevnJLTvxxVM5frzwR69F79ESsITm0szvHOslqupEg9jtGXO3xZDFQGwQQQCAbAnopyh+9OyZvfjhV0aADt3dbx4Efu7cvGw3NUCuMBXGGTGgKAgggkDoB/Q7wj98bk5+fHq+o++19HVYAP/3AUOralJcKE8R56WnaiQACmRTQk69+cmpMXnx7VBaXVzfa2NneUr4z0uGSbOtszWTbs9IogjgrPUk7EEAgdwKvnp+Uf3x7VG5MLVa0/SuHBkWvinXnYLSTh3IHGXODCeKYO4DVI4AAArUKvPvxtPy/d0bl3LXZikWP7tlmjYIfuKOn1iKZP0YBgjhGfFaNAAII1CJweWzeOhP6jQ8qT8Tad1uXFcBf2NdfS3HMmxABgjghHUE1EEAAAT+Bydll+dG7o/KzU5UnYm3vbS8fBz5SkgJ8qRUgiFPbdVQcAQSyLrC2JvLj90atE7H06lj21N5akGePlKzjwANckCP1mwFBnPoupAEIIJBFgdcu3LQuSXntZuWJWE8eGLAC+O5SZxabncs2EcS57HYajQACSRU4/emM/OPbn8nZq5UnYn3url7rutAP3tmb1KpTr4gCBHFEOBZDAAEETAp8PLFgnQn9u4s3K4q9Z3unPHu4JF/az4lYJr2TVBZBnKTeoC4IIJA7gVvzK9aZ0D99b6yi7YPdbeXjwEeGpK2FU7GyvGEQxFnuXdqGAAKJFvjJe2PWbui5xc0TsVoKeiKWngk9JKWe9kTXn8qZESCIzThSCgIIIBBa4LcX9USsUfl0cqFimSfu67cCeO/2rtBlMWP6BYwE8fHjx7dIDA8PW485n7MfSz8bLUAAAQRqFzhzdcYK4DOfzlQsfGR3j3Uc+KE9nIhVu2r6lzASxG4GDV8NXfu3/bz7//Tz0QIEEEAgWODqzQXrmtC/vVB5ItZdQ0UrgL98cCC4EObIrIDxIHaGLUGc2e2m4Q17+dyknHhnVG7cWpQd2zrkuYe2y1O8WTXcnRWYFdBjvy++85n8+N3KE7H6utqsryLpbuhiW4vZlVJa6gQI4tR1WfYrrCH8/TeuVZzA0tXRIt88tpMwzn73Z6aFP12/NeHMwkpFm/RiHBrA+gGTCQEVMBrEQSNgdk2z0YUReP6HF6yRsHvq72qT//pX+7i3ahhE5mmagHvvjR7vPXd9Vj6ZqDwR6/G9fdY1offv4ESspnVOSlaUiiAeuXIrJZxUsx6BWwsr8uaVaXntw8o7y7jLvK2nXfYMFeXuwfLPtiI3Pa/HnWWjC7z9yYz8/NykLCxvfv3IXdo9Q0V5bM82OUQAR4dOwZKl/g4p9Ue7/7OxIPYa7QaNkFNgSxWbIKBnkP7izIS8eal6APtV5fa+Drl/V7cc2tkjh3Z1i96RhgmBRgt8ODov/+2ly6IX5PCa7hgoWt8H/uqhwUZXhfJTLtDQIFYbvr6U8i2kgdX/1fsT8vMz41t24Xmtsq21YB1T09vBzS56v/HZy2kQayBrMGtAa1AzIVCPwNT8sly8MS8XP5uzfj64MSczVbZD3e6+8/Qe6e7gRKx63POyrLEgzgsY7axP4NrUovzi9Lj8+uyELK2sbSls92BRHr+3TwoFkVdGbm45a/rG1KJ8ODYvl0b1Z04ujc37jkjswvVSgYd29cihnd1WQO8eiLb7qL6Ws3SaBD4a19Cdl4s3ysF7ZXy+purrh8YXvnFfTcswc34FCOL89n1TW/72lVvW7ud3P572XO9Dd/XKsb19cmxvv3S0hr+u7uj0khXKH66Hsv59c265atu2dbbK/Y5g3jPE7eSaujEkbGW6h8Ua6doj3huzMuWzu9lZdb0PcF9nm+h3hJ0fKjnDP2EdnILqEMQp6KS0VlHfnHTX86/OTHieBd1bbJXH9/XJ4/f2WyNVE9PE7LJ8+Fl5pKzH8C6NzcnETPVg7u5oXd+V3W3tyr6Xywua6IrElqGXlSzvYi6PePVDXJhJ74Kk28a91u/y3zrxnfcwesxTTYAgZvswLnB5bF5+cWZcfjMyKWtb9z5bb2D6VQ4dATf6xKrphRW5cGOuvCt7rPxbR9HVJr3AQvkYs+7K7uHrJsa3kOYVuLi8uj7aLQfv+Ruz1nkGQZNecGNvRfB2yWBPW9BiPI9AJAGCOBIbC3kJ/P6DKfn56XEZuV55Q3N73sfuLYfvsXv7YgPUr5mMXJt1HGee9xytOyvY2lJYPyu7HMwa0EzJFNDvn9vHdfUDmP6Eme4ubY5y7dGunqfAhEAzBAjiZihneB361Q0d/eruufGZrSNNPY72xX391gh4723Ju5DB6tqanL06a+3Gto8zX7u59WIi7i60R8v6W3dna1gzNVdgZXVt4yxmDd/zN+ZkLGBvh9awp9gq9+2wdzGXfw9xu8Hmdh5rqxAgiNkgIgnoqFdPvvrdxcqL2NuFaUCVT77qs05oSdN0/vpseXf2+nFm963qvNqiV0tynpnN9YPN97h+0CufVFUO3fPX50Q/SAVNdw4WZZ8VvJvHd/Wev0wIJEWAIE5KT6SkHr85N2l99UjfEL2mL+3vl2P39svnM3Q7Nz2urJcstI8zfzReeelCLwd90y9fZKT8lSk9IYypNoEP1r+zqx+KNHj1q2tBU2d7i+zf0S17b9s8sarEBV6C2Hg+ZgGCOOYOSMPq9eQm3f386vmbMuXx1SA94epP9g9Yo18dfWR9+nhiQc7qcWb9ytTovOjJaUGTfkXKPgFMvzqlX6Fi2hTQr5xVjnZnPb9n7jbb1d8h+2/XM903g5fDBGxZaRMgiNPWY02s73sfT8sv35+Qty57X+v7wd291teP9OQrHYnkdbo+tWgFc/mrMOWzs4P2mOpFRZxnZutFR/I06QUyNncxz8rVEMfl21sLVug6j+82+qz7PPUJbY1PgCCOzz6Ra9YA0e/+vjIy6TvS02vn6slXD9zRk8g2xF0pPZapwaxnZ9vHmfXEompTlq+XrbcB1NGutYv5uu5mnpX5Jf+bJNhOO/o6rK+OOY/vtnFSXNybN+tvgABB3ADUNBb5yeSCtfv5dxenxH3/VG2P7gJ88kB59zP3Ua2th/XM8rPXZjbOztYR8+Jy9WBO8/WydVtyjnZ1V37QpCdP7b+9ywpePbtej7Hfto2bdwS58Xw2BAjibPRj5Fb84dItefnchLzzkfelJz+/Z5t8Ua9+tbffuv4zU/0Cc0urcu7arJy9OiMX9Cpgo/OBI8SkXi9bv5dtf19XzzbXk6q8Psi51fQEKg1d5/Fd3fXMhEAeBYwGsdedlrj7UvI2Kw0CvfHCby/eFK/Rit7p6M/uH7J2P+vxOKbGCiyvlr/LrOGsXwvT48xBd5iK63rZejxcw/bCeuiGOVFN9XQ7ch7fZa9KY7cpSk+XgLEg5n7Eye94/TrIP5+dtALY60bmdw0V5amDg9bJV3ohDqb4BKwR87VyOOvZ2X73vLVr2IjrZesHBGu0ux66GsBeZ827lXTb0a8Q6a5m+/huLTfyiE+dNSMQj4CRIPYKYW2O+3G/+eJpen7W+tqFm/La+Uk59cmMZ6P10pNP3NcvD9+9LT8oKWupfojSYLbPzg66w5TX9bKDbk6gX1PTk6ku3CjvYtZ1hpn0eK7z+C73fw6jxjwIbAoYC2In6vDwsPUvQRzfpqYXtv/V2fKVr7wu2djV3iJPHy7vfuY2gPH1U9Q160VFrBPA1ndnB91hyrqSVEFk1XH2tob1Q3t6ra9a6fFdvXNV0NTX2Sr33d69cXxXb4zQ0Zbfr64FefE8AmEEjAWxHb7OACaIw3SB2Xnevzojr4zctAJYdy26Jx29fPXQgHXyld43lSkbAvphqzxiLp+dHXSHqbCt3lPqLIfu+q5mRrth5ZgPgfACqQjikSveF5QI38zsz/nWx9Ny6uqsXPb5qsiDu7rlc3f0yN5SZ/YxaKHcnF+xtoUrE/PW77GAezIrmV6U5c7+DrlroCh3DnTI7v6icGyXjQmBcAKl/g4p9Ue7smAqgjgcQ/7m0jNY9drPevKV1whIz6z92gND8oV9/bKzvyN/QLR4Q+Bvf3DecxvR8P3rL+y0Rr13DER7E4EZAQTqEzASxPbuaLsq7t3UXo/XV+18L/32lWkrfP3ufHTg9m750/vLV7/iurv53lbs1uuJWt9/45rMLW5e0UoPTXzz2E556uAASAggEKOAsSCOsQ25WPXSypp14Y3fXpyyTqzxmvTKV/qmqkHMhIBbIOisacQQQCAeAYI4HvfQa9WL4792vjz69TqrdbCnzdr9rF8/4ubmoVmZEQEEEEiMAEGcmK6orMibl25Z4fsvH0551lBvuKAB/Mg9fPc3oV1ItRBAAIFQAgRxKKbmzDS9sCKvjkxaN174YNT7Ygp67PcrhwblHs5+bk6nsBYEEECgwQIEcYOBwxSvlxHU0a+egOV1KUO9Lu/Thwflyf0D0lPkhvJhTJkHAQQQSIsAQRxjT/3+gykrfE9e9v6e9L+6s1e+dnhIHrqrN8ZasmoEEEAAgUYKEMSN1PUoe2x6af2rR1OiJ2K5J70SoR771V3QfK+zyZ3D6hBAAIEYBAjiJqHr5Qd197P+zDq+y2mvXkNXA/jLBweE+7I2qVNYDQIIIJAAAYK4gZ2gF9N/XcP3wk3548fTnmvSOx49/cCQHNnd08CaUDQCCCCAQFIFCOI6e8brIgn37+peP/lqSj6dXNiyho62ghW++rO9t73OGrA4AggggECaBQjiOnrP67KBbS0Fq0SvOx/pnWx09zOXFKwDnUURQACBjAkQxHV06PM/vCA3bi0GlnBsb58VwAd3cunJQCxmQAABBHImQBDX0eHf+u4Z36W7O1rla4cHrd3P/V1tdayFRRFAAAEEsixgJIiPHz++xci+A5PzOeddmbKA6jci7utsk3/41oEsNJE2IIAAAgg0WMBYEHuFrIaw+5aIWQpjbi3X4K2T4hFAAIEcCBDEdXYyt5arE5DFEUAAgZwLGAtip6Nzt3SWR8Q533ZoPgIIIICAAQEjQeyuh71LOuu7pg34UwQCCCCAQM4FCOKcbwA0HwEEEEAgXgEjQew38jU1Ih654n13onjpWDsCCCCAAAJlgVJ/h5T6i5E4jASxrtnva0pZ/vpSJHEWQgABBBBAwCFgLIhRRQABBBBAAIHaBQji2s1YAgEEEEAAAWMCBLExSgpCAAEEEECgdgGCuHYzlkAAAQQQQMCYAEFsjJKCEEAAAQQQqF2AIK7djCUQQAABBBAwJkAQG6OkIAQQQAABBGoXIIhrN2MJBBBAAAEEjAkQxMYoKQgBBBBAAIHaBQji2s1YAgEEEEAAAWMCBLExSgpCAAEEEECgdgGCuHYzlkAAAQQQQMCYAEFsjJKCEEAAAQQQqF3AaBDbd1oaHh7eqAl3X6q9U1gCAQQQQCA/Ag0NYlP3I85Pd9BSBBBAAIG8CRgLYjt0neFLEOdtc6K9CCCAAAK1ChDEtYoxPwIIIIAAAgYFjASx3yiYEbHBnqIoBBBAAIFMChgLYreOnrBFEGdym6FRCCCAAAIGBYwEsbM+jThGPHLllsEmUxQCCCCAAAJmBUr9HVLqL0YqtKFBrDXi60uR+oWFEEAAAQRyImA8iHPiRjMRQAABBBAwIkAQG2GkEAQQQAABBKIJEMTR3FgKAQQQQAABIwIEsRFGCkEAAQQQQCCaAEEczY2lEEAAAQQQMCJAEBthpBAEEEAAAQSiCRDE0dxYCgEEEEAAASMCBLERRgpBAAEEEEAgmgBBHM2NpRBAAAEEEDAiQBAbYaQQBBBAAAEEogkQxNHcWAoBBBBAAAEjAgSxEUYKQQABBBBAIJoAQRzNjaUQQAABBBAwIkAQG2GkEAQQQAABBKIJGAtiv9sdchvEaB3DUggggAAC+RAwEsQatsPDwxti9v9+j+eDllYigAACCCAQLGAkiN2rIYiD4ZkDAQQQQAABFTAWxF67oBkRs5EhgAACCCBQXcBYEDtXw4iYzQ4BBBBAAIFwAqkI4pErt8K1hrkQQAABBBCIQaDU3yGl/mKkNRsJYk7WimTPQggggAACCDT2GLH68vUltjIEEEAAAQT8BYyMiAFGAAEEEEAAgWgCBHE0N5ZCAAEEEEDAiABBbISRQhBAAAEEEIgmQBBHc2MpBBBAAAEEjAgQxEYYKQQBBBBAAIFoAgRxNDeWQgABBBBAwIgAQWyEkUIQQAABBBCIJkAQR3NjKQQQQAABBIwIEMRGGCkEAQQQQACBaAIEcTQ3lkIAAQQQQMCIAEFshJFCEEAAAQQQiCZAEEdzYykEEEAAAQSMCBDERhgpBAEEEEAAgWgCxoLY7y5L3H0pWsewFAIIIIBAPgSMBDH3I87HxkIrEUAAAQTMCxgJYne17GD2C2jzzaBEBBBAAAEE0ilAEKez36g1AggggEBGBIwHsXMUzIg4I1sJzUAAAQQQaJiA0SAOCl7382FbNXLlVthZmQ8BBBBAAIGmC5T6O6TUX4y0XmNB7BWyQcEcqcYshAACCCCAQIYEjASx8ytKts3w8LD1J19fytDWQlMQQAABBIwLGAli47WiQAQQQAABBHIiQBDnpKNpJgIIIIBAMgUI4mT2C7VCAAEEEMiJAEGck46mmQgggAACyRQgiJPZL9QKAQQQQCAnAgRxTjqaZiKAAAIIJFOAIE5mv1ArBBBAAIGcCBDEOelomokAAgggkEwBgjiZ/UKtEEAAAQRyIkAQ56SjaSYCCCCAQDIFCOJk9gu1QgABBBDIiQBBnJOOppkIIIAAAskUIIiT2S/UCgEEEEAgJwLGgti+y5J91yXbj7sv5WRLopkIIIAAApEEjASxfd/hoPsPe92zOFKtWQgBBBBAAIGMCBgJYufo1zkiDgrmLBhevHhRTp8+LdPT09Lb2yuHDx+Wffv2ZaFptAEBBBBAoAkCBHEdyBrCJ0+elKWlpY1S2tvb5ejRo4RxHa4sigACCORJgCCuo7dPnDhhjYTdU0tLi/T19YmGsv50dHQE/u2cr44qsSgCCCCAQMoEUhHEI1duJZL1D6/9qCH1am1rl9bWNvH73RbwvC7HhAACCCDQPIFSf4eU+ouRVpiKII7UsiYs5DcibsKqA1fhHomnbWTOsffALmYGBDIrkLfXv5Egdn5Fyd4y7JO2svz1Jb9jxHrC1q5du6xjx86fxcXFLY/ZzzufW1tbS8QLLK4w59h7IrqfSiAQi0AeX/9GgjiW3krISk1/ctMQ1nD2Cm2/IPd6PM1h/vrrr8vs7OyWHtaz0p977rmE9DzVQKAsYPo9IO+ufnsas/z6J4gzuNXbYe4V6O7QrjZKT0qY212kJ7319PRIW1tbxY+O3Gt9TE+oY0KgXoE0j95WV1fF/bOysrLlMa/59LGw84adzy7T60O49tODDz5o/WRxIoiz2KsG2uQM86BArzZ6N1CVhhShQWyHd5Qgdwa/c/mGVNZQoYzcDEE6ivEbvekHxmeeecYKtVqDyC/4nI+bKNO8RmNLZETcWF9Kz7BA0Ajc+bz998zMjMzNzUnSRuRhuqlauOtzUULfxOg9zSM33Q5qDaGgoAp6PkyAahnz8/NhNgvmqVOgtbVVHnnkkcxen4ERcZ0bCIs3RsA5etPRxcGDB2X37t2yvLy85UdH7O7Hgx7TN9q0TCZG737H3dX261//eqiRm6nwChrxudeTxg9kadi2dLty/2jgeT1ez7xRyrx8+bKcPXtW9EN5Hq5YSBCn4RVDHY0LaBjY4R0U2tXm0+ecyxuvKAWmUsDeM6IBFiWIgsLQRJmphM1opQnijHYszYpHoJbQDvtBIE2j90aoFwqFilFamBAKmifo+TABapeho7f333+f6803ovNzUiZBnJOOTlszF956UeZe+Z6sTnwiLYO7pevJb0vx4b9MWzOM1NfE6N3vuLu927uW4Kk2WgsKuKDnveqhQcyEQJYFCOIs925K26YhPPvSC7K2sHkd70KxV7qffT63YWyiKzlr2oQiZTRDIG8fxAniZmxVrKMmgcm//wtrJOyedGQ88J3GXN+7pgqmdOa8vbmltJtyX+08fhAniHO/2RsEWF2RtcVZWVucW/89K6J/L+hjlY/rPGI95njcmm9OVq6d865UW1FaOntFWtul0Npu/ZbWto2/y4+1VTxvP7Y5//qybZvLbZbnLitC+QY5TRaVxzc3k37VysrdB5yVJVlbWpC15QUR6/e89b8sL1T81sfLz68/vj5vxWPWc/OOshZk5bNLIqvLufogThDX+WpN64twbXlxPQg3Q9MOUFkPxHJIegRrxWN2oM5ZL6jcTxsfEgyEul2WgQ8NU9/7tqxOXs3Vm1sztsXYP+CsrlpBGBRum8/PbwTmZnhWBqHnvI7QlZi++tf1lf8o+pPFiSCuo1eb9SLcCEjHSNM56twcXdqhuvm7POqsfNwapWoQMyHQ0lLeo1BoFdHLfp6HyQkAAArtSURBVK7/LhRaRFpaRdZ/V/5fnq+g82/M43jMUZY1T1BZLa3iXp8uU152s15Vy3KsJ3xZdtnldlSub/0xz7pv1uvmf/+G92GU/p2y7d/9j42ADAw3HS1GGWWuLOVmG87yoamGB3GW777keyxzYJds+5t/sALQKwj9HrcC0is4V7bupknkq0/f1Du6HT9dIhv/d5UfL+rz5b/Lz60/bs9XLC+zdPY3Mv/GD2R14lPrrOnOJ/5aig8+K2v6xqO7xtZ/y8qy67HliufL823Os7HsssdjW8qqXNYuy7n+LeUnsmOoFALmBAptHSJtRSm0F0XaOq3f5b/Lvwttm39vPK+P2c+t/7bms/92LL947lWZf+V/Wu+F9pT1kzUbGsQawvbtEBXU/b+5TSOeksb/7mg8KzaxVt3t6QzCqgG5HpzWPO7wdISqvpjyPm18SHB/QIgQ6nZZBj40rM1Py9rijEhCbrGZ983EWPt1JG+HYntnOQQrwm09KCuC0PGYMzzdQWmHo7vMljZj1fcrKK2H/KLCEMRR5UTEb0RcR5Gei1qfNt0jS0cgik9AVizjmsc60YkpVwJb3tz+5N9L8fN/Lmt6zG9tRaxjf+u/19ZWRVZXRNZ/V/5fns9abmMex2OOssplB5SlJ/m55tFl3PWqWpZjPeHLsttcrl/l+tYf86y7w2tlUdbce6wKBSl09kpL14BrFFgOwI2Ro2NEuTma7KwM0o0R5tZAtcridZyJ1zBBXEc3eh0jFilIodgjLT2D5fAsuna9drh217oD0mN3rXXsjgkBBBIpkLfRWyI7IeWVIojr7EBehHUCsjgCCCCQcwGCOOcbAM1HAAEEEIhXIPFBPDY2JvrDhAACCCCAQFIFSqWS6E+UqaFBrBXK8teXooCzDAIIIIAAAk6Bhgcx3AgggAACCCDgL0AQs3UggAACCCAQowBBHCM+q0YAAQQQQIAgZhtAAAEEEEAgRgGCOEZ8Vo0AAggggABBzDaAAAIIIIBAjAIEcYz4rBoBBBBAAAGCmG0AAQQQQACBGAUIYsdFR5y3bIyxTzYugpKU+kS1sC/mkpR2ZOHiMphG3RqrL5c0V61tEutUi36S6u987dttSMr7ktYn90HsvEdyEu6XbNchCXWp5UXnnjeprnY90+iLaT1bpP+ySXN1bqP6d5ICI2wPJM006a93gvj4cd8N3W8E5QxLrxdKteW8Po15zZ/0DSfoBVmt/nG6ZiWIvT74+G1b+kbuNzoxsa2m2dQeefqFXVzbato/kCft9Z/0DzS5D2K/F6J7Q3J/wnN2bJhPf0Hlud8I0h7ESXXNYmgEbVuN3Fb9girog1rSnvd6vcXtan+ASuOIOGmvf/eu6aSZEsTr7wheLzr3m4XdebW8QP3e+IPCOwtB7PVidL8g/ELCvWy1EZ3zRRXkGjQCSlpAeNUnadtq2j/cVHuNxvEeEGYbTsN2mtTXfxLfAwhixxYd9gVQLYidL+paQiaLI2KvN7igXVZ+oYpr5VtvkrbVrASx14e/arusG7WtVvuwmpYAdtaTbTW413IfxH4bSb2BEfSiDto40z4iTqIrpuUzcb3Cpdr2GLYv0+obtn1+4VJthBXFtdp6gt/SkzFH0kzDDJ7ilMt9ENsvIufo1T36sv+vZdd0UHnVdqf67Q6Lc0OJsu5qu5Od5eEaXjdJps7Xjtf2Hr5V8c+ZNNcs7GVImqlzTwPHiON/zVEDBBBAAAEEEiPAiDgxXUFFEEAAAQTyKEAQ57HXaTMCCCCAQGIECOLEdAUVQQABBBDIowBBnMdep80IIIAAAokRIIgT0xVUBAEEEEAgjwIEcR57nTYjgAACCCRGgCBOTFdQEQQQQACBPAoQxHnsddqMAAIIIJAYAYI4MV1BRRBAAAEE8ihAEOex12kzAggggEBiBAjixHQFFUEAAQQQyKMAQZzHXqfNCCCAAAKJESCIE9MVVAQBBBBAII8CBHEee502I4AAAggkRoAgTkxXUBEEEEAAgTwKEMR57HXajAACCCCQGAGCODFdQUWCBI4fP27NMjw8LPq3/mZCoNkCed0O89ruZmxfBHEzlGNeh/0CskOskdVpZEDaZTvfEBrZlkaX7WfVSMMobUpafaK0weQySdgOna/pZryudR1JaLfJfkxSWQRxknqjAXVxv4nyptoA5IhFNjOIa+n3WuaN2HQWq1PA2Uf0V52YCVicIE5AJzir8PK5STnxzqjcuLUoO7Z1yHMPbZenDg5EqmWYF6jfaNn9uNenYa+RqV/w+83rbJh7V7NXHWqZPxJaiIUW3npR5l75nqxOfCItg7ul68lvS/Hhvwyx5NZZqn1QqrYnw29E5LWM17xhlndbB/WtPX8zDxlcvHhRTp8+LdPT09Lb2yuHDx+Wffv2ReoLe9Tn1W5n24JGo2H7zc+p2vLuOnodpqnlNV3L66medkfukJwsSBAnqKM1hL//xjWZW1zdqFVXR4t889jOSGEcFMRBIeB8o3AHqd8ncq8ytTF2WdXqVOun/GrzB7U9ardrCM++9IKsLUxvFFEo9kr3s89HCuNq4eb29zIMaxDkEaacatuL0zNoXVHt3ctpCJ88eVKWlpY2nmpvb5ejR49GCuOw27S7HmHs7AAN+pASxdjU+tPw+jO17SStHII4QT3y/A8vWCNh96Qj4xe+cV/NNXW/sNwjFvcn3GqBGTa0g95I/ILaq25eb1rVRnJ+wVUzXJUFJv/+L6yRsHvSkfHAd34UaVW2iV9/VbOJsoxdXhRLr7q6R2nO7SgSSMiFTpw4YY2E3ZOOjJ977rmQpWzOVksQR7ULsqn2mvT7sFNPEIdtRz3bTM0dkcMFCOIGd/r/ev2q/PL9iQavZbP4P7t/UP7tE7usB7xGJmE/9dYSqGHfCNx1ChvuzjeBMKNEv7ZX64SZf/ovsvAv/6cp/VR87N9Iz5//p411+QVxtdGT/QYa9sNH1P7067Na+rwW1DfffFPOnz9fyyJ1zbt//3559NFHK/rCHZam7Nxh5vdBM2jUXO11VMtrqpZ5vV5TjdoG6urQlC5MEDe447713TMNXsPW4v/3f3hgy5u8V5h5BXWY0Iv6RpDkIB7/u6NN7aeh/3yyYn1Bb/bOmf36rRH9GfQGHOb5WmDDhFAt5YWZ1/5QE9a1lgALW6bf686v/mFH77WEZdCHdBPtDtMfeZyHIG5wr8c5InZ/And/0rffRJ0Efsdyw74IgwLF63mv9bvr5qxXLfOH7d44R8ReYVatb/xswi4TZOncXel3MlC1E+u8trOw/ZCUEbGzDX57lmrdDt2u1ULWr2yvwK72mgraY+Ksk7vfvOpb6/xh+z3v8xHECdsCTJ41nbCmRapOtVFepAINLGTyrOko1Qn6sBOlzLQuY/KsaVy3bgVJfP2ldVutVm+COIu9mpE22Z++49hdmWTCaqOSJNc76XXDtbKHeP01b4sliJtnzZoQQAABBBDYIkAQs1EggAACCCAQowBBHCM+q0YAAQQQQIAgZhtAAAEEEEAgRgGCOEZ8Vo0AAggggABBzDaAAAIIIIBAjAIEcYz4rBoBBBBAAAGCmG0AAQQQQACBGAUI4hjxWTUCCCCAAAIEMdsAAggggAACMQoQxDHis2oEEEAAAQQIYrYBBBBAAAEEYhQgiGPEZ9UIIIAAAggQxGwDCCCAAAIIxChAEMeIz6oRQAABBBDYCOKRkZF/XltbewoSBBBAAAEEEGieQKFQePn/AzysEmJ3HkxXAAAAAElFTkSuQmCC"/>
+          <p:cNvSpPr>
+            <a:spLocks noChangeAspect="1" noChangeArrowheads="1"/>
+          </p:cNvSpPr>
+          <p:nvPr/>
+        </p:nvSpPr>
+        <p:spPr bwMode="auto">
+          <a:xfrm>
+            <a:off x="0" y="0"/>
+            <a:ext cx="304800" cy="304800"/>
+          </a:xfrm>
+          <a:prstGeom prst="rect">
+            <a:avLst/>
+          </a:prstGeom>
+          <a:noFill/>
+          <a:extLst>
+            <a:ext uri="{909E8E84-426E-40DD-AFC4-6F175D3DCCD1}">
+              <a14:hiddenFill xmlns:a14="http://schemas.microsoft.com/office/drawing/2010/main">
+                <a:solidFill>
+                  <a:srgbClr val="FFFFFF"/>
+                </a:solidFill>
+              </a14:hiddenFill>
+            </a:ext>
+          </a:extLst>
+        </p:spPr>
+        <p:txBody>
+          <a:bodyPr vert="horz" wrap="square" lIns="91440" tIns="45720" rIns="91440" bIns="45720" numCol="1" anchor="t" anchorCtr="0" compatLnSpc="1">
+            <a:prstTxWarp prst="textNoShape">
+              <a:avLst/>
+            </a:prstTxWarp>
+          </a:bodyPr>
+          <a:lstStyle/>
+          <a:p>
+            <a:endParaRPr lang="pt-BR"/>
+          </a:p>
+        </p:txBody>
+      </p:sp>
+      <p:sp>
+        <p:nvSpPr>
+          <p:cNvPr id="3" name="AutoShape 2" descr="data:image/png;base64,iVBORw0KGgoAAAANSUhEUgAAAeIAAAEiCAYAAAAlAdEXAAAgAElEQVR4Xu3daYwc553f8X/P1XNxrqYoUpQoiRQPiVQsUwdlyyvL3pUlA7vCIovAAO3FJnGAvF3rXd7si7xJkBfaV1kggB3kRTywESCr0GtbPlfWYVsri5IlkiKHpERSBw/NxeHcZ/Cvnpqprqnqqq5+uuv6FjCYme6qp57n81T3r5+q6qqCMCGAAAIIIIBAbAIFXfNHH320Njs7G1slWDECCCCAAAJ5FCgUCi9bQXzu3Lm1AwcO5NGANiOAAAIIIBCbwMjIiBDEsfGzYgQQQACBvAsQxHnfAmg/AggggECsAgRxrPysHAEEEEAg7wIEcd63ANqPAAIIIBCrAEEcKz8rRwABBBDIuwBBnPctgPYjgAACCMQqQBDHys/KEUAAAQTyLlBzEB8/ftwyGx4errCzH3c/5/d43uFpPwIIIIAAAipQUxBrqGoA279tQr//g+ajCxBAAAEEEMi7QE1BHBS87ucJ4rxvXrQfAQQQQCBIgCAOEuJ5BBBAAAEEGihAEDcQl6IRQAABBBAIEiCIg4R4HgEEEEAAgQYKJD6I5xZW5KPr3J6xgdsARSOAAAII1ClQ6u+QUn8xUik1BbHzq0j22uyvMfH1pUj+LIQAAgggkHOBmoI451Y0HwEEEEAAAeMCBLFxUgpEAAEEEEAgvABBHN6KORFAAAEEEDAuQBAbJ6VABBBAAAEEwgsQxOGtmBMBBBBAAAHjAgSxcVIKRAABBBBAILwAQRzeijkRQAABBBAwLkAQGyelQAQQQAABBMILEMThrZgTAQQQQAAB4wIEsXFSCkQAAQQQQCC8AEEc3oo5EUAAAQQQMC5AEBsnpUAEEEAAgXoEXj43KSfeGZUbtxZlx7YOee6h7fLUwYF6ikz0sgRxoruHyiGAAAL5EtAQ/v4b12RucXWj4V0dLfLNYzszG8bGgpi7L+XrxUJrEUAAgUYIPP/DC9ZI2D3pyPiFb9zXiFXGXqaRINYQtm+HqC2y//d7PPZWUwEEEEAAgUQKfOu7Zzzr9a+P3ib6k8WJIM5ir9ImBBBAIKUCf/uD8zI6vcSIuNb+Y0RcqxjzI4AAAgi4BX59dkL+78nPZHJ2ueKp9taC/M0Xd3GMOGiTcR4j1nl1VzW7poPUeB4BBBBA4K3Lt+SlU+Py/tWZLRiD3W3yVw/vyGwIa4ON7Jp2y3GMmBcWAggggECQwIUbc/LSqTH5/QdTFbMeuL1bnj0yJI/d2xdURCaeNx7EzlGwqRHxyJVbmcCmEQgggAACIpNzy/LG5Wl5w/XePtTdJsf2bJNH9/SmjqnU3yGl/mKkehsJYr+vLmmNqj0XqcYshAACCCCQSoHF5VV56fS4tRt6am7zOHBne4s1An7mcEm2dbamsm31VNpIENdTAZZFAAEEEMi+wG9GJuVnp8blyvh8RWO/cmhQnjk8JHcORhtNZkGOIM5CL9IGBBBAIKEC73w0LT87NSbvfVJ5ItbRPdusUfADd/QktObNqxZB3Dxr1oQAAgjkRuDD0XkrgF+7cLOizftu67IC+Av7+nNjEdRQgjhIiOcRQAABBEILjM8sWbugf/zeWMUy23vby8eBj5SkELq0fMxIEOejn2klAggg0FCBldU1+dnpcfnJe2MVF+TQi3E8e6RkHQce6G5raB3SWjhBnNaeo94IIIBAQgRev3BTfnpqTC6NVp6I9eSBASuA7y51JqSmyawGQZzMfqFWCCCAQOIFTn0yY12QQ0/Ick6fu6tXnj08JA/emb7vA8eBThDHoc46EUAAgRQLfDQ+b30XWL+S5Jzu2d4pzx4uyZf2cyJWLd1LENeixbwIIIBAjgX0Ihx6QY4f/XFU1tY2IfR60NZx4CND0tbCqVi1biIEca1izI8AAgjkUEBPxPqnd0dlYmbzilgtBT0RS8+EHpJST3sOVcw0mSA240gpCCCAQCYF9IYMeib0B5/NVbTvifv6rQDeu70rk+1uZqMI4mZqsy4EEEAgJQJ6S8KfnhqXk5crb7pzZHePdRz4oRTemCGp9ARxUnuGeiGAAAIxCHw6uWCdiPXrsxMVa79rqGgF8JcPDsRQq2yvkiDOdv/SOgQQQCCUwMzCinUi1ol3RkUvzmFPfV1t1leRdDd0sa0lVFnMVJuAsSD2u90ht0GsrUOYGwEEEGi2wC/fn7DOhB6bXqpYtV6MQwN4x7aOZlcpV+szEsQatsPDwxtw9v9+j+dKmMYigAACCRV489It60zoizcqT8R6fG+fdU3o/Ts4EasZXUcQN0OZdSCAAAIJEhi5PmudCf2HS5UnYt2/q8f6OtLDd29LUG2zXxUjQaxMXrugGRFnfwOihQggkB6B61OL1jWhf3mm8kSsOwaKVgB/9dBgehqToZoaCWJ2TWdoi6ApCCCQOYH5pVXrRKwX3/5Mllc2T8TqKbaun4hVku4OTsSKq+NTEcQjVyp3n8SFxXoRQACBtAm8/cmMvPrBlEzObV4RS9vwyF29cuzubVLi1oRGurTU3yGl/mKkslIRxJFaxkIIIIBAjgXevnJLTvxxVM5frzwR69F79ESsITm0szvHOslqupEg9jtGXO3xZDFQGwQQQCAbAnopyh+9OyZvfjhV0aADt3dbx4Efu7cvGw3NUCuMBXGGTGgKAgggkDoB/Q7wj98bk5+fHq+o++19HVYAP/3AUOralJcKE8R56WnaiQACmRTQk69+cmpMXnx7VBaXVzfa2NneUr4z0uGSbOtszWTbs9IogjgrPUk7EEAgdwKvnp+Uf3x7VG5MLVa0/SuHBkWvinXnYLSTh3IHGXODCeKYO4DVI4AAArUKvPvxtPy/d0bl3LXZikWP7tlmjYIfuKOn1iKZP0YBgjhGfFaNAAII1CJweWzeOhP6jQ8qT8Tad1uXFcBf2NdfS3HMmxABgjghHUE1EEAAAT+Bydll+dG7o/KzU5UnYm3vbS8fBz5SkgJ8qRUgiFPbdVQcAQSyLrC2JvLj90atE7H06lj21N5akGePlKzjwANckCP1mwFBnPoupAEIIJBFgdcu3LQuSXntZuWJWE8eGLAC+O5SZxabncs2EcS57HYajQACSRU4/emM/OPbn8nZq5UnYn3url7rutAP3tmb1KpTr4gCBHFEOBZDAAEETAp8PLFgnQn9u4s3K4q9Z3unPHu4JF/az4lYJr2TVBZBnKTeoC4IIJA7gVvzK9aZ0D99b6yi7YPdbeXjwEeGpK2FU7GyvGEQxFnuXdqGAAKJFvjJe2PWbui5xc0TsVoKeiKWngk9JKWe9kTXn8qZESCIzThSCgIIIBBa4LcX9USsUfl0cqFimSfu67cCeO/2rtBlMWP6BYwE8fHjx7dIDA8PW485n7MfSz8bLUAAAQRqFzhzdcYK4DOfzlQsfGR3j3Uc+KE9nIhVu2r6lzASxG4GDV8NXfu3/bz7//Tz0QIEEEAgWODqzQXrmtC/vVB5ItZdQ0UrgL98cCC4EObIrIDxIHaGLUGc2e2m4Q17+dyknHhnVG7cWpQd2zrkuYe2y1O8WTXcnRWYFdBjvy++85n8+N3KE7H6utqsryLpbuhiW4vZlVJa6gQI4tR1WfYrrCH8/TeuVZzA0tXRIt88tpMwzn73Z6aFP12/NeHMwkpFm/RiHBrA+gGTCQEVMBrEQSNgdk2z0YUReP6HF6yRsHvq72qT//pX+7i3ahhE5mmagHvvjR7vPXd9Vj6ZqDwR6/G9fdY1offv4ESspnVOSlaUiiAeuXIrJZxUsx6BWwsr8uaVaXntw8o7y7jLvK2nXfYMFeXuwfLPtiI3Pa/HnWWjC7z9yYz8/NykLCxvfv3IXdo9Q0V5bM82OUQAR4dOwZKl/g4p9Ue7/7OxIPYa7QaNkFNgSxWbIKBnkP7izIS8eal6APtV5fa+Drl/V7cc2tkjh3Z1i96RhgmBRgt8ODov/+2ly6IX5PCa7hgoWt8H/uqhwUZXhfJTLtDQIFYbvr6U8i2kgdX/1fsT8vMz41t24Xmtsq21YB1T09vBzS56v/HZy2kQayBrMGtAa1AzIVCPwNT8sly8MS8XP5uzfj64MSczVbZD3e6+8/Qe6e7gRKx63POyrLEgzgsY7axP4NrUovzi9Lj8+uyELK2sbSls92BRHr+3TwoFkVdGbm45a/rG1KJ8ODYvl0b1Z04ujc37jkjswvVSgYd29cihnd1WQO8eiLb7qL6Ws3SaBD4a19Cdl4s3ysF7ZXy+purrh8YXvnFfTcswc34FCOL89n1TW/72lVvW7ud3P572XO9Dd/XKsb19cmxvv3S0hr+u7uj0khXKH66Hsv59c265atu2dbbK/Y5g3jPE7eSaujEkbGW6h8Ua6doj3huzMuWzu9lZdb0PcF9nm+h3hJ0fKjnDP2EdnILqEMQp6KS0VlHfnHTX86/OTHieBd1bbJXH9/XJ4/f2WyNVE9PE7LJ8+Fl5pKzH8C6NzcnETPVg7u5oXd+V3W3tyr6Xywua6IrElqGXlSzvYi6PePVDXJhJ74Kk28a91u/y3zrxnfcwesxTTYAgZvswLnB5bF5+cWZcfjMyKWtb9z5bb2D6VQ4dATf6xKrphRW5cGOuvCt7rPxbR9HVJr3AQvkYs+7K7uHrJsa3kOYVuLi8uj7aLQfv+Ruz1nkGQZNecGNvRfB2yWBPW9BiPI9AJAGCOBIbC3kJ/P6DKfn56XEZuV55Q3N73sfuLYfvsXv7YgPUr5mMXJt1HGee9xytOyvY2lJYPyu7HMwa0EzJFNDvn9vHdfUDmP6Eme4ubY5y7dGunqfAhEAzBAjiZihneB361Q0d/eruufGZrSNNPY72xX391gh4723Ju5DB6tqanL06a+3Gto8zX7u59WIi7i60R8v6W3dna1gzNVdgZXVt4yxmDd/zN+ZkLGBvh9awp9gq9+2wdzGXfw9xu8Hmdh5rqxAgiNkgIgnoqFdPvvrdxcqL2NuFaUCVT77qs05oSdN0/vpseXf2+nFm963qvNqiV0tynpnN9YPN97h+0CufVFUO3fPX50Q/SAVNdw4WZZ8VvJvHd/Wev0wIJEWAIE5KT6SkHr85N2l99UjfEL2mL+3vl2P39svnM3Q7Nz2urJcstI8zfzReeelCLwd90y9fZKT8lSk9IYypNoEP1r+zqx+KNHj1q2tBU2d7i+zf0S17b9s8sarEBV6C2Hg+ZgGCOOYOSMPq9eQm3f386vmbMuXx1SA94epP9g9Yo18dfWR9+nhiQc7qcWb9ytTovOjJaUGTfkXKPgFMvzqlX6Fi2hTQr5xVjnZnPb9n7jbb1d8h+2/XM903g5fDBGxZaRMgiNPWY02s73sfT8sv35+Qty57X+v7wd291teP9OQrHYnkdbo+tWgFc/mrMOWzs4P2mOpFRZxnZutFR/I06QUyNncxz8rVEMfl21sLVug6j+82+qz7PPUJbY1PgCCOzz6Ra9YA0e/+vjIy6TvS02vn6slXD9zRk8g2xF0pPZapwaxnZ9vHmfXEompTlq+XrbcB1NGutYv5uu5mnpX5Jf+bJNhOO/o6rK+OOY/vtnFSXNybN+tvgABB3ADUNBb5yeSCtfv5dxenxH3/VG2P7gJ88kB59zP3Ua2th/XM8rPXZjbOztYR8+Jy9WBO8/WydVtyjnZ1V37QpCdP7b+9ywpePbtej7Hfto2bdwS58Xw2BAjibPRj5Fb84dItefnchLzzkfelJz+/Z5t8Ua9+tbffuv4zU/0Cc0urcu7arJy9OiMX9Cpgo/OBI8SkXi9bv5dtf19XzzbXk6q8Psi51fQEKg1d5/Fd3fXMhEAeBYwGsdedlrj7UvI2Kw0CvfHCby/eFK/Rit7p6M/uH7J2P+vxOKbGCiyvlr/LrOGsXwvT48xBd5iK63rZejxcw/bCeuiGOVFN9XQ7ch7fZa9KY7cpSk+XgLEg5n7Eye94/TrIP5+dtALY60bmdw0V5amDg9bJV3ohDqb4BKwR87VyOOvZ2X73vLVr2IjrZesHBGu0ux66GsBeZ827lXTb0a8Q6a5m+/huLTfyiE+dNSMQj4CRIPYKYW2O+3G/+eJpen7W+tqFm/La+Uk59cmMZ6P10pNP3NcvD9+9LT8oKWupfojSYLbPzg66w5TX9bKDbk6gX1PTk6ku3CjvYtZ1hpn0eK7z+C73fw6jxjwIbAoYC2In6vDwsPUvQRzfpqYXtv/V2fKVr7wu2djV3iJPHy7vfuY2gPH1U9Q160VFrBPA1ndnB91hyrqSVEFk1XH2tob1Q3t6ra9a6fFdvXNV0NTX2Sr33d69cXxXb4zQ0Zbfr64FefE8AmEEjAWxHb7OACaIw3SB2Xnevzojr4zctAJYdy26Jx29fPXQgHXyld43lSkbAvphqzxiLp+dHXSHqbCt3lPqLIfu+q5mRrth5ZgPgfACqQjikSveF5QI38zsz/nWx9Ny6uqsXPb5qsiDu7rlc3f0yN5SZ/YxaKHcnF+xtoUrE/PW77GAezIrmV6U5c7+DrlroCh3DnTI7v6icGyXjQmBcAKl/g4p9Ue7smAqgjgcQ/7m0jNY9drPevKV1whIz6z92gND8oV9/bKzvyN/QLR4Q+Bvf3DecxvR8P3rL+y0Rr13DER7E4EZAQTqEzASxPbuaLsq7t3UXo/XV+18L/32lWkrfP3ufHTg9m750/vLV7/iurv53lbs1uuJWt9/45rMLW5e0UoPTXzz2E556uAASAggEKOAsSCOsQ25WPXSypp14Y3fXpyyTqzxmvTKV/qmqkHMhIBbIOisacQQQCAeAYI4HvfQa9WL4792vjz69TqrdbCnzdr9rF8/4ubmoVmZEQEEEEiMAEGcmK6orMibl25Z4fsvH0551lBvuKAB/Mg9fPc3oV1ItRBAAIFQAgRxKKbmzDS9sCKvjkxaN174YNT7Ygp67PcrhwblHs5+bk6nsBYEEECgwQIEcYOBwxSvlxHU0a+egOV1KUO9Lu/Thwflyf0D0lPkhvJhTJkHAQQQSIsAQRxjT/3+gykrfE9e9v6e9L+6s1e+dnhIHrqrN8ZasmoEEEAAgUYKEMSN1PUoe2x6af2rR1OiJ2K5J70SoR771V3QfK+zyZ3D6hBAAIEYBAjiJqHr5Qd197P+zDq+y2mvXkNXA/jLBweE+7I2qVNYDQIIIJAAAYK4gZ2gF9N/XcP3wk3548fTnmvSOx49/cCQHNnd08CaUDQCCCCAQFIFCOI6e8brIgn37+peP/lqSj6dXNiyho62ghW++rO9t73OGrA4AggggECaBQjiOnrP67KBbS0Fq0SvOx/pnWx09zOXFKwDnUURQACBjAkQxHV06PM/vCA3bi0GlnBsb58VwAd3cunJQCxmQAABBHImQBDX0eHf+u4Z36W7O1rla4cHrd3P/V1tdayFRRFAAAEEsixgJIiPHz++xci+A5PzOeddmbKA6jci7utsk3/41oEsNJE2IIAAAgg0WMBYEHuFrIaw+5aIWQpjbi3X4K2T4hFAAIEcCBDEdXYyt5arE5DFEUAAgZwLGAtip6Nzt3SWR8Q533ZoPgIIIICAAQEjQeyuh71LOuu7pg34UwQCCCCAQM4FCOKcbwA0HwEEEEAgXgEjQew38jU1Ih654n13onjpWDsCCCCAAAJlgVJ/h5T6i5E4jASxrtnva0pZ/vpSJHEWQgABBBBAwCFgLIhRRQABBBBAAIHaBQji2s1YAgEEEEAAAWMCBLExSgpCAAEEEECgdgGCuHYzlkAAAQQQQMCYAEFsjJKCEEAAAQQQqF2AIK7djCUQQAABBBAwJkAQG6OkIAQQQAABBGoXIIhrN2MJBBBAAAEEjAkQxMYoKQgBBBBAAIHaBQji2s1YAgEEEEAAAWMCBLExSgpCAAEEEECgdgGCuHYzlkAAAQQQQMCYAEFsjJKCEEAAAQQQqF3AaBDbd1oaHh7eqAl3X6q9U1gCAQQQQCA/Ag0NYlP3I85Pd9BSBBBAAIG8CRgLYjt0neFLEOdtc6K9CCCAAAK1ChDEtYoxPwIIIIAAAgYFjASx3yiYEbHBnqIoBBBAAIFMChgLYreOnrBFEGdym6FRCCCAAAIGBYwEsbM+jThGPHLllsEmUxQCCCCAAAJmBUr9HVLqL0YqtKFBrDXi60uR+oWFEEAAAQRyImA8iHPiRjMRQAABBBAwIkAQG2GkEAQQQAABBKIJEMTR3FgKAQQQQAABIwIEsRFGCkEAAQQQQCCaAEEczY2lEEAAAQQQMCJAEBthpBAEEEAAAQSiCRDE0dxYCgEEEEAAASMCBLERRgpBAAEEEEAgmgBBHM2NpRBAAAEEEDAiQBAbYaQQBBBAAAEEogkQxNHcWAoBBBBAAAEjAgSxEUYKQQABBBBAIJoAQRzNjaUQQAABBBAwIkAQG2GkEAQQQAABBKIJGAtiv9sdchvEaB3DUggggAAC+RAwEsQatsPDwxti9v9+j+eDllYigAACCCAQLGAkiN2rIYiD4ZkDAQQQQAABFTAWxF67oBkRs5EhgAACCCBQXcBYEDtXw4iYzQ4BBBBAAIFwAqkI4pErt8K1hrkQQAABBBCIQaDU3yGl/mKkNRsJYk7WimTPQggggAACCDT2GLH68vUltjIEEEAAAQT8BYyMiAFGAAEEEEAAgWgCBHE0N5ZCAAEEEEDAiABBbISRQhBAAAEEEIgmQBBHc2MpBBBAAAEEjAgQxEYYKQQBBBBAAIFoAgRxNDeWQgABBBBAwIgAQWyEkUIQQAABBBCIJkAQR3NjKQQQQAABBIwIEMRGGCkEAQQQQACBaAIEcTQ3lkIAAQQQQMCIAEFshJFCEEAAAQQQiCZAEEdzYykEEEAAAQSMCBDERhgpBAEEEEAAgWgCxoLY7y5L3H0pWsewFAIIIIBAPgSMBDH3I87HxkIrEUAAAQTMCxgJYne17GD2C2jzzaBEBBBAAAEE0ilAEKez36g1AggggEBGBIwHsXMUzIg4I1sJzUAAAQQQaJiA0SAOCl7382FbNXLlVthZmQ8BBBBAAIGmC5T6O6TUX4y0XmNB7BWyQcEcqcYshAACCCCAQIYEjASx8ytKts3w8LD1J19fytDWQlMQQAABBIwLGAli47WiQAQQQAABBHIiQBDnpKNpJgIIIIBAMgUI4mT2C7VCAAEEEMiJAEGck46mmQgggAACyRQgiJPZL9QKAQQQQCAnAgRxTjqaZiKAAAIIJFOAIE5mv1ArBBBAAIGcCBDEOelomokAAgggkEwBgjiZ/UKtEEAAAQRyIkAQ56SjaSYCCCCAQDIFCOJk9gu1QgABBBDIiQBBnJOOppkIIIAAAskUIIiT2S/UCgEEEEAgJwLGgti+y5J91yXbj7sv5WRLopkIIIAAApEEjASxfd/hoPsPe92zOFKtWQgBBBBAAIGMCBgJYufo1zkiDgrmLBhevHhRTp8+LdPT09Lb2yuHDx+Wffv2ZaFptAEBBBBAoAkCBHEdyBrCJ0+elKWlpY1S2tvb5ejRo4RxHa4sigACCORJgCCuo7dPnDhhjYTdU0tLi/T19YmGsv50dHQE/u2cr44qsSgCCCCAQMoEUhHEI1duJZL1D6/9qCH1am1rl9bWNvH73RbwvC7HhAACCCDQPIFSf4eU+ouRVpiKII7UsiYs5DcibsKqA1fhHomnbWTOsffALmYGBDIrkLfXv5Egdn5Fyd4y7JO2svz1Jb9jxHrC1q5du6xjx86fxcXFLY/ZzzufW1tbS8QLLK4w59h7IrqfSiAQi0AeX/9GgjiW3krISk1/ctMQ1nD2Cm2/IPd6PM1h/vrrr8vs7OyWHtaz0p977rmE9DzVQKAsYPo9IO+ufnsas/z6J4gzuNXbYe4V6O7QrjZKT0qY212kJ7319PRIW1tbxY+O3Gt9TE+oY0KgXoE0j95WV1fF/bOysrLlMa/59LGw84adzy7T60O49tODDz5o/WRxIoiz2KsG2uQM86BArzZ6N1CVhhShQWyHd5Qgdwa/c/mGVNZQoYzcDEE6ivEbvekHxmeeecYKtVqDyC/4nI+bKNO8RmNLZETcWF9Kz7BA0Ajc+bz998zMjMzNzUnSRuRhuqlauOtzUULfxOg9zSM33Q5qDaGgoAp6PkyAahnz8/NhNgvmqVOgtbVVHnnkkcxen4ERcZ0bCIs3RsA5etPRxcGDB2X37t2yvLy85UdH7O7Hgx7TN9q0TCZG737H3dX261//eqiRm6nwChrxudeTxg9kadi2dLty/2jgeT1ez7xRyrx8+bKcPXtW9EN5Hq5YSBCn4RVDHY0LaBjY4R0U2tXm0+ecyxuvKAWmUsDeM6IBFiWIgsLQRJmphM1opQnijHYszYpHoJbQDvtBIE2j90aoFwqFilFamBAKmifo+TABapeho7f333+f6803ovNzUiZBnJOOTlszF956UeZe+Z6sTnwiLYO7pevJb0vx4b9MWzOM1NfE6N3vuLu927uW4Kk2WgsKuKDnveqhQcyEQJYFCOIs925K26YhPPvSC7K2sHkd70KxV7qffT63YWyiKzlr2oQiZTRDIG8fxAniZmxVrKMmgcm//wtrJOyedGQ88J3GXN+7pgqmdOa8vbmltJtyX+08fhAniHO/2RsEWF2RtcVZWVucW/89K6J/L+hjlY/rPGI95njcmm9OVq6d865UW1FaOntFWtul0Npu/ZbWto2/y4+1VTxvP7Y5//qybZvLbZbnLitC+QY5TRaVxzc3k37VysrdB5yVJVlbWpC15QUR6/e89b8sL1T81sfLz68/vj5vxWPWc/OOshZk5bNLIqvLufogThDX+WpN64twbXlxPQg3Q9MOUFkPxHJIegRrxWN2oM5ZL6jcTxsfEgyEul2WgQ8NU9/7tqxOXs3Vm1sztsXYP+CsrlpBGBRum8/PbwTmZnhWBqHnvI7QlZi++tf1lf8o+pPFiSCuo1eb9SLcCEjHSNM56twcXdqhuvm7POqsfNwapWoQMyHQ0lLeo1BoFdHLfp6HyQkAAArtSURBVK7/LhRaRFpaRdZ/V/5fnq+g82/M43jMUZY1T1BZLa3iXp8uU152s15Vy3KsJ3xZdtnldlSub/0xz7pv1uvmf/+G92GU/p2y7d/9j42ADAw3HS1GGWWuLOVmG87yoamGB3GW777keyxzYJds+5t/sALQKwj9HrcC0is4V7bupknkq0/f1Du6HT9dIhv/d5UfL+rz5b/Lz60/bs9XLC+zdPY3Mv/GD2R14lPrrOnOJ/5aig8+K2v6xqO7xtZ/y8qy67HliufL823Os7HsssdjW8qqXNYuy7n+LeUnsmOoFALmBAptHSJtRSm0F0XaOq3f5b/Lvwttm39vPK+P2c+t/7bms/92LL947lWZf+V/Wu+F9pT1kzUbGsQawvbtEBXU/b+5TSOeksb/7mg8KzaxVt3t6QzCqgG5HpzWPO7wdISqvpjyPm18SHB/QIgQ6nZZBj40rM1Py9rijEhCbrGZ983EWPt1JG+HYntnOQQrwm09KCuC0PGYMzzdQWmHo7vMljZj1fcrKK2H/KLCEMRR5UTEb0RcR5Gei1qfNt0jS0cgik9AVizjmsc60YkpVwJb3tz+5N9L8fN/Lmt6zG9tRaxjf+u/19ZWRVZXRNZ/V/5fns9abmMex2OOssplB5SlJ/m55tFl3PWqWpZjPeHLsttcrl/l+tYf86y7w2tlUdbce6wKBSl09kpL14BrFFgOwI2Ro2NEuTma7KwM0o0R5tZAtcridZyJ1zBBXEc3eh0jFilIodgjLT2D5fAsuna9drh217oD0mN3rXXsjgkBBBIpkLfRWyI7IeWVIojr7EBehHUCsjgCCCCQcwGCOOcbAM1HAAEEEIhXIPFBPDY2JvrDhAACCCCAQFIFSqWS6E+UqaFBrBXK8teXooCzDAIIIIAAAk6Bhgcx3AgggAACCCDgL0AQs3UggAACCCAQowBBHCM+q0YAAQQQQIAgZhtAAAEEEEAgRgGCOEZ8Vo0AAggggABBzDaAAAIIIIBAjAIEcYz4rBoBBBBAAAGCmG0AAQQQQACBGAUIYsdFR5y3bIyxTzYugpKU+kS1sC/mkpR2ZOHiMphG3RqrL5c0V61tEutUi36S6u987dttSMr7ktYn90HsvEdyEu6XbNchCXWp5UXnnjeprnY90+iLaT1bpP+ySXN1bqP6d5ICI2wPJM006a93gvj4cd8N3W8E5QxLrxdKteW8Po15zZ/0DSfoBVmt/nG6ZiWIvT74+G1b+kbuNzoxsa2m2dQeefqFXVzbato/kCft9Z/0DzS5D2K/F6J7Q3J/wnN2bJhPf0Hlud8I0h7ESXXNYmgEbVuN3Fb9girog1rSnvd6vcXtan+ASuOIOGmvf/eu6aSZEsTr7wheLzr3m4XdebW8QP3e+IPCOwtB7PVidL8g/ELCvWy1EZ3zRRXkGjQCSlpAeNUnadtq2j/cVHuNxvEeEGYbTsN2mtTXfxLfAwhixxYd9gVQLYidL+paQiaLI2KvN7igXVZ+oYpr5VtvkrbVrASx14e/arusG7WtVvuwmpYAdtaTbTW413IfxH4bSb2BEfSiDto40z4iTqIrpuUzcb3Cpdr2GLYv0+obtn1+4VJthBXFtdp6gt/SkzFH0kzDDJ7ilMt9ENsvIufo1T36sv+vZdd0UHnVdqf67Q6Lc0OJsu5qu5Od5eEaXjdJps7Xjtf2Hr5V8c+ZNNcs7GVImqlzTwPHiON/zVEDBBBAAAEEEiPAiDgxXUFFEEAAAQTyKEAQ57HXaTMCCCCAQGIECOLEdAUVQQABBBDIowBBnMdep80IIIAAAokRIIgT0xVUBAEEEEAgjwIEcR57nTYjgAACCCRGgCBOTFdQEQQQQACBPAoQxHnsddqMAAIIIJAYAYI4MV1BRRBAAAEE8ihAEOex12kzAggggEBiBAjixHQFFUEAAQQQyKMAQZzHXqfNCCCAAAKJESCIE9MVVAQBBBBAII8CBHEee502I4AAAggkRoAgTkxXUBEEEEAAgTwKEMR57HXajAACCCCQGAGCODFdQUWCBI4fP27NMjw8LPq3/mZCoNkCed0O89ruZmxfBHEzlGNeh/0CskOskdVpZEDaZTvfEBrZlkaX7WfVSMMobUpafaK0weQySdgOna/pZryudR1JaLfJfkxSWQRxknqjAXVxv4nyptoA5IhFNjOIa+n3WuaN2HQWq1PA2Uf0V52YCVicIE5AJzir8PK5STnxzqjcuLUoO7Z1yHMPbZenDg5EqmWYF6jfaNn9uNenYa+RqV/w+83rbJh7V7NXHWqZPxJaiIUW3npR5l75nqxOfCItg7ul68lvS/Hhvwyx5NZZqn1QqrYnw29E5LWM17xhlndbB/WtPX8zDxlcvHhRTp8+LdPT09Lb2yuHDx+Wffv2ReoLe9Tn1W5n24JGo2H7zc+p2vLuOnodpqnlNV3L66medkfukJwsSBAnqKM1hL//xjWZW1zdqFVXR4t889jOSGEcFMRBIeB8o3AHqd8ncq8ytTF2WdXqVOun/GrzB7U9ardrCM++9IKsLUxvFFEo9kr3s89HCuNq4eb29zIMaxDkEaacatuL0zNoXVHt3ctpCJ88eVKWlpY2nmpvb5ejR49GCuOw27S7HmHs7AAN+pASxdjU+tPw+jO17SStHII4QT3y/A8vWCNh96Qj4xe+cV/NNXW/sNwjFvcn3GqBGTa0g95I/ILaq25eb1rVRnJ+wVUzXJUFJv/+L6yRsHvSkfHAd34UaVW2iV9/VbOJsoxdXhRLr7q6R2nO7SgSSMiFTpw4YY2E3ZOOjJ977rmQpWzOVksQR7ULsqn2mvT7sFNPEIdtRz3bTM0dkcMFCOIGd/r/ev2q/PL9iQavZbP4P7t/UP7tE7usB7xGJmE/9dYSqGHfCNx1ChvuzjeBMKNEv7ZX64SZf/ovsvAv/6cp/VR87N9Iz5//p411+QVxtdGT/QYa9sNH1P7067Na+rwW1DfffFPOnz9fyyJ1zbt//3559NFHK/rCHZam7Nxh5vdBM2jUXO11VMtrqpZ5vV5TjdoG6urQlC5MEDe447713TMNXsPW4v/3f3hgy5u8V5h5BXWY0Iv6RpDkIB7/u6NN7aeh/3yyYn1Bb/bOmf36rRH9GfQGHOb5WmDDhFAt5YWZ1/5QE9a1lgALW6bf686v/mFH77WEZdCHdBPtDtMfeZyHIG5wr8c5InZ/And/0rffRJ0Efsdyw74IgwLF63mv9bvr5qxXLfOH7d44R8ReYVatb/xswi4TZOncXel3MlC1E+u8trOw/ZCUEbGzDX57lmrdDt2u1ULWr2yvwK72mgraY+Ksk7vfvOpb6/xh+z3v8xHECdsCTJ41nbCmRapOtVFepAINLGTyrOko1Qn6sBOlzLQuY/KsaVy3bgVJfP2ldVutVm+COIu9mpE22Z++49hdmWTCaqOSJNc76XXDtbKHeP01b4sliJtnzZoQQAABBBDYIkAQs1EggAACCCAQowBBHCM+q0YAAQQQQIAgZhtAAAEEEEAgRgGCOEZ8Vo0AAggggABBzDaAAAIIIIBAjAIEcYz4rBoBBBBAAAGCmG0AAQQQQACBGAUI4hjxWTUCCCCAAAIEMdsAAggggAACMQoQxDHis2oEEEAAAQQIYrYBBBBAAAEEYhQgiGPEZ9UIIIAAAggQxGwDCCCAAAIIxChAEMeIz6oRQAABBBDYCOKRkZF/XltbewoSBBBAAAEEEGieQKFQePn/AzysEmJ3HkxXAAAAAElFTkSuQmCC"/>
+          <p:cNvSpPr>
+            <a:spLocks noChangeAspect="1" noChangeArrowheads="1"/>
+          </p:cNvSpPr>
+          <p:nvPr/>
+        </p:nvSpPr>
+        <p:spPr bwMode="auto">
+          <a:xfrm>
+            <a:off x="152400" y="152400"/>
+            <a:ext cx="304800" cy="304800"/>
+          </a:xfrm>
+          <a:prstGeom prst="rect">
+            <a:avLst/>
+          </a:prstGeom>
+          <a:noFill/>
+          <a:extLst>
+            <a:ext uri="{909E8E84-426E-40DD-AFC4-6F175D3DCCD1}">
+              <a14:hiddenFill xmlns:a14="http://schemas.microsoft.com/office/drawing/2010/main">
+                <a:solidFill>
+                  <a:srgbClr val="FFFFFF"/>
+                </a:solidFill>
+              </a14:hiddenFill>
+            </a:ext>
+          </a:extLst>
+        </p:spPr>
+        <p:txBody>
+          <a:bodyPr vert="horz" wrap="square" lIns="91440" tIns="45720" rIns="91440" bIns="45720" numCol="1" anchor="t" anchorCtr="0" compatLnSpc="1">
+            <a:prstTxWarp prst="textNoShape">
+              <a:avLst/>
+            </a:prstTxWarp>
+          </a:bodyPr>
+          <a:lstStyle/>
+          <a:p>
+            <a:endParaRPr lang="pt-BR"/>
+          </a:p>
+        </p:txBody>
+      </p:sp>
+      <p:graphicFrame>
+        <p:nvGraphicFramePr>
+          <p:cNvPr id="6" name="Gráfico 5"/>
+          <p:cNvGraphicFramePr>
+            <a:graphicFrameLocks/>
+          </p:cNvGraphicFramePr>
+          <p:nvPr/>
+        </p:nvGraphicFramePr>
+        <p:xfrm>
+          <a:off x="1860755" y="1150988"/>
+          <a:ext cx="5422490" cy="3421011"/>
+        </p:xfrm>
+        <a:graphic>
+          <a:graphicData uri="http://schemas.openxmlformats.org/drawingml/2006/chart">
+            <c:chart xmlns:c="http://schemas.openxmlformats.org/drawingml/2006/chart" xmlns:r="http://schemas.openxmlformats.org/officeDocument/2006/relationships" r:id="rId3"/>
+          </a:graphicData>
+        </a:graphic>
+      </p:graphicFrame>
+    </p:spTree>
+    <p:extLst>
+      <p:ext uri="{BB962C8B-B14F-4D97-AF65-F5344CB8AC3E}">
+        <p14:creationId xmlns:p14="http://schemas.microsoft.com/office/powerpoint/2010/main" val="1547712668"/>
+      </p:ext>
+    </p:extLst>
+  </p:cSld>
+  <p:clrMapOvr>
+    <a:masterClrMapping/>
+  </p:clrMapOvr>
+  <p:timing>
+    <p:tnLst>
+      <p:par>
+        <p:cTn id="1" dur="indefinite" restart="never" nodeType="tmRoot">
+          <p:childTnLst>
+            <p:seq concurrent="1" nextAc="seek">
+              <p:cTn id="2" dur="indefinite" nodeType="mainSeq">
+                <p:childTnLst>
+                  <p:par>
+                    <p:cTn id="3" fill="hold">
+                      <p:stCondLst>
+                        <p:cond delay="indefinite"/>
+                        <p:cond evt="onBegin" delay="0">
+                          <p:tn val="2"/>
+                        </p:cond>
+                      </p:stCondLst>
+                      <p:childTnLst>
+                        <p:par>
+                          <p:cTn id="4" fill="hold">
+                            <p:stCondLst>
+                              <p:cond delay="0"/>
+                            </p:stCondLst>
+                            <p:childTnLst>
+                              <p:par>
+                                <p:cTn id="5" presetID="10" presetClass="entr" presetSubtype="0" fill="hold" grpId="0" nodeType="afterEffect">
+                                  <p:stCondLst>
+                                    <p:cond delay="250"/>
+                                  </p:stCondLst>
+                                  <p:childTnLst>
+                                    <p:set>
+                                      <p:cBhvr>
+                                        <p:cTn id="6" dur="1" fill="hold">
+                                          <p:stCondLst>
+                                            <p:cond delay="0"/>
+                                          </p:stCondLst>
+                                        </p:cTn>
+                                        <p:tgtEl>
+                                          <p:spTgt spid="521"/>
+                                        </p:tgtEl>
+                                        <p:attrNameLst>
+                                          <p:attrName>style.visibility</p:attrName>
+                                        </p:attrNameLst>
+                                      </p:cBhvr>
+                                      <p:to>
+                                        <p:strVal val="visible"/>
+                                      </p:to>
+                                    </p:set>
+                                    <p:animEffect transition="in" filter="fade">
+                                      <p:cBhvr>
+                                        <p:cTn id="7" dur="500"/>
+                                        <p:tgtEl>
+                                          <p:spTgt spid="521"/>
+                                        </p:tgtEl>
+                                      </p:cBhvr>
+                                    </p:animEffect>
+                                  </p:childTnLst>
+                                </p:cTn>
+                              </p:par>
+                            </p:childTnLst>
+                          </p:cTn>
+                        </p:par>
+                      </p:childTnLst>
+                    </p:cTn>
+                  </p:par>
+                </p:childTnLst>
+              </p:cTn>
+              <p:prevCondLst>
+                <p:cond evt="onPrev" delay="0">
+                  <p:tgtEl>
+                    <p:sldTgt/>
+                  </p:tgtEl>
+                </p:cond>
+              </p:prevCondLst>
+              <p:nextCondLst>
+                <p:cond evt="onNext" delay="0">
+                  <p:tgtEl>
+                    <p:sldTgt/>
+                  </p:tgtEl>
+                </p:cond>
+              </p:nextCondLst>
+            </p:seq>
+          </p:childTnLst>
+        </p:cTn>
+      </p:par>
+    </p:tnLst>
+    <p:bldLst>
+      <p:bldP spid="521" grpId="0"/>
+    </p:bldLst>
+  </p:timing>
+</p:sld>
+</file>
+
+<file path=ppt/slides/slide14.xml><?xml version="1.0" encoding="utf-8"?>
+<p:sld xmlns:a="http://schemas.openxmlformats.org/drawingml/2006/main" xmlns:r="http://schemas.openxmlformats.org/officeDocument/2006/relationships" xmlns:p="http://schemas.openxmlformats.org/presentationml/2006/main">
+  <p:cSld>
+    <p:spTree>
+      <p:nvGrpSpPr>
+        <p:cNvPr id="1" name=""/>
+        <p:cNvGrpSpPr/>
+        <p:nvPr/>
+      </p:nvGrpSpPr>
+      <p:grpSpPr>
+        <a:xfrm>
+          <a:off x="0" y="0"/>
+          <a:ext cx="0" cy="0"/>
+          <a:chOff x="0" y="0"/>
+          <a:chExt cx="0" cy="0"/>
+        </a:xfrm>
+      </p:grpSpPr>
+      <p:pic>
+        <p:nvPicPr>
           <p:cNvPr id="3" name="Picture 3" descr="Diagram&#10;&#10;Description automatically generated">
             <a:extLst>
               <a:ext uri="{FF2B5EF4-FFF2-40B4-BE49-F238E27FC236}">
@@ -8928,7 +13907,7 @@
 </p:sld>
 </file>
 
-<file path=ppt/slides/slide11.xml><?xml version="1.0" encoding="utf-8"?>
+<file path=ppt/slides/slide15.xml><?xml version="1.0" encoding="utf-8"?>
 <p:sld xmlns:a="http://schemas.openxmlformats.org/drawingml/2006/main" xmlns:r="http://schemas.openxmlformats.org/officeDocument/2006/relationships" xmlns:p="http://schemas.openxmlformats.org/presentationml/2006/main">
   <p:cSld>
     <p:bg>
@@ -8977,7 +13956,7 @@
         </p:nvSpPr>
         <p:spPr>
           <a:xfrm>
-            <a:off x="866561" y="1763489"/>
+            <a:off x="907968" y="2638206"/>
             <a:ext cx="8413474" cy="1309043"/>
           </a:xfrm>
         </p:spPr>
@@ -9022,7 +14001,7 @@
         </p:nvSpPr>
         <p:spPr>
           <a:xfrm>
-            <a:off x="1250828" y="2241535"/>
+            <a:off x="1230731" y="3088742"/>
             <a:ext cx="7484165" cy="830997"/>
           </a:xfrm>
           <a:prstGeom prst="rect">
@@ -9097,7 +14076,7 @@
         </p:blipFill>
         <p:spPr>
           <a:xfrm>
-            <a:off x="106212" y="1763489"/>
+            <a:off x="1026091" y="1196251"/>
             <a:ext cx="1199147" cy="1287824"/>
           </a:xfrm>
           <a:prstGeom prst="rect">
@@ -9105,6 +14084,47 @@
           </a:prstGeom>
         </p:spPr>
       </p:pic>
+      <p:sp>
+        <p:nvSpPr>
+          <p:cNvPr id="5" name="CaixaDeTexto 4">
+            <a:extLst>
+              <a:ext uri="{FF2B5EF4-FFF2-40B4-BE49-F238E27FC236}">
+                <a16:creationId xmlns:a16="http://schemas.microsoft.com/office/drawing/2014/main" id="{AA8D00EF-5625-43FD-9DBE-E2D797284BD7}"/>
+              </a:ext>
+            </a:extLst>
+          </p:cNvPr>
+          <p:cNvSpPr txBox="1"/>
+          <p:nvPr/>
+        </p:nvSpPr>
+        <p:spPr>
+          <a:xfrm>
+            <a:off x="2225238" y="1304965"/>
+            <a:ext cx="4371975" cy="1200329"/>
+          </a:xfrm>
+          <a:prstGeom prst="rect">
+            <a:avLst/>
+          </a:prstGeom>
+          <a:noFill/>
+        </p:spPr>
+        <p:txBody>
+          <a:bodyPr wrap="square" rtlCol="0">
+            <a:spAutoFit/>
+          </a:bodyPr>
+          <a:lstStyle/>
+          <a:p>
+            <a:pPr algn="ctr"/>
+            <a:r>
+              <a:rPr lang="pt-BR" sz="3600" b="1" dirty="0">
+                <a:solidFill>
+                  <a:schemeClr val="bg1"/>
+                </a:solidFill>
+                <a:latin typeface="Playfair Display"/>
+              </a:rPr>
+              <a:t>Obrigado pela atenção de todos!</a:t>
+            </a:r>
+          </a:p>
+        </p:txBody>
+      </p:sp>
     </p:spTree>
     <p:extLst>
       <p:ext uri="{BB962C8B-B14F-4D97-AF65-F5344CB8AC3E}">
@@ -9220,6 +14240,50 @@
                             </p:childTnLst>
                           </p:cTn>
                         </p:par>
+                        <p:par>
+                          <p:cTn id="12" fill="hold">
+                            <p:stCondLst>
+                              <p:cond delay="1500"/>
+                            </p:stCondLst>
+                            <p:childTnLst>
+                              <p:par>
+                                <p:cTn id="13" presetID="10" presetClass="entr" presetSubtype="0" fill="hold" grpId="0" nodeType="afterEffect">
+                                  <p:stCondLst>
+                                    <p:cond delay="0"/>
+                                  </p:stCondLst>
+                                  <p:childTnLst>
+                                    <p:set>
+                                      <p:cBhvr>
+                                        <p:cTn id="14" dur="1" fill="hold">
+                                          <p:stCondLst>
+                                            <p:cond delay="0"/>
+                                          </p:stCondLst>
+                                        </p:cTn>
+                                        <p:tgtEl>
+                                          <p:spTgt spid="5"/>
+                                        </p:tgtEl>
+                                        <p:attrNameLst>
+                                          <p:attrName>style.visibility</p:attrName>
+                                        </p:attrNameLst>
+                                      </p:cBhvr>
+                                      <p:to>
+                                        <p:strVal val="visible"/>
+                                      </p:to>
+                                    </p:set>
+                                    <p:animEffect transition="in" filter="fade">
+                                      <p:cBhvr>
+                                        <p:cTn id="15" dur="500"/>
+                                        <p:tgtEl>
+                                          <p:spTgt spid="5"/>
+                                        </p:tgtEl>
+                                      </p:cBhvr>
+                                    </p:animEffect>
+                                  </p:childTnLst>
+                                </p:cTn>
+                              </p:par>
+                            </p:childTnLst>
+                          </p:cTn>
+                        </p:par>
                       </p:childTnLst>
                     </p:cTn>
                   </p:par>
@@ -9247,12 +14311,13 @@
     <p:bldLst>
       <p:bldP spid="2" grpId="0"/>
       <p:bldP spid="3" grpId="0"/>
+      <p:bldP spid="5" grpId="0"/>
     </p:bldLst>
   </p:timing>
 </p:sld>
 </file>
 
-<file path=ppt/slides/slide12.xml><?xml version="1.0" encoding="utf-8"?>
+<file path=ppt/slides/slide2.xml><?xml version="1.0" encoding="utf-8"?>
 <p:sld xmlns:a="http://schemas.openxmlformats.org/drawingml/2006/main" xmlns:r="http://schemas.openxmlformats.org/officeDocument/2006/relationships" xmlns:p="http://schemas.openxmlformats.org/presentationml/2006/main">
   <p:cSld>
     <p:bg>
@@ -9285,47 +14350,6 @@
       </p:grpSpPr>
       <p:sp>
         <p:nvSpPr>
-          <p:cNvPr id="7" name="CaixaDeTexto 6">
-            <a:extLst>
-              <a:ext uri="{FF2B5EF4-FFF2-40B4-BE49-F238E27FC236}">
-                <a16:creationId xmlns:a16="http://schemas.microsoft.com/office/drawing/2014/main" id="{6750A996-7D49-41E7-B493-169DABDFE2AE}"/>
-              </a:ext>
-            </a:extLst>
-          </p:cNvPr>
-          <p:cNvSpPr txBox="1"/>
-          <p:nvPr/>
-        </p:nvSpPr>
-        <p:spPr>
-          <a:xfrm>
-            <a:off x="2243137" y="161746"/>
-            <a:ext cx="4371975" cy="1200329"/>
-          </a:xfrm>
-          <a:prstGeom prst="rect">
-            <a:avLst/>
-          </a:prstGeom>
-          <a:noFill/>
-        </p:spPr>
-        <p:txBody>
-          <a:bodyPr wrap="square" rtlCol="0">
-            <a:spAutoFit/>
-          </a:bodyPr>
-          <a:lstStyle/>
-          <a:p>
-            <a:pPr algn="ctr"/>
-            <a:r>
-              <a:rPr lang="pt-BR" sz="3600" b="1" dirty="0">
-                <a:solidFill>
-                  <a:schemeClr val="bg1"/>
-                </a:solidFill>
-                <a:latin typeface="Playfair Display"/>
-              </a:rPr>
-              <a:t>Obrigado pela atenção de todos!</a:t>
-            </a:r>
-          </a:p>
-        </p:txBody>
-      </p:sp>
-      <p:sp>
-        <p:nvSpPr>
           <p:cNvPr id="8" name="CaixaDeTexto 7">
             <a:extLst>
               <a:ext uri="{FF2B5EF4-FFF2-40B4-BE49-F238E27FC236}">
@@ -9338,7 +14362,7 @@
         </p:nvSpPr>
         <p:spPr>
           <a:xfrm>
-            <a:off x="2243137" y="1533703"/>
+            <a:off x="2176543" y="810222"/>
             <a:ext cx="3923414" cy="2371026"/>
           </a:xfrm>
           <a:prstGeom prst="rect">
@@ -9363,6 +14387,16 @@
               </a:rPr>
               <a:t>Membros:</a:t>
             </a:r>
+          </a:p>
+          <a:p>
+            <a:pPr algn="ctr"/>
+            <a:endParaRPr lang="pt-BR" sz="2800" b="1" dirty="0">
+              <a:solidFill>
+                <a:schemeClr val="bg1"/>
+              </a:solidFill>
+              <a:latin typeface="Playfair Display"/>
+              <a:cs typeface="Rajdhani" panose="020B0604020202020204" charset="0"/>
+            </a:endParaRPr>
           </a:p>
           <a:p>
             <a:pPr marL="285750" indent="-285750">
@@ -9605,7 +14639,7 @@
         </p:nvSpPr>
         <p:spPr>
           <a:xfrm>
-            <a:off x="5116283" y="1428750"/>
+            <a:off x="5005751" y="554543"/>
             <a:ext cx="1819800" cy="2465953"/>
           </a:xfrm>
           <a:prstGeom prst="rect">
@@ -9618,6 +14652,24 @@
             <a:noAutofit/>
           </a:bodyPr>
           <a:lstStyle/>
+          <a:p>
+            <a:endParaRPr lang="pt-BR" sz="1800" dirty="0">
+              <a:solidFill>
+                <a:schemeClr val="bg1"/>
+              </a:solidFill>
+              <a:latin typeface="Exo"/>
+              <a:cs typeface="Rajdhani" panose="020B0604020202020204" charset="0"/>
+            </a:endParaRPr>
+          </a:p>
+          <a:p>
+            <a:endParaRPr lang="pt-BR" sz="1800" dirty="0">
+              <a:solidFill>
+                <a:schemeClr val="bg1"/>
+              </a:solidFill>
+              <a:latin typeface="Exo"/>
+              <a:cs typeface="Rajdhani" panose="020B0604020202020204" charset="0"/>
+            </a:endParaRPr>
+          </a:p>
           <a:p>
             <a:endParaRPr lang="pt-BR" sz="1800" dirty="0">
               <a:solidFill>
@@ -9821,7 +14873,7 @@
                             </p:stCondLst>
                             <p:childTnLst>
                               <p:par>
-                                <p:cTn id="5" presetID="10" presetClass="entr" presetSubtype="0" fill="hold" grpId="0" nodeType="afterEffect">
+                                <p:cTn id="5" presetID="10" presetClass="entr" presetSubtype="0" fill="hold" grpId="0" nodeType="withEffect">
                                   <p:stCondLst>
                                     <p:cond delay="0"/>
                                   </p:stCondLst>
@@ -9834,7 +14886,7 @@
                                           </p:stCondLst>
                                         </p:cTn>
                                         <p:tgtEl>
-                                          <p:spTgt spid="7"/>
+                                          <p:spTgt spid="8"/>
                                         </p:tgtEl>
                                         <p:attrNameLst>
                                           <p:attrName>style.visibility</p:attrName>
@@ -9848,7 +14900,7 @@
                                       <p:cBhvr>
                                         <p:cTn id="7" dur="500"/>
                                         <p:tgtEl>
-                                          <p:spTgt spid="7"/>
+                                          <p:spTgt spid="8"/>
                                         </p:tgtEl>
                                       </p:cBhvr>
                                     </p:animEffect>
@@ -9869,7 +14921,7 @@
                                           </p:stCondLst>
                                         </p:cTn>
                                         <p:tgtEl>
-                                          <p:spTgt spid="8"/>
+                                          <p:spTgt spid="9"/>
                                         </p:tgtEl>
                                         <p:attrNameLst>
                                           <p:attrName>style.visibility</p:attrName>
@@ -9882,41 +14934,6 @@
                                     <p:animEffect transition="in" filter="fade">
                                       <p:cBhvr>
                                         <p:cTn id="10" dur="500"/>
-                                        <p:tgtEl>
-                                          <p:spTgt spid="8"/>
-                                        </p:tgtEl>
-                                      </p:cBhvr>
-                                    </p:animEffect>
-                                  </p:childTnLst>
-                                </p:cTn>
-                              </p:par>
-                              <p:par>
-                                <p:cTn id="11" presetID="10" presetClass="entr" presetSubtype="0" fill="hold" grpId="0" nodeType="withEffect">
-                                  <p:stCondLst>
-                                    <p:cond delay="0"/>
-                                  </p:stCondLst>
-                                  <p:childTnLst>
-                                    <p:set>
-                                      <p:cBhvr>
-                                        <p:cTn id="12" dur="1" fill="hold">
-                                          <p:stCondLst>
-                                            <p:cond delay="0"/>
-                                          </p:stCondLst>
-                                        </p:cTn>
-                                        <p:tgtEl>
-                                          <p:spTgt spid="9"/>
-                                        </p:tgtEl>
-                                        <p:attrNameLst>
-                                          <p:attrName>style.visibility</p:attrName>
-                                        </p:attrNameLst>
-                                      </p:cBhvr>
-                                      <p:to>
-                                        <p:strVal val="visible"/>
-                                      </p:to>
-                                    </p:set>
-                                    <p:animEffect transition="in" filter="fade">
-                                      <p:cBhvr>
-                                        <p:cTn id="13" dur="500"/>
                                         <p:tgtEl>
                                           <p:spTgt spid="9"/>
                                         </p:tgtEl>
@@ -9953,7 +14970,6 @@
       </p:par>
     </p:tnLst>
     <p:bldLst>
-      <p:bldP spid="7" grpId="0"/>
       <p:bldP spid="8" grpId="0"/>
       <p:bldP spid="9" grpId="0"/>
     </p:bldLst>
@@ -9961,7 +14977,7 @@
 </p:sld>
 </file>
 
-<file path=ppt/slides/slide2.xml><?xml version="1.0" encoding="utf-8"?>
+<file path=ppt/slides/slide3.xml><?xml version="1.0" encoding="utf-8"?>
 <p:sld xmlns:a="http://schemas.openxmlformats.org/drawingml/2006/main" xmlns:r="http://schemas.openxmlformats.org/officeDocument/2006/relationships" xmlns:p="http://schemas.openxmlformats.org/presentationml/2006/main">
   <p:cSld>
     <p:spTree>
@@ -11791,7 +16807,7 @@
 </p:sld>
 </file>
 
-<file path=ppt/slides/slide3.xml><?xml version="1.0" encoding="utf-8"?>
+<file path=ppt/slides/slide4.xml><?xml version="1.0" encoding="utf-8"?>
 <p:sld xmlns:a="http://schemas.openxmlformats.org/drawingml/2006/main" xmlns:r="http://schemas.openxmlformats.org/officeDocument/2006/relationships" xmlns:p="http://schemas.openxmlformats.org/presentationml/2006/main">
   <p:cSld>
     <p:spTree>
@@ -11881,7 +16897,7 @@
 </p:sld>
 </file>
 
-<file path=ppt/slides/slide4.xml><?xml version="1.0" encoding="utf-8"?>
+<file path=ppt/slides/slide5.xml><?xml version="1.0" encoding="utf-8"?>
 <p:sld xmlns:a="http://schemas.openxmlformats.org/drawingml/2006/main" xmlns:r="http://schemas.openxmlformats.org/officeDocument/2006/relationships" xmlns:p="http://schemas.openxmlformats.org/presentationml/2006/main">
   <p:cSld>
     <p:spTree>
@@ -11971,7 +16987,7 @@
 </p:sld>
 </file>
 
-<file path=ppt/slides/slide5.xml><?xml version="1.0" encoding="utf-8"?>
+<file path=ppt/slides/slide6.xml><?xml version="1.0" encoding="utf-8"?>
 <p:sld xmlns:a="http://schemas.openxmlformats.org/drawingml/2006/main" xmlns:r="http://schemas.openxmlformats.org/officeDocument/2006/relationships" xmlns:p="http://schemas.openxmlformats.org/presentationml/2006/main">
   <p:cSld>
     <p:spTree>
@@ -12183,7 +17199,7 @@
 </p:sld>
 </file>
 
-<file path=ppt/slides/slide6.xml><?xml version="1.0" encoding="utf-8"?>
+<file path=ppt/slides/slide7.xml><?xml version="1.0" encoding="utf-8"?>
 <p:sld xmlns:a="http://schemas.openxmlformats.org/drawingml/2006/main" xmlns:r="http://schemas.openxmlformats.org/officeDocument/2006/relationships" xmlns:p="http://schemas.openxmlformats.org/presentationml/2006/main">
   <p:cSld>
     <p:spTree>
@@ -13709,7 +18725,7 @@
 </p:sld>
 </file>
 
-<file path=ppt/slides/slide7.xml><?xml version="1.0" encoding="utf-8"?>
+<file path=ppt/slides/slide8.xml><?xml version="1.0" encoding="utf-8"?>
 <p:sld xmlns:a="http://schemas.openxmlformats.org/drawingml/2006/main" xmlns:r="http://schemas.openxmlformats.org/officeDocument/2006/relationships" xmlns:p="http://schemas.openxmlformats.org/presentationml/2006/main">
   <p:cSld>
     <p:spTree>
@@ -13756,2617 +18772,6 @@
           </a:prstGeom>
         </p:spPr>
       </p:pic>
-      <p:graphicFrame>
-        <p:nvGraphicFramePr>
-          <p:cNvPr id="3" name="Tabela 2">
-            <a:extLst>
-              <a:ext uri="{FF2B5EF4-FFF2-40B4-BE49-F238E27FC236}">
-                <a16:creationId xmlns:a16="http://schemas.microsoft.com/office/drawing/2014/main" id="{6435E295-D4EC-4610-9BD6-DBC09E8F996C}"/>
-              </a:ext>
-            </a:extLst>
-          </p:cNvPr>
-          <p:cNvGraphicFramePr>
-            <a:graphicFrameLocks noGrp="1"/>
-          </p:cNvGraphicFramePr>
-          <p:nvPr>
-            <p:extLst>
-              <p:ext uri="{D42A27DB-BD31-4B8C-83A1-F6EECF244321}">
-                <p14:modId xmlns:p14="http://schemas.microsoft.com/office/powerpoint/2010/main" val="3442797599"/>
-              </p:ext>
-            </p:extLst>
-          </p:nvPr>
-        </p:nvGraphicFramePr>
-        <p:xfrm>
-          <a:off x="718387" y="1254728"/>
-          <a:ext cx="7209762" cy="2965577"/>
-        </p:xfrm>
-        <a:graphic>
-          <a:graphicData uri="http://schemas.openxmlformats.org/drawingml/2006/table">
-            <a:tbl>
-              <a:tblPr/>
-              <a:tblGrid>
-                <a:gridCol w="4505671">
-                  <a:extLst>
-                    <a:ext uri="{9D8B030D-6E8A-4147-A177-3AD203B41FA5}">
-                      <a16:colId xmlns:a16="http://schemas.microsoft.com/office/drawing/2014/main" val="3490060646"/>
-                    </a:ext>
-                  </a:extLst>
-                </a:gridCol>
-                <a:gridCol w="978295">
-                  <a:extLst>
-                    <a:ext uri="{9D8B030D-6E8A-4147-A177-3AD203B41FA5}">
-                      <a16:colId xmlns:a16="http://schemas.microsoft.com/office/drawing/2014/main" val="1143599930"/>
-                    </a:ext>
-                  </a:extLst>
-                </a:gridCol>
-                <a:gridCol w="751106">
-                  <a:extLst>
-                    <a:ext uri="{9D8B030D-6E8A-4147-A177-3AD203B41FA5}">
-                      <a16:colId xmlns:a16="http://schemas.microsoft.com/office/drawing/2014/main" val="197530752"/>
-                    </a:ext>
-                  </a:extLst>
-                </a:gridCol>
-                <a:gridCol w="974690">
-                  <a:extLst>
-                    <a:ext uri="{9D8B030D-6E8A-4147-A177-3AD203B41FA5}">
-                      <a16:colId xmlns:a16="http://schemas.microsoft.com/office/drawing/2014/main" val="1436018221"/>
-                    </a:ext>
-                  </a:extLst>
-                </a:gridCol>
-              </a:tblGrid>
-              <a:tr h="412432">
-                <a:tc>
-                  <a:txBody>
-                    <a:bodyPr/>
-                    <a:lstStyle/>
-                    <a:p>
-                      <a:pPr algn="ctr" fontAlgn="ctr"/>
-                      <a:r>
-                        <a:rPr lang="pt-BR" sz="1000" b="0" i="0" u="none" strike="noStrike" dirty="0">
-                          <a:solidFill>
-                            <a:srgbClr val="FFFFFF"/>
-                          </a:solidFill>
-                          <a:effectLst/>
-                          <a:latin typeface="Playfair Display"/>
-                        </a:rPr>
-                        <a:t>Requisitos</a:t>
-                      </a:r>
-                    </a:p>
-                  </a:txBody>
-                  <a:tcPr marL="9525" marR="9525" marT="9525" anchor="ctr">
-                    <a:lnL w="6350" cap="flat" cmpd="sng" algn="ctr">
-                      <a:solidFill>
-                        <a:srgbClr val="000000"/>
-                      </a:solidFill>
-                      <a:prstDash val="solid"/>
-                      <a:round/>
-                      <a:headEnd type="none" w="med" len="med"/>
-                      <a:tailEnd type="none" w="med" len="med"/>
-                    </a:lnL>
-                    <a:lnR w="6350" cap="flat" cmpd="sng" algn="ctr">
-                      <a:solidFill>
-                        <a:srgbClr val="000000"/>
-                      </a:solidFill>
-                      <a:prstDash val="solid"/>
-                      <a:round/>
-                      <a:headEnd type="none" w="med" len="med"/>
-                      <a:tailEnd type="none" w="med" len="med"/>
-                    </a:lnR>
-                    <a:lnT w="6350" cap="flat" cmpd="sng" algn="ctr">
-                      <a:solidFill>
-                        <a:srgbClr val="000000"/>
-                      </a:solidFill>
-                      <a:prstDash val="solid"/>
-                      <a:round/>
-                      <a:headEnd type="none" w="med" len="med"/>
-                      <a:tailEnd type="none" w="med" len="med"/>
-                    </a:lnT>
-                    <a:lnB w="6350" cap="flat" cmpd="sng" algn="ctr">
-                      <a:solidFill>
-                        <a:srgbClr val="000000"/>
-                      </a:solidFill>
-                      <a:prstDash val="solid"/>
-                      <a:round/>
-                      <a:headEnd type="none" w="med" len="med"/>
-                      <a:tailEnd type="none" w="med" len="med"/>
-                    </a:lnB>
-                    <a:solidFill>
-                      <a:srgbClr val="324A00"/>
-                    </a:solidFill>
-                  </a:tcPr>
-                </a:tc>
-                <a:tc>
-                  <a:txBody>
-                    <a:bodyPr/>
-                    <a:lstStyle/>
-                    <a:p>
-                      <a:pPr algn="ctr" fontAlgn="ctr"/>
-                      <a:r>
-                        <a:rPr lang="pt-BR" sz="1000" b="0" i="0" u="none" strike="noStrike">
-                          <a:solidFill>
-                            <a:srgbClr val="FFFFFF"/>
-                          </a:solidFill>
-                          <a:effectLst/>
-                          <a:latin typeface="Playfair Display"/>
-                        </a:rPr>
-                        <a:t>Classificação</a:t>
-                      </a:r>
-                    </a:p>
-                  </a:txBody>
-                  <a:tcPr marL="9525" marR="9525" marT="9525" anchor="ctr">
-                    <a:lnL w="6350" cap="flat" cmpd="sng" algn="ctr">
-                      <a:solidFill>
-                        <a:srgbClr val="000000"/>
-                      </a:solidFill>
-                      <a:prstDash val="solid"/>
-                      <a:round/>
-                      <a:headEnd type="none" w="med" len="med"/>
-                      <a:tailEnd type="none" w="med" len="med"/>
-                    </a:lnL>
-                    <a:lnR w="6350" cap="flat" cmpd="sng" algn="ctr">
-                      <a:solidFill>
-                        <a:srgbClr val="000000"/>
-                      </a:solidFill>
-                      <a:prstDash val="solid"/>
-                      <a:round/>
-                      <a:headEnd type="none" w="med" len="med"/>
-                      <a:tailEnd type="none" w="med" len="med"/>
-                    </a:lnR>
-                    <a:lnT w="6350" cap="flat" cmpd="sng" algn="ctr">
-                      <a:solidFill>
-                        <a:srgbClr val="000000"/>
-                      </a:solidFill>
-                      <a:prstDash val="solid"/>
-                      <a:round/>
-                      <a:headEnd type="none" w="med" len="med"/>
-                      <a:tailEnd type="none" w="med" len="med"/>
-                    </a:lnT>
-                    <a:lnB w="6350" cap="flat" cmpd="sng" algn="ctr">
-                      <a:solidFill>
-                        <a:srgbClr val="000000"/>
-                      </a:solidFill>
-                      <a:prstDash val="solid"/>
-                      <a:round/>
-                      <a:headEnd type="none" w="med" len="med"/>
-                      <a:tailEnd type="none" w="med" len="med"/>
-                    </a:lnB>
-                    <a:solidFill>
-                      <a:srgbClr val="324A00"/>
-                    </a:solidFill>
-                  </a:tcPr>
-                </a:tc>
-                <a:tc>
-                  <a:txBody>
-                    <a:bodyPr/>
-                    <a:lstStyle/>
-                    <a:p>
-                      <a:pPr algn="ctr" fontAlgn="ctr"/>
-                      <a:r>
-                        <a:rPr lang="pt-BR" sz="1000" b="0" i="0" u="none" strike="noStrike">
-                          <a:solidFill>
-                            <a:srgbClr val="FFFFFF"/>
-                          </a:solidFill>
-                          <a:effectLst/>
-                          <a:latin typeface="Playfair Display"/>
-                        </a:rPr>
-                        <a:t>Fibonacci</a:t>
-                      </a:r>
-                    </a:p>
-                  </a:txBody>
-                  <a:tcPr marL="9525" marR="9525" marT="9525" anchor="ctr">
-                    <a:lnL w="6350" cap="flat" cmpd="sng" algn="ctr">
-                      <a:solidFill>
-                        <a:srgbClr val="000000"/>
-                      </a:solidFill>
-                      <a:prstDash val="solid"/>
-                      <a:round/>
-                      <a:headEnd type="none" w="med" len="med"/>
-                      <a:tailEnd type="none" w="med" len="med"/>
-                    </a:lnL>
-                    <a:lnR w="6350" cap="flat" cmpd="sng" algn="ctr">
-                      <a:solidFill>
-                        <a:srgbClr val="000000"/>
-                      </a:solidFill>
-                      <a:prstDash val="solid"/>
-                      <a:round/>
-                      <a:headEnd type="none" w="med" len="med"/>
-                      <a:tailEnd type="none" w="med" len="med"/>
-                    </a:lnR>
-                    <a:lnT w="6350" cap="flat" cmpd="sng" algn="ctr">
-                      <a:solidFill>
-                        <a:srgbClr val="000000"/>
-                      </a:solidFill>
-                      <a:prstDash val="solid"/>
-                      <a:round/>
-                      <a:headEnd type="none" w="med" len="med"/>
-                      <a:tailEnd type="none" w="med" len="med"/>
-                    </a:lnT>
-                    <a:lnB w="6350" cap="flat" cmpd="sng" algn="ctr">
-                      <a:solidFill>
-                        <a:srgbClr val="000000"/>
-                      </a:solidFill>
-                      <a:prstDash val="solid"/>
-                      <a:round/>
-                      <a:headEnd type="none" w="med" len="med"/>
-                      <a:tailEnd type="none" w="med" len="med"/>
-                    </a:lnB>
-                    <a:solidFill>
-                      <a:srgbClr val="324A00"/>
-                    </a:solidFill>
-                  </a:tcPr>
-                </a:tc>
-                <a:tc>
-                  <a:txBody>
-                    <a:bodyPr/>
-                    <a:lstStyle/>
-                    <a:p>
-                      <a:pPr algn="ctr" fontAlgn="ctr"/>
-                      <a:r>
-                        <a:rPr lang="pt-BR" sz="1000" b="0" i="0" u="none" strike="noStrike">
-                          <a:solidFill>
-                            <a:srgbClr val="FFFFFF"/>
-                          </a:solidFill>
-                          <a:effectLst/>
-                          <a:latin typeface="Playfair Display"/>
-                        </a:rPr>
-                        <a:t>Ordem de execucao</a:t>
-                      </a:r>
-                    </a:p>
-                  </a:txBody>
-                  <a:tcPr marL="9525" marR="9525" marT="9525" anchor="ctr">
-                    <a:lnL w="6350" cap="flat" cmpd="sng" algn="ctr">
-                      <a:solidFill>
-                        <a:srgbClr val="000000"/>
-                      </a:solidFill>
-                      <a:prstDash val="solid"/>
-                      <a:round/>
-                      <a:headEnd type="none" w="med" len="med"/>
-                      <a:tailEnd type="none" w="med" len="med"/>
-                    </a:lnL>
-                    <a:lnR w="6350" cap="flat" cmpd="sng" algn="ctr">
-                      <a:solidFill>
-                        <a:srgbClr val="000000"/>
-                      </a:solidFill>
-                      <a:prstDash val="solid"/>
-                      <a:round/>
-                      <a:headEnd type="none" w="med" len="med"/>
-                      <a:tailEnd type="none" w="med" len="med"/>
-                    </a:lnR>
-                    <a:lnT w="6350" cap="flat" cmpd="sng" algn="ctr">
-                      <a:solidFill>
-                        <a:srgbClr val="000000"/>
-                      </a:solidFill>
-                      <a:prstDash val="solid"/>
-                      <a:round/>
-                      <a:headEnd type="none" w="med" len="med"/>
-                      <a:tailEnd type="none" w="med" len="med"/>
-                    </a:lnT>
-                    <a:lnB w="6350" cap="flat" cmpd="sng" algn="ctr">
-                      <a:solidFill>
-                        <a:srgbClr val="000000"/>
-                      </a:solidFill>
-                      <a:prstDash val="solid"/>
-                      <a:round/>
-                      <a:headEnd type="none" w="med" len="med"/>
-                      <a:tailEnd type="none" w="med" len="med"/>
-                    </a:lnB>
-                    <a:solidFill>
-                      <a:srgbClr val="324A00"/>
-                    </a:solidFill>
-                  </a:tcPr>
-                </a:tc>
-                <a:extLst>
-                  <a:ext uri="{0D108BD9-81ED-4DB2-BD59-A6C34878D82A}">
-                    <a16:rowId xmlns:a16="http://schemas.microsoft.com/office/drawing/2014/main" val="1515582136"/>
-                  </a:ext>
-                </a:extLst>
-              </a:tr>
-              <a:tr h="412432">
-                <a:tc>
-                  <a:txBody>
-                    <a:bodyPr/>
-                    <a:lstStyle/>
-                    <a:p>
-                      <a:pPr algn="l" fontAlgn="t"/>
-                      <a:r>
-                        <a:rPr lang="pt-BR" sz="1000" b="0" i="0" u="none" strike="noStrike">
-                          <a:solidFill>
-                            <a:srgbClr val="000000"/>
-                          </a:solidFill>
-                          <a:effectLst/>
-                          <a:latin typeface="Playfair Display"/>
-                        </a:rPr>
-                        <a:t>Realizar uma aplicação web que gere os valores e gráficos relativo à umidade do solo e utilização de água;</a:t>
-                      </a:r>
-                    </a:p>
-                  </a:txBody>
-                  <a:tcPr marL="9525" marR="9525" marT="9525">
-                    <a:lnL w="6350" cap="flat" cmpd="sng" algn="ctr">
-                      <a:solidFill>
-                        <a:srgbClr val="000000"/>
-                      </a:solidFill>
-                      <a:prstDash val="solid"/>
-                      <a:round/>
-                      <a:headEnd type="none" w="med" len="med"/>
-                      <a:tailEnd type="none" w="med" len="med"/>
-                    </a:lnL>
-                    <a:lnR w="6350" cap="flat" cmpd="sng" algn="ctr">
-                      <a:solidFill>
-                        <a:srgbClr val="000000"/>
-                      </a:solidFill>
-                      <a:prstDash val="solid"/>
-                      <a:round/>
-                      <a:headEnd type="none" w="med" len="med"/>
-                      <a:tailEnd type="none" w="med" len="med"/>
-                    </a:lnR>
-                    <a:lnT w="6350" cap="flat" cmpd="sng" algn="ctr">
-                      <a:solidFill>
-                        <a:srgbClr val="000000"/>
-                      </a:solidFill>
-                      <a:prstDash val="solid"/>
-                      <a:round/>
-                      <a:headEnd type="none" w="med" len="med"/>
-                      <a:tailEnd type="none" w="med" len="med"/>
-                    </a:lnT>
-                    <a:lnB w="6350" cap="flat" cmpd="sng" algn="ctr">
-                      <a:solidFill>
-                        <a:srgbClr val="000000"/>
-                      </a:solidFill>
-                      <a:prstDash val="solid"/>
-                      <a:round/>
-                      <a:headEnd type="none" w="med" len="med"/>
-                      <a:tailEnd type="none" w="med" len="med"/>
-                    </a:lnB>
-                    <a:solidFill>
-                      <a:srgbClr val="FFFFFF"/>
-                    </a:solidFill>
-                  </a:tcPr>
-                </a:tc>
-                <a:tc>
-                  <a:txBody>
-                    <a:bodyPr/>
-                    <a:lstStyle/>
-                    <a:p>
-                      <a:pPr algn="l" fontAlgn="ctr"/>
-                      <a:endParaRPr lang="pt-BR" sz="1000" b="0" i="0" u="none" strike="noStrike" dirty="0">
-                        <a:solidFill>
-                          <a:srgbClr val="000000"/>
-                        </a:solidFill>
-                        <a:effectLst/>
-                        <a:latin typeface="Playfair Display"/>
-                      </a:endParaRPr>
-                    </a:p>
-                  </a:txBody>
-                  <a:tcPr marL="9525" marR="9525" marT="9525" anchor="ctr">
-                    <a:lnL w="6350" cap="flat" cmpd="sng" algn="ctr">
-                      <a:solidFill>
-                        <a:srgbClr val="000000"/>
-                      </a:solidFill>
-                      <a:prstDash val="solid"/>
-                      <a:round/>
-                      <a:headEnd type="none" w="med" len="med"/>
-                      <a:tailEnd type="none" w="med" len="med"/>
-                    </a:lnL>
-                    <a:lnR w="6350" cap="flat" cmpd="sng" algn="ctr">
-                      <a:solidFill>
-                        <a:srgbClr val="000000"/>
-                      </a:solidFill>
-                      <a:prstDash val="solid"/>
-                      <a:round/>
-                      <a:headEnd type="none" w="med" len="med"/>
-                      <a:tailEnd type="none" w="med" len="med"/>
-                    </a:lnR>
-                    <a:lnT w="6350" cap="flat" cmpd="sng" algn="ctr">
-                      <a:solidFill>
-                        <a:srgbClr val="000000"/>
-                      </a:solidFill>
-                      <a:prstDash val="solid"/>
-                      <a:round/>
-                      <a:headEnd type="none" w="med" len="med"/>
-                      <a:tailEnd type="none" w="med" len="med"/>
-                    </a:lnT>
-                    <a:lnB>
-                      <a:noFill/>
-                    </a:lnB>
-                    <a:solidFill>
-                      <a:srgbClr val="FF0000"/>
-                    </a:solidFill>
-                  </a:tcPr>
-                </a:tc>
-                <a:tc>
-                  <a:txBody>
-                    <a:bodyPr/>
-                    <a:lstStyle/>
-                    <a:p>
-                      <a:pPr algn="ctr" fontAlgn="ctr"/>
-                      <a:endParaRPr lang="pt-BR" sz="1000" b="0" i="0" u="none" strike="noStrike">
-                        <a:solidFill>
-                          <a:srgbClr val="000000"/>
-                        </a:solidFill>
-                        <a:effectLst/>
-                        <a:latin typeface="Playfair Display"/>
-                      </a:endParaRPr>
-                    </a:p>
-                  </a:txBody>
-                  <a:tcPr marL="9525" marR="9525" marT="9525" anchor="ctr">
-                    <a:lnL w="6350" cap="flat" cmpd="sng" algn="ctr">
-                      <a:solidFill>
-                        <a:srgbClr val="000000"/>
-                      </a:solidFill>
-                      <a:prstDash val="solid"/>
-                      <a:round/>
-                      <a:headEnd type="none" w="med" len="med"/>
-                      <a:tailEnd type="none" w="med" len="med"/>
-                    </a:lnL>
-                    <a:lnR w="6350" cap="flat" cmpd="sng" algn="ctr">
-                      <a:solidFill>
-                        <a:srgbClr val="000000"/>
-                      </a:solidFill>
-                      <a:prstDash val="solid"/>
-                      <a:round/>
-                      <a:headEnd type="none" w="med" len="med"/>
-                      <a:tailEnd type="none" w="med" len="med"/>
-                    </a:lnR>
-                    <a:lnT w="6350" cap="flat" cmpd="sng" algn="ctr">
-                      <a:solidFill>
-                        <a:srgbClr val="000000"/>
-                      </a:solidFill>
-                      <a:prstDash val="solid"/>
-                      <a:round/>
-                      <a:headEnd type="none" w="med" len="med"/>
-                      <a:tailEnd type="none" w="med" len="med"/>
-                    </a:lnT>
-                    <a:lnB w="6350" cap="flat" cmpd="sng" algn="ctr">
-                      <a:solidFill>
-                        <a:srgbClr val="000000"/>
-                      </a:solidFill>
-                      <a:prstDash val="solid"/>
-                      <a:round/>
-                      <a:headEnd type="none" w="med" len="med"/>
-                      <a:tailEnd type="none" w="med" len="med"/>
-                    </a:lnB>
-                    <a:solidFill>
-                      <a:srgbClr val="FFFFFF"/>
-                    </a:solidFill>
-                  </a:tcPr>
-                </a:tc>
-                <a:tc>
-                  <a:txBody>
-                    <a:bodyPr/>
-                    <a:lstStyle/>
-                    <a:p>
-                      <a:pPr algn="ctr" fontAlgn="ctr"/>
-                      <a:r>
-                        <a:rPr lang="pt-BR" sz="1000" b="0" i="0" u="none" strike="noStrike">
-                          <a:solidFill>
-                            <a:srgbClr val="000000"/>
-                          </a:solidFill>
-                          <a:effectLst/>
-                          <a:latin typeface="Playfair Display"/>
-                        </a:rPr>
-                        <a:t>1</a:t>
-                      </a:r>
-                    </a:p>
-                  </a:txBody>
-                  <a:tcPr marL="9525" marR="9525" marT="9525" anchor="ctr">
-                    <a:lnL w="6350" cap="flat" cmpd="sng" algn="ctr">
-                      <a:solidFill>
-                        <a:srgbClr val="000000"/>
-                      </a:solidFill>
-                      <a:prstDash val="solid"/>
-                      <a:round/>
-                      <a:headEnd type="none" w="med" len="med"/>
-                      <a:tailEnd type="none" w="med" len="med"/>
-                    </a:lnL>
-                    <a:lnR w="6350" cap="flat" cmpd="sng" algn="ctr">
-                      <a:solidFill>
-                        <a:srgbClr val="000000"/>
-                      </a:solidFill>
-                      <a:prstDash val="solid"/>
-                      <a:round/>
-                      <a:headEnd type="none" w="med" len="med"/>
-                      <a:tailEnd type="none" w="med" len="med"/>
-                    </a:lnR>
-                    <a:lnT w="6350" cap="flat" cmpd="sng" algn="ctr">
-                      <a:solidFill>
-                        <a:srgbClr val="000000"/>
-                      </a:solidFill>
-                      <a:prstDash val="solid"/>
-                      <a:round/>
-                      <a:headEnd type="none" w="med" len="med"/>
-                      <a:tailEnd type="none" w="med" len="med"/>
-                    </a:lnT>
-                    <a:lnB w="6350" cap="flat" cmpd="sng" algn="ctr">
-                      <a:solidFill>
-                        <a:srgbClr val="000000"/>
-                      </a:solidFill>
-                      <a:prstDash val="solid"/>
-                      <a:round/>
-                      <a:headEnd type="none" w="med" len="med"/>
-                      <a:tailEnd type="none" w="med" len="med"/>
-                    </a:lnB>
-                    <a:solidFill>
-                      <a:srgbClr val="FFFFFF"/>
-                    </a:solidFill>
-                  </a:tcPr>
-                </a:tc>
-                <a:extLst>
-                  <a:ext uri="{0D108BD9-81ED-4DB2-BD59-A6C34878D82A}">
-                    <a16:rowId xmlns:a16="http://schemas.microsoft.com/office/drawing/2014/main" val="803600023"/>
-                  </a:ext>
-                </a:extLst>
-              </a:tr>
-              <a:tr h="237857">
-                <a:tc>
-                  <a:txBody>
-                    <a:bodyPr/>
-                    <a:lstStyle/>
-                    <a:p>
-                      <a:pPr algn="l" fontAlgn="b"/>
-                      <a:r>
-                        <a:rPr lang="pt-BR" sz="1000" b="0" i="0" u="none" strike="noStrike">
-                          <a:solidFill>
-                            <a:srgbClr val="000000"/>
-                          </a:solidFill>
-                          <a:effectLst/>
-                          <a:latin typeface="Playfair Display"/>
-                        </a:rPr>
-                        <a:t>O banco de dados armazenando informações sobre os sensores; </a:t>
-                      </a:r>
-                    </a:p>
-                  </a:txBody>
-                  <a:tcPr marL="9525" marR="9525" marT="9525" anchor="b">
-                    <a:lnL w="6350" cap="flat" cmpd="sng" algn="ctr">
-                      <a:solidFill>
-                        <a:srgbClr val="000000"/>
-                      </a:solidFill>
-                      <a:prstDash val="solid"/>
-                      <a:round/>
-                      <a:headEnd type="none" w="med" len="med"/>
-                      <a:tailEnd type="none" w="med" len="med"/>
-                    </a:lnL>
-                    <a:lnR w="6350" cap="flat" cmpd="sng" algn="ctr">
-                      <a:solidFill>
-                        <a:srgbClr val="000000"/>
-                      </a:solidFill>
-                      <a:prstDash val="solid"/>
-                      <a:round/>
-                      <a:headEnd type="none" w="med" len="med"/>
-                      <a:tailEnd type="none" w="med" len="med"/>
-                    </a:lnR>
-                    <a:lnT w="6350" cap="flat" cmpd="sng" algn="ctr">
-                      <a:solidFill>
-                        <a:srgbClr val="000000"/>
-                      </a:solidFill>
-                      <a:prstDash val="solid"/>
-                      <a:round/>
-                      <a:headEnd type="none" w="med" len="med"/>
-                      <a:tailEnd type="none" w="med" len="med"/>
-                    </a:lnT>
-                    <a:lnB w="6350" cap="flat" cmpd="sng" algn="ctr">
-                      <a:solidFill>
-                        <a:srgbClr val="000000"/>
-                      </a:solidFill>
-                      <a:prstDash val="solid"/>
-                      <a:round/>
-                      <a:headEnd type="none" w="med" len="med"/>
-                      <a:tailEnd type="none" w="med" len="med"/>
-                    </a:lnB>
-                    <a:solidFill>
-                      <a:srgbClr val="FFFFFF"/>
-                    </a:solidFill>
-                  </a:tcPr>
-                </a:tc>
-                <a:tc>
-                  <a:txBody>
-                    <a:bodyPr/>
-                    <a:lstStyle/>
-                    <a:p>
-                      <a:pPr algn="l" fontAlgn="ctr"/>
-                      <a:endParaRPr lang="pt-BR" sz="1000" b="0" i="0" u="none" strike="noStrike" dirty="0">
-                        <a:solidFill>
-                          <a:srgbClr val="000000"/>
-                        </a:solidFill>
-                        <a:effectLst/>
-                        <a:latin typeface="Playfair Display"/>
-                      </a:endParaRPr>
-                    </a:p>
-                  </a:txBody>
-                  <a:tcPr marL="9525" marR="9525" marT="9525" anchor="ctr">
-                    <a:lnL w="6350" cap="flat" cmpd="sng" algn="ctr">
-                      <a:solidFill>
-                        <a:srgbClr val="000000"/>
-                      </a:solidFill>
-                      <a:prstDash val="solid"/>
-                      <a:round/>
-                      <a:headEnd type="none" w="med" len="med"/>
-                      <a:tailEnd type="none" w="med" len="med"/>
-                    </a:lnL>
-                    <a:lnR w="6350" cap="flat" cmpd="sng" algn="ctr">
-                      <a:solidFill>
-                        <a:srgbClr val="000000"/>
-                      </a:solidFill>
-                      <a:prstDash val="solid"/>
-                      <a:round/>
-                      <a:headEnd type="none" w="med" len="med"/>
-                      <a:tailEnd type="none" w="med" len="med"/>
-                    </a:lnR>
-                    <a:lnT>
-                      <a:noFill/>
-                    </a:lnT>
-                    <a:lnB>
-                      <a:noFill/>
-                    </a:lnB>
-                    <a:solidFill>
-                      <a:srgbClr val="FF0000"/>
-                    </a:solidFill>
-                  </a:tcPr>
-                </a:tc>
-                <a:tc>
-                  <a:txBody>
-                    <a:bodyPr/>
-                    <a:lstStyle/>
-                    <a:p>
-                      <a:pPr algn="ctr" fontAlgn="ctr"/>
-                      <a:endParaRPr lang="pt-BR" sz="1000" b="0" i="0" u="none" strike="noStrike">
-                        <a:solidFill>
-                          <a:srgbClr val="000000"/>
-                        </a:solidFill>
-                        <a:effectLst/>
-                        <a:latin typeface="Playfair Display"/>
-                      </a:endParaRPr>
-                    </a:p>
-                  </a:txBody>
-                  <a:tcPr marL="9525" marR="9525" marT="9525" anchor="ctr">
-                    <a:lnL w="6350" cap="flat" cmpd="sng" algn="ctr">
-                      <a:solidFill>
-                        <a:srgbClr val="000000"/>
-                      </a:solidFill>
-                      <a:prstDash val="solid"/>
-                      <a:round/>
-                      <a:headEnd type="none" w="med" len="med"/>
-                      <a:tailEnd type="none" w="med" len="med"/>
-                    </a:lnL>
-                    <a:lnR w="6350" cap="flat" cmpd="sng" algn="ctr">
-                      <a:solidFill>
-                        <a:srgbClr val="000000"/>
-                      </a:solidFill>
-                      <a:prstDash val="solid"/>
-                      <a:round/>
-                      <a:headEnd type="none" w="med" len="med"/>
-                      <a:tailEnd type="none" w="med" len="med"/>
-                    </a:lnR>
-                    <a:lnT w="6350" cap="flat" cmpd="sng" algn="ctr">
-                      <a:solidFill>
-                        <a:srgbClr val="000000"/>
-                      </a:solidFill>
-                      <a:prstDash val="solid"/>
-                      <a:round/>
-                      <a:headEnd type="none" w="med" len="med"/>
-                      <a:tailEnd type="none" w="med" len="med"/>
-                    </a:lnT>
-                    <a:lnB w="6350" cap="flat" cmpd="sng" algn="ctr">
-                      <a:solidFill>
-                        <a:srgbClr val="000000"/>
-                      </a:solidFill>
-                      <a:prstDash val="solid"/>
-                      <a:round/>
-                      <a:headEnd type="none" w="med" len="med"/>
-                      <a:tailEnd type="none" w="med" len="med"/>
-                    </a:lnB>
-                    <a:solidFill>
-                      <a:srgbClr val="FFFFFF"/>
-                    </a:solidFill>
-                  </a:tcPr>
-                </a:tc>
-                <a:tc>
-                  <a:txBody>
-                    <a:bodyPr/>
-                    <a:lstStyle/>
-                    <a:p>
-                      <a:pPr algn="ctr" fontAlgn="ctr"/>
-                      <a:r>
-                        <a:rPr lang="pt-BR" sz="1000" b="0" i="0" u="none" strike="noStrike">
-                          <a:solidFill>
-                            <a:srgbClr val="000000"/>
-                          </a:solidFill>
-                          <a:effectLst/>
-                          <a:latin typeface="Playfair Display"/>
-                        </a:rPr>
-                        <a:t>2</a:t>
-                      </a:r>
-                    </a:p>
-                  </a:txBody>
-                  <a:tcPr marL="9525" marR="9525" marT="9525" anchor="ctr">
-                    <a:lnL w="6350" cap="flat" cmpd="sng" algn="ctr">
-                      <a:solidFill>
-                        <a:srgbClr val="000000"/>
-                      </a:solidFill>
-                      <a:prstDash val="solid"/>
-                      <a:round/>
-                      <a:headEnd type="none" w="med" len="med"/>
-                      <a:tailEnd type="none" w="med" len="med"/>
-                    </a:lnL>
-                    <a:lnR w="6350" cap="flat" cmpd="sng" algn="ctr">
-                      <a:solidFill>
-                        <a:srgbClr val="000000"/>
-                      </a:solidFill>
-                      <a:prstDash val="solid"/>
-                      <a:round/>
-                      <a:headEnd type="none" w="med" len="med"/>
-                      <a:tailEnd type="none" w="med" len="med"/>
-                    </a:lnR>
-                    <a:lnT w="6350" cap="flat" cmpd="sng" algn="ctr">
-                      <a:solidFill>
-                        <a:srgbClr val="000000"/>
-                      </a:solidFill>
-                      <a:prstDash val="solid"/>
-                      <a:round/>
-                      <a:headEnd type="none" w="med" len="med"/>
-                      <a:tailEnd type="none" w="med" len="med"/>
-                    </a:lnT>
-                    <a:lnB w="6350" cap="flat" cmpd="sng" algn="ctr">
-                      <a:solidFill>
-                        <a:srgbClr val="000000"/>
-                      </a:solidFill>
-                      <a:prstDash val="solid"/>
-                      <a:round/>
-                      <a:headEnd type="none" w="med" len="med"/>
-                      <a:tailEnd type="none" w="med" len="med"/>
-                    </a:lnB>
-                    <a:solidFill>
-                      <a:srgbClr val="FFFFFF"/>
-                    </a:solidFill>
-                  </a:tcPr>
-                </a:tc>
-                <a:extLst>
-                  <a:ext uri="{0D108BD9-81ED-4DB2-BD59-A6C34878D82A}">
-                    <a16:rowId xmlns:a16="http://schemas.microsoft.com/office/drawing/2014/main" val="4025226139"/>
-                  </a:ext>
-                </a:extLst>
-              </a:tr>
-              <a:tr h="237857">
-                <a:tc>
-                  <a:txBody>
-                    <a:bodyPr/>
-                    <a:lstStyle/>
-                    <a:p>
-                      <a:pPr algn="l" fontAlgn="b"/>
-                      <a:r>
-                        <a:rPr lang="pt-BR" sz="1000" b="0" i="0" u="none" strike="noStrike">
-                          <a:solidFill>
-                            <a:srgbClr val="000000"/>
-                          </a:solidFill>
-                          <a:effectLst/>
-                          <a:latin typeface="Playfair Display"/>
-                        </a:rPr>
-                        <a:t>Sistema de login e cadastro de usuário; </a:t>
-                      </a:r>
-                    </a:p>
-                  </a:txBody>
-                  <a:tcPr marL="9525" marR="9525" marT="9525" anchor="b">
-                    <a:lnL w="6350" cap="flat" cmpd="sng" algn="ctr">
-                      <a:solidFill>
-                        <a:srgbClr val="000000"/>
-                      </a:solidFill>
-                      <a:prstDash val="solid"/>
-                      <a:round/>
-                      <a:headEnd type="none" w="med" len="med"/>
-                      <a:tailEnd type="none" w="med" len="med"/>
-                    </a:lnL>
-                    <a:lnR w="6350" cap="flat" cmpd="sng" algn="ctr">
-                      <a:solidFill>
-                        <a:srgbClr val="000000"/>
-                      </a:solidFill>
-                      <a:prstDash val="solid"/>
-                      <a:round/>
-                      <a:headEnd type="none" w="med" len="med"/>
-                      <a:tailEnd type="none" w="med" len="med"/>
-                    </a:lnR>
-                    <a:lnT w="6350" cap="flat" cmpd="sng" algn="ctr">
-                      <a:solidFill>
-                        <a:srgbClr val="000000"/>
-                      </a:solidFill>
-                      <a:prstDash val="solid"/>
-                      <a:round/>
-                      <a:headEnd type="none" w="med" len="med"/>
-                      <a:tailEnd type="none" w="med" len="med"/>
-                    </a:lnT>
-                    <a:lnB w="6350" cap="flat" cmpd="sng" algn="ctr">
-                      <a:solidFill>
-                        <a:srgbClr val="000000"/>
-                      </a:solidFill>
-                      <a:prstDash val="solid"/>
-                      <a:round/>
-                      <a:headEnd type="none" w="med" len="med"/>
-                      <a:tailEnd type="none" w="med" len="med"/>
-                    </a:lnB>
-                    <a:solidFill>
-                      <a:srgbClr val="FFFFFF"/>
-                    </a:solidFill>
-                  </a:tcPr>
-                </a:tc>
-                <a:tc>
-                  <a:txBody>
-                    <a:bodyPr/>
-                    <a:lstStyle/>
-                    <a:p>
-                      <a:pPr algn="l" fontAlgn="ctr"/>
-                      <a:endParaRPr lang="pt-BR" sz="1000" b="0" i="0" u="none" strike="noStrike">
-                        <a:solidFill>
-                          <a:srgbClr val="000000"/>
-                        </a:solidFill>
-                        <a:effectLst/>
-                        <a:latin typeface="Playfair Display"/>
-                      </a:endParaRPr>
-                    </a:p>
-                  </a:txBody>
-                  <a:tcPr marL="9525" marR="9525" marT="9525" anchor="ctr">
-                    <a:lnL w="6350" cap="flat" cmpd="sng" algn="ctr">
-                      <a:solidFill>
-                        <a:srgbClr val="000000"/>
-                      </a:solidFill>
-                      <a:prstDash val="solid"/>
-                      <a:round/>
-                      <a:headEnd type="none" w="med" len="med"/>
-                      <a:tailEnd type="none" w="med" len="med"/>
-                    </a:lnL>
-                    <a:lnR w="6350" cap="flat" cmpd="sng" algn="ctr">
-                      <a:solidFill>
-                        <a:srgbClr val="000000"/>
-                      </a:solidFill>
-                      <a:prstDash val="solid"/>
-                      <a:round/>
-                      <a:headEnd type="none" w="med" len="med"/>
-                      <a:tailEnd type="none" w="med" len="med"/>
-                    </a:lnR>
-                    <a:lnT>
-                      <a:noFill/>
-                    </a:lnT>
-                    <a:lnB>
-                      <a:noFill/>
-                    </a:lnB>
-                    <a:solidFill>
-                      <a:srgbClr val="FF0000"/>
-                    </a:solidFill>
-                  </a:tcPr>
-                </a:tc>
-                <a:tc>
-                  <a:txBody>
-                    <a:bodyPr/>
-                    <a:lstStyle/>
-                    <a:p>
-                      <a:pPr algn="ctr" fontAlgn="ctr"/>
-                      <a:endParaRPr lang="pt-BR" sz="1000" b="0" i="0" u="none" strike="noStrike">
-                        <a:solidFill>
-                          <a:srgbClr val="000000"/>
-                        </a:solidFill>
-                        <a:effectLst/>
-                        <a:latin typeface="Playfair Display"/>
-                      </a:endParaRPr>
-                    </a:p>
-                  </a:txBody>
-                  <a:tcPr marL="9525" marR="9525" marT="9525" anchor="ctr">
-                    <a:lnL w="6350" cap="flat" cmpd="sng" algn="ctr">
-                      <a:solidFill>
-                        <a:srgbClr val="000000"/>
-                      </a:solidFill>
-                      <a:prstDash val="solid"/>
-                      <a:round/>
-                      <a:headEnd type="none" w="med" len="med"/>
-                      <a:tailEnd type="none" w="med" len="med"/>
-                    </a:lnL>
-                    <a:lnR w="6350" cap="flat" cmpd="sng" algn="ctr">
-                      <a:solidFill>
-                        <a:srgbClr val="000000"/>
-                      </a:solidFill>
-                      <a:prstDash val="solid"/>
-                      <a:round/>
-                      <a:headEnd type="none" w="med" len="med"/>
-                      <a:tailEnd type="none" w="med" len="med"/>
-                    </a:lnR>
-                    <a:lnT w="6350" cap="flat" cmpd="sng" algn="ctr">
-                      <a:solidFill>
-                        <a:srgbClr val="000000"/>
-                      </a:solidFill>
-                      <a:prstDash val="solid"/>
-                      <a:round/>
-                      <a:headEnd type="none" w="med" len="med"/>
-                      <a:tailEnd type="none" w="med" len="med"/>
-                    </a:lnT>
-                    <a:lnB w="6350" cap="flat" cmpd="sng" algn="ctr">
-                      <a:solidFill>
-                        <a:srgbClr val="000000"/>
-                      </a:solidFill>
-                      <a:prstDash val="solid"/>
-                      <a:round/>
-                      <a:headEnd type="none" w="med" len="med"/>
-                      <a:tailEnd type="none" w="med" len="med"/>
-                    </a:lnB>
-                    <a:solidFill>
-                      <a:srgbClr val="FFFFFF"/>
-                    </a:solidFill>
-                  </a:tcPr>
-                </a:tc>
-                <a:tc>
-                  <a:txBody>
-                    <a:bodyPr/>
-                    <a:lstStyle/>
-                    <a:p>
-                      <a:pPr algn="ctr" fontAlgn="ctr"/>
-                      <a:r>
-                        <a:rPr lang="pt-BR" sz="1000" b="0" i="0" u="none" strike="noStrike" dirty="0">
-                          <a:solidFill>
-                            <a:srgbClr val="000000"/>
-                          </a:solidFill>
-                          <a:effectLst/>
-                          <a:latin typeface="Playfair Display"/>
-                        </a:rPr>
-                        <a:t>3</a:t>
-                      </a:r>
-                    </a:p>
-                  </a:txBody>
-                  <a:tcPr marL="9525" marR="9525" marT="9525" anchor="ctr">
-                    <a:lnL w="6350" cap="flat" cmpd="sng" algn="ctr">
-                      <a:solidFill>
-                        <a:srgbClr val="000000"/>
-                      </a:solidFill>
-                      <a:prstDash val="solid"/>
-                      <a:round/>
-                      <a:headEnd type="none" w="med" len="med"/>
-                      <a:tailEnd type="none" w="med" len="med"/>
-                    </a:lnL>
-                    <a:lnR w="6350" cap="flat" cmpd="sng" algn="ctr">
-                      <a:solidFill>
-                        <a:srgbClr val="000000"/>
-                      </a:solidFill>
-                      <a:prstDash val="solid"/>
-                      <a:round/>
-                      <a:headEnd type="none" w="med" len="med"/>
-                      <a:tailEnd type="none" w="med" len="med"/>
-                    </a:lnR>
-                    <a:lnT w="6350" cap="flat" cmpd="sng" algn="ctr">
-                      <a:solidFill>
-                        <a:srgbClr val="000000"/>
-                      </a:solidFill>
-                      <a:prstDash val="solid"/>
-                      <a:round/>
-                      <a:headEnd type="none" w="med" len="med"/>
-                      <a:tailEnd type="none" w="med" len="med"/>
-                    </a:lnT>
-                    <a:lnB w="6350" cap="flat" cmpd="sng" algn="ctr">
-                      <a:solidFill>
-                        <a:srgbClr val="000000"/>
-                      </a:solidFill>
-                      <a:prstDash val="solid"/>
-                      <a:round/>
-                      <a:headEnd type="none" w="med" len="med"/>
-                      <a:tailEnd type="none" w="med" len="med"/>
-                    </a:lnB>
-                    <a:solidFill>
-                      <a:srgbClr val="FFFFFF"/>
-                    </a:solidFill>
-                  </a:tcPr>
-                </a:tc>
-                <a:extLst>
-                  <a:ext uri="{0D108BD9-81ED-4DB2-BD59-A6C34878D82A}">
-                    <a16:rowId xmlns:a16="http://schemas.microsoft.com/office/drawing/2014/main" val="1198322818"/>
-                  </a:ext>
-                </a:extLst>
-              </a:tr>
-              <a:tr h="237857">
-                <a:tc>
-                  <a:txBody>
-                    <a:bodyPr/>
-                    <a:lstStyle/>
-                    <a:p>
-                      <a:pPr algn="l" fontAlgn="b"/>
-                      <a:r>
-                        <a:rPr lang="pt-BR" sz="1000" b="0" i="0" u="none" strike="noStrike" dirty="0">
-                          <a:solidFill>
-                            <a:srgbClr val="000000"/>
-                          </a:solidFill>
-                          <a:effectLst/>
-                          <a:latin typeface="Playfair Display"/>
-                        </a:rPr>
-                        <a:t>Utilizar os sensores;</a:t>
-                      </a:r>
-                    </a:p>
-                  </a:txBody>
-                  <a:tcPr marL="9525" marR="9525" marT="9525" anchor="b">
-                    <a:lnL w="6350" cap="flat" cmpd="sng" algn="ctr">
-                      <a:solidFill>
-                        <a:srgbClr val="000000"/>
-                      </a:solidFill>
-                      <a:prstDash val="solid"/>
-                      <a:round/>
-                      <a:headEnd type="none" w="med" len="med"/>
-                      <a:tailEnd type="none" w="med" len="med"/>
-                    </a:lnL>
-                    <a:lnR w="6350" cap="flat" cmpd="sng" algn="ctr">
-                      <a:solidFill>
-                        <a:srgbClr val="000000"/>
-                      </a:solidFill>
-                      <a:prstDash val="solid"/>
-                      <a:round/>
-                      <a:headEnd type="none" w="med" len="med"/>
-                      <a:tailEnd type="none" w="med" len="med"/>
-                    </a:lnR>
-                    <a:lnT w="6350" cap="flat" cmpd="sng" algn="ctr">
-                      <a:solidFill>
-                        <a:srgbClr val="000000"/>
-                      </a:solidFill>
-                      <a:prstDash val="solid"/>
-                      <a:round/>
-                      <a:headEnd type="none" w="med" len="med"/>
-                      <a:tailEnd type="none" w="med" len="med"/>
-                    </a:lnT>
-                    <a:lnB w="6350" cap="flat" cmpd="sng" algn="ctr">
-                      <a:solidFill>
-                        <a:srgbClr val="000000"/>
-                      </a:solidFill>
-                      <a:prstDash val="solid"/>
-                      <a:round/>
-                      <a:headEnd type="none" w="med" len="med"/>
-                      <a:tailEnd type="none" w="med" len="med"/>
-                    </a:lnB>
-                    <a:solidFill>
-                      <a:srgbClr val="FFFFFF"/>
-                    </a:solidFill>
-                  </a:tcPr>
-                </a:tc>
-                <a:tc>
-                  <a:txBody>
-                    <a:bodyPr/>
-                    <a:lstStyle/>
-                    <a:p>
-                      <a:pPr algn="l" fontAlgn="ctr"/>
-                      <a:endParaRPr lang="pt-BR" sz="1000" b="0" i="0" u="none" strike="noStrike">
-                        <a:solidFill>
-                          <a:srgbClr val="000000"/>
-                        </a:solidFill>
-                        <a:effectLst/>
-                        <a:latin typeface="Playfair Display"/>
-                      </a:endParaRPr>
-                    </a:p>
-                  </a:txBody>
-                  <a:tcPr marL="9525" marR="9525" marT="9525" anchor="ctr">
-                    <a:lnL w="6350" cap="flat" cmpd="sng" algn="ctr">
-                      <a:solidFill>
-                        <a:srgbClr val="000000"/>
-                      </a:solidFill>
-                      <a:prstDash val="solid"/>
-                      <a:round/>
-                      <a:headEnd type="none" w="med" len="med"/>
-                      <a:tailEnd type="none" w="med" len="med"/>
-                    </a:lnL>
-                    <a:lnR w="6350" cap="flat" cmpd="sng" algn="ctr">
-                      <a:solidFill>
-                        <a:srgbClr val="000000"/>
-                      </a:solidFill>
-                      <a:prstDash val="solid"/>
-                      <a:round/>
-                      <a:headEnd type="none" w="med" len="med"/>
-                      <a:tailEnd type="none" w="med" len="med"/>
-                    </a:lnR>
-                    <a:lnT>
-                      <a:noFill/>
-                    </a:lnT>
-                    <a:lnB>
-                      <a:noFill/>
-                    </a:lnB>
-                    <a:solidFill>
-                      <a:srgbClr val="FF0000"/>
-                    </a:solidFill>
-                  </a:tcPr>
-                </a:tc>
-                <a:tc>
-                  <a:txBody>
-                    <a:bodyPr/>
-                    <a:lstStyle/>
-                    <a:p>
-                      <a:pPr algn="ctr" fontAlgn="ctr"/>
-                      <a:endParaRPr lang="pt-BR" sz="1000" b="0" i="0" u="none" strike="noStrike">
-                        <a:solidFill>
-                          <a:srgbClr val="000000"/>
-                        </a:solidFill>
-                        <a:effectLst/>
-                        <a:latin typeface="Playfair Display"/>
-                      </a:endParaRPr>
-                    </a:p>
-                  </a:txBody>
-                  <a:tcPr marL="9525" marR="9525" marT="9525" anchor="ctr">
-                    <a:lnL w="6350" cap="flat" cmpd="sng" algn="ctr">
-                      <a:solidFill>
-                        <a:srgbClr val="000000"/>
-                      </a:solidFill>
-                      <a:prstDash val="solid"/>
-                      <a:round/>
-                      <a:headEnd type="none" w="med" len="med"/>
-                      <a:tailEnd type="none" w="med" len="med"/>
-                    </a:lnL>
-                    <a:lnR w="6350" cap="flat" cmpd="sng" algn="ctr">
-                      <a:solidFill>
-                        <a:srgbClr val="000000"/>
-                      </a:solidFill>
-                      <a:prstDash val="solid"/>
-                      <a:round/>
-                      <a:headEnd type="none" w="med" len="med"/>
-                      <a:tailEnd type="none" w="med" len="med"/>
-                    </a:lnR>
-                    <a:lnT w="6350" cap="flat" cmpd="sng" algn="ctr">
-                      <a:solidFill>
-                        <a:srgbClr val="000000"/>
-                      </a:solidFill>
-                      <a:prstDash val="solid"/>
-                      <a:round/>
-                      <a:headEnd type="none" w="med" len="med"/>
-                      <a:tailEnd type="none" w="med" len="med"/>
-                    </a:lnT>
-                    <a:lnB w="6350" cap="flat" cmpd="sng" algn="ctr">
-                      <a:solidFill>
-                        <a:srgbClr val="000000"/>
-                      </a:solidFill>
-                      <a:prstDash val="solid"/>
-                      <a:round/>
-                      <a:headEnd type="none" w="med" len="med"/>
-                      <a:tailEnd type="none" w="med" len="med"/>
-                    </a:lnB>
-                    <a:solidFill>
-                      <a:srgbClr val="FFFFFF"/>
-                    </a:solidFill>
-                  </a:tcPr>
-                </a:tc>
-                <a:tc>
-                  <a:txBody>
-                    <a:bodyPr/>
-                    <a:lstStyle/>
-                    <a:p>
-                      <a:pPr algn="ctr" fontAlgn="ctr"/>
-                      <a:r>
-                        <a:rPr lang="pt-BR" sz="1000" b="0" i="0" u="none" strike="noStrike" dirty="0">
-                          <a:solidFill>
-                            <a:srgbClr val="000000"/>
-                          </a:solidFill>
-                          <a:effectLst/>
-                          <a:latin typeface="Playfair Display"/>
-                        </a:rPr>
-                        <a:t>4</a:t>
-                      </a:r>
-                    </a:p>
-                  </a:txBody>
-                  <a:tcPr marL="9525" marR="9525" marT="9525" anchor="ctr">
-                    <a:lnL w="6350" cap="flat" cmpd="sng" algn="ctr">
-                      <a:solidFill>
-                        <a:srgbClr val="000000"/>
-                      </a:solidFill>
-                      <a:prstDash val="solid"/>
-                      <a:round/>
-                      <a:headEnd type="none" w="med" len="med"/>
-                      <a:tailEnd type="none" w="med" len="med"/>
-                    </a:lnL>
-                    <a:lnR w="6350" cap="flat" cmpd="sng" algn="ctr">
-                      <a:solidFill>
-                        <a:srgbClr val="000000"/>
-                      </a:solidFill>
-                      <a:prstDash val="solid"/>
-                      <a:round/>
-                      <a:headEnd type="none" w="med" len="med"/>
-                      <a:tailEnd type="none" w="med" len="med"/>
-                    </a:lnR>
-                    <a:lnT w="6350" cap="flat" cmpd="sng" algn="ctr">
-                      <a:solidFill>
-                        <a:srgbClr val="000000"/>
-                      </a:solidFill>
-                      <a:prstDash val="solid"/>
-                      <a:round/>
-                      <a:headEnd type="none" w="med" len="med"/>
-                      <a:tailEnd type="none" w="med" len="med"/>
-                    </a:lnT>
-                    <a:lnB w="6350" cap="flat" cmpd="sng" algn="ctr">
-                      <a:solidFill>
-                        <a:srgbClr val="000000"/>
-                      </a:solidFill>
-                      <a:prstDash val="solid"/>
-                      <a:round/>
-                      <a:headEnd type="none" w="med" len="med"/>
-                      <a:tailEnd type="none" w="med" len="med"/>
-                    </a:lnB>
-                    <a:solidFill>
-                      <a:srgbClr val="FFFFFF"/>
-                    </a:solidFill>
-                  </a:tcPr>
-                </a:tc>
-                <a:extLst>
-                  <a:ext uri="{0D108BD9-81ED-4DB2-BD59-A6C34878D82A}">
-                    <a16:rowId xmlns:a16="http://schemas.microsoft.com/office/drawing/2014/main" val="1808992992"/>
-                  </a:ext>
-                </a:extLst>
-              </a:tr>
-              <a:tr h="237857">
-                <a:tc>
-                  <a:txBody>
-                    <a:bodyPr/>
-                    <a:lstStyle/>
-                    <a:p>
-                      <a:pPr algn="l" fontAlgn="b"/>
-                      <a:r>
-                        <a:rPr lang="pt-BR" sz="1000" b="0" i="0" u="none" strike="noStrike">
-                          <a:solidFill>
-                            <a:srgbClr val="000000"/>
-                          </a:solidFill>
-                          <a:effectLst/>
-                          <a:latin typeface="Playfair Display"/>
-                        </a:rPr>
-                        <a:t> Captação dos dados; </a:t>
-                      </a:r>
-                    </a:p>
-                  </a:txBody>
-                  <a:tcPr marL="9525" marR="9525" marT="9525" anchor="b">
-                    <a:lnL w="6350" cap="flat" cmpd="sng" algn="ctr">
-                      <a:solidFill>
-                        <a:srgbClr val="000000"/>
-                      </a:solidFill>
-                      <a:prstDash val="solid"/>
-                      <a:round/>
-                      <a:headEnd type="none" w="med" len="med"/>
-                      <a:tailEnd type="none" w="med" len="med"/>
-                    </a:lnL>
-                    <a:lnR w="6350" cap="flat" cmpd="sng" algn="ctr">
-                      <a:solidFill>
-                        <a:srgbClr val="000000"/>
-                      </a:solidFill>
-                      <a:prstDash val="solid"/>
-                      <a:round/>
-                      <a:headEnd type="none" w="med" len="med"/>
-                      <a:tailEnd type="none" w="med" len="med"/>
-                    </a:lnR>
-                    <a:lnT w="6350" cap="flat" cmpd="sng" algn="ctr">
-                      <a:solidFill>
-                        <a:srgbClr val="000000"/>
-                      </a:solidFill>
-                      <a:prstDash val="solid"/>
-                      <a:round/>
-                      <a:headEnd type="none" w="med" len="med"/>
-                      <a:tailEnd type="none" w="med" len="med"/>
-                    </a:lnT>
-                    <a:lnB w="6350" cap="flat" cmpd="sng" algn="ctr">
-                      <a:solidFill>
-                        <a:srgbClr val="000000"/>
-                      </a:solidFill>
-                      <a:prstDash val="solid"/>
-                      <a:round/>
-                      <a:headEnd type="none" w="med" len="med"/>
-                      <a:tailEnd type="none" w="med" len="med"/>
-                    </a:lnB>
-                    <a:solidFill>
-                      <a:srgbClr val="FFFFFF"/>
-                    </a:solidFill>
-                  </a:tcPr>
-                </a:tc>
-                <a:tc>
-                  <a:txBody>
-                    <a:bodyPr/>
-                    <a:lstStyle/>
-                    <a:p>
-                      <a:pPr algn="l" fontAlgn="ctr"/>
-                      <a:endParaRPr lang="pt-BR" sz="1000" b="0" i="0" u="none" strike="noStrike">
-                        <a:solidFill>
-                          <a:srgbClr val="000000"/>
-                        </a:solidFill>
-                        <a:effectLst/>
-                        <a:latin typeface="Playfair Display"/>
-                      </a:endParaRPr>
-                    </a:p>
-                  </a:txBody>
-                  <a:tcPr marL="9525" marR="9525" marT="9525" anchor="ctr">
-                    <a:lnL w="6350" cap="flat" cmpd="sng" algn="ctr">
-                      <a:solidFill>
-                        <a:srgbClr val="000000"/>
-                      </a:solidFill>
-                      <a:prstDash val="solid"/>
-                      <a:round/>
-                      <a:headEnd type="none" w="med" len="med"/>
-                      <a:tailEnd type="none" w="med" len="med"/>
-                    </a:lnL>
-                    <a:lnR w="6350" cap="flat" cmpd="sng" algn="ctr">
-                      <a:solidFill>
-                        <a:srgbClr val="000000"/>
-                      </a:solidFill>
-                      <a:prstDash val="solid"/>
-                      <a:round/>
-                      <a:headEnd type="none" w="med" len="med"/>
-                      <a:tailEnd type="none" w="med" len="med"/>
-                    </a:lnR>
-                    <a:lnT>
-                      <a:noFill/>
-                    </a:lnT>
-                    <a:lnB>
-                      <a:noFill/>
-                    </a:lnB>
-                    <a:solidFill>
-                      <a:srgbClr val="FF0000"/>
-                    </a:solidFill>
-                  </a:tcPr>
-                </a:tc>
-                <a:tc>
-                  <a:txBody>
-                    <a:bodyPr/>
-                    <a:lstStyle/>
-                    <a:p>
-                      <a:pPr algn="ctr" fontAlgn="ctr"/>
-                      <a:endParaRPr lang="pt-BR" sz="1000" b="0" i="0" u="none" strike="noStrike">
-                        <a:solidFill>
-                          <a:srgbClr val="000000"/>
-                        </a:solidFill>
-                        <a:effectLst/>
-                        <a:latin typeface="Playfair Display"/>
-                      </a:endParaRPr>
-                    </a:p>
-                  </a:txBody>
-                  <a:tcPr marL="9525" marR="9525" marT="9525" anchor="ctr">
-                    <a:lnL w="6350" cap="flat" cmpd="sng" algn="ctr">
-                      <a:solidFill>
-                        <a:srgbClr val="000000"/>
-                      </a:solidFill>
-                      <a:prstDash val="solid"/>
-                      <a:round/>
-                      <a:headEnd type="none" w="med" len="med"/>
-                      <a:tailEnd type="none" w="med" len="med"/>
-                    </a:lnL>
-                    <a:lnR w="6350" cap="flat" cmpd="sng" algn="ctr">
-                      <a:solidFill>
-                        <a:srgbClr val="000000"/>
-                      </a:solidFill>
-                      <a:prstDash val="solid"/>
-                      <a:round/>
-                      <a:headEnd type="none" w="med" len="med"/>
-                      <a:tailEnd type="none" w="med" len="med"/>
-                    </a:lnR>
-                    <a:lnT w="6350" cap="flat" cmpd="sng" algn="ctr">
-                      <a:solidFill>
-                        <a:srgbClr val="000000"/>
-                      </a:solidFill>
-                      <a:prstDash val="solid"/>
-                      <a:round/>
-                      <a:headEnd type="none" w="med" len="med"/>
-                      <a:tailEnd type="none" w="med" len="med"/>
-                    </a:lnT>
-                    <a:lnB w="6350" cap="flat" cmpd="sng" algn="ctr">
-                      <a:solidFill>
-                        <a:srgbClr val="000000"/>
-                      </a:solidFill>
-                      <a:prstDash val="solid"/>
-                      <a:round/>
-                      <a:headEnd type="none" w="med" len="med"/>
-                      <a:tailEnd type="none" w="med" len="med"/>
-                    </a:lnB>
-                    <a:solidFill>
-                      <a:srgbClr val="FFFFFF"/>
-                    </a:solidFill>
-                  </a:tcPr>
-                </a:tc>
-                <a:tc>
-                  <a:txBody>
-                    <a:bodyPr/>
-                    <a:lstStyle/>
-                    <a:p>
-                      <a:pPr algn="ctr" fontAlgn="ctr"/>
-                      <a:r>
-                        <a:rPr lang="pt-BR" sz="1000" b="0" i="0" u="none" strike="noStrike">
-                          <a:solidFill>
-                            <a:srgbClr val="000000"/>
-                          </a:solidFill>
-                          <a:effectLst/>
-                          <a:latin typeface="Playfair Display"/>
-                        </a:rPr>
-                        <a:t>5</a:t>
-                      </a:r>
-                    </a:p>
-                  </a:txBody>
-                  <a:tcPr marL="9525" marR="9525" marT="9525" anchor="ctr">
-                    <a:lnL w="6350" cap="flat" cmpd="sng" algn="ctr">
-                      <a:solidFill>
-                        <a:srgbClr val="000000"/>
-                      </a:solidFill>
-                      <a:prstDash val="solid"/>
-                      <a:round/>
-                      <a:headEnd type="none" w="med" len="med"/>
-                      <a:tailEnd type="none" w="med" len="med"/>
-                    </a:lnL>
-                    <a:lnR w="6350" cap="flat" cmpd="sng" algn="ctr">
-                      <a:solidFill>
-                        <a:srgbClr val="000000"/>
-                      </a:solidFill>
-                      <a:prstDash val="solid"/>
-                      <a:round/>
-                      <a:headEnd type="none" w="med" len="med"/>
-                      <a:tailEnd type="none" w="med" len="med"/>
-                    </a:lnR>
-                    <a:lnT w="6350" cap="flat" cmpd="sng" algn="ctr">
-                      <a:solidFill>
-                        <a:srgbClr val="000000"/>
-                      </a:solidFill>
-                      <a:prstDash val="solid"/>
-                      <a:round/>
-                      <a:headEnd type="none" w="med" len="med"/>
-                      <a:tailEnd type="none" w="med" len="med"/>
-                    </a:lnT>
-                    <a:lnB w="6350" cap="flat" cmpd="sng" algn="ctr">
-                      <a:solidFill>
-                        <a:srgbClr val="000000"/>
-                      </a:solidFill>
-                      <a:prstDash val="solid"/>
-                      <a:round/>
-                      <a:headEnd type="none" w="med" len="med"/>
-                      <a:tailEnd type="none" w="med" len="med"/>
-                    </a:lnB>
-                    <a:solidFill>
-                      <a:srgbClr val="FFFFFF"/>
-                    </a:solidFill>
-                  </a:tcPr>
-                </a:tc>
-                <a:extLst>
-                  <a:ext uri="{0D108BD9-81ED-4DB2-BD59-A6C34878D82A}">
-                    <a16:rowId xmlns:a16="http://schemas.microsoft.com/office/drawing/2014/main" val="3170366743"/>
-                  </a:ext>
-                </a:extLst>
-              </a:tr>
-              <a:tr h="237857">
-                <a:tc>
-                  <a:txBody>
-                    <a:bodyPr/>
-                    <a:lstStyle/>
-                    <a:p>
-                      <a:pPr algn="l" fontAlgn="b"/>
-                      <a:r>
-                        <a:rPr lang="pt-BR" sz="1000" b="0" i="0" u="none" strike="noStrike">
-                          <a:solidFill>
-                            <a:srgbClr val="000000"/>
-                          </a:solidFill>
-                          <a:effectLst/>
-                          <a:latin typeface="Playfair Display"/>
-                        </a:rPr>
-                        <a:t>Simular o arduino; </a:t>
-                      </a:r>
-                    </a:p>
-                  </a:txBody>
-                  <a:tcPr marL="9525" marR="9525" marT="9525" anchor="b">
-                    <a:lnL w="6350" cap="flat" cmpd="sng" algn="ctr">
-                      <a:solidFill>
-                        <a:srgbClr val="000000"/>
-                      </a:solidFill>
-                      <a:prstDash val="solid"/>
-                      <a:round/>
-                      <a:headEnd type="none" w="med" len="med"/>
-                      <a:tailEnd type="none" w="med" len="med"/>
-                    </a:lnL>
-                    <a:lnR w="6350" cap="flat" cmpd="sng" algn="ctr">
-                      <a:solidFill>
-                        <a:srgbClr val="000000"/>
-                      </a:solidFill>
-                      <a:prstDash val="solid"/>
-                      <a:round/>
-                      <a:headEnd type="none" w="med" len="med"/>
-                      <a:tailEnd type="none" w="med" len="med"/>
-                    </a:lnR>
-                    <a:lnT w="6350" cap="flat" cmpd="sng" algn="ctr">
-                      <a:solidFill>
-                        <a:srgbClr val="000000"/>
-                      </a:solidFill>
-                      <a:prstDash val="solid"/>
-                      <a:round/>
-                      <a:headEnd type="none" w="med" len="med"/>
-                      <a:tailEnd type="none" w="med" len="med"/>
-                    </a:lnT>
-                    <a:lnB w="6350" cap="flat" cmpd="sng" algn="ctr">
-                      <a:solidFill>
-                        <a:srgbClr val="000000"/>
-                      </a:solidFill>
-                      <a:prstDash val="solid"/>
-                      <a:round/>
-                      <a:headEnd type="none" w="med" len="med"/>
-                      <a:tailEnd type="none" w="med" len="med"/>
-                    </a:lnB>
-                    <a:solidFill>
-                      <a:srgbClr val="FFFFFF"/>
-                    </a:solidFill>
-                  </a:tcPr>
-                </a:tc>
-                <a:tc>
-                  <a:txBody>
-                    <a:bodyPr/>
-                    <a:lstStyle/>
-                    <a:p>
-                      <a:pPr algn="l" fontAlgn="ctr"/>
-                      <a:endParaRPr lang="pt-BR" sz="1000" b="0" i="0" u="none" strike="noStrike">
-                        <a:solidFill>
-                          <a:srgbClr val="000000"/>
-                        </a:solidFill>
-                        <a:effectLst/>
-                        <a:latin typeface="Playfair Display"/>
-                      </a:endParaRPr>
-                    </a:p>
-                  </a:txBody>
-                  <a:tcPr marL="9525" marR="9525" marT="9525" anchor="ctr">
-                    <a:lnL w="6350" cap="flat" cmpd="sng" algn="ctr">
-                      <a:solidFill>
-                        <a:srgbClr val="000000"/>
-                      </a:solidFill>
-                      <a:prstDash val="solid"/>
-                      <a:round/>
-                      <a:headEnd type="none" w="med" len="med"/>
-                      <a:tailEnd type="none" w="med" len="med"/>
-                    </a:lnL>
-                    <a:lnR w="6350" cap="flat" cmpd="sng" algn="ctr">
-                      <a:solidFill>
-                        <a:srgbClr val="000000"/>
-                      </a:solidFill>
-                      <a:prstDash val="solid"/>
-                      <a:round/>
-                      <a:headEnd type="none" w="med" len="med"/>
-                      <a:tailEnd type="none" w="med" len="med"/>
-                    </a:lnR>
-                    <a:lnT>
-                      <a:noFill/>
-                    </a:lnT>
-                    <a:lnB>
-                      <a:noFill/>
-                    </a:lnB>
-                    <a:solidFill>
-                      <a:srgbClr val="FF0000"/>
-                    </a:solidFill>
-                  </a:tcPr>
-                </a:tc>
-                <a:tc>
-                  <a:txBody>
-                    <a:bodyPr/>
-                    <a:lstStyle/>
-                    <a:p>
-                      <a:pPr algn="ctr" fontAlgn="ctr"/>
-                      <a:endParaRPr lang="pt-BR" sz="1000" b="0" i="0" u="none" strike="noStrike">
-                        <a:solidFill>
-                          <a:srgbClr val="000000"/>
-                        </a:solidFill>
-                        <a:effectLst/>
-                        <a:latin typeface="Playfair Display"/>
-                      </a:endParaRPr>
-                    </a:p>
-                  </a:txBody>
-                  <a:tcPr marL="9525" marR="9525" marT="9525" anchor="ctr">
-                    <a:lnL w="6350" cap="flat" cmpd="sng" algn="ctr">
-                      <a:solidFill>
-                        <a:srgbClr val="000000"/>
-                      </a:solidFill>
-                      <a:prstDash val="solid"/>
-                      <a:round/>
-                      <a:headEnd type="none" w="med" len="med"/>
-                      <a:tailEnd type="none" w="med" len="med"/>
-                    </a:lnL>
-                    <a:lnR w="6350" cap="flat" cmpd="sng" algn="ctr">
-                      <a:solidFill>
-                        <a:srgbClr val="000000"/>
-                      </a:solidFill>
-                      <a:prstDash val="solid"/>
-                      <a:round/>
-                      <a:headEnd type="none" w="med" len="med"/>
-                      <a:tailEnd type="none" w="med" len="med"/>
-                    </a:lnR>
-                    <a:lnT w="6350" cap="flat" cmpd="sng" algn="ctr">
-                      <a:solidFill>
-                        <a:srgbClr val="000000"/>
-                      </a:solidFill>
-                      <a:prstDash val="solid"/>
-                      <a:round/>
-                      <a:headEnd type="none" w="med" len="med"/>
-                      <a:tailEnd type="none" w="med" len="med"/>
-                    </a:lnT>
-                    <a:lnB w="6350" cap="flat" cmpd="sng" algn="ctr">
-                      <a:solidFill>
-                        <a:srgbClr val="000000"/>
-                      </a:solidFill>
-                      <a:prstDash val="solid"/>
-                      <a:round/>
-                      <a:headEnd type="none" w="med" len="med"/>
-                      <a:tailEnd type="none" w="med" len="med"/>
-                    </a:lnB>
-                    <a:solidFill>
-                      <a:srgbClr val="FFFFFF"/>
-                    </a:solidFill>
-                  </a:tcPr>
-                </a:tc>
-                <a:tc>
-                  <a:txBody>
-                    <a:bodyPr/>
-                    <a:lstStyle/>
-                    <a:p>
-                      <a:pPr algn="ctr" fontAlgn="ctr"/>
-                      <a:r>
-                        <a:rPr lang="pt-BR" sz="1000" b="0" i="0" u="none" strike="noStrike" dirty="0">
-                          <a:solidFill>
-                            <a:srgbClr val="000000"/>
-                          </a:solidFill>
-                          <a:effectLst/>
-                          <a:latin typeface="Playfair Display"/>
-                        </a:rPr>
-                        <a:t>6</a:t>
-                      </a:r>
-                    </a:p>
-                  </a:txBody>
-                  <a:tcPr marL="9525" marR="9525" marT="9525" anchor="ctr">
-                    <a:lnL w="6350" cap="flat" cmpd="sng" algn="ctr">
-                      <a:solidFill>
-                        <a:srgbClr val="000000"/>
-                      </a:solidFill>
-                      <a:prstDash val="solid"/>
-                      <a:round/>
-                      <a:headEnd type="none" w="med" len="med"/>
-                      <a:tailEnd type="none" w="med" len="med"/>
-                    </a:lnL>
-                    <a:lnR w="6350" cap="flat" cmpd="sng" algn="ctr">
-                      <a:solidFill>
-                        <a:srgbClr val="000000"/>
-                      </a:solidFill>
-                      <a:prstDash val="solid"/>
-                      <a:round/>
-                      <a:headEnd type="none" w="med" len="med"/>
-                      <a:tailEnd type="none" w="med" len="med"/>
-                    </a:lnR>
-                    <a:lnT w="6350" cap="flat" cmpd="sng" algn="ctr">
-                      <a:solidFill>
-                        <a:srgbClr val="000000"/>
-                      </a:solidFill>
-                      <a:prstDash val="solid"/>
-                      <a:round/>
-                      <a:headEnd type="none" w="med" len="med"/>
-                      <a:tailEnd type="none" w="med" len="med"/>
-                    </a:lnT>
-                    <a:lnB w="6350" cap="flat" cmpd="sng" algn="ctr">
-                      <a:solidFill>
-                        <a:srgbClr val="000000"/>
-                      </a:solidFill>
-                      <a:prstDash val="solid"/>
-                      <a:round/>
-                      <a:headEnd type="none" w="med" len="med"/>
-                      <a:tailEnd type="none" w="med" len="med"/>
-                    </a:lnB>
-                    <a:solidFill>
-                      <a:srgbClr val="FFFFFF"/>
-                    </a:solidFill>
-                  </a:tcPr>
-                </a:tc>
-                <a:extLst>
-                  <a:ext uri="{0D108BD9-81ED-4DB2-BD59-A6C34878D82A}">
-                    <a16:rowId xmlns:a16="http://schemas.microsoft.com/office/drawing/2014/main" val="4169773631"/>
-                  </a:ext>
-                </a:extLst>
-              </a:tr>
-              <a:tr h="237857">
-                <a:tc>
-                  <a:txBody>
-                    <a:bodyPr/>
-                    <a:lstStyle/>
-                    <a:p>
-                      <a:pPr algn="l" fontAlgn="b"/>
-                      <a:r>
-                        <a:rPr lang="pt-BR" sz="1000" b="0" i="0" u="none" strike="noStrike">
-                          <a:solidFill>
-                            <a:srgbClr val="000000"/>
-                          </a:solidFill>
-                          <a:effectLst/>
-                          <a:latin typeface="Playfair Display"/>
-                        </a:rPr>
-                        <a:t> Arduino funcionando e recebendo os dados; </a:t>
-                      </a:r>
-                    </a:p>
-                  </a:txBody>
-                  <a:tcPr marL="9525" marR="9525" marT="9525" anchor="b">
-                    <a:lnL w="6350" cap="flat" cmpd="sng" algn="ctr">
-                      <a:solidFill>
-                        <a:srgbClr val="000000"/>
-                      </a:solidFill>
-                      <a:prstDash val="solid"/>
-                      <a:round/>
-                      <a:headEnd type="none" w="med" len="med"/>
-                      <a:tailEnd type="none" w="med" len="med"/>
-                    </a:lnL>
-                    <a:lnR w="6350" cap="flat" cmpd="sng" algn="ctr">
-                      <a:solidFill>
-                        <a:srgbClr val="000000"/>
-                      </a:solidFill>
-                      <a:prstDash val="solid"/>
-                      <a:round/>
-                      <a:headEnd type="none" w="med" len="med"/>
-                      <a:tailEnd type="none" w="med" len="med"/>
-                    </a:lnR>
-                    <a:lnT w="6350" cap="flat" cmpd="sng" algn="ctr">
-                      <a:solidFill>
-                        <a:srgbClr val="000000"/>
-                      </a:solidFill>
-                      <a:prstDash val="solid"/>
-                      <a:round/>
-                      <a:headEnd type="none" w="med" len="med"/>
-                      <a:tailEnd type="none" w="med" len="med"/>
-                    </a:lnT>
-                    <a:lnB w="6350" cap="flat" cmpd="sng" algn="ctr">
-                      <a:solidFill>
-                        <a:srgbClr val="000000"/>
-                      </a:solidFill>
-                      <a:prstDash val="solid"/>
-                      <a:round/>
-                      <a:headEnd type="none" w="med" len="med"/>
-                      <a:tailEnd type="none" w="med" len="med"/>
-                    </a:lnB>
-                    <a:solidFill>
-                      <a:srgbClr val="FFFFFF"/>
-                    </a:solidFill>
-                  </a:tcPr>
-                </a:tc>
-                <a:tc>
-                  <a:txBody>
-                    <a:bodyPr/>
-                    <a:lstStyle/>
-                    <a:p>
-                      <a:pPr algn="l" fontAlgn="ctr"/>
-                      <a:endParaRPr lang="pt-BR" sz="1000" b="0" i="0" u="none" strike="noStrike">
-                        <a:solidFill>
-                          <a:srgbClr val="000000"/>
-                        </a:solidFill>
-                        <a:effectLst/>
-                        <a:latin typeface="Playfair Display"/>
-                      </a:endParaRPr>
-                    </a:p>
-                  </a:txBody>
-                  <a:tcPr marL="9525" marR="9525" marT="9525" anchor="ctr">
-                    <a:lnL w="6350" cap="flat" cmpd="sng" algn="ctr">
-                      <a:solidFill>
-                        <a:srgbClr val="000000"/>
-                      </a:solidFill>
-                      <a:prstDash val="solid"/>
-                      <a:round/>
-                      <a:headEnd type="none" w="med" len="med"/>
-                      <a:tailEnd type="none" w="med" len="med"/>
-                    </a:lnL>
-                    <a:lnR w="6350" cap="flat" cmpd="sng" algn="ctr">
-                      <a:solidFill>
-                        <a:srgbClr val="000000"/>
-                      </a:solidFill>
-                      <a:prstDash val="solid"/>
-                      <a:round/>
-                      <a:headEnd type="none" w="med" len="med"/>
-                      <a:tailEnd type="none" w="med" len="med"/>
-                    </a:lnR>
-                    <a:lnT>
-                      <a:noFill/>
-                    </a:lnT>
-                    <a:lnB>
-                      <a:noFill/>
-                    </a:lnB>
-                    <a:solidFill>
-                      <a:srgbClr val="FF0000"/>
-                    </a:solidFill>
-                  </a:tcPr>
-                </a:tc>
-                <a:tc>
-                  <a:txBody>
-                    <a:bodyPr/>
-                    <a:lstStyle/>
-                    <a:p>
-                      <a:pPr algn="ctr" fontAlgn="ctr"/>
-                      <a:endParaRPr lang="pt-BR" sz="1000" b="0" i="0" u="none" strike="noStrike">
-                        <a:solidFill>
-                          <a:srgbClr val="000000"/>
-                        </a:solidFill>
-                        <a:effectLst/>
-                        <a:latin typeface="Playfair Display"/>
-                      </a:endParaRPr>
-                    </a:p>
-                  </a:txBody>
-                  <a:tcPr marL="9525" marR="9525" marT="9525" anchor="ctr">
-                    <a:lnL w="6350" cap="flat" cmpd="sng" algn="ctr">
-                      <a:solidFill>
-                        <a:srgbClr val="000000"/>
-                      </a:solidFill>
-                      <a:prstDash val="solid"/>
-                      <a:round/>
-                      <a:headEnd type="none" w="med" len="med"/>
-                      <a:tailEnd type="none" w="med" len="med"/>
-                    </a:lnL>
-                    <a:lnR w="6350" cap="flat" cmpd="sng" algn="ctr">
-                      <a:solidFill>
-                        <a:srgbClr val="000000"/>
-                      </a:solidFill>
-                      <a:prstDash val="solid"/>
-                      <a:round/>
-                      <a:headEnd type="none" w="med" len="med"/>
-                      <a:tailEnd type="none" w="med" len="med"/>
-                    </a:lnR>
-                    <a:lnT w="6350" cap="flat" cmpd="sng" algn="ctr">
-                      <a:solidFill>
-                        <a:srgbClr val="000000"/>
-                      </a:solidFill>
-                      <a:prstDash val="solid"/>
-                      <a:round/>
-                      <a:headEnd type="none" w="med" len="med"/>
-                      <a:tailEnd type="none" w="med" len="med"/>
-                    </a:lnT>
-                    <a:lnB w="6350" cap="flat" cmpd="sng" algn="ctr">
-                      <a:solidFill>
-                        <a:srgbClr val="000000"/>
-                      </a:solidFill>
-                      <a:prstDash val="solid"/>
-                      <a:round/>
-                      <a:headEnd type="none" w="med" len="med"/>
-                      <a:tailEnd type="none" w="med" len="med"/>
-                    </a:lnB>
-                    <a:solidFill>
-                      <a:srgbClr val="FFFFFF"/>
-                    </a:solidFill>
-                  </a:tcPr>
-                </a:tc>
-                <a:tc>
-                  <a:txBody>
-                    <a:bodyPr/>
-                    <a:lstStyle/>
-                    <a:p>
-                      <a:pPr algn="ctr" fontAlgn="ctr"/>
-                      <a:r>
-                        <a:rPr lang="pt-BR" sz="1000" b="0" i="0" u="none" strike="noStrike" dirty="0">
-                          <a:solidFill>
-                            <a:srgbClr val="000000"/>
-                          </a:solidFill>
-                          <a:effectLst/>
-                          <a:latin typeface="Playfair Display"/>
-                        </a:rPr>
-                        <a:t>7</a:t>
-                      </a:r>
-                    </a:p>
-                  </a:txBody>
-                  <a:tcPr marL="9525" marR="9525" marT="9525" anchor="ctr">
-                    <a:lnL w="6350" cap="flat" cmpd="sng" algn="ctr">
-                      <a:solidFill>
-                        <a:srgbClr val="000000"/>
-                      </a:solidFill>
-                      <a:prstDash val="solid"/>
-                      <a:round/>
-                      <a:headEnd type="none" w="med" len="med"/>
-                      <a:tailEnd type="none" w="med" len="med"/>
-                    </a:lnL>
-                    <a:lnR w="6350" cap="flat" cmpd="sng" algn="ctr">
-                      <a:solidFill>
-                        <a:srgbClr val="000000"/>
-                      </a:solidFill>
-                      <a:prstDash val="solid"/>
-                      <a:round/>
-                      <a:headEnd type="none" w="med" len="med"/>
-                      <a:tailEnd type="none" w="med" len="med"/>
-                    </a:lnR>
-                    <a:lnT w="6350" cap="flat" cmpd="sng" algn="ctr">
-                      <a:solidFill>
-                        <a:srgbClr val="000000"/>
-                      </a:solidFill>
-                      <a:prstDash val="solid"/>
-                      <a:round/>
-                      <a:headEnd type="none" w="med" len="med"/>
-                      <a:tailEnd type="none" w="med" len="med"/>
-                    </a:lnT>
-                    <a:lnB w="6350" cap="flat" cmpd="sng" algn="ctr">
-                      <a:solidFill>
-                        <a:srgbClr val="000000"/>
-                      </a:solidFill>
-                      <a:prstDash val="solid"/>
-                      <a:round/>
-                      <a:headEnd type="none" w="med" len="med"/>
-                      <a:tailEnd type="none" w="med" len="med"/>
-                    </a:lnB>
-                    <a:solidFill>
-                      <a:srgbClr val="FFFFFF"/>
-                    </a:solidFill>
-                  </a:tcPr>
-                </a:tc>
-                <a:extLst>
-                  <a:ext uri="{0D108BD9-81ED-4DB2-BD59-A6C34878D82A}">
-                    <a16:rowId xmlns:a16="http://schemas.microsoft.com/office/drawing/2014/main" val="1247848705"/>
-                  </a:ext>
-                </a:extLst>
-              </a:tr>
-              <a:tr h="237857">
-                <a:tc>
-                  <a:txBody>
-                    <a:bodyPr/>
-                    <a:lstStyle/>
-                    <a:p>
-                      <a:pPr algn="l" fontAlgn="b"/>
-                      <a:r>
-                        <a:rPr lang="pt-BR" sz="1000" b="0" i="0" u="none" strike="noStrike">
-                          <a:solidFill>
-                            <a:srgbClr val="000000"/>
-                          </a:solidFill>
-                          <a:effectLst/>
-                          <a:latin typeface="Playfair Display"/>
-                        </a:rPr>
-                        <a:t>Uso de ferramentas para gestão de projetos (Microsoft Project/ Planner); </a:t>
-                      </a:r>
-                    </a:p>
-                  </a:txBody>
-                  <a:tcPr marL="9525" marR="9525" marT="9525" anchor="b">
-                    <a:lnL w="6350" cap="flat" cmpd="sng" algn="ctr">
-                      <a:solidFill>
-                        <a:srgbClr val="000000"/>
-                      </a:solidFill>
-                      <a:prstDash val="solid"/>
-                      <a:round/>
-                      <a:headEnd type="none" w="med" len="med"/>
-                      <a:tailEnd type="none" w="med" len="med"/>
-                    </a:lnL>
-                    <a:lnR w="6350" cap="flat" cmpd="sng" algn="ctr">
-                      <a:solidFill>
-                        <a:srgbClr val="000000"/>
-                      </a:solidFill>
-                      <a:prstDash val="solid"/>
-                      <a:round/>
-                      <a:headEnd type="none" w="med" len="med"/>
-                      <a:tailEnd type="none" w="med" len="med"/>
-                    </a:lnR>
-                    <a:lnT w="6350" cap="flat" cmpd="sng" algn="ctr">
-                      <a:solidFill>
-                        <a:srgbClr val="000000"/>
-                      </a:solidFill>
-                      <a:prstDash val="solid"/>
-                      <a:round/>
-                      <a:headEnd type="none" w="med" len="med"/>
-                      <a:tailEnd type="none" w="med" len="med"/>
-                    </a:lnT>
-                    <a:lnB w="6350" cap="flat" cmpd="sng" algn="ctr">
-                      <a:solidFill>
-                        <a:srgbClr val="000000"/>
-                      </a:solidFill>
-                      <a:prstDash val="solid"/>
-                      <a:round/>
-                      <a:headEnd type="none" w="med" len="med"/>
-                      <a:tailEnd type="none" w="med" len="med"/>
-                    </a:lnB>
-                    <a:solidFill>
-                      <a:srgbClr val="FFFFFF"/>
-                    </a:solidFill>
-                  </a:tcPr>
-                </a:tc>
-                <a:tc>
-                  <a:txBody>
-                    <a:bodyPr/>
-                    <a:lstStyle/>
-                    <a:p>
-                      <a:pPr algn="l" fontAlgn="b"/>
-                      <a:endParaRPr lang="pt-BR" sz="1000" b="0" i="0" u="none" strike="noStrike">
-                        <a:solidFill>
-                          <a:srgbClr val="000000"/>
-                        </a:solidFill>
-                        <a:effectLst/>
-                        <a:latin typeface="Playfair Display"/>
-                      </a:endParaRPr>
-                    </a:p>
-                  </a:txBody>
-                  <a:tcPr marL="9525" marR="9525" marT="9525" anchor="b">
-                    <a:lnL w="6350" cap="flat" cmpd="sng" algn="ctr">
-                      <a:solidFill>
-                        <a:srgbClr val="000000"/>
-                      </a:solidFill>
-                      <a:prstDash val="solid"/>
-                      <a:round/>
-                      <a:headEnd type="none" w="med" len="med"/>
-                      <a:tailEnd type="none" w="med" len="med"/>
-                    </a:lnL>
-                    <a:lnR w="6350" cap="flat" cmpd="sng" algn="ctr">
-                      <a:solidFill>
-                        <a:srgbClr val="000000"/>
-                      </a:solidFill>
-                      <a:prstDash val="solid"/>
-                      <a:round/>
-                      <a:headEnd type="none" w="med" len="med"/>
-                      <a:tailEnd type="none" w="med" len="med"/>
-                    </a:lnR>
-                    <a:lnT>
-                      <a:noFill/>
-                    </a:lnT>
-                    <a:lnB>
-                      <a:noFill/>
-                    </a:lnB>
-                    <a:solidFill>
-                      <a:srgbClr val="FFFF00"/>
-                    </a:solidFill>
-                  </a:tcPr>
-                </a:tc>
-                <a:tc>
-                  <a:txBody>
-                    <a:bodyPr/>
-                    <a:lstStyle/>
-                    <a:p>
-                      <a:pPr algn="ctr" fontAlgn="b"/>
-                      <a:endParaRPr lang="pt-BR" sz="1000" b="0" i="0" u="none" strike="noStrike">
-                        <a:solidFill>
-                          <a:srgbClr val="000000"/>
-                        </a:solidFill>
-                        <a:effectLst/>
-                        <a:latin typeface="Playfair Display"/>
-                      </a:endParaRPr>
-                    </a:p>
-                  </a:txBody>
-                  <a:tcPr marL="9525" marR="9525" marT="9525" anchor="b">
-                    <a:lnL w="6350" cap="flat" cmpd="sng" algn="ctr">
-                      <a:solidFill>
-                        <a:srgbClr val="000000"/>
-                      </a:solidFill>
-                      <a:prstDash val="solid"/>
-                      <a:round/>
-                      <a:headEnd type="none" w="med" len="med"/>
-                      <a:tailEnd type="none" w="med" len="med"/>
-                    </a:lnL>
-                    <a:lnR w="6350" cap="flat" cmpd="sng" algn="ctr">
-                      <a:solidFill>
-                        <a:srgbClr val="000000"/>
-                      </a:solidFill>
-                      <a:prstDash val="solid"/>
-                      <a:round/>
-                      <a:headEnd type="none" w="med" len="med"/>
-                      <a:tailEnd type="none" w="med" len="med"/>
-                    </a:lnR>
-                    <a:lnT w="6350" cap="flat" cmpd="sng" algn="ctr">
-                      <a:solidFill>
-                        <a:srgbClr val="000000"/>
-                      </a:solidFill>
-                      <a:prstDash val="solid"/>
-                      <a:round/>
-                      <a:headEnd type="none" w="med" len="med"/>
-                      <a:tailEnd type="none" w="med" len="med"/>
-                    </a:lnT>
-                    <a:lnB w="6350" cap="flat" cmpd="sng" algn="ctr">
-                      <a:solidFill>
-                        <a:srgbClr val="000000"/>
-                      </a:solidFill>
-                      <a:prstDash val="solid"/>
-                      <a:round/>
-                      <a:headEnd type="none" w="med" len="med"/>
-                      <a:tailEnd type="none" w="med" len="med"/>
-                    </a:lnB>
-                    <a:solidFill>
-                      <a:srgbClr val="FFFFFF"/>
-                    </a:solidFill>
-                  </a:tcPr>
-                </a:tc>
-                <a:tc>
-                  <a:txBody>
-                    <a:bodyPr/>
-                    <a:lstStyle/>
-                    <a:p>
-                      <a:pPr algn="ctr" fontAlgn="ctr"/>
-                      <a:r>
-                        <a:rPr lang="pt-BR" sz="1000" b="0" i="0" u="none" strike="noStrike" dirty="0">
-                          <a:solidFill>
-                            <a:srgbClr val="000000"/>
-                          </a:solidFill>
-                          <a:effectLst/>
-                          <a:latin typeface="Playfair Display"/>
-                        </a:rPr>
-                        <a:t>8</a:t>
-                      </a:r>
-                    </a:p>
-                  </a:txBody>
-                  <a:tcPr marL="9525" marR="9525" marT="9525" anchor="ctr">
-                    <a:lnL w="6350" cap="flat" cmpd="sng" algn="ctr">
-                      <a:solidFill>
-                        <a:srgbClr val="000000"/>
-                      </a:solidFill>
-                      <a:prstDash val="solid"/>
-                      <a:round/>
-                      <a:headEnd type="none" w="med" len="med"/>
-                      <a:tailEnd type="none" w="med" len="med"/>
-                    </a:lnL>
-                    <a:lnR w="6350" cap="flat" cmpd="sng" algn="ctr">
-                      <a:solidFill>
-                        <a:srgbClr val="000000"/>
-                      </a:solidFill>
-                      <a:prstDash val="solid"/>
-                      <a:round/>
-                      <a:headEnd type="none" w="med" len="med"/>
-                      <a:tailEnd type="none" w="med" len="med"/>
-                    </a:lnR>
-                    <a:lnT w="6350" cap="flat" cmpd="sng" algn="ctr">
-                      <a:solidFill>
-                        <a:srgbClr val="000000"/>
-                      </a:solidFill>
-                      <a:prstDash val="solid"/>
-                      <a:round/>
-                      <a:headEnd type="none" w="med" len="med"/>
-                      <a:tailEnd type="none" w="med" len="med"/>
-                    </a:lnT>
-                    <a:lnB w="6350" cap="flat" cmpd="sng" algn="ctr">
-                      <a:solidFill>
-                        <a:srgbClr val="000000"/>
-                      </a:solidFill>
-                      <a:prstDash val="solid"/>
-                      <a:round/>
-                      <a:headEnd type="none" w="med" len="med"/>
-                      <a:tailEnd type="none" w="med" len="med"/>
-                    </a:lnB>
-                    <a:solidFill>
-                      <a:srgbClr val="FFFFFF"/>
-                    </a:solidFill>
-                  </a:tcPr>
-                </a:tc>
-                <a:extLst>
-                  <a:ext uri="{0D108BD9-81ED-4DB2-BD59-A6C34878D82A}">
-                    <a16:rowId xmlns:a16="http://schemas.microsoft.com/office/drawing/2014/main" val="2339427663"/>
-                  </a:ext>
-                </a:extLst>
-              </a:tr>
-              <a:tr h="237857">
-                <a:tc>
-                  <a:txBody>
-                    <a:bodyPr/>
-                    <a:lstStyle/>
-                    <a:p>
-                      <a:pPr algn="l" fontAlgn="b"/>
-                      <a:r>
-                        <a:rPr lang="pt-BR" sz="1000" b="0" i="0" u="none" strike="noStrike">
-                          <a:solidFill>
-                            <a:srgbClr val="000000"/>
-                          </a:solidFill>
-                          <a:effectLst/>
-                          <a:latin typeface="Playfair Display"/>
-                        </a:rPr>
-                        <a:t>Documentação do projeto </a:t>
-                      </a:r>
-                    </a:p>
-                  </a:txBody>
-                  <a:tcPr marL="9525" marR="9525" marT="9525" anchor="b">
-                    <a:lnL w="6350" cap="flat" cmpd="sng" algn="ctr">
-                      <a:solidFill>
-                        <a:srgbClr val="000000"/>
-                      </a:solidFill>
-                      <a:prstDash val="solid"/>
-                      <a:round/>
-                      <a:headEnd type="none" w="med" len="med"/>
-                      <a:tailEnd type="none" w="med" len="med"/>
-                    </a:lnL>
-                    <a:lnR w="6350" cap="flat" cmpd="sng" algn="ctr">
-                      <a:solidFill>
-                        <a:srgbClr val="000000"/>
-                      </a:solidFill>
-                      <a:prstDash val="solid"/>
-                      <a:round/>
-                      <a:headEnd type="none" w="med" len="med"/>
-                      <a:tailEnd type="none" w="med" len="med"/>
-                    </a:lnR>
-                    <a:lnT w="6350" cap="flat" cmpd="sng" algn="ctr">
-                      <a:solidFill>
-                        <a:srgbClr val="000000"/>
-                      </a:solidFill>
-                      <a:prstDash val="solid"/>
-                      <a:round/>
-                      <a:headEnd type="none" w="med" len="med"/>
-                      <a:tailEnd type="none" w="med" len="med"/>
-                    </a:lnT>
-                    <a:lnB w="6350" cap="flat" cmpd="sng" algn="ctr">
-                      <a:solidFill>
-                        <a:srgbClr val="000000"/>
-                      </a:solidFill>
-                      <a:prstDash val="solid"/>
-                      <a:round/>
-                      <a:headEnd type="none" w="med" len="med"/>
-                      <a:tailEnd type="none" w="med" len="med"/>
-                    </a:lnB>
-                    <a:solidFill>
-                      <a:srgbClr val="FFFFFF"/>
-                    </a:solidFill>
-                  </a:tcPr>
-                </a:tc>
-                <a:tc>
-                  <a:txBody>
-                    <a:bodyPr/>
-                    <a:lstStyle/>
-                    <a:p>
-                      <a:pPr algn="l" fontAlgn="b"/>
-                      <a:endParaRPr lang="pt-BR" sz="1000" b="0" i="0" u="none" strike="noStrike">
-                        <a:solidFill>
-                          <a:srgbClr val="000000"/>
-                        </a:solidFill>
-                        <a:effectLst/>
-                        <a:latin typeface="Playfair Display"/>
-                      </a:endParaRPr>
-                    </a:p>
-                  </a:txBody>
-                  <a:tcPr marL="9525" marR="9525" marT="9525" anchor="b">
-                    <a:lnL w="6350" cap="flat" cmpd="sng" algn="ctr">
-                      <a:solidFill>
-                        <a:srgbClr val="000000"/>
-                      </a:solidFill>
-                      <a:prstDash val="solid"/>
-                      <a:round/>
-                      <a:headEnd type="none" w="med" len="med"/>
-                      <a:tailEnd type="none" w="med" len="med"/>
-                    </a:lnL>
-                    <a:lnR w="6350" cap="flat" cmpd="sng" algn="ctr">
-                      <a:solidFill>
-                        <a:srgbClr val="000000"/>
-                      </a:solidFill>
-                      <a:prstDash val="solid"/>
-                      <a:round/>
-                      <a:headEnd type="none" w="med" len="med"/>
-                      <a:tailEnd type="none" w="med" len="med"/>
-                    </a:lnR>
-                    <a:lnT>
-                      <a:noFill/>
-                    </a:lnT>
-                    <a:lnB>
-                      <a:noFill/>
-                    </a:lnB>
-                    <a:solidFill>
-                      <a:srgbClr val="FFFF00"/>
-                    </a:solidFill>
-                  </a:tcPr>
-                </a:tc>
-                <a:tc>
-                  <a:txBody>
-                    <a:bodyPr/>
-                    <a:lstStyle/>
-                    <a:p>
-                      <a:pPr algn="ctr" fontAlgn="b"/>
-                      <a:endParaRPr lang="pt-BR" sz="1000" b="0" i="0" u="none" strike="noStrike">
-                        <a:solidFill>
-                          <a:srgbClr val="000000"/>
-                        </a:solidFill>
-                        <a:effectLst/>
-                        <a:latin typeface="Playfair Display"/>
-                      </a:endParaRPr>
-                    </a:p>
-                  </a:txBody>
-                  <a:tcPr marL="9525" marR="9525" marT="9525" anchor="b">
-                    <a:lnL w="6350" cap="flat" cmpd="sng" algn="ctr">
-                      <a:solidFill>
-                        <a:srgbClr val="000000"/>
-                      </a:solidFill>
-                      <a:prstDash val="solid"/>
-                      <a:round/>
-                      <a:headEnd type="none" w="med" len="med"/>
-                      <a:tailEnd type="none" w="med" len="med"/>
-                    </a:lnL>
-                    <a:lnR w="6350" cap="flat" cmpd="sng" algn="ctr">
-                      <a:solidFill>
-                        <a:srgbClr val="000000"/>
-                      </a:solidFill>
-                      <a:prstDash val="solid"/>
-                      <a:round/>
-                      <a:headEnd type="none" w="med" len="med"/>
-                      <a:tailEnd type="none" w="med" len="med"/>
-                    </a:lnR>
-                    <a:lnT w="6350" cap="flat" cmpd="sng" algn="ctr">
-                      <a:solidFill>
-                        <a:srgbClr val="000000"/>
-                      </a:solidFill>
-                      <a:prstDash val="solid"/>
-                      <a:round/>
-                      <a:headEnd type="none" w="med" len="med"/>
-                      <a:tailEnd type="none" w="med" len="med"/>
-                    </a:lnT>
-                    <a:lnB w="6350" cap="flat" cmpd="sng" algn="ctr">
-                      <a:solidFill>
-                        <a:srgbClr val="000000"/>
-                      </a:solidFill>
-                      <a:prstDash val="solid"/>
-                      <a:round/>
-                      <a:headEnd type="none" w="med" len="med"/>
-                      <a:tailEnd type="none" w="med" len="med"/>
-                    </a:lnB>
-                    <a:solidFill>
-                      <a:srgbClr val="FFFFFF"/>
-                    </a:solidFill>
-                  </a:tcPr>
-                </a:tc>
-                <a:tc>
-                  <a:txBody>
-                    <a:bodyPr/>
-                    <a:lstStyle/>
-                    <a:p>
-                      <a:pPr algn="ctr" fontAlgn="ctr"/>
-                      <a:r>
-                        <a:rPr lang="pt-BR" sz="1000" b="0" i="0" u="none" strike="noStrike" dirty="0">
-                          <a:solidFill>
-                            <a:srgbClr val="000000"/>
-                          </a:solidFill>
-                          <a:effectLst/>
-                          <a:latin typeface="Playfair Display"/>
-                        </a:rPr>
-                        <a:t>9</a:t>
-                      </a:r>
-                    </a:p>
-                  </a:txBody>
-                  <a:tcPr marL="9525" marR="9525" marT="9525" anchor="ctr">
-                    <a:lnL w="6350" cap="flat" cmpd="sng" algn="ctr">
-                      <a:solidFill>
-                        <a:srgbClr val="000000"/>
-                      </a:solidFill>
-                      <a:prstDash val="solid"/>
-                      <a:round/>
-                      <a:headEnd type="none" w="med" len="med"/>
-                      <a:tailEnd type="none" w="med" len="med"/>
-                    </a:lnL>
-                    <a:lnR w="6350" cap="flat" cmpd="sng" algn="ctr">
-                      <a:solidFill>
-                        <a:srgbClr val="000000"/>
-                      </a:solidFill>
-                      <a:prstDash val="solid"/>
-                      <a:round/>
-                      <a:headEnd type="none" w="med" len="med"/>
-                      <a:tailEnd type="none" w="med" len="med"/>
-                    </a:lnR>
-                    <a:lnT w="6350" cap="flat" cmpd="sng" algn="ctr">
-                      <a:solidFill>
-                        <a:srgbClr val="000000"/>
-                      </a:solidFill>
-                      <a:prstDash val="solid"/>
-                      <a:round/>
-                      <a:headEnd type="none" w="med" len="med"/>
-                      <a:tailEnd type="none" w="med" len="med"/>
-                    </a:lnT>
-                    <a:lnB w="6350" cap="flat" cmpd="sng" algn="ctr">
-                      <a:solidFill>
-                        <a:srgbClr val="000000"/>
-                      </a:solidFill>
-                      <a:prstDash val="solid"/>
-                      <a:round/>
-                      <a:headEnd type="none" w="med" len="med"/>
-                      <a:tailEnd type="none" w="med" len="med"/>
-                    </a:lnB>
-                    <a:solidFill>
-                      <a:srgbClr val="FFFFFF"/>
-                    </a:solidFill>
-                  </a:tcPr>
-                </a:tc>
-                <a:extLst>
-                  <a:ext uri="{0D108BD9-81ED-4DB2-BD59-A6C34878D82A}">
-                    <a16:rowId xmlns:a16="http://schemas.microsoft.com/office/drawing/2014/main" val="2818135530"/>
-                  </a:ext>
-                </a:extLst>
-              </a:tr>
-              <a:tr h="237857">
-                <a:tc>
-                  <a:txBody>
-                    <a:bodyPr/>
-                    <a:lstStyle/>
-                    <a:p>
-                      <a:pPr algn="l" fontAlgn="b"/>
-                      <a:r>
-                        <a:rPr lang="pt-BR" sz="1000" b="0" i="0" u="none" strike="noStrike">
-                          <a:solidFill>
-                            <a:srgbClr val="000000"/>
-                          </a:solidFill>
-                          <a:effectLst/>
-                          <a:latin typeface="Playfair Display"/>
-                        </a:rPr>
-                        <a:t>Desenvolver o conhecimento básico de Git para aplicação do grupo; </a:t>
-                      </a:r>
-                    </a:p>
-                  </a:txBody>
-                  <a:tcPr marL="9525" marR="9525" marT="9525" anchor="b">
-                    <a:lnL w="6350" cap="flat" cmpd="sng" algn="ctr">
-                      <a:solidFill>
-                        <a:srgbClr val="000000"/>
-                      </a:solidFill>
-                      <a:prstDash val="solid"/>
-                      <a:round/>
-                      <a:headEnd type="none" w="med" len="med"/>
-                      <a:tailEnd type="none" w="med" len="med"/>
-                    </a:lnL>
-                    <a:lnR w="6350" cap="flat" cmpd="sng" algn="ctr">
-                      <a:solidFill>
-                        <a:srgbClr val="000000"/>
-                      </a:solidFill>
-                      <a:prstDash val="solid"/>
-                      <a:round/>
-                      <a:headEnd type="none" w="med" len="med"/>
-                      <a:tailEnd type="none" w="med" len="med"/>
-                    </a:lnR>
-                    <a:lnT w="6350" cap="flat" cmpd="sng" algn="ctr">
-                      <a:solidFill>
-                        <a:srgbClr val="000000"/>
-                      </a:solidFill>
-                      <a:prstDash val="solid"/>
-                      <a:round/>
-                      <a:headEnd type="none" w="med" len="med"/>
-                      <a:tailEnd type="none" w="med" len="med"/>
-                    </a:lnT>
-                    <a:lnB w="6350" cap="flat" cmpd="sng" algn="ctr">
-                      <a:solidFill>
-                        <a:srgbClr val="000000"/>
-                      </a:solidFill>
-                      <a:prstDash val="solid"/>
-                      <a:round/>
-                      <a:headEnd type="none" w="med" len="med"/>
-                      <a:tailEnd type="none" w="med" len="med"/>
-                    </a:lnB>
-                    <a:solidFill>
-                      <a:srgbClr val="FFFFFF"/>
-                    </a:solidFill>
-                  </a:tcPr>
-                </a:tc>
-                <a:tc>
-                  <a:txBody>
-                    <a:bodyPr/>
-                    <a:lstStyle/>
-                    <a:p>
-                      <a:pPr algn="l" fontAlgn="b"/>
-                      <a:endParaRPr lang="pt-BR" sz="1000" b="0" i="0" u="none" strike="noStrike">
-                        <a:solidFill>
-                          <a:srgbClr val="000000"/>
-                        </a:solidFill>
-                        <a:effectLst/>
-                        <a:latin typeface="Playfair Display"/>
-                      </a:endParaRPr>
-                    </a:p>
-                  </a:txBody>
-                  <a:tcPr marL="9525" marR="9525" marT="9525" anchor="b">
-                    <a:lnL w="6350" cap="flat" cmpd="sng" algn="ctr">
-                      <a:solidFill>
-                        <a:srgbClr val="000000"/>
-                      </a:solidFill>
-                      <a:prstDash val="solid"/>
-                      <a:round/>
-                      <a:headEnd type="none" w="med" len="med"/>
-                      <a:tailEnd type="none" w="med" len="med"/>
-                    </a:lnL>
-                    <a:lnR w="6350" cap="flat" cmpd="sng" algn="ctr">
-                      <a:solidFill>
-                        <a:srgbClr val="000000"/>
-                      </a:solidFill>
-                      <a:prstDash val="solid"/>
-                      <a:round/>
-                      <a:headEnd type="none" w="med" len="med"/>
-                      <a:tailEnd type="none" w="med" len="med"/>
-                    </a:lnR>
-                    <a:lnT>
-                      <a:noFill/>
-                    </a:lnT>
-                    <a:lnB w="6350" cap="flat" cmpd="sng" algn="ctr">
-                      <a:solidFill>
-                        <a:srgbClr val="000000"/>
-                      </a:solidFill>
-                      <a:prstDash val="solid"/>
-                      <a:round/>
-                      <a:headEnd type="none" w="med" len="med"/>
-                      <a:tailEnd type="none" w="med" len="med"/>
-                    </a:lnB>
-                    <a:solidFill>
-                      <a:srgbClr val="FFFF00"/>
-                    </a:solidFill>
-                  </a:tcPr>
-                </a:tc>
-                <a:tc>
-                  <a:txBody>
-                    <a:bodyPr/>
-                    <a:lstStyle/>
-                    <a:p>
-                      <a:pPr algn="ctr" fontAlgn="b"/>
-                      <a:endParaRPr lang="pt-BR" sz="1000" b="0" i="0" u="none" strike="noStrike">
-                        <a:solidFill>
-                          <a:srgbClr val="000000"/>
-                        </a:solidFill>
-                        <a:effectLst/>
-                        <a:latin typeface="Playfair Display"/>
-                      </a:endParaRPr>
-                    </a:p>
-                  </a:txBody>
-                  <a:tcPr marL="9525" marR="9525" marT="9525" anchor="b">
-                    <a:lnL w="6350" cap="flat" cmpd="sng" algn="ctr">
-                      <a:solidFill>
-                        <a:srgbClr val="000000"/>
-                      </a:solidFill>
-                      <a:prstDash val="solid"/>
-                      <a:round/>
-                      <a:headEnd type="none" w="med" len="med"/>
-                      <a:tailEnd type="none" w="med" len="med"/>
-                    </a:lnL>
-                    <a:lnR w="6350" cap="flat" cmpd="sng" algn="ctr">
-                      <a:solidFill>
-                        <a:srgbClr val="000000"/>
-                      </a:solidFill>
-                      <a:prstDash val="solid"/>
-                      <a:round/>
-                      <a:headEnd type="none" w="med" len="med"/>
-                      <a:tailEnd type="none" w="med" len="med"/>
-                    </a:lnR>
-                    <a:lnT w="6350" cap="flat" cmpd="sng" algn="ctr">
-                      <a:solidFill>
-                        <a:srgbClr val="000000"/>
-                      </a:solidFill>
-                      <a:prstDash val="solid"/>
-                      <a:round/>
-                      <a:headEnd type="none" w="med" len="med"/>
-                      <a:tailEnd type="none" w="med" len="med"/>
-                    </a:lnT>
-                    <a:lnB w="6350" cap="flat" cmpd="sng" algn="ctr">
-                      <a:solidFill>
-                        <a:srgbClr val="000000"/>
-                      </a:solidFill>
-                      <a:prstDash val="solid"/>
-                      <a:round/>
-                      <a:headEnd type="none" w="med" len="med"/>
-                      <a:tailEnd type="none" w="med" len="med"/>
-                    </a:lnB>
-                    <a:solidFill>
-                      <a:srgbClr val="FFFFFF"/>
-                    </a:solidFill>
-                  </a:tcPr>
-                </a:tc>
-                <a:tc>
-                  <a:txBody>
-                    <a:bodyPr/>
-                    <a:lstStyle/>
-                    <a:p>
-                      <a:pPr algn="ctr" fontAlgn="ctr"/>
-                      <a:r>
-                        <a:rPr lang="pt-BR" sz="1000" b="0" i="0" u="none" strike="noStrike" dirty="0">
-                          <a:solidFill>
-                            <a:srgbClr val="000000"/>
-                          </a:solidFill>
-                          <a:effectLst/>
-                          <a:latin typeface="Playfair Display"/>
-                        </a:rPr>
-                        <a:t>10</a:t>
-                      </a:r>
-                    </a:p>
-                  </a:txBody>
-                  <a:tcPr marL="9525" marR="9525" marT="9525" anchor="ctr">
-                    <a:lnL w="6350" cap="flat" cmpd="sng" algn="ctr">
-                      <a:solidFill>
-                        <a:srgbClr val="000000"/>
-                      </a:solidFill>
-                      <a:prstDash val="solid"/>
-                      <a:round/>
-                      <a:headEnd type="none" w="med" len="med"/>
-                      <a:tailEnd type="none" w="med" len="med"/>
-                    </a:lnL>
-                    <a:lnR w="6350" cap="flat" cmpd="sng" algn="ctr">
-                      <a:solidFill>
-                        <a:srgbClr val="000000"/>
-                      </a:solidFill>
-                      <a:prstDash val="solid"/>
-                      <a:round/>
-                      <a:headEnd type="none" w="med" len="med"/>
-                      <a:tailEnd type="none" w="med" len="med"/>
-                    </a:lnR>
-                    <a:lnT w="6350" cap="flat" cmpd="sng" algn="ctr">
-                      <a:solidFill>
-                        <a:srgbClr val="000000"/>
-                      </a:solidFill>
-                      <a:prstDash val="solid"/>
-                      <a:round/>
-                      <a:headEnd type="none" w="med" len="med"/>
-                      <a:tailEnd type="none" w="med" len="med"/>
-                    </a:lnT>
-                    <a:lnB w="6350" cap="flat" cmpd="sng" algn="ctr">
-                      <a:solidFill>
-                        <a:srgbClr val="000000"/>
-                      </a:solidFill>
-                      <a:prstDash val="solid"/>
-                      <a:round/>
-                      <a:headEnd type="none" w="med" len="med"/>
-                      <a:tailEnd type="none" w="med" len="med"/>
-                    </a:lnB>
-                    <a:solidFill>
-                      <a:srgbClr val="FFFFFF"/>
-                    </a:solidFill>
-                  </a:tcPr>
-                </a:tc>
-                <a:extLst>
-                  <a:ext uri="{0D108BD9-81ED-4DB2-BD59-A6C34878D82A}">
-                    <a16:rowId xmlns:a16="http://schemas.microsoft.com/office/drawing/2014/main" val="1764451195"/>
-                  </a:ext>
-                </a:extLst>
-              </a:tr>
-            </a:tbl>
-          </a:graphicData>
-        </a:graphic>
-      </p:graphicFrame>
       <p:sp>
         <p:nvSpPr>
           <p:cNvPr id="7" name="Retângulo 6">
@@ -16381,7 +18786,7 @@
         </p:nvSpPr>
         <p:spPr>
           <a:xfrm>
-            <a:off x="718387" y="199022"/>
+            <a:off x="718387" y="143505"/>
             <a:ext cx="2117195" cy="572700"/>
           </a:xfrm>
           <a:prstGeom prst="rect">
@@ -16433,7 +18838,7 @@
         </p:nvSpPr>
         <p:spPr>
           <a:xfrm>
-            <a:off x="853940" y="254539"/>
+            <a:off x="853940" y="199022"/>
             <a:ext cx="2343385" cy="461665"/>
           </a:xfrm>
           <a:prstGeom prst="rect">
@@ -16459,6 +18864,1220 @@
           </a:p>
         </p:txBody>
       </p:sp>
+      <p:graphicFrame>
+        <p:nvGraphicFramePr>
+          <p:cNvPr id="2" name="Tabela 1">
+            <a:extLst>
+              <a:ext uri="{FF2B5EF4-FFF2-40B4-BE49-F238E27FC236}">
+                <a16:creationId xmlns:a16="http://schemas.microsoft.com/office/drawing/2014/main" id="{C345B496-8154-4969-ABCD-4876B4A09FDF}"/>
+              </a:ext>
+            </a:extLst>
+          </p:cNvPr>
+          <p:cNvGraphicFramePr>
+            <a:graphicFrameLocks noGrp="1"/>
+          </p:cNvGraphicFramePr>
+          <p:nvPr>
+            <p:extLst>
+              <p:ext uri="{D42A27DB-BD31-4B8C-83A1-F6EECF244321}">
+                <p14:modId xmlns:p14="http://schemas.microsoft.com/office/powerpoint/2010/main" val="2687207305"/>
+              </p:ext>
+            </p:extLst>
+          </p:nvPr>
+        </p:nvGraphicFramePr>
+        <p:xfrm>
+          <a:off x="633046" y="954037"/>
+          <a:ext cx="7475973" cy="3477283"/>
+        </p:xfrm>
+        <a:graphic>
+          <a:graphicData uri="http://schemas.openxmlformats.org/drawingml/2006/table">
+            <a:tbl>
+              <a:tblPr>
+                <a:tableStyleId>{473ACEA7-2A10-4AA4-BFA6-6C7E4F44E177}</a:tableStyleId>
+              </a:tblPr>
+              <a:tblGrid>
+                <a:gridCol w="4016410">
+                  <a:extLst>
+                    <a:ext uri="{9D8B030D-6E8A-4147-A177-3AD203B41FA5}">
+                      <a16:colId xmlns:a16="http://schemas.microsoft.com/office/drawing/2014/main" val="419315512"/>
+                    </a:ext>
+                  </a:extLst>
+                </a:gridCol>
+                <a:gridCol w="1058407">
+                  <a:extLst>
+                    <a:ext uri="{9D8B030D-6E8A-4147-A177-3AD203B41FA5}">
+                      <a16:colId xmlns:a16="http://schemas.microsoft.com/office/drawing/2014/main" val="532117224"/>
+                    </a:ext>
+                  </a:extLst>
+                </a:gridCol>
+                <a:gridCol w="900433">
+                  <a:extLst>
+                    <a:ext uri="{9D8B030D-6E8A-4147-A177-3AD203B41FA5}">
+                      <a16:colId xmlns:a16="http://schemas.microsoft.com/office/drawing/2014/main" val="357279288"/>
+                    </a:ext>
+                  </a:extLst>
+                </a:gridCol>
+                <a:gridCol w="1500723">
+                  <a:extLst>
+                    <a:ext uri="{9D8B030D-6E8A-4147-A177-3AD203B41FA5}">
+                      <a16:colId xmlns:a16="http://schemas.microsoft.com/office/drawing/2014/main" val="4034738568"/>
+                    </a:ext>
+                  </a:extLst>
+                </a:gridCol>
+              </a:tblGrid>
+              <a:tr h="313853">
+                <a:tc>
+                  <a:txBody>
+                    <a:bodyPr/>
+                    <a:lstStyle/>
+                    <a:p>
+                      <a:pPr algn="ctr" rtl="0" fontAlgn="ctr"/>
+                      <a:r>
+                        <a:rPr lang="pt-BR" sz="1000" b="1" u="none" strike="noStrike" dirty="0">
+                          <a:solidFill>
+                            <a:schemeClr val="bg1"/>
+                          </a:solidFill>
+                          <a:effectLst/>
+                        </a:rPr>
+                        <a:t>Requisitos</a:t>
+                      </a:r>
+                      <a:endParaRPr lang="pt-BR" sz="1000" b="1" i="0" u="none" strike="noStrike" dirty="0">
+                        <a:solidFill>
+                          <a:schemeClr val="bg1"/>
+                        </a:solidFill>
+                        <a:effectLst/>
+                        <a:latin typeface="Playfair Display"/>
+                      </a:endParaRPr>
+                    </a:p>
+                  </a:txBody>
+                  <a:tcPr marL="9134" marR="9134" marT="9134" marB="0" anchor="ctr">
+                    <a:solidFill>
+                      <a:srgbClr val="385819"/>
+                    </a:solidFill>
+                  </a:tcPr>
+                </a:tc>
+                <a:tc>
+                  <a:txBody>
+                    <a:bodyPr/>
+                    <a:lstStyle/>
+                    <a:p>
+                      <a:pPr algn="ctr" rtl="0" fontAlgn="ctr"/>
+                      <a:r>
+                        <a:rPr lang="pt-BR" sz="1000" b="1" u="none" strike="noStrike" dirty="0">
+                          <a:solidFill>
+                            <a:schemeClr val="bg1"/>
+                          </a:solidFill>
+                          <a:effectLst/>
+                        </a:rPr>
+                        <a:t>Classificação</a:t>
+                      </a:r>
+                      <a:endParaRPr lang="pt-BR" sz="1000" b="1" i="0" u="none" strike="noStrike" dirty="0">
+                        <a:solidFill>
+                          <a:schemeClr val="bg1"/>
+                        </a:solidFill>
+                        <a:effectLst/>
+                        <a:latin typeface="Playfair Display"/>
+                      </a:endParaRPr>
+                    </a:p>
+                  </a:txBody>
+                  <a:tcPr marL="9134" marR="9134" marT="9134" marB="0" anchor="ctr">
+                    <a:solidFill>
+                      <a:srgbClr val="385819"/>
+                    </a:solidFill>
+                  </a:tcPr>
+                </a:tc>
+                <a:tc>
+                  <a:txBody>
+                    <a:bodyPr/>
+                    <a:lstStyle/>
+                    <a:p>
+                      <a:pPr algn="ctr" rtl="0" fontAlgn="ctr"/>
+                      <a:r>
+                        <a:rPr lang="pt-BR" sz="1000" b="1" u="none" strike="noStrike" dirty="0">
+                          <a:solidFill>
+                            <a:schemeClr val="bg1"/>
+                          </a:solidFill>
+                          <a:effectLst/>
+                        </a:rPr>
+                        <a:t>Fibonacci</a:t>
+                      </a:r>
+                      <a:endParaRPr lang="pt-BR" sz="1000" b="1" i="0" u="none" strike="noStrike" dirty="0">
+                        <a:solidFill>
+                          <a:schemeClr val="bg1"/>
+                        </a:solidFill>
+                        <a:effectLst/>
+                        <a:latin typeface="Playfair Display"/>
+                      </a:endParaRPr>
+                    </a:p>
+                  </a:txBody>
+                  <a:tcPr marL="9134" marR="9134" marT="9134" marB="0" anchor="ctr">
+                    <a:solidFill>
+                      <a:srgbClr val="385819"/>
+                    </a:solidFill>
+                  </a:tcPr>
+                </a:tc>
+                <a:tc>
+                  <a:txBody>
+                    <a:bodyPr/>
+                    <a:lstStyle/>
+                    <a:p>
+                      <a:pPr algn="ctr" rtl="0" fontAlgn="ctr"/>
+                      <a:r>
+                        <a:rPr lang="pt-BR" sz="1000" b="1" u="none" strike="noStrike" dirty="0">
+                          <a:solidFill>
+                            <a:schemeClr val="bg1"/>
+                          </a:solidFill>
+                          <a:effectLst/>
+                        </a:rPr>
+                        <a:t>Ordem de execução</a:t>
+                      </a:r>
+                      <a:endParaRPr lang="pt-BR" sz="1000" b="1" i="0" u="none" strike="noStrike" dirty="0">
+                        <a:solidFill>
+                          <a:schemeClr val="bg1"/>
+                        </a:solidFill>
+                        <a:effectLst/>
+                        <a:latin typeface="Playfair Display"/>
+                      </a:endParaRPr>
+                    </a:p>
+                  </a:txBody>
+                  <a:tcPr marL="9134" marR="9134" marT="9134" marB="0" anchor="ctr">
+                    <a:solidFill>
+                      <a:srgbClr val="385819"/>
+                    </a:solidFill>
+                  </a:tcPr>
+                </a:tc>
+                <a:extLst>
+                  <a:ext uri="{0D108BD9-81ED-4DB2-BD59-A6C34878D82A}">
+                    <a16:rowId xmlns:a16="http://schemas.microsoft.com/office/drawing/2014/main" val="2249731051"/>
+                  </a:ext>
+                </a:extLst>
+              </a:tr>
+              <a:tr h="316343">
+                <a:tc>
+                  <a:txBody>
+                    <a:bodyPr/>
+                    <a:lstStyle/>
+                    <a:p>
+                      <a:pPr algn="l" rtl="0" fontAlgn="ctr"/>
+                      <a:r>
+                        <a:rPr lang="pt-BR" sz="1000" u="none" strike="noStrike">
+                          <a:effectLst/>
+                        </a:rPr>
+                        <a:t>Uso de ferramentas para gestão de projetos (Microsoft Project/ Planner); </a:t>
+                      </a:r>
+                      <a:endParaRPr lang="pt-BR" sz="1000" b="0" i="0" u="none" strike="noStrike">
+                        <a:solidFill>
+                          <a:srgbClr val="000000"/>
+                        </a:solidFill>
+                        <a:effectLst/>
+                        <a:latin typeface="Playfair Display"/>
+                      </a:endParaRPr>
+                    </a:p>
+                  </a:txBody>
+                  <a:tcPr marL="9134" marR="9134" marT="9134" marB="0" anchor="ctr"/>
+                </a:tc>
+                <a:tc>
+                  <a:txBody>
+                    <a:bodyPr/>
+                    <a:lstStyle/>
+                    <a:p>
+                      <a:pPr algn="ctr" rtl="0" fontAlgn="ctr"/>
+                      <a:r>
+                        <a:rPr lang="pt-BR" sz="1000" u="none" strike="noStrike" dirty="0">
+                          <a:effectLst/>
+                        </a:rPr>
+                        <a:t>Importante</a:t>
+                      </a:r>
+                      <a:endParaRPr lang="pt-BR" sz="1000" b="0" i="0" u="none" strike="noStrike" dirty="0">
+                        <a:solidFill>
+                          <a:srgbClr val="000000"/>
+                        </a:solidFill>
+                        <a:effectLst/>
+                        <a:latin typeface="Playfair Display"/>
+                      </a:endParaRPr>
+                    </a:p>
+                  </a:txBody>
+                  <a:tcPr marL="9134" marR="9134" marT="9134" marB="0" anchor="ctr">
+                    <a:solidFill>
+                      <a:srgbClr val="FFFF00"/>
+                    </a:solidFill>
+                  </a:tcPr>
+                </a:tc>
+                <a:tc>
+                  <a:txBody>
+                    <a:bodyPr/>
+                    <a:lstStyle/>
+                    <a:p>
+                      <a:pPr algn="ctr" rtl="0" fontAlgn="ctr"/>
+                      <a:r>
+                        <a:rPr lang="pt-BR" sz="1000" u="none" strike="noStrike" dirty="0">
+                          <a:effectLst/>
+                        </a:rPr>
+                        <a:t>3</a:t>
+                      </a:r>
+                      <a:endParaRPr lang="pt-BR" sz="1000" b="0" i="0" u="none" strike="noStrike" dirty="0">
+                        <a:solidFill>
+                          <a:srgbClr val="000000"/>
+                        </a:solidFill>
+                        <a:effectLst/>
+                        <a:latin typeface="Playfair Display"/>
+                      </a:endParaRPr>
+                    </a:p>
+                  </a:txBody>
+                  <a:tcPr marL="9134" marR="9134" marT="9134" marB="0" anchor="ctr"/>
+                </a:tc>
+                <a:tc>
+                  <a:txBody>
+                    <a:bodyPr/>
+                    <a:lstStyle/>
+                    <a:p>
+                      <a:pPr algn="ctr" rtl="0" fontAlgn="ctr"/>
+                      <a:r>
+                        <a:rPr lang="pt-BR" sz="1000" u="none" strike="noStrike">
+                          <a:effectLst/>
+                        </a:rPr>
+                        <a:t>1</a:t>
+                      </a:r>
+                      <a:endParaRPr lang="pt-BR" sz="1000" b="0" i="0" u="none" strike="noStrike">
+                        <a:solidFill>
+                          <a:srgbClr val="000000"/>
+                        </a:solidFill>
+                        <a:effectLst/>
+                        <a:latin typeface="Playfair Display"/>
+                      </a:endParaRPr>
+                    </a:p>
+                  </a:txBody>
+                  <a:tcPr marL="9134" marR="9134" marT="9134" marB="0" anchor="ctr"/>
+                </a:tc>
+                <a:extLst>
+                  <a:ext uri="{0D108BD9-81ED-4DB2-BD59-A6C34878D82A}">
+                    <a16:rowId xmlns:a16="http://schemas.microsoft.com/office/drawing/2014/main" val="1665457839"/>
+                  </a:ext>
+                </a:extLst>
+              </a:tr>
+              <a:tr h="316343">
+                <a:tc>
+                  <a:txBody>
+                    <a:bodyPr/>
+                    <a:lstStyle/>
+                    <a:p>
+                      <a:pPr algn="l" rtl="0" fontAlgn="ctr"/>
+                      <a:r>
+                        <a:rPr lang="pt-BR" sz="1000" u="none" strike="noStrike">
+                          <a:effectLst/>
+                        </a:rPr>
+                        <a:t>Documentação do projeto;</a:t>
+                      </a:r>
+                      <a:endParaRPr lang="pt-BR" sz="1000" b="0" i="0" u="none" strike="noStrike">
+                        <a:solidFill>
+                          <a:srgbClr val="000000"/>
+                        </a:solidFill>
+                        <a:effectLst/>
+                        <a:latin typeface="Playfair Display"/>
+                      </a:endParaRPr>
+                    </a:p>
+                  </a:txBody>
+                  <a:tcPr marL="9134" marR="9134" marT="9134" marB="0" anchor="ctr"/>
+                </a:tc>
+                <a:tc>
+                  <a:txBody>
+                    <a:bodyPr/>
+                    <a:lstStyle/>
+                    <a:p>
+                      <a:pPr algn="ctr" rtl="0" fontAlgn="ctr"/>
+                      <a:r>
+                        <a:rPr lang="pt-BR" sz="1000" u="none" strike="noStrike" dirty="0">
+                          <a:effectLst/>
+                        </a:rPr>
+                        <a:t>Importante</a:t>
+                      </a:r>
+                      <a:endParaRPr lang="pt-BR" sz="1000" b="0" i="0" u="none" strike="noStrike" dirty="0">
+                        <a:solidFill>
+                          <a:srgbClr val="000000"/>
+                        </a:solidFill>
+                        <a:effectLst/>
+                        <a:latin typeface="Playfair Display"/>
+                      </a:endParaRPr>
+                    </a:p>
+                  </a:txBody>
+                  <a:tcPr marL="9134" marR="9134" marT="9134" marB="0" anchor="ctr">
+                    <a:solidFill>
+                      <a:srgbClr val="FFFF00"/>
+                    </a:solidFill>
+                  </a:tcPr>
+                </a:tc>
+                <a:tc>
+                  <a:txBody>
+                    <a:bodyPr/>
+                    <a:lstStyle/>
+                    <a:p>
+                      <a:pPr algn="ctr" rtl="0" fontAlgn="ctr"/>
+                      <a:r>
+                        <a:rPr lang="pt-BR" sz="1000" u="none" strike="noStrike" dirty="0">
+                          <a:effectLst/>
+                        </a:rPr>
+                        <a:t>3</a:t>
+                      </a:r>
+                      <a:endParaRPr lang="pt-BR" sz="1000" b="0" i="0" u="none" strike="noStrike" dirty="0">
+                        <a:solidFill>
+                          <a:srgbClr val="000000"/>
+                        </a:solidFill>
+                        <a:effectLst/>
+                        <a:latin typeface="Playfair Display"/>
+                      </a:endParaRPr>
+                    </a:p>
+                  </a:txBody>
+                  <a:tcPr marL="9134" marR="9134" marT="9134" marB="0" anchor="ctr"/>
+                </a:tc>
+                <a:tc>
+                  <a:txBody>
+                    <a:bodyPr/>
+                    <a:lstStyle/>
+                    <a:p>
+                      <a:pPr algn="ctr" rtl="0" fontAlgn="ctr"/>
+                      <a:r>
+                        <a:rPr lang="pt-BR" sz="1000" u="none" strike="noStrike">
+                          <a:effectLst/>
+                        </a:rPr>
+                        <a:t>2</a:t>
+                      </a:r>
+                      <a:endParaRPr lang="pt-BR" sz="1000" b="0" i="0" u="none" strike="noStrike">
+                        <a:solidFill>
+                          <a:srgbClr val="000000"/>
+                        </a:solidFill>
+                        <a:effectLst/>
+                        <a:latin typeface="Playfair Display"/>
+                      </a:endParaRPr>
+                    </a:p>
+                  </a:txBody>
+                  <a:tcPr marL="9134" marR="9134" marT="9134" marB="0" anchor="ctr"/>
+                </a:tc>
+                <a:extLst>
+                  <a:ext uri="{0D108BD9-81ED-4DB2-BD59-A6C34878D82A}">
+                    <a16:rowId xmlns:a16="http://schemas.microsoft.com/office/drawing/2014/main" val="1675227797"/>
+                  </a:ext>
+                </a:extLst>
+              </a:tr>
+              <a:tr h="316343">
+                <a:tc>
+                  <a:txBody>
+                    <a:bodyPr/>
+                    <a:lstStyle/>
+                    <a:p>
+                      <a:pPr algn="l" rtl="0" fontAlgn="ctr"/>
+                      <a:r>
+                        <a:rPr lang="pt-BR" sz="1000" u="none" strike="noStrike">
+                          <a:effectLst/>
+                        </a:rPr>
+                        <a:t>Desenvolver o conhecimento básico de Git para aplicação do grupo; </a:t>
+                      </a:r>
+                      <a:endParaRPr lang="pt-BR" sz="1000" b="0" i="0" u="none" strike="noStrike">
+                        <a:solidFill>
+                          <a:srgbClr val="000000"/>
+                        </a:solidFill>
+                        <a:effectLst/>
+                        <a:latin typeface="Playfair Display"/>
+                      </a:endParaRPr>
+                    </a:p>
+                  </a:txBody>
+                  <a:tcPr marL="9134" marR="9134" marT="9134" marB="0" anchor="ctr"/>
+                </a:tc>
+                <a:tc>
+                  <a:txBody>
+                    <a:bodyPr/>
+                    <a:lstStyle/>
+                    <a:p>
+                      <a:pPr algn="ctr" rtl="0" fontAlgn="ctr"/>
+                      <a:r>
+                        <a:rPr lang="pt-BR" sz="1000" u="none" strike="noStrike" dirty="0">
+                          <a:effectLst/>
+                        </a:rPr>
+                        <a:t>Importante</a:t>
+                      </a:r>
+                      <a:endParaRPr lang="pt-BR" sz="1000" b="0" i="0" u="none" strike="noStrike" dirty="0">
+                        <a:solidFill>
+                          <a:srgbClr val="000000"/>
+                        </a:solidFill>
+                        <a:effectLst/>
+                        <a:latin typeface="Playfair Display"/>
+                      </a:endParaRPr>
+                    </a:p>
+                  </a:txBody>
+                  <a:tcPr marL="9134" marR="9134" marT="9134" marB="0" anchor="ctr">
+                    <a:solidFill>
+                      <a:srgbClr val="FFFF00"/>
+                    </a:solidFill>
+                  </a:tcPr>
+                </a:tc>
+                <a:tc>
+                  <a:txBody>
+                    <a:bodyPr/>
+                    <a:lstStyle/>
+                    <a:p>
+                      <a:pPr algn="ctr" rtl="0" fontAlgn="ctr"/>
+                      <a:r>
+                        <a:rPr lang="pt-BR" sz="1000" u="none" strike="noStrike" dirty="0">
+                          <a:effectLst/>
+                        </a:rPr>
+                        <a:t>3</a:t>
+                      </a:r>
+                      <a:endParaRPr lang="pt-BR" sz="1000" b="0" i="0" u="none" strike="noStrike" dirty="0">
+                        <a:solidFill>
+                          <a:srgbClr val="000000"/>
+                        </a:solidFill>
+                        <a:effectLst/>
+                        <a:latin typeface="Playfair Display"/>
+                      </a:endParaRPr>
+                    </a:p>
+                  </a:txBody>
+                  <a:tcPr marL="9134" marR="9134" marT="9134" marB="0" anchor="ctr"/>
+                </a:tc>
+                <a:tc>
+                  <a:txBody>
+                    <a:bodyPr/>
+                    <a:lstStyle/>
+                    <a:p>
+                      <a:pPr algn="ctr" rtl="0" fontAlgn="ctr"/>
+                      <a:r>
+                        <a:rPr lang="pt-BR" sz="1000" u="none" strike="noStrike">
+                          <a:effectLst/>
+                        </a:rPr>
+                        <a:t>3</a:t>
+                      </a:r>
+                      <a:endParaRPr lang="pt-BR" sz="1000" b="0" i="0" u="none" strike="noStrike">
+                        <a:solidFill>
+                          <a:srgbClr val="000000"/>
+                        </a:solidFill>
+                        <a:effectLst/>
+                        <a:latin typeface="Playfair Display"/>
+                      </a:endParaRPr>
+                    </a:p>
+                  </a:txBody>
+                  <a:tcPr marL="9134" marR="9134" marT="9134" marB="0" anchor="ctr"/>
+                </a:tc>
+                <a:extLst>
+                  <a:ext uri="{0D108BD9-81ED-4DB2-BD59-A6C34878D82A}">
+                    <a16:rowId xmlns:a16="http://schemas.microsoft.com/office/drawing/2014/main" val="991000043"/>
+                  </a:ext>
+                </a:extLst>
+              </a:tr>
+              <a:tr h="316343">
+                <a:tc>
+                  <a:txBody>
+                    <a:bodyPr/>
+                    <a:lstStyle/>
+                    <a:p>
+                      <a:pPr algn="l" rtl="0" fontAlgn="ctr"/>
+                      <a:r>
+                        <a:rPr lang="pt-BR" sz="1000" u="none" strike="noStrike" dirty="0">
+                          <a:effectLst/>
+                        </a:rPr>
+                        <a:t>Simular o Arduino na aplicação web; </a:t>
+                      </a:r>
+                      <a:endParaRPr lang="pt-BR" sz="1000" b="0" i="0" u="none" strike="noStrike" dirty="0">
+                        <a:solidFill>
+                          <a:srgbClr val="000000"/>
+                        </a:solidFill>
+                        <a:effectLst/>
+                        <a:latin typeface="Playfair Display"/>
+                      </a:endParaRPr>
+                    </a:p>
+                  </a:txBody>
+                  <a:tcPr marL="9134" marR="9134" marT="9134" marB="0" anchor="ctr"/>
+                </a:tc>
+                <a:tc>
+                  <a:txBody>
+                    <a:bodyPr/>
+                    <a:lstStyle/>
+                    <a:p>
+                      <a:pPr algn="ctr" rtl="0" fontAlgn="ctr"/>
+                      <a:r>
+                        <a:rPr lang="pt-BR" sz="1000" u="none" strike="noStrike" dirty="0">
+                          <a:effectLst/>
+                        </a:rPr>
+                        <a:t>Essencial</a:t>
+                      </a:r>
+                      <a:endParaRPr lang="pt-BR" sz="1000" b="0" i="0" u="none" strike="noStrike" dirty="0">
+                        <a:solidFill>
+                          <a:srgbClr val="000000"/>
+                        </a:solidFill>
+                        <a:effectLst/>
+                        <a:latin typeface="Playfair Display"/>
+                      </a:endParaRPr>
+                    </a:p>
+                  </a:txBody>
+                  <a:tcPr marL="9134" marR="9134" marT="9134" marB="0" anchor="ctr">
+                    <a:solidFill>
+                      <a:srgbClr val="FF0000"/>
+                    </a:solidFill>
+                  </a:tcPr>
+                </a:tc>
+                <a:tc>
+                  <a:txBody>
+                    <a:bodyPr/>
+                    <a:lstStyle/>
+                    <a:p>
+                      <a:pPr algn="ctr" rtl="0" fontAlgn="ctr"/>
+                      <a:r>
+                        <a:rPr lang="pt-BR" sz="1000" u="none" strike="noStrike">
+                          <a:effectLst/>
+                        </a:rPr>
+                        <a:t>5</a:t>
+                      </a:r>
+                      <a:endParaRPr lang="pt-BR" sz="1000" b="0" i="0" u="none" strike="noStrike">
+                        <a:solidFill>
+                          <a:srgbClr val="000000"/>
+                        </a:solidFill>
+                        <a:effectLst/>
+                        <a:latin typeface="Playfair Display"/>
+                      </a:endParaRPr>
+                    </a:p>
+                  </a:txBody>
+                  <a:tcPr marL="9134" marR="9134" marT="9134" marB="0" anchor="ctr"/>
+                </a:tc>
+                <a:tc>
+                  <a:txBody>
+                    <a:bodyPr/>
+                    <a:lstStyle/>
+                    <a:p>
+                      <a:pPr algn="ctr" rtl="0" fontAlgn="ctr"/>
+                      <a:r>
+                        <a:rPr lang="pt-BR" sz="1000" u="none" strike="noStrike" dirty="0">
+                          <a:effectLst/>
+                        </a:rPr>
+                        <a:t>4</a:t>
+                      </a:r>
+                      <a:endParaRPr lang="pt-BR" sz="1000" b="0" i="0" u="none" strike="noStrike" dirty="0">
+                        <a:solidFill>
+                          <a:srgbClr val="000000"/>
+                        </a:solidFill>
+                        <a:effectLst/>
+                        <a:latin typeface="Playfair Display"/>
+                      </a:endParaRPr>
+                    </a:p>
+                  </a:txBody>
+                  <a:tcPr marL="9134" marR="9134" marT="9134" marB="0" anchor="ctr"/>
+                </a:tc>
+                <a:extLst>
+                  <a:ext uri="{0D108BD9-81ED-4DB2-BD59-A6C34878D82A}">
+                    <a16:rowId xmlns:a16="http://schemas.microsoft.com/office/drawing/2014/main" val="399994192"/>
+                  </a:ext>
+                </a:extLst>
+              </a:tr>
+              <a:tr h="316343">
+                <a:tc>
+                  <a:txBody>
+                    <a:bodyPr/>
+                    <a:lstStyle/>
+                    <a:p>
+                      <a:pPr algn="l" rtl="0" fontAlgn="ctr"/>
+                      <a:r>
+                        <a:rPr lang="pt-BR" sz="1000" u="none" strike="noStrike">
+                          <a:effectLst/>
+                        </a:rPr>
+                        <a:t>Captação dos dados; </a:t>
+                      </a:r>
+                      <a:endParaRPr lang="pt-BR" sz="1000" b="0" i="0" u="none" strike="noStrike">
+                        <a:solidFill>
+                          <a:srgbClr val="000000"/>
+                        </a:solidFill>
+                        <a:effectLst/>
+                        <a:latin typeface="Playfair Display"/>
+                      </a:endParaRPr>
+                    </a:p>
+                  </a:txBody>
+                  <a:tcPr marL="9134" marR="9134" marT="9134" marB="0" anchor="ctr"/>
+                </a:tc>
+                <a:tc>
+                  <a:txBody>
+                    <a:bodyPr/>
+                    <a:lstStyle/>
+                    <a:p>
+                      <a:pPr algn="ctr" rtl="0" fontAlgn="ctr"/>
+                      <a:r>
+                        <a:rPr lang="pt-BR" sz="1000" u="none" strike="noStrike" dirty="0">
+                          <a:effectLst/>
+                        </a:rPr>
+                        <a:t>Essencial</a:t>
+                      </a:r>
+                      <a:endParaRPr lang="pt-BR" sz="1000" b="0" i="0" u="none" strike="noStrike" dirty="0">
+                        <a:solidFill>
+                          <a:srgbClr val="000000"/>
+                        </a:solidFill>
+                        <a:effectLst/>
+                        <a:latin typeface="Playfair Display"/>
+                      </a:endParaRPr>
+                    </a:p>
+                  </a:txBody>
+                  <a:tcPr marL="9134" marR="9134" marT="9134" marB="0" anchor="ctr">
+                    <a:solidFill>
+                      <a:srgbClr val="FF0000"/>
+                    </a:solidFill>
+                  </a:tcPr>
+                </a:tc>
+                <a:tc>
+                  <a:txBody>
+                    <a:bodyPr/>
+                    <a:lstStyle/>
+                    <a:p>
+                      <a:pPr algn="ctr" rtl="0" fontAlgn="ctr"/>
+                      <a:r>
+                        <a:rPr lang="pt-BR" sz="1000" u="none" strike="noStrike">
+                          <a:effectLst/>
+                        </a:rPr>
+                        <a:t>5</a:t>
+                      </a:r>
+                      <a:endParaRPr lang="pt-BR" sz="1000" b="0" i="0" u="none" strike="noStrike">
+                        <a:solidFill>
+                          <a:srgbClr val="000000"/>
+                        </a:solidFill>
+                        <a:effectLst/>
+                        <a:latin typeface="Playfair Display"/>
+                      </a:endParaRPr>
+                    </a:p>
+                  </a:txBody>
+                  <a:tcPr marL="9134" marR="9134" marT="9134" marB="0" anchor="ctr"/>
+                </a:tc>
+                <a:tc>
+                  <a:txBody>
+                    <a:bodyPr/>
+                    <a:lstStyle/>
+                    <a:p>
+                      <a:pPr algn="ctr" rtl="0" fontAlgn="ctr"/>
+                      <a:r>
+                        <a:rPr lang="pt-BR" sz="1000" u="none" strike="noStrike" dirty="0">
+                          <a:effectLst/>
+                        </a:rPr>
+                        <a:t>5</a:t>
+                      </a:r>
+                      <a:endParaRPr lang="pt-BR" sz="1000" b="0" i="0" u="none" strike="noStrike" dirty="0">
+                        <a:solidFill>
+                          <a:srgbClr val="000000"/>
+                        </a:solidFill>
+                        <a:effectLst/>
+                        <a:latin typeface="Playfair Display"/>
+                      </a:endParaRPr>
+                    </a:p>
+                  </a:txBody>
+                  <a:tcPr marL="9134" marR="9134" marT="9134" marB="0" anchor="ctr"/>
+                </a:tc>
+                <a:extLst>
+                  <a:ext uri="{0D108BD9-81ED-4DB2-BD59-A6C34878D82A}">
+                    <a16:rowId xmlns:a16="http://schemas.microsoft.com/office/drawing/2014/main" val="3293835611"/>
+                  </a:ext>
+                </a:extLst>
+              </a:tr>
+              <a:tr h="316343">
+                <a:tc>
+                  <a:txBody>
+                    <a:bodyPr/>
+                    <a:lstStyle/>
+                    <a:p>
+                      <a:pPr algn="l" rtl="0" fontAlgn="ctr"/>
+                      <a:r>
+                        <a:rPr lang="pt-BR" sz="1000" u="none" strike="noStrike" dirty="0">
+                          <a:effectLst/>
+                        </a:rPr>
+                        <a:t>Arduino funcionando e recebendo os dados dentro da aplicação web; </a:t>
+                      </a:r>
+                      <a:endParaRPr lang="pt-BR" sz="1000" b="0" i="0" u="none" strike="noStrike" dirty="0">
+                        <a:solidFill>
+                          <a:srgbClr val="000000"/>
+                        </a:solidFill>
+                        <a:effectLst/>
+                        <a:latin typeface="Playfair Display"/>
+                      </a:endParaRPr>
+                    </a:p>
+                  </a:txBody>
+                  <a:tcPr marL="9134" marR="9134" marT="9134" marB="0" anchor="ctr"/>
+                </a:tc>
+                <a:tc>
+                  <a:txBody>
+                    <a:bodyPr/>
+                    <a:lstStyle/>
+                    <a:p>
+                      <a:pPr algn="ctr" rtl="0" fontAlgn="ctr"/>
+                      <a:r>
+                        <a:rPr lang="pt-BR" sz="1000" u="none" strike="noStrike" dirty="0">
+                          <a:effectLst/>
+                        </a:rPr>
+                        <a:t>Essencial</a:t>
+                      </a:r>
+                      <a:endParaRPr lang="pt-BR" sz="1000" b="0" i="0" u="none" strike="noStrike" dirty="0">
+                        <a:solidFill>
+                          <a:srgbClr val="000000"/>
+                        </a:solidFill>
+                        <a:effectLst/>
+                        <a:latin typeface="Playfair Display"/>
+                      </a:endParaRPr>
+                    </a:p>
+                  </a:txBody>
+                  <a:tcPr marL="9134" marR="9134" marT="9134" marB="0" anchor="ctr">
+                    <a:solidFill>
+                      <a:srgbClr val="FF0000"/>
+                    </a:solidFill>
+                  </a:tcPr>
+                </a:tc>
+                <a:tc>
+                  <a:txBody>
+                    <a:bodyPr/>
+                    <a:lstStyle/>
+                    <a:p>
+                      <a:pPr algn="ctr" rtl="0" fontAlgn="ctr"/>
+                      <a:r>
+                        <a:rPr lang="pt-BR" sz="1000" u="none" strike="noStrike">
+                          <a:effectLst/>
+                        </a:rPr>
+                        <a:t>5</a:t>
+                      </a:r>
+                      <a:endParaRPr lang="pt-BR" sz="1000" b="0" i="0" u="none" strike="noStrike">
+                        <a:solidFill>
+                          <a:srgbClr val="000000"/>
+                        </a:solidFill>
+                        <a:effectLst/>
+                        <a:latin typeface="Playfair Display"/>
+                      </a:endParaRPr>
+                    </a:p>
+                  </a:txBody>
+                  <a:tcPr marL="9134" marR="9134" marT="9134" marB="0" anchor="ctr"/>
+                </a:tc>
+                <a:tc>
+                  <a:txBody>
+                    <a:bodyPr/>
+                    <a:lstStyle/>
+                    <a:p>
+                      <a:pPr algn="ctr" rtl="0" fontAlgn="ctr"/>
+                      <a:r>
+                        <a:rPr lang="pt-BR" sz="1000" u="none" strike="noStrike" dirty="0">
+                          <a:effectLst/>
+                        </a:rPr>
+                        <a:t>6</a:t>
+                      </a:r>
+                      <a:endParaRPr lang="pt-BR" sz="1000" b="0" i="0" u="none" strike="noStrike" dirty="0">
+                        <a:solidFill>
+                          <a:srgbClr val="000000"/>
+                        </a:solidFill>
+                        <a:effectLst/>
+                        <a:latin typeface="Playfair Display"/>
+                      </a:endParaRPr>
+                    </a:p>
+                  </a:txBody>
+                  <a:tcPr marL="9134" marR="9134" marT="9134" marB="0" anchor="ctr"/>
+                </a:tc>
+                <a:extLst>
+                  <a:ext uri="{0D108BD9-81ED-4DB2-BD59-A6C34878D82A}">
+                    <a16:rowId xmlns:a16="http://schemas.microsoft.com/office/drawing/2014/main" val="1172031500"/>
+                  </a:ext>
+                </a:extLst>
+              </a:tr>
+              <a:tr h="316343">
+                <a:tc>
+                  <a:txBody>
+                    <a:bodyPr/>
+                    <a:lstStyle/>
+                    <a:p>
+                      <a:pPr algn="l" rtl="0" fontAlgn="ctr"/>
+                      <a:r>
+                        <a:rPr lang="pt-BR" sz="1000" u="none" strike="noStrike">
+                          <a:effectLst/>
+                        </a:rPr>
+                        <a:t>Utilizar os sensores;</a:t>
+                      </a:r>
+                      <a:endParaRPr lang="pt-BR" sz="1000" b="0" i="0" u="none" strike="noStrike">
+                        <a:solidFill>
+                          <a:srgbClr val="000000"/>
+                        </a:solidFill>
+                        <a:effectLst/>
+                        <a:latin typeface="Playfair Display"/>
+                      </a:endParaRPr>
+                    </a:p>
+                  </a:txBody>
+                  <a:tcPr marL="9134" marR="9134" marT="9134" marB="0" anchor="ctr"/>
+                </a:tc>
+                <a:tc>
+                  <a:txBody>
+                    <a:bodyPr/>
+                    <a:lstStyle/>
+                    <a:p>
+                      <a:pPr algn="ctr" rtl="0" fontAlgn="ctr"/>
+                      <a:r>
+                        <a:rPr lang="pt-BR" sz="1000" u="none" strike="noStrike" dirty="0">
+                          <a:effectLst/>
+                        </a:rPr>
+                        <a:t>Essencial</a:t>
+                      </a:r>
+                      <a:endParaRPr lang="pt-BR" sz="1000" b="0" i="0" u="none" strike="noStrike" dirty="0">
+                        <a:solidFill>
+                          <a:srgbClr val="000000"/>
+                        </a:solidFill>
+                        <a:effectLst/>
+                        <a:latin typeface="Playfair Display"/>
+                      </a:endParaRPr>
+                    </a:p>
+                  </a:txBody>
+                  <a:tcPr marL="9134" marR="9134" marT="9134" marB="0" anchor="ctr">
+                    <a:solidFill>
+                      <a:srgbClr val="FF0000"/>
+                    </a:solidFill>
+                  </a:tcPr>
+                </a:tc>
+                <a:tc>
+                  <a:txBody>
+                    <a:bodyPr/>
+                    <a:lstStyle/>
+                    <a:p>
+                      <a:pPr algn="ctr" rtl="0" fontAlgn="ctr"/>
+                      <a:r>
+                        <a:rPr lang="pt-BR" sz="1000" u="none" strike="noStrike">
+                          <a:effectLst/>
+                        </a:rPr>
+                        <a:t>3</a:t>
+                      </a:r>
+                      <a:endParaRPr lang="pt-BR" sz="1000" b="0" i="0" u="none" strike="noStrike">
+                        <a:solidFill>
+                          <a:srgbClr val="000000"/>
+                        </a:solidFill>
+                        <a:effectLst/>
+                        <a:latin typeface="Playfair Display"/>
+                      </a:endParaRPr>
+                    </a:p>
+                  </a:txBody>
+                  <a:tcPr marL="9134" marR="9134" marT="9134" marB="0" anchor="ctr"/>
+                </a:tc>
+                <a:tc>
+                  <a:txBody>
+                    <a:bodyPr/>
+                    <a:lstStyle/>
+                    <a:p>
+                      <a:pPr algn="ctr" rtl="0" fontAlgn="ctr"/>
+                      <a:r>
+                        <a:rPr lang="pt-BR" sz="1000" u="none" strike="noStrike" dirty="0">
+                          <a:effectLst/>
+                        </a:rPr>
+                        <a:t>7</a:t>
+                      </a:r>
+                      <a:endParaRPr lang="pt-BR" sz="1000" b="0" i="0" u="none" strike="noStrike" dirty="0">
+                        <a:solidFill>
+                          <a:srgbClr val="000000"/>
+                        </a:solidFill>
+                        <a:effectLst/>
+                        <a:latin typeface="Playfair Display"/>
+                      </a:endParaRPr>
+                    </a:p>
+                  </a:txBody>
+                  <a:tcPr marL="9134" marR="9134" marT="9134" marB="0" anchor="ctr"/>
+                </a:tc>
+                <a:extLst>
+                  <a:ext uri="{0D108BD9-81ED-4DB2-BD59-A6C34878D82A}">
+                    <a16:rowId xmlns:a16="http://schemas.microsoft.com/office/drawing/2014/main" val="212642982"/>
+                  </a:ext>
+                </a:extLst>
+              </a:tr>
+              <a:tr h="316343">
+                <a:tc>
+                  <a:txBody>
+                    <a:bodyPr/>
+                    <a:lstStyle/>
+                    <a:p>
+                      <a:pPr algn="l" rtl="0" fontAlgn="ctr"/>
+                      <a:r>
+                        <a:rPr lang="pt-BR" sz="1000" u="none" strike="noStrike">
+                          <a:effectLst/>
+                        </a:rPr>
+                        <a:t>Realizar uma aplicação web que gere os valores e gráficos relativo à umidade do solo e utilização de água;</a:t>
+                      </a:r>
+                      <a:endParaRPr lang="pt-BR" sz="1000" b="0" i="0" u="none" strike="noStrike">
+                        <a:solidFill>
+                          <a:srgbClr val="000000"/>
+                        </a:solidFill>
+                        <a:effectLst/>
+                        <a:latin typeface="Playfair Display"/>
+                      </a:endParaRPr>
+                    </a:p>
+                  </a:txBody>
+                  <a:tcPr marL="9134" marR="9134" marT="9134" marB="0" anchor="ctr"/>
+                </a:tc>
+                <a:tc>
+                  <a:txBody>
+                    <a:bodyPr/>
+                    <a:lstStyle/>
+                    <a:p>
+                      <a:pPr algn="ctr" rtl="0" fontAlgn="ctr"/>
+                      <a:r>
+                        <a:rPr lang="pt-BR" sz="1000" u="none" strike="noStrike" dirty="0">
+                          <a:effectLst/>
+                        </a:rPr>
+                        <a:t>Essencial</a:t>
+                      </a:r>
+                      <a:endParaRPr lang="pt-BR" sz="1000" b="0" i="0" u="none" strike="noStrike" dirty="0">
+                        <a:solidFill>
+                          <a:srgbClr val="000000"/>
+                        </a:solidFill>
+                        <a:effectLst/>
+                        <a:latin typeface="Playfair Display"/>
+                      </a:endParaRPr>
+                    </a:p>
+                  </a:txBody>
+                  <a:tcPr marL="9134" marR="9134" marT="9134" marB="0" anchor="ctr">
+                    <a:solidFill>
+                      <a:srgbClr val="FF0000"/>
+                    </a:solidFill>
+                  </a:tcPr>
+                </a:tc>
+                <a:tc>
+                  <a:txBody>
+                    <a:bodyPr/>
+                    <a:lstStyle/>
+                    <a:p>
+                      <a:pPr algn="ctr" rtl="0" fontAlgn="ctr"/>
+                      <a:r>
+                        <a:rPr lang="pt-BR" sz="1000" u="none" strike="noStrike" dirty="0">
+                          <a:effectLst/>
+                        </a:rPr>
+                        <a:t>13</a:t>
+                      </a:r>
+                      <a:endParaRPr lang="pt-BR" sz="1000" b="0" i="0" u="none" strike="noStrike" dirty="0">
+                        <a:solidFill>
+                          <a:srgbClr val="000000"/>
+                        </a:solidFill>
+                        <a:effectLst/>
+                        <a:latin typeface="Playfair Display"/>
+                      </a:endParaRPr>
+                    </a:p>
+                  </a:txBody>
+                  <a:tcPr marL="9134" marR="9134" marT="9134" marB="0" anchor="ctr"/>
+                </a:tc>
+                <a:tc>
+                  <a:txBody>
+                    <a:bodyPr/>
+                    <a:lstStyle/>
+                    <a:p>
+                      <a:pPr algn="ctr" rtl="0" fontAlgn="ctr"/>
+                      <a:r>
+                        <a:rPr lang="pt-BR" sz="1000" u="none" strike="noStrike" dirty="0">
+                          <a:effectLst/>
+                        </a:rPr>
+                        <a:t>8</a:t>
+                      </a:r>
+                      <a:endParaRPr lang="pt-BR" sz="1000" b="0" i="0" u="none" strike="noStrike" dirty="0">
+                        <a:solidFill>
+                          <a:srgbClr val="000000"/>
+                        </a:solidFill>
+                        <a:effectLst/>
+                        <a:latin typeface="Playfair Display"/>
+                      </a:endParaRPr>
+                    </a:p>
+                  </a:txBody>
+                  <a:tcPr marL="9134" marR="9134" marT="9134" marB="0" anchor="ctr"/>
+                </a:tc>
+                <a:extLst>
+                  <a:ext uri="{0D108BD9-81ED-4DB2-BD59-A6C34878D82A}">
+                    <a16:rowId xmlns:a16="http://schemas.microsoft.com/office/drawing/2014/main" val="2864448179"/>
+                  </a:ext>
+                </a:extLst>
+              </a:tr>
+              <a:tr h="316343">
+                <a:tc>
+                  <a:txBody>
+                    <a:bodyPr/>
+                    <a:lstStyle/>
+                    <a:p>
+                      <a:pPr algn="l" rtl="0" fontAlgn="ctr"/>
+                      <a:r>
+                        <a:rPr lang="pt-BR" sz="1000" u="none" strike="noStrike">
+                          <a:effectLst/>
+                        </a:rPr>
+                        <a:t>Sistema de login e cadastro de usuário,</a:t>
+                      </a:r>
+                      <a:endParaRPr lang="pt-BR" sz="1000" b="0" i="0" u="none" strike="noStrike">
+                        <a:solidFill>
+                          <a:srgbClr val="000000"/>
+                        </a:solidFill>
+                        <a:effectLst/>
+                        <a:latin typeface="Playfair Display"/>
+                      </a:endParaRPr>
+                    </a:p>
+                  </a:txBody>
+                  <a:tcPr marL="9134" marR="9134" marT="9134" marB="0" anchor="ctr"/>
+                </a:tc>
+                <a:tc>
+                  <a:txBody>
+                    <a:bodyPr/>
+                    <a:lstStyle/>
+                    <a:p>
+                      <a:pPr algn="ctr" rtl="0" fontAlgn="ctr"/>
+                      <a:r>
+                        <a:rPr lang="pt-BR" sz="1000" u="none" strike="noStrike" dirty="0">
+                          <a:effectLst/>
+                        </a:rPr>
+                        <a:t>Essencial</a:t>
+                      </a:r>
+                      <a:endParaRPr lang="pt-BR" sz="1000" b="0" i="0" u="none" strike="noStrike" dirty="0">
+                        <a:solidFill>
+                          <a:srgbClr val="000000"/>
+                        </a:solidFill>
+                        <a:effectLst/>
+                        <a:latin typeface="Playfair Display"/>
+                      </a:endParaRPr>
+                    </a:p>
+                  </a:txBody>
+                  <a:tcPr marL="9134" marR="9134" marT="9134" marB="0" anchor="ctr">
+                    <a:solidFill>
+                      <a:srgbClr val="FF0000"/>
+                    </a:solidFill>
+                  </a:tcPr>
+                </a:tc>
+                <a:tc>
+                  <a:txBody>
+                    <a:bodyPr/>
+                    <a:lstStyle/>
+                    <a:p>
+                      <a:pPr algn="ctr" rtl="0" fontAlgn="b"/>
+                      <a:r>
+                        <a:rPr lang="pt-BR" sz="1000" u="none" strike="noStrike" dirty="0">
+                          <a:effectLst/>
+                        </a:rPr>
+                        <a:t>5</a:t>
+                      </a:r>
+                    </a:p>
+                  </a:txBody>
+                  <a:tcPr marL="9134" marR="9134" marT="9134" marB="0" anchor="ctr"/>
+                </a:tc>
+                <a:tc>
+                  <a:txBody>
+                    <a:bodyPr/>
+                    <a:lstStyle/>
+                    <a:p>
+                      <a:pPr algn="ctr" rtl="0" fontAlgn="ctr"/>
+                      <a:r>
+                        <a:rPr lang="pt-BR" sz="1000" u="none" strike="noStrike" dirty="0">
+                          <a:effectLst/>
+                        </a:rPr>
+                        <a:t>9</a:t>
+                      </a:r>
+                      <a:endParaRPr lang="pt-BR" sz="1000" b="0" i="0" u="none" strike="noStrike" dirty="0">
+                        <a:solidFill>
+                          <a:srgbClr val="000000"/>
+                        </a:solidFill>
+                        <a:effectLst/>
+                        <a:latin typeface="Playfair Display"/>
+                      </a:endParaRPr>
+                    </a:p>
+                  </a:txBody>
+                  <a:tcPr marL="9134" marR="9134" marT="9134" marB="0" anchor="ctr"/>
+                </a:tc>
+                <a:extLst>
+                  <a:ext uri="{0D108BD9-81ED-4DB2-BD59-A6C34878D82A}">
+                    <a16:rowId xmlns:a16="http://schemas.microsoft.com/office/drawing/2014/main" val="3683926535"/>
+                  </a:ext>
+                </a:extLst>
+              </a:tr>
+              <a:tr h="316343">
+                <a:tc>
+                  <a:txBody>
+                    <a:bodyPr/>
+                    <a:lstStyle/>
+                    <a:p>
+                      <a:pPr algn="l" rtl="0" fontAlgn="ctr"/>
+                      <a:r>
+                        <a:rPr lang="pt-BR" sz="1000" u="none" strike="noStrike">
+                          <a:effectLst/>
+                        </a:rPr>
+                        <a:t>O banco de dados armazenando informações sobre os sensores.</a:t>
+                      </a:r>
+                      <a:endParaRPr lang="pt-BR" sz="1000" b="0" i="0" u="none" strike="noStrike">
+                        <a:solidFill>
+                          <a:srgbClr val="000000"/>
+                        </a:solidFill>
+                        <a:effectLst/>
+                        <a:latin typeface="Playfair Display"/>
+                      </a:endParaRPr>
+                    </a:p>
+                  </a:txBody>
+                  <a:tcPr marL="9134" marR="9134" marT="9134" marB="0" anchor="ctr"/>
+                </a:tc>
+                <a:tc>
+                  <a:txBody>
+                    <a:bodyPr/>
+                    <a:lstStyle/>
+                    <a:p>
+                      <a:pPr algn="ctr" rtl="0" fontAlgn="ctr"/>
+                      <a:r>
+                        <a:rPr lang="pt-BR" sz="1000" u="none" strike="noStrike" dirty="0">
+                          <a:effectLst/>
+                        </a:rPr>
+                        <a:t>Essencial</a:t>
+                      </a:r>
+                      <a:endParaRPr lang="pt-BR" sz="1000" b="0" i="0" u="none" strike="noStrike" dirty="0">
+                        <a:solidFill>
+                          <a:srgbClr val="000000"/>
+                        </a:solidFill>
+                        <a:effectLst/>
+                        <a:latin typeface="Playfair Display"/>
+                      </a:endParaRPr>
+                    </a:p>
+                  </a:txBody>
+                  <a:tcPr marL="9134" marR="9134" marT="9134" marB="0" anchor="ctr">
+                    <a:solidFill>
+                      <a:srgbClr val="FF0000"/>
+                    </a:solidFill>
+                  </a:tcPr>
+                </a:tc>
+                <a:tc>
+                  <a:txBody>
+                    <a:bodyPr/>
+                    <a:lstStyle/>
+                    <a:p>
+                      <a:pPr algn="ctr" rtl="0" fontAlgn="b"/>
+                      <a:r>
+                        <a:rPr lang="pt-BR" sz="1000" u="none" strike="noStrike" dirty="0">
+                          <a:effectLst/>
+                        </a:rPr>
+                        <a:t>5</a:t>
+                      </a:r>
+                      <a:endParaRPr lang="pt-BR" sz="1000" b="0" i="0" u="none" strike="noStrike" dirty="0">
+                        <a:solidFill>
+                          <a:srgbClr val="000000"/>
+                        </a:solidFill>
+                        <a:effectLst/>
+                        <a:latin typeface="Playfair Display"/>
+                      </a:endParaRPr>
+                    </a:p>
+                  </a:txBody>
+                  <a:tcPr marL="9134" marR="9134" marT="9134" marB="0" anchor="ctr"/>
+                </a:tc>
+                <a:tc>
+                  <a:txBody>
+                    <a:bodyPr/>
+                    <a:lstStyle/>
+                    <a:p>
+                      <a:pPr algn="ctr" rtl="0" fontAlgn="ctr"/>
+                      <a:r>
+                        <a:rPr lang="pt-BR" sz="1000" u="none" strike="noStrike" dirty="0">
+                          <a:effectLst/>
+                        </a:rPr>
+                        <a:t>10</a:t>
+                      </a:r>
+                      <a:endParaRPr lang="pt-BR" sz="1000" b="0" i="0" u="none" strike="noStrike" dirty="0">
+                        <a:solidFill>
+                          <a:srgbClr val="000000"/>
+                        </a:solidFill>
+                        <a:effectLst/>
+                        <a:latin typeface="Playfair Display"/>
+                      </a:endParaRPr>
+                    </a:p>
+                  </a:txBody>
+                  <a:tcPr marL="9134" marR="9134" marT="9134" marB="0" anchor="ctr"/>
+                </a:tc>
+                <a:extLst>
+                  <a:ext uri="{0D108BD9-81ED-4DB2-BD59-A6C34878D82A}">
+                    <a16:rowId xmlns:a16="http://schemas.microsoft.com/office/drawing/2014/main" val="2750906775"/>
+                  </a:ext>
+                </a:extLst>
+              </a:tr>
+            </a:tbl>
+          </a:graphicData>
+        </a:graphic>
+      </p:graphicFrame>
     </p:spTree>
     <p:extLst>
       <p:ext uri="{BB962C8B-B14F-4D97-AF65-F5344CB8AC3E}">
@@ -16484,7 +20103,7 @@
 </p:sld>
 </file>
 
-<file path=ppt/slides/slide8.xml><?xml version="1.0" encoding="utf-8"?>
+<file path=ppt/slides/slide9.xml><?xml version="1.0" encoding="utf-8"?>
 <p:sld xmlns:a="http://schemas.openxmlformats.org/drawingml/2006/main" xmlns:r="http://schemas.openxmlformats.org/officeDocument/2006/relationships" xmlns:p="http://schemas.openxmlformats.org/presentationml/2006/main">
   <p:cSld>
     <p:bg>
@@ -16770,248 +20389,6 @@
       <p:bldP spid="3" grpId="0"/>
     </p:bldLst>
   </p:timing>
-</p:sld>
-</file>
-
-<file path=ppt/slides/slide9.xml><?xml version="1.0" encoding="utf-8"?>
-<p:sld xmlns:a="http://schemas.openxmlformats.org/drawingml/2006/main" xmlns:r="http://schemas.openxmlformats.org/officeDocument/2006/relationships" xmlns:p="http://schemas.openxmlformats.org/presentationml/2006/main">
-  <p:cSld>
-    <p:spTree>
-      <p:nvGrpSpPr>
-        <p:cNvPr id="1" name=""/>
-        <p:cNvGrpSpPr/>
-        <p:nvPr/>
-      </p:nvGrpSpPr>
-      <p:grpSpPr>
-        <a:xfrm>
-          <a:off x="0" y="0"/>
-          <a:ext cx="0" cy="0"/>
-          <a:chOff x="0" y="0"/>
-          <a:chExt cx="0" cy="0"/>
-        </a:xfrm>
-      </p:grpSpPr>
-      <p:pic>
-        <p:nvPicPr>
-          <p:cNvPr id="3" name="Picture 1562675041">
-            <a:extLst>
-              <a:ext uri="{FF2B5EF4-FFF2-40B4-BE49-F238E27FC236}">
-                <a16:creationId xmlns:a16="http://schemas.microsoft.com/office/drawing/2014/main" id="{18CE8369-97B8-47BC-8C74-599BB3DD9255}"/>
-              </a:ext>
-            </a:extLst>
-          </p:cNvPr>
-          <p:cNvPicPr/>
-          <p:nvPr/>
-        </p:nvPicPr>
-        <p:blipFill>
-          <a:blip r:embed="rId2"/>
-          <a:stretch>
-            <a:fillRect/>
-          </a:stretch>
-        </p:blipFill>
-        <p:spPr>
-          <a:xfrm>
-            <a:off x="897286" y="1457011"/>
-            <a:ext cx="6143625" cy="3314700"/>
-          </a:xfrm>
-          <a:prstGeom prst="rect">
-            <a:avLst/>
-          </a:prstGeom>
-          <a:noFill/>
-          <a:ln>
-            <a:noFill/>
-            <a:prstDash/>
-          </a:ln>
-        </p:spPr>
-      </p:pic>
-      <p:sp>
-        <p:nvSpPr>
-          <p:cNvPr id="5" name="CaixaDeTexto 4">
-            <a:extLst>
-              <a:ext uri="{FF2B5EF4-FFF2-40B4-BE49-F238E27FC236}">
-                <a16:creationId xmlns:a16="http://schemas.microsoft.com/office/drawing/2014/main" id="{FA7E217D-7B26-470E-99AB-860C541522D0}"/>
-              </a:ext>
-            </a:extLst>
-          </p:cNvPr>
-          <p:cNvSpPr txBox="1"/>
-          <p:nvPr/>
-        </p:nvSpPr>
-        <p:spPr>
-          <a:xfrm>
-            <a:off x="321547" y="915694"/>
-            <a:ext cx="8239648" cy="340734"/>
-          </a:xfrm>
-          <a:prstGeom prst="rect">
-            <a:avLst/>
-          </a:prstGeom>
-          <a:noFill/>
-        </p:spPr>
-        <p:txBody>
-          <a:bodyPr wrap="square">
-            <a:spAutoFit/>
-          </a:bodyPr>
-          <a:lstStyle/>
-          <a:p>
-            <a:pPr indent="457200">
-              <a:lnSpc>
-                <a:spcPct val="150000"/>
-              </a:lnSpc>
-              <a:spcAft>
-                <a:spcPts val="800"/>
-              </a:spcAft>
-            </a:pPr>
-            <a:r>
-              <a:rPr lang="pt-BR" sz="1200" dirty="0">
-                <a:solidFill>
-                  <a:srgbClr val="000000"/>
-                </a:solidFill>
-                <a:effectLst/>
-                <a:latin typeface="Playfair Display"/>
-                <a:ea typeface="Arial" panose="020B0604020202020204" pitchFamily="34" charset="0"/>
-                <a:cs typeface="Arial" panose="020B0604020202020204" pitchFamily="34" charset="0"/>
-              </a:rPr>
-              <a:t>Os teores ideais de umidade para cada fase de desenvolvimento podem ser observados abaixo:</a:t>
-            </a:r>
-            <a:endParaRPr lang="pt-BR" sz="1200" dirty="0">
-              <a:effectLst/>
-              <a:latin typeface="Playfair Display"/>
-              <a:ea typeface="Calibri" panose="020F0502020204030204" pitchFamily="34" charset="0"/>
-              <a:cs typeface="Arial" panose="020B0604020202020204" pitchFamily="34" charset="0"/>
-            </a:endParaRPr>
-          </a:p>
-        </p:txBody>
-      </p:sp>
-      <p:pic>
-        <p:nvPicPr>
-          <p:cNvPr id="6" name="Imagem 5" descr="Desenho de personagem&#10;&#10;Descrição gerada automaticamente com confiança baixa">
-            <a:extLst>
-              <a:ext uri="{FF2B5EF4-FFF2-40B4-BE49-F238E27FC236}">
-                <a16:creationId xmlns:a16="http://schemas.microsoft.com/office/drawing/2014/main" id="{DFDDE728-A644-47B0-8DBD-2DE4FA5BD4EF}"/>
-              </a:ext>
-            </a:extLst>
-          </p:cNvPr>
-          <p:cNvPicPr>
-            <a:picLocks noChangeAspect="1"/>
-          </p:cNvPicPr>
-          <p:nvPr/>
-        </p:nvPicPr>
-        <p:blipFill>
-          <a:blip r:embed="rId3"/>
-          <a:stretch>
-            <a:fillRect/>
-          </a:stretch>
-        </p:blipFill>
-        <p:spPr>
-          <a:xfrm>
-            <a:off x="8738217" y="4320688"/>
-            <a:ext cx="445975" cy="451023"/>
-          </a:xfrm>
-          <a:prstGeom prst="rect">
-            <a:avLst/>
-          </a:prstGeom>
-        </p:spPr>
-      </p:pic>
-      <p:sp>
-        <p:nvSpPr>
-          <p:cNvPr id="7" name="Retângulo 6">
-            <a:extLst>
-              <a:ext uri="{FF2B5EF4-FFF2-40B4-BE49-F238E27FC236}">
-                <a16:creationId xmlns:a16="http://schemas.microsoft.com/office/drawing/2014/main" id="{F189BD6E-2543-4E50-995B-EA8408B57909}"/>
-              </a:ext>
-            </a:extLst>
-          </p:cNvPr>
-          <p:cNvSpPr/>
-          <p:nvPr/>
-        </p:nvSpPr>
-        <p:spPr>
-          <a:xfrm>
-            <a:off x="758581" y="142411"/>
-            <a:ext cx="2117195" cy="572700"/>
-          </a:xfrm>
-          <a:prstGeom prst="rect">
-            <a:avLst/>
-          </a:prstGeom>
-          <a:solidFill>
-            <a:srgbClr val="385819"/>
-          </a:solidFill>
-          <a:ln>
-            <a:noFill/>
-          </a:ln>
-        </p:spPr>
-        <p:style>
-          <a:lnRef idx="2">
-            <a:schemeClr val="accent1">
-              <a:shade val="50000"/>
-            </a:schemeClr>
-          </a:lnRef>
-          <a:fillRef idx="1">
-            <a:schemeClr val="accent1"/>
-          </a:fillRef>
-          <a:effectRef idx="0">
-            <a:schemeClr val="accent1"/>
-          </a:effectRef>
-          <a:fontRef idx="minor">
-            <a:schemeClr val="lt1"/>
-          </a:fontRef>
-        </p:style>
-        <p:txBody>
-          <a:bodyPr rtlCol="0" anchor="ctr"/>
-          <a:lstStyle/>
-          <a:p>
-            <a:pPr algn="ctr"/>
-            <a:endParaRPr lang="pt-BR"/>
-          </a:p>
-        </p:txBody>
-      </p:sp>
-      <p:sp>
-        <p:nvSpPr>
-          <p:cNvPr id="8" name="CaixaDeTexto 7">
-            <a:extLst>
-              <a:ext uri="{FF2B5EF4-FFF2-40B4-BE49-F238E27FC236}">
-                <a16:creationId xmlns:a16="http://schemas.microsoft.com/office/drawing/2014/main" id="{F2973D04-B16D-4607-96D1-534BA3A2A2F0}"/>
-              </a:ext>
-            </a:extLst>
-          </p:cNvPr>
-          <p:cNvSpPr txBox="1"/>
-          <p:nvPr/>
-        </p:nvSpPr>
-        <p:spPr>
-          <a:xfrm>
-            <a:off x="894134" y="197928"/>
-            <a:ext cx="2343385" cy="461665"/>
-          </a:xfrm>
-          <a:prstGeom prst="rect">
-            <a:avLst/>
-          </a:prstGeom>
-          <a:noFill/>
-        </p:spPr>
-        <p:txBody>
-          <a:bodyPr wrap="square" rtlCol="0">
-            <a:spAutoFit/>
-          </a:bodyPr>
-          <a:lstStyle/>
-          <a:p>
-            <a:r>
-              <a:rPr lang="pt-BR" sz="2400" b="1" dirty="0">
-                <a:solidFill>
-                  <a:schemeClr val="bg1"/>
-                </a:solidFill>
-                <a:latin typeface="Playfair Display"/>
-              </a:rPr>
-              <a:t>ANALYTICS</a:t>
-            </a:r>
-          </a:p>
-        </p:txBody>
-      </p:sp>
-    </p:spTree>
-    <p:extLst>
-      <p:ext uri="{BB962C8B-B14F-4D97-AF65-F5344CB8AC3E}">
-        <p14:creationId xmlns:p14="http://schemas.microsoft.com/office/powerpoint/2010/main" val="275403506"/>
-      </p:ext>
-    </p:extLst>
-  </p:cSld>
-  <p:clrMapOvr>
-    <a:masterClrMapping/>
-  </p:clrMapOvr>
 </p:sld>
 </file>
 

--- a/Documentos/APRESENTAÇÃO.SPRINT2.pptx
+++ b/Documentos/APRESENTAÇÃO.SPRINT2.pptx
@@ -13,9 +13,9 @@
     <p:sldId id="323" r:id="rId4"/>
     <p:sldId id="324" r:id="rId5"/>
     <p:sldId id="330" r:id="rId6"/>
-    <p:sldId id="325" r:id="rId7"/>
-    <p:sldId id="264" r:id="rId8"/>
-    <p:sldId id="328" r:id="rId9"/>
+    <p:sldId id="328" r:id="rId7"/>
+    <p:sldId id="325" r:id="rId8"/>
+    <p:sldId id="264" r:id="rId9"/>
     <p:sldId id="327" r:id="rId10"/>
     <p:sldId id="322" r:id="rId11"/>
     <p:sldId id="333" r:id="rId12"/>
@@ -341,6 +341,7 @@
           </a:p>
         </c:rich>
       </c:tx>
+      <c:layout/>
       <c:overlay val="0"/>
       <c:spPr>
         <a:noFill/>
@@ -905,6 +906,7 @@
     </c:plotArea>
     <c:legend>
       <c:legendPos val="b"/>
+      <c:layout/>
       <c:overlay val="0"/>
       <c:spPr>
         <a:noFill/>
@@ -1006,6 +1008,7 @@
           </a:p>
         </c:rich>
       </c:tx>
+      <c:layout/>
       <c:overlay val="0"/>
       <c:spPr>
         <a:noFill/>
@@ -1570,6 +1573,7 @@
     </c:plotArea>
     <c:legend>
       <c:legendPos val="b"/>
+      <c:layout/>
       <c:overlay val="0"/>
       <c:spPr>
         <a:noFill/>
@@ -1671,6 +1675,7 @@
           </a:p>
         </c:rich>
       </c:tx>
+      <c:layout/>
       <c:overlay val="0"/>
       <c:spPr>
         <a:noFill/>
@@ -2235,6 +2240,7 @@
     </c:plotArea>
     <c:legend>
       <c:legendPos val="b"/>
+      <c:layout/>
       <c:overlay val="0"/>
       <c:spPr>
         <a:noFill/>
@@ -4727,6 +4733,110 @@
   <p:cSld>
     <p:spTree>
       <p:nvGrpSpPr>
+        <p:cNvPr id="1" name="Shape 346"/>
+        <p:cNvGrpSpPr/>
+        <p:nvPr/>
+      </p:nvGrpSpPr>
+      <p:grpSpPr>
+        <a:xfrm>
+          <a:off x="0" y="0"/>
+          <a:ext cx="0" cy="0"/>
+          <a:chOff x="0" y="0"/>
+          <a:chExt cx="0" cy="0"/>
+        </a:xfrm>
+      </p:grpSpPr>
+      <p:sp>
+        <p:nvSpPr>
+          <p:cNvPr id="347" name="Google Shape;347;gac187c80fb_2_0:notes"/>
+          <p:cNvSpPr>
+            <a:spLocks noGrp="1" noRot="1" noChangeAspect="1"/>
+          </p:cNvSpPr>
+          <p:nvPr>
+            <p:ph type="sldImg" idx="2"/>
+          </p:nvPr>
+        </p:nvSpPr>
+        <p:spPr>
+          <a:xfrm>
+            <a:off x="381000" y="685800"/>
+            <a:ext cx="6096000" cy="3429000"/>
+          </a:xfrm>
+          <a:custGeom>
+            <a:avLst/>
+            <a:gdLst/>
+            <a:ahLst/>
+            <a:cxnLst/>
+            <a:rect l="l" t="t" r="r" b="b"/>
+            <a:pathLst>
+              <a:path w="120000" h="120000" extrusionOk="0">
+                <a:moveTo>
+                  <a:pt x="0" y="0"/>
+                </a:moveTo>
+                <a:lnTo>
+                  <a:pt x="120000" y="0"/>
+                </a:lnTo>
+                <a:lnTo>
+                  <a:pt x="120000" y="120000"/>
+                </a:lnTo>
+                <a:lnTo>
+                  <a:pt x="0" y="120000"/>
+                </a:lnTo>
+                <a:close/>
+              </a:path>
+            </a:pathLst>
+          </a:custGeom>
+        </p:spPr>
+      </p:sp>
+      <p:sp>
+        <p:nvSpPr>
+          <p:cNvPr id="348" name="Google Shape;348;gac187c80fb_2_0:notes"/>
+          <p:cNvSpPr txBox="1">
+            <a:spLocks noGrp="1"/>
+          </p:cNvSpPr>
+          <p:nvPr>
+            <p:ph type="body" idx="1"/>
+          </p:nvPr>
+        </p:nvSpPr>
+        <p:spPr>
+          <a:xfrm>
+            <a:off x="685800" y="4343400"/>
+            <a:ext cx="5486400" cy="4114800"/>
+          </a:xfrm>
+          <a:prstGeom prst="rect">
+            <a:avLst/>
+          </a:prstGeom>
+        </p:spPr>
+        <p:txBody>
+          <a:bodyPr spcFirstLastPara="1" wrap="square" lIns="91425" tIns="91425" rIns="91425" bIns="91425" anchor="t" anchorCtr="0">
+            <a:noAutofit/>
+          </a:bodyPr>
+          <a:lstStyle/>
+          <a:p>
+            <a:pPr marL="0" lvl="0" indent="0" algn="l" rtl="0">
+              <a:spcBef>
+                <a:spcPts val="0"/>
+              </a:spcBef>
+              <a:spcAft>
+                <a:spcPts val="0"/>
+              </a:spcAft>
+              <a:buNone/>
+            </a:pPr>
+            <a:endParaRPr/>
+          </a:p>
+        </p:txBody>
+      </p:sp>
+    </p:spTree>
+  </p:cSld>
+  <p:clrMapOvr>
+    <a:masterClrMapping/>
+  </p:clrMapOvr>
+</p:notes>
+</file>
+
+<file path=ppt/notesSlides/notesSlide5.xml><?xml version="1.0" encoding="utf-8"?>
+<p:notes xmlns:a="http://schemas.openxmlformats.org/drawingml/2006/main" xmlns:r="http://schemas.openxmlformats.org/officeDocument/2006/relationships" xmlns:p="http://schemas.openxmlformats.org/presentationml/2006/main" showMasterSp="0" showMasterPhAnim="0">
+  <p:cSld>
+    <p:spTree>
+      <p:nvGrpSpPr>
         <p:cNvPr id="1" name="Shape 517"/>
         <p:cNvGrpSpPr/>
         <p:nvPr/>
@@ -4824,110 +4934,6 @@
         <p14:creationId xmlns:p14="http://schemas.microsoft.com/office/powerpoint/2010/main" val="2673026050"/>
       </p:ext>
     </p:extLst>
-  </p:cSld>
-  <p:clrMapOvr>
-    <a:masterClrMapping/>
-  </p:clrMapOvr>
-</p:notes>
-</file>
-
-<file path=ppt/notesSlides/notesSlide5.xml><?xml version="1.0" encoding="utf-8"?>
-<p:notes xmlns:a="http://schemas.openxmlformats.org/drawingml/2006/main" xmlns:r="http://schemas.openxmlformats.org/officeDocument/2006/relationships" xmlns:p="http://schemas.openxmlformats.org/presentationml/2006/main" showMasterSp="0" showMasterPhAnim="0">
-  <p:cSld>
-    <p:spTree>
-      <p:nvGrpSpPr>
-        <p:cNvPr id="1" name="Shape 346"/>
-        <p:cNvGrpSpPr/>
-        <p:nvPr/>
-      </p:nvGrpSpPr>
-      <p:grpSpPr>
-        <a:xfrm>
-          <a:off x="0" y="0"/>
-          <a:ext cx="0" cy="0"/>
-          <a:chOff x="0" y="0"/>
-          <a:chExt cx="0" cy="0"/>
-        </a:xfrm>
-      </p:grpSpPr>
-      <p:sp>
-        <p:nvSpPr>
-          <p:cNvPr id="347" name="Google Shape;347;gac187c80fb_2_0:notes"/>
-          <p:cNvSpPr>
-            <a:spLocks noGrp="1" noRot="1" noChangeAspect="1"/>
-          </p:cNvSpPr>
-          <p:nvPr>
-            <p:ph type="sldImg" idx="2"/>
-          </p:nvPr>
-        </p:nvSpPr>
-        <p:spPr>
-          <a:xfrm>
-            <a:off x="381000" y="685800"/>
-            <a:ext cx="6096000" cy="3429000"/>
-          </a:xfrm>
-          <a:custGeom>
-            <a:avLst/>
-            <a:gdLst/>
-            <a:ahLst/>
-            <a:cxnLst/>
-            <a:rect l="l" t="t" r="r" b="b"/>
-            <a:pathLst>
-              <a:path w="120000" h="120000" extrusionOk="0">
-                <a:moveTo>
-                  <a:pt x="0" y="0"/>
-                </a:moveTo>
-                <a:lnTo>
-                  <a:pt x="120000" y="0"/>
-                </a:lnTo>
-                <a:lnTo>
-                  <a:pt x="120000" y="120000"/>
-                </a:lnTo>
-                <a:lnTo>
-                  <a:pt x="0" y="120000"/>
-                </a:lnTo>
-                <a:close/>
-              </a:path>
-            </a:pathLst>
-          </a:custGeom>
-        </p:spPr>
-      </p:sp>
-      <p:sp>
-        <p:nvSpPr>
-          <p:cNvPr id="348" name="Google Shape;348;gac187c80fb_2_0:notes"/>
-          <p:cNvSpPr txBox="1">
-            <a:spLocks noGrp="1"/>
-          </p:cNvSpPr>
-          <p:nvPr>
-            <p:ph type="body" idx="1"/>
-          </p:nvPr>
-        </p:nvSpPr>
-        <p:spPr>
-          <a:xfrm>
-            <a:off x="685800" y="4343400"/>
-            <a:ext cx="5486400" cy="4114800"/>
-          </a:xfrm>
-          <a:prstGeom prst="rect">
-            <a:avLst/>
-          </a:prstGeom>
-        </p:spPr>
-        <p:txBody>
-          <a:bodyPr spcFirstLastPara="1" wrap="square" lIns="91425" tIns="91425" rIns="91425" bIns="91425" anchor="t" anchorCtr="0">
-            <a:noAutofit/>
-          </a:bodyPr>
-          <a:lstStyle/>
-          <a:p>
-            <a:pPr marL="0" lvl="0" indent="0" algn="l" rtl="0">
-              <a:spcBef>
-                <a:spcPts val="0"/>
-              </a:spcBef>
-              <a:spcAft>
-                <a:spcPts val="0"/>
-              </a:spcAft>
-              <a:buNone/>
-            </a:pPr>
-            <a:endParaRPr/>
-          </a:p>
-        </p:txBody>
-      </p:sp>
-    </p:spTree>
   </p:cSld>
   <p:clrMapOvr>
     <a:masterClrMapping/>
@@ -12736,6 +12742,13 @@
       </p:transition>
     </mc:Fallback>
   </mc:AlternateContent>
+  <p:timing>
+    <p:tnLst>
+      <p:par>
+        <p:cTn id="1" dur="indefinite" restart="never" nodeType="tmRoot"/>
+      </p:par>
+    </p:tnLst>
+  </p:timing>
 </p:sld>
 </file>
 
@@ -12846,36 +12859,6 @@
           </a:p>
         </p:txBody>
       </p:sp>
-      <p:pic>
-        <p:nvPicPr>
-          <p:cNvPr id="6" name="Imagem 5" descr="Desenho de personagem&#10;&#10;Descrição gerada automaticamente com confiança baixa">
-            <a:extLst>
-              <a:ext uri="{FF2B5EF4-FFF2-40B4-BE49-F238E27FC236}">
-                <a16:creationId xmlns:a16="http://schemas.microsoft.com/office/drawing/2014/main" id="{DFDDE728-A644-47B0-8DBD-2DE4FA5BD4EF}"/>
-              </a:ext>
-            </a:extLst>
-          </p:cNvPr>
-          <p:cNvPicPr>
-            <a:picLocks noChangeAspect="1"/>
-          </p:cNvPicPr>
-          <p:nvPr/>
-        </p:nvPicPr>
-        <p:blipFill>
-          <a:blip r:embed="rId3"/>
-          <a:stretch>
-            <a:fillRect/>
-          </a:stretch>
-        </p:blipFill>
-        <p:spPr>
-          <a:xfrm>
-            <a:off x="8738217" y="4320688"/>
-            <a:ext cx="445975" cy="451023"/>
-          </a:xfrm>
-          <a:prstGeom prst="rect">
-            <a:avLst/>
-          </a:prstGeom>
-        </p:spPr>
-      </p:pic>
       <p:sp>
         <p:nvSpPr>
           <p:cNvPr id="7" name="Retângulo 6">
@@ -12978,6 +12961,13 @@
   <p:clrMapOvr>
     <a:masterClrMapping/>
   </p:clrMapOvr>
+  <p:timing>
+    <p:tnLst>
+      <p:par>
+        <p:cTn id="1" dur="indefinite" restart="never" nodeType="tmRoot"/>
+      </p:par>
+    </p:tnLst>
+  </p:timing>
 </p:sld>
 </file>
 
@@ -13742,66 +13732,6 @@
           <a:chExt cx="0" cy="0"/>
         </a:xfrm>
       </p:grpSpPr>
-      <p:pic>
-        <p:nvPicPr>
-          <p:cNvPr id="3" name="Picture 3" descr="Diagram&#10;&#10;Description automatically generated">
-            <a:extLst>
-              <a:ext uri="{FF2B5EF4-FFF2-40B4-BE49-F238E27FC236}">
-                <a16:creationId xmlns:a16="http://schemas.microsoft.com/office/drawing/2014/main" id="{0968C65F-8C13-4E96-A9F1-23EF1D557ED3}"/>
-              </a:ext>
-            </a:extLst>
-          </p:cNvPr>
-          <p:cNvPicPr>
-            <a:picLocks noChangeAspect="1"/>
-          </p:cNvPicPr>
-          <p:nvPr/>
-        </p:nvPicPr>
-        <p:blipFill>
-          <a:blip r:embed="rId2"/>
-          <a:stretch>
-            <a:fillRect/>
-          </a:stretch>
-        </p:blipFill>
-        <p:spPr>
-          <a:xfrm>
-            <a:off x="526212" y="864636"/>
-            <a:ext cx="7110322" cy="4184173"/>
-          </a:xfrm>
-          <a:prstGeom prst="rect">
-            <a:avLst/>
-          </a:prstGeom>
-        </p:spPr>
-      </p:pic>
-      <p:pic>
-        <p:nvPicPr>
-          <p:cNvPr id="4" name="Imagem 3" descr="Desenho de personagem&#10;&#10;Descrição gerada automaticamente com confiança baixa">
-            <a:extLst>
-              <a:ext uri="{FF2B5EF4-FFF2-40B4-BE49-F238E27FC236}">
-                <a16:creationId xmlns:a16="http://schemas.microsoft.com/office/drawing/2014/main" id="{0DF37D80-132D-4D4D-9B4B-C97FA2D9AA1A}"/>
-              </a:ext>
-            </a:extLst>
-          </p:cNvPr>
-          <p:cNvPicPr>
-            <a:picLocks noChangeAspect="1"/>
-          </p:cNvPicPr>
-          <p:nvPr/>
-        </p:nvPicPr>
-        <p:blipFill>
-          <a:blip r:embed="rId3"/>
-          <a:stretch>
-            <a:fillRect/>
-          </a:stretch>
-        </p:blipFill>
-        <p:spPr>
-          <a:xfrm>
-            <a:off x="8762163" y="4220307"/>
-            <a:ext cx="425186" cy="451023"/>
-          </a:xfrm>
-          <a:prstGeom prst="rect">
-            <a:avLst/>
-          </a:prstGeom>
-        </p:spPr>
-      </p:pic>
       <p:sp>
         <p:nvSpPr>
           <p:cNvPr id="5" name="Retângulo 4">
@@ -13816,8 +13746,8 @@
         </p:nvSpPr>
         <p:spPr>
           <a:xfrm>
-            <a:off x="526212" y="94691"/>
-            <a:ext cx="3931488" cy="572700"/>
+            <a:off x="526211" y="94691"/>
+            <a:ext cx="4419862" cy="572700"/>
           </a:xfrm>
           <a:prstGeom prst="rect">
             <a:avLst/>
@@ -13894,6 +13824,30 @@
           </a:p>
         </p:txBody>
       </p:sp>
+      <p:pic>
+        <p:nvPicPr>
+          <p:cNvPr id="2" name="Imagem 1"/>
+          <p:cNvPicPr>
+            <a:picLocks noChangeAspect="1"/>
+          </p:cNvPicPr>
+          <p:nvPr/>
+        </p:nvPicPr>
+        <p:blipFill>
+          <a:blip r:embed="rId2"/>
+          <a:stretch>
+            <a:fillRect/>
+          </a:stretch>
+        </p:blipFill>
+        <p:spPr>
+          <a:xfrm>
+            <a:off x="756469" y="834236"/>
+            <a:ext cx="6991350" cy="4051473"/>
+          </a:xfrm>
+          <a:prstGeom prst="rect">
+            <a:avLst/>
+          </a:prstGeom>
+        </p:spPr>
+      </p:pic>
     </p:spTree>
     <p:extLst>
       <p:ext uri="{BB962C8B-B14F-4D97-AF65-F5344CB8AC3E}">
@@ -13904,6 +13858,13 @@
   <p:clrMapOvr>
     <a:masterClrMapping/>
   </p:clrMapOvr>
+  <p:timing>
+    <p:tnLst>
+      <p:par>
+        <p:cTn id="1" dur="indefinite" restart="never" nodeType="tmRoot"/>
+      </p:par>
+    </p:tnLst>
+  </p:timing>
 </p:sld>
 </file>
 
@@ -13970,6 +13931,13 @@
                 <a:ea typeface="Verdana" panose="020B0604030504040204" pitchFamily="34" charset="0"/>
               </a:rPr>
               <a:t>Solução inteligente para seu plantio.</a:t>
+            </a:r>
+            <a:r>
+              <a:rPr lang="pt-BR" b="0" dirty="0">
+                <a:latin typeface="Verdana" panose="020B0604030504040204" pitchFamily="34" charset="0"/>
+                <a:ea typeface="Verdana" panose="020B0604030504040204" pitchFamily="34" charset="0"/>
+              </a:rPr>
+              <a:t/>
             </a:r>
             <a:br>
               <a:rPr lang="pt-BR" b="0" dirty="0">
@@ -14362,8 +14330,8 @@
         </p:nvSpPr>
         <p:spPr>
           <a:xfrm>
-            <a:off x="2176543" y="810222"/>
-            <a:ext cx="3923414" cy="2371026"/>
+            <a:off x="2176543" y="810221"/>
+            <a:ext cx="3923414" cy="2670397"/>
           </a:xfrm>
           <a:prstGeom prst="rect">
             <a:avLst/>
@@ -14542,27 +14510,17 @@
                   <a:schemeClr val="bg1"/>
                 </a:solidFill>
                 <a:latin typeface="Playfair Display"/>
+                <a:cs typeface="Rajdhani" panose="020B0604020202020204" charset="0"/>
               </a:rPr>
-              <a:t>Matheus </a:t>
+              <a:t>Luiz Felipe Dias Ekstein </a:t>
             </a:r>
-            <a:r>
-              <a:rPr lang="pt-BR" sz="1800" dirty="0" err="1">
-                <a:solidFill>
-                  <a:schemeClr val="bg1"/>
-                </a:solidFill>
-                <a:latin typeface="Playfair Display"/>
-              </a:rPr>
-              <a:t>Vieck</a:t>
-            </a:r>
-            <a:r>
-              <a:rPr lang="pt-BR" sz="1800" dirty="0">
-                <a:solidFill>
-                  <a:schemeClr val="bg1"/>
-                </a:solidFill>
-                <a:latin typeface="Playfair Display"/>
-              </a:rPr>
-              <a:t> Das Dores</a:t>
-            </a:r>
+            <a:endParaRPr lang="pt-BR" sz="1800" dirty="0" smtClean="0">
+              <a:solidFill>
+                <a:schemeClr val="bg1"/>
+              </a:solidFill>
+              <a:latin typeface="Playfair Display"/>
+              <a:cs typeface="Rajdhani" panose="020B0604020202020204" charset="0"/>
+            </a:endParaRPr>
           </a:p>
           <a:p>
             <a:pPr marL="285750" indent="-285750">
@@ -14578,9 +14536,17 @@
                   <a:schemeClr val="bg1"/>
                 </a:solidFill>
                 <a:latin typeface="Playfair Display"/>
-                <a:cs typeface="Rajdhani" panose="020B0604020202020204" charset="0"/>
               </a:rPr>
-              <a:t>Luiz Felipe </a:t>
+              <a:t>M</a:t>
+            </a:r>
+            <a:r>
+              <a:rPr lang="pt-BR" sz="1800" dirty="0" smtClean="0">
+                <a:solidFill>
+                  <a:schemeClr val="bg1"/>
+                </a:solidFill>
+                <a:latin typeface="Playfair Display"/>
+              </a:rPr>
+              <a:t>atheus </a:t>
             </a:r>
             <a:r>
               <a:rPr lang="pt-BR" sz="1800" dirty="0" err="1">
@@ -14588,9 +14554,26 @@
                   <a:schemeClr val="bg1"/>
                 </a:solidFill>
                 <a:latin typeface="Playfair Display"/>
-                <a:cs typeface="Rajdhani" panose="020B0604020202020204" charset="0"/>
               </a:rPr>
-              <a:t>Ekstein</a:t>
+              <a:t>Vieck</a:t>
+            </a:r>
+            <a:r>
+              <a:rPr lang="pt-BR" sz="1800" dirty="0">
+                <a:solidFill>
+                  <a:schemeClr val="bg1"/>
+                </a:solidFill>
+                <a:latin typeface="Playfair Display"/>
+              </a:rPr>
+              <a:t> Das </a:t>
+            </a:r>
+            <a:r>
+              <a:rPr lang="pt-BR" sz="1800" dirty="0" smtClean="0">
+                <a:solidFill>
+                  <a:schemeClr val="bg1"/>
+                </a:solidFill>
+                <a:latin typeface="Playfair Display"/>
+              </a:rPr>
+              <a:t>Dores</a:t>
             </a:r>
             <a:r>
               <a:rPr lang="pt-BR" sz="1800" dirty="0">
@@ -14639,8 +14622,8 @@
         </p:nvSpPr>
         <p:spPr>
           <a:xfrm>
-            <a:off x="5005751" y="554543"/>
-            <a:ext cx="1819800" cy="2465953"/>
+            <a:off x="5389209" y="574207"/>
+            <a:ext cx="1819800" cy="2906411"/>
           </a:xfrm>
           <a:prstGeom prst="rect">
             <a:avLst/>
@@ -14690,14 +14673,24 @@
           </a:p>
           <a:p>
             <a:r>
-              <a:rPr lang="pt-BR" sz="1800" dirty="0">
+              <a:rPr lang="pt-BR" sz="1800" dirty="0" smtClean="0">
                 <a:solidFill>
                   <a:schemeClr val="bg1"/>
                 </a:solidFill>
                 <a:latin typeface="Exo"/>
                 <a:cs typeface="Rajdhani" panose="020B0604020202020204" charset="0"/>
               </a:rPr>
-              <a:t>RA: </a:t>
+              <a:t>RA</a:t>
+            </a:r>
+            <a:r>
+              <a:rPr lang="pt-BR" sz="1800" dirty="0">
+                <a:solidFill>
+                  <a:schemeClr val="bg1"/>
+                </a:solidFill>
+                <a:latin typeface="Exo"/>
+                <a:cs typeface="Rajdhani" panose="020B0604020202020204" charset="0"/>
+              </a:rPr>
+              <a:t>: </a:t>
             </a:r>
             <a:r>
               <a:rPr lang="pt-BR" sz="1800" dirty="0">
@@ -14720,14 +14713,24 @@
           </a:p>
           <a:p>
             <a:r>
-              <a:rPr lang="pt-BR" sz="1800" dirty="0">
+              <a:rPr lang="pt-BR" sz="1800" dirty="0" smtClean="0">
                 <a:solidFill>
                   <a:schemeClr val="bg1"/>
                 </a:solidFill>
                 <a:latin typeface="Exo"/>
                 <a:cs typeface="Rajdhani" panose="020B0604020202020204" charset="0"/>
               </a:rPr>
-              <a:t>RA: </a:t>
+              <a:t>RA</a:t>
+            </a:r>
+            <a:r>
+              <a:rPr lang="pt-BR" sz="1800" dirty="0">
+                <a:solidFill>
+                  <a:schemeClr val="bg1"/>
+                </a:solidFill>
+                <a:latin typeface="Exo"/>
+                <a:cs typeface="Rajdhani" panose="020B0604020202020204" charset="0"/>
+              </a:rPr>
+              <a:t>: </a:t>
             </a:r>
             <a:r>
               <a:rPr lang="pt-BR" sz="1800" dirty="0">
@@ -14777,7 +14780,7 @@
               <a:t>RA: </a:t>
             </a:r>
             <a:r>
-              <a:rPr lang="pt-BR" sz="1800" dirty="0">
+              <a:rPr lang="pt-BR" sz="1800" dirty="0" smtClean="0">
                 <a:solidFill>
                   <a:schemeClr val="bg1"/>
                 </a:solidFill>
@@ -14797,13 +14800,18 @@
               <a:t>RA: </a:t>
             </a:r>
             <a:r>
-              <a:rPr lang="pt-BR" sz="1800" dirty="0">
+              <a:rPr lang="pt-BR" sz="1800" dirty="0" smtClean="0">
                 <a:solidFill>
                   <a:schemeClr val="bg1"/>
                 </a:solidFill>
               </a:rPr>
-              <a:t>01211101</a:t>
+              <a:t>01211088</a:t>
             </a:r>
+            <a:endParaRPr lang="pt-BR" sz="1800" dirty="0">
+              <a:solidFill>
+                <a:schemeClr val="bg1"/>
+              </a:solidFill>
+            </a:endParaRPr>
           </a:p>
           <a:p>
             <a:r>
@@ -14817,13 +14825,18 @@
               <a:t>RA: </a:t>
             </a:r>
             <a:r>
-              <a:rPr lang="pt-BR" sz="1800" dirty="0">
+              <a:rPr lang="pt-BR" sz="1800" dirty="0" smtClean="0">
                 <a:solidFill>
                   <a:schemeClr val="bg1"/>
                 </a:solidFill>
               </a:rPr>
-              <a:t>01211088</a:t>
+              <a:t>01211101</a:t>
             </a:r>
+            <a:endParaRPr lang="pt-BR" sz="1800" dirty="0">
+              <a:solidFill>
+                <a:schemeClr val="bg1"/>
+              </a:solidFill>
+            </a:endParaRPr>
           </a:p>
         </p:txBody>
       </p:sp>
@@ -15016,7 +15029,7 @@
         </p:blipFill>
         <p:spPr>
           <a:xfrm>
-            <a:off x="1000437" y="1505291"/>
+            <a:off x="1019890" y="1468586"/>
             <a:ext cx="615352" cy="626135"/>
           </a:xfrm>
           <a:prstGeom prst="rect">
@@ -16222,7 +16235,7 @@
         </p:nvSpPr>
         <p:spPr>
           <a:xfrm>
-            <a:off x="1671473" y="1451048"/>
+            <a:off x="1671473" y="1480426"/>
             <a:ext cx="6043938" cy="861774"/>
           </a:xfrm>
           <a:prstGeom prst="rect">
@@ -16394,7 +16407,7 @@
         </p:nvSpPr>
         <p:spPr>
           <a:xfrm>
-            <a:off x="1750200" y="2868797"/>
+            <a:off x="1750200" y="2809970"/>
             <a:ext cx="6043938" cy="861774"/>
           </a:xfrm>
           <a:prstGeom prst="rect">
@@ -16826,36 +16839,6 @@
       </p:grpSpPr>
       <p:pic>
         <p:nvPicPr>
-          <p:cNvPr id="3" name="Imagem 2" descr="Desenho de personagem&#10;&#10;Descrição gerada automaticamente com confiança baixa">
-            <a:extLst>
-              <a:ext uri="{FF2B5EF4-FFF2-40B4-BE49-F238E27FC236}">
-                <a16:creationId xmlns:a16="http://schemas.microsoft.com/office/drawing/2014/main" id="{62D3DAC6-4D0A-4EE8-9500-736BA86F6B66}"/>
-              </a:ext>
-            </a:extLst>
-          </p:cNvPr>
-          <p:cNvPicPr>
-            <a:picLocks noChangeAspect="1"/>
-          </p:cNvPicPr>
-          <p:nvPr/>
-        </p:nvPicPr>
-        <p:blipFill>
-          <a:blip r:embed="rId3"/>
-          <a:stretch>
-            <a:fillRect/>
-          </a:stretch>
-        </p:blipFill>
-        <p:spPr>
-          <a:xfrm>
-            <a:off x="116733" y="4421275"/>
-            <a:ext cx="569561" cy="451023"/>
-          </a:xfrm>
-          <a:prstGeom prst="rect">
-            <a:avLst/>
-          </a:prstGeom>
-        </p:spPr>
-      </p:pic>
-      <p:pic>
-        <p:nvPicPr>
           <p:cNvPr id="4" name="Imagem 3" descr="Diagrama&#10;&#10;Descrição gerada automaticamente">
             <a:extLst>
               <a:ext uri="{FF2B5EF4-FFF2-40B4-BE49-F238E27FC236}">
@@ -16869,7 +16852,7 @@
           <p:nvPr/>
         </p:nvPicPr>
         <p:blipFill>
-          <a:blip r:embed="rId4"/>
+          <a:blip r:embed="rId3"/>
           <a:stretch>
             <a:fillRect/>
           </a:stretch>
@@ -16894,6 +16877,13 @@
   <p:clrMapOvr>
     <a:masterClrMapping/>
   </p:clrMapOvr>
+  <p:timing>
+    <p:tnLst>
+      <p:par>
+        <p:cTn id="1" dur="indefinite" restart="never" nodeType="tmRoot"/>
+      </p:par>
+    </p:tnLst>
+  </p:timing>
 </p:sld>
 </file>
 
@@ -16916,36 +16906,6 @@
       </p:grpSpPr>
       <p:pic>
         <p:nvPicPr>
-          <p:cNvPr id="3" name="Imagem 2" descr="Desenho de personagem&#10;&#10;Descrição gerada automaticamente com confiança baixa">
-            <a:extLst>
-              <a:ext uri="{FF2B5EF4-FFF2-40B4-BE49-F238E27FC236}">
-                <a16:creationId xmlns:a16="http://schemas.microsoft.com/office/drawing/2014/main" id="{51F5C9F1-C6A3-4035-BCD2-0E3527E3A1C3}"/>
-              </a:ext>
-            </a:extLst>
-          </p:cNvPr>
-          <p:cNvPicPr>
-            <a:picLocks noChangeAspect="1"/>
-          </p:cNvPicPr>
-          <p:nvPr/>
-        </p:nvPicPr>
-        <p:blipFill>
-          <a:blip r:embed="rId3"/>
-          <a:stretch>
-            <a:fillRect/>
-          </a:stretch>
-        </p:blipFill>
-        <p:spPr>
-          <a:xfrm>
-            <a:off x="8455520" y="0"/>
-            <a:ext cx="385685" cy="305416"/>
-          </a:xfrm>
-          <a:prstGeom prst="rect">
-            <a:avLst/>
-          </a:prstGeom>
-        </p:spPr>
-      </p:pic>
-      <p:pic>
-        <p:nvPicPr>
           <p:cNvPr id="4" name="Imagem 3" descr="Linha do tempo&#10;&#10;Descrição gerada automaticamente">
             <a:extLst>
               <a:ext uri="{FF2B5EF4-FFF2-40B4-BE49-F238E27FC236}">
@@ -16959,7 +16919,7 @@
           <p:nvPr/>
         </p:nvPicPr>
         <p:blipFill>
-          <a:blip r:embed="rId4"/>
+          <a:blip r:embed="rId3"/>
           <a:stretch>
             <a:fillRect/>
           </a:stretch>
@@ -16984,10 +16944,1391 @@
   <p:clrMapOvr>
     <a:masterClrMapping/>
   </p:clrMapOvr>
+  <p:timing>
+    <p:tnLst>
+      <p:par>
+        <p:cTn id="1" dur="indefinite" restart="never" nodeType="tmRoot"/>
+      </p:par>
+    </p:tnLst>
+  </p:timing>
 </p:sld>
 </file>
 
 <file path=ppt/slides/slide6.xml><?xml version="1.0" encoding="utf-8"?>
+<p:sld xmlns:a="http://schemas.openxmlformats.org/drawingml/2006/main" xmlns:r="http://schemas.openxmlformats.org/officeDocument/2006/relationships" xmlns:p="http://schemas.openxmlformats.org/presentationml/2006/main">
+  <p:cSld>
+    <p:spTree>
+      <p:nvGrpSpPr>
+        <p:cNvPr id="1" name="Shape 349"/>
+        <p:cNvGrpSpPr/>
+        <p:nvPr/>
+      </p:nvGrpSpPr>
+      <p:grpSpPr>
+        <a:xfrm>
+          <a:off x="0" y="0"/>
+          <a:ext cx="0" cy="0"/>
+          <a:chOff x="0" y="0"/>
+          <a:chExt cx="0" cy="0"/>
+        </a:xfrm>
+      </p:grpSpPr>
+      <p:sp>
+        <p:nvSpPr>
+          <p:cNvPr id="7" name="Retângulo 6">
+            <a:extLst>
+              <a:ext uri="{FF2B5EF4-FFF2-40B4-BE49-F238E27FC236}">
+                <a16:creationId xmlns:a16="http://schemas.microsoft.com/office/drawing/2014/main" id="{A7A37478-CA5F-4370-B18A-8E7A1006EB57}"/>
+              </a:ext>
+            </a:extLst>
+          </p:cNvPr>
+          <p:cNvSpPr/>
+          <p:nvPr/>
+        </p:nvSpPr>
+        <p:spPr>
+          <a:xfrm>
+            <a:off x="718387" y="143505"/>
+            <a:ext cx="2117195" cy="572700"/>
+          </a:xfrm>
+          <a:prstGeom prst="rect">
+            <a:avLst/>
+          </a:prstGeom>
+          <a:solidFill>
+            <a:srgbClr val="385819"/>
+          </a:solidFill>
+          <a:ln>
+            <a:noFill/>
+          </a:ln>
+        </p:spPr>
+        <p:style>
+          <a:lnRef idx="2">
+            <a:schemeClr val="accent1">
+              <a:shade val="50000"/>
+            </a:schemeClr>
+          </a:lnRef>
+          <a:fillRef idx="1">
+            <a:schemeClr val="accent1"/>
+          </a:fillRef>
+          <a:effectRef idx="0">
+            <a:schemeClr val="accent1"/>
+          </a:effectRef>
+          <a:fontRef idx="minor">
+            <a:schemeClr val="lt1"/>
+          </a:fontRef>
+        </p:style>
+        <p:txBody>
+          <a:bodyPr rtlCol="0" anchor="ctr"/>
+          <a:lstStyle/>
+          <a:p>
+            <a:pPr algn="ctr"/>
+            <a:endParaRPr lang="pt-BR"/>
+          </a:p>
+        </p:txBody>
+      </p:sp>
+      <p:sp>
+        <p:nvSpPr>
+          <p:cNvPr id="8" name="CaixaDeTexto 7">
+            <a:extLst>
+              <a:ext uri="{FF2B5EF4-FFF2-40B4-BE49-F238E27FC236}">
+                <a16:creationId xmlns:a16="http://schemas.microsoft.com/office/drawing/2014/main" id="{FE59B81E-5C68-4411-9772-62A38E658E5B}"/>
+              </a:ext>
+            </a:extLst>
+          </p:cNvPr>
+          <p:cNvSpPr txBox="1"/>
+          <p:nvPr/>
+        </p:nvSpPr>
+        <p:spPr>
+          <a:xfrm>
+            <a:off x="853940" y="199022"/>
+            <a:ext cx="2343385" cy="461665"/>
+          </a:xfrm>
+          <a:prstGeom prst="rect">
+            <a:avLst/>
+          </a:prstGeom>
+          <a:noFill/>
+        </p:spPr>
+        <p:txBody>
+          <a:bodyPr wrap="square" rtlCol="0">
+            <a:spAutoFit/>
+          </a:bodyPr>
+          <a:lstStyle/>
+          <a:p>
+            <a:r>
+              <a:rPr lang="pt-BR" sz="2400" b="1" dirty="0">
+                <a:solidFill>
+                  <a:schemeClr val="bg1"/>
+                </a:solidFill>
+                <a:latin typeface="Playfair Display"/>
+              </a:rPr>
+              <a:t>REQUISITOS</a:t>
+            </a:r>
+          </a:p>
+        </p:txBody>
+      </p:sp>
+      <p:graphicFrame>
+        <p:nvGraphicFramePr>
+          <p:cNvPr id="3" name="Tabela 2"/>
+          <p:cNvGraphicFramePr>
+            <a:graphicFrameLocks noGrp="1"/>
+          </p:cNvGraphicFramePr>
+          <p:nvPr>
+            <p:extLst>
+              <p:ext uri="{D42A27DB-BD31-4B8C-83A1-F6EECF244321}">
+                <p14:modId xmlns:p14="http://schemas.microsoft.com/office/powerpoint/2010/main" val="3985909593"/>
+              </p:ext>
+            </p:extLst>
+          </p:nvPr>
+        </p:nvGraphicFramePr>
+        <p:xfrm>
+          <a:off x="1307690" y="863600"/>
+          <a:ext cx="6420465" cy="4091858"/>
+        </p:xfrm>
+        <a:graphic>
+          <a:graphicData uri="http://schemas.openxmlformats.org/drawingml/2006/table">
+            <a:tbl>
+              <a:tblPr>
+                <a:tableStyleId>{5940675A-B579-460E-94D1-54222C63F5DA}</a:tableStyleId>
+              </a:tblPr>
+              <a:tblGrid>
+                <a:gridCol w="1656896">
+                  <a:extLst>
+                    <a:ext uri="{9D8B030D-6E8A-4147-A177-3AD203B41FA5}">
+                      <a16:colId xmlns:a16="http://schemas.microsoft.com/office/drawing/2014/main" val="3184020114"/>
+                    </a:ext>
+                  </a:extLst>
+                </a:gridCol>
+                <a:gridCol w="1656896">
+                  <a:extLst>
+                    <a:ext uri="{9D8B030D-6E8A-4147-A177-3AD203B41FA5}">
+                      <a16:colId xmlns:a16="http://schemas.microsoft.com/office/drawing/2014/main" val="3774946154"/>
+                    </a:ext>
+                  </a:extLst>
+                </a:gridCol>
+                <a:gridCol w="1518817">
+                  <a:extLst>
+                    <a:ext uri="{9D8B030D-6E8A-4147-A177-3AD203B41FA5}">
+                      <a16:colId xmlns:a16="http://schemas.microsoft.com/office/drawing/2014/main" val="4197954171"/>
+                    </a:ext>
+                  </a:extLst>
+                </a:gridCol>
+                <a:gridCol w="1587856">
+                  <a:extLst>
+                    <a:ext uri="{9D8B030D-6E8A-4147-A177-3AD203B41FA5}">
+                      <a16:colId xmlns:a16="http://schemas.microsoft.com/office/drawing/2014/main" val="1462491412"/>
+                    </a:ext>
+                  </a:extLst>
+                </a:gridCol>
+              </a:tblGrid>
+              <a:tr h="234539">
+                <a:tc>
+                  <a:txBody>
+                    <a:bodyPr/>
+                    <a:lstStyle/>
+                    <a:p>
+                      <a:pPr algn="ctr" rtl="0" fontAlgn="ctr"/>
+                      <a:r>
+                        <a:rPr lang="pt-BR" sz="900" u="none" strike="noStrike" dirty="0">
+                          <a:solidFill>
+                            <a:schemeClr val="bg1"/>
+                          </a:solidFill>
+                          <a:effectLst/>
+                        </a:rPr>
+                        <a:t>Requisitos</a:t>
+                      </a:r>
+                      <a:endParaRPr lang="pt-BR" sz="900" b="1" i="0" u="none" strike="noStrike" dirty="0">
+                        <a:solidFill>
+                          <a:schemeClr val="bg1"/>
+                        </a:solidFill>
+                        <a:effectLst/>
+                        <a:latin typeface="Arial" panose="020B0604020202020204" pitchFamily="34" charset="0"/>
+                      </a:endParaRPr>
+                    </a:p>
+                  </a:txBody>
+                  <a:tcPr marL="2955" marR="2955" marT="2955" marB="0" anchor="ctr">
+                    <a:solidFill>
+                      <a:srgbClr val="385819"/>
+                    </a:solidFill>
+                  </a:tcPr>
+                </a:tc>
+                <a:tc>
+                  <a:txBody>
+                    <a:bodyPr/>
+                    <a:lstStyle/>
+                    <a:p>
+                      <a:pPr algn="ctr" rtl="0" fontAlgn="ctr"/>
+                      <a:r>
+                        <a:rPr lang="pt-BR" sz="900" u="none" strike="noStrike" dirty="0">
+                          <a:solidFill>
+                            <a:schemeClr val="bg1"/>
+                          </a:solidFill>
+                          <a:effectLst/>
+                        </a:rPr>
+                        <a:t>Classificação</a:t>
+                      </a:r>
+                      <a:endParaRPr lang="pt-BR" sz="900" b="1" i="0" u="none" strike="noStrike" dirty="0">
+                        <a:solidFill>
+                          <a:schemeClr val="bg1"/>
+                        </a:solidFill>
+                        <a:effectLst/>
+                        <a:latin typeface="Arial" panose="020B0604020202020204" pitchFamily="34" charset="0"/>
+                      </a:endParaRPr>
+                    </a:p>
+                  </a:txBody>
+                  <a:tcPr marL="2955" marR="2955" marT="2955" marB="0" anchor="ctr">
+                    <a:solidFill>
+                      <a:srgbClr val="385819"/>
+                    </a:solidFill>
+                  </a:tcPr>
+                </a:tc>
+                <a:tc>
+                  <a:txBody>
+                    <a:bodyPr/>
+                    <a:lstStyle/>
+                    <a:p>
+                      <a:pPr algn="ctr" rtl="0" fontAlgn="ctr"/>
+                      <a:r>
+                        <a:rPr lang="pt-BR" sz="900" u="none" strike="noStrike" dirty="0">
+                          <a:solidFill>
+                            <a:schemeClr val="bg1"/>
+                          </a:solidFill>
+                          <a:effectLst/>
+                        </a:rPr>
+                        <a:t>Fibonacci</a:t>
+                      </a:r>
+                      <a:endParaRPr lang="pt-BR" sz="900" b="1" i="0" u="none" strike="noStrike" dirty="0">
+                        <a:solidFill>
+                          <a:schemeClr val="bg1"/>
+                        </a:solidFill>
+                        <a:effectLst/>
+                        <a:latin typeface="Arial" panose="020B0604020202020204" pitchFamily="34" charset="0"/>
+                      </a:endParaRPr>
+                    </a:p>
+                  </a:txBody>
+                  <a:tcPr marL="2955" marR="2955" marT="2955" marB="0" anchor="ctr">
+                    <a:solidFill>
+                      <a:srgbClr val="385819"/>
+                    </a:solidFill>
+                  </a:tcPr>
+                </a:tc>
+                <a:tc>
+                  <a:txBody>
+                    <a:bodyPr/>
+                    <a:lstStyle/>
+                    <a:p>
+                      <a:pPr algn="ctr" rtl="0" fontAlgn="ctr"/>
+                      <a:r>
+                        <a:rPr lang="pt-BR" sz="900" u="none" strike="noStrike" dirty="0">
+                          <a:solidFill>
+                            <a:schemeClr val="bg1"/>
+                          </a:solidFill>
+                          <a:effectLst/>
+                        </a:rPr>
+                        <a:t>Ordem de execução</a:t>
+                      </a:r>
+                      <a:endParaRPr lang="pt-BR" sz="900" b="1" i="0" u="none" strike="noStrike" dirty="0">
+                        <a:solidFill>
+                          <a:schemeClr val="bg1"/>
+                        </a:solidFill>
+                        <a:effectLst/>
+                        <a:latin typeface="Arial" panose="020B0604020202020204" pitchFamily="34" charset="0"/>
+                      </a:endParaRPr>
+                    </a:p>
+                  </a:txBody>
+                  <a:tcPr marL="2955" marR="2955" marT="2955" marB="0" anchor="ctr">
+                    <a:solidFill>
+                      <a:srgbClr val="385819"/>
+                    </a:solidFill>
+                  </a:tcPr>
+                </a:tc>
+                <a:extLst>
+                  <a:ext uri="{0D108BD9-81ED-4DB2-BD59-A6C34878D82A}">
+                    <a16:rowId xmlns:a16="http://schemas.microsoft.com/office/drawing/2014/main" val="582063600"/>
+                  </a:ext>
+                </a:extLst>
+              </a:tr>
+              <a:tr h="323608">
+                <a:tc>
+                  <a:txBody>
+                    <a:bodyPr/>
+                    <a:lstStyle/>
+                    <a:p>
+                      <a:pPr algn="l" rtl="0" fontAlgn="ctr"/>
+                      <a:r>
+                        <a:rPr lang="pt-BR" sz="900" u="none" strike="noStrike" dirty="0">
+                          <a:effectLst/>
+                        </a:rPr>
+                        <a:t>Simular o </a:t>
+                      </a:r>
+                      <a:r>
+                        <a:rPr lang="pt-BR" sz="900" u="none" strike="noStrike" dirty="0" err="1">
+                          <a:effectLst/>
+                        </a:rPr>
+                        <a:t>Arduino</a:t>
+                      </a:r>
+                      <a:r>
+                        <a:rPr lang="pt-BR" sz="900" u="none" strike="noStrike" dirty="0">
+                          <a:effectLst/>
+                        </a:rPr>
+                        <a:t> na aplicação web; </a:t>
+                      </a:r>
+                      <a:endParaRPr lang="pt-BR" sz="900" b="0" i="0" u="none" strike="noStrike" dirty="0">
+                        <a:solidFill>
+                          <a:srgbClr val="000000"/>
+                        </a:solidFill>
+                        <a:effectLst/>
+                        <a:latin typeface="Arial" panose="020B0604020202020204" pitchFamily="34" charset="0"/>
+                      </a:endParaRPr>
+                    </a:p>
+                  </a:txBody>
+                  <a:tcPr marL="2955" marR="2955" marT="2955" marB="0" anchor="ctr"/>
+                </a:tc>
+                <a:tc>
+                  <a:txBody>
+                    <a:bodyPr/>
+                    <a:lstStyle/>
+                    <a:p>
+                      <a:pPr algn="ctr" rtl="0" fontAlgn="ctr"/>
+                      <a:r>
+                        <a:rPr lang="pt-BR" sz="900" u="none" strike="noStrike" dirty="0">
+                          <a:effectLst/>
+                        </a:rPr>
+                        <a:t>Essencial</a:t>
+                      </a:r>
+                      <a:endParaRPr lang="pt-BR" sz="900" b="0" i="0" u="none" strike="noStrike" dirty="0">
+                        <a:solidFill>
+                          <a:srgbClr val="000000"/>
+                        </a:solidFill>
+                        <a:effectLst/>
+                        <a:latin typeface="Arial" panose="020B0604020202020204" pitchFamily="34" charset="0"/>
+                      </a:endParaRPr>
+                    </a:p>
+                  </a:txBody>
+                  <a:tcPr marL="2955" marR="2955" marT="2955" marB="0" anchor="ctr">
+                    <a:solidFill>
+                      <a:srgbClr val="FF0000"/>
+                    </a:solidFill>
+                  </a:tcPr>
+                </a:tc>
+                <a:tc>
+                  <a:txBody>
+                    <a:bodyPr/>
+                    <a:lstStyle/>
+                    <a:p>
+                      <a:pPr algn="ctr" rtl="0" fontAlgn="ctr"/>
+                      <a:r>
+                        <a:rPr lang="pt-BR" sz="900" u="none" strike="noStrike">
+                          <a:effectLst/>
+                        </a:rPr>
+                        <a:t>5</a:t>
+                      </a:r>
+                      <a:endParaRPr lang="pt-BR" sz="900" b="0" i="0" u="none" strike="noStrike">
+                        <a:solidFill>
+                          <a:srgbClr val="000000"/>
+                        </a:solidFill>
+                        <a:effectLst/>
+                        <a:latin typeface="Arial" panose="020B0604020202020204" pitchFamily="34" charset="0"/>
+                      </a:endParaRPr>
+                    </a:p>
+                  </a:txBody>
+                  <a:tcPr marL="2955" marR="2955" marT="2955" marB="0" anchor="ctr"/>
+                </a:tc>
+                <a:tc>
+                  <a:txBody>
+                    <a:bodyPr/>
+                    <a:lstStyle/>
+                    <a:p>
+                      <a:pPr algn="ctr" rtl="0" fontAlgn="ctr"/>
+                      <a:r>
+                        <a:rPr lang="pt-BR" sz="900" u="none" strike="noStrike">
+                          <a:effectLst/>
+                        </a:rPr>
+                        <a:t>1</a:t>
+                      </a:r>
+                      <a:endParaRPr lang="pt-BR" sz="900" b="0" i="0" u="none" strike="noStrike">
+                        <a:solidFill>
+                          <a:srgbClr val="000000"/>
+                        </a:solidFill>
+                        <a:effectLst/>
+                        <a:latin typeface="Arial" panose="020B0604020202020204" pitchFamily="34" charset="0"/>
+                      </a:endParaRPr>
+                    </a:p>
+                  </a:txBody>
+                  <a:tcPr marL="2955" marR="2955" marT="2955" marB="0" anchor="ctr"/>
+                </a:tc>
+                <a:extLst>
+                  <a:ext uri="{0D108BD9-81ED-4DB2-BD59-A6C34878D82A}">
+                    <a16:rowId xmlns:a16="http://schemas.microsoft.com/office/drawing/2014/main" val="3789789642"/>
+                  </a:ext>
+                </a:extLst>
+              </a:tr>
+              <a:tr h="175904">
+                <a:tc>
+                  <a:txBody>
+                    <a:bodyPr/>
+                    <a:lstStyle/>
+                    <a:p>
+                      <a:pPr algn="l" rtl="0" fontAlgn="ctr"/>
+                      <a:r>
+                        <a:rPr lang="pt-BR" sz="900" u="none" strike="noStrike" dirty="0">
+                          <a:effectLst/>
+                        </a:rPr>
+                        <a:t>Captação dos dados; </a:t>
+                      </a:r>
+                      <a:endParaRPr lang="pt-BR" sz="900" b="0" i="0" u="none" strike="noStrike" dirty="0">
+                        <a:solidFill>
+                          <a:srgbClr val="000000"/>
+                        </a:solidFill>
+                        <a:effectLst/>
+                        <a:latin typeface="Arial" panose="020B0604020202020204" pitchFamily="34" charset="0"/>
+                      </a:endParaRPr>
+                    </a:p>
+                  </a:txBody>
+                  <a:tcPr marL="2955" marR="2955" marT="2955" marB="0" anchor="ctr"/>
+                </a:tc>
+                <a:tc>
+                  <a:txBody>
+                    <a:bodyPr/>
+                    <a:lstStyle/>
+                    <a:p>
+                      <a:pPr algn="ctr" rtl="0" fontAlgn="ctr"/>
+                      <a:r>
+                        <a:rPr lang="pt-BR" sz="900" u="none" strike="noStrike" dirty="0">
+                          <a:effectLst/>
+                        </a:rPr>
+                        <a:t>Essencial</a:t>
+                      </a:r>
+                      <a:endParaRPr lang="pt-BR" sz="900" b="0" i="0" u="none" strike="noStrike" dirty="0">
+                        <a:solidFill>
+                          <a:srgbClr val="000000"/>
+                        </a:solidFill>
+                        <a:effectLst/>
+                        <a:latin typeface="Arial" panose="020B0604020202020204" pitchFamily="34" charset="0"/>
+                      </a:endParaRPr>
+                    </a:p>
+                  </a:txBody>
+                  <a:tcPr marL="2955" marR="2955" marT="2955" marB="0" anchor="ctr">
+                    <a:solidFill>
+                      <a:srgbClr val="FF0000"/>
+                    </a:solidFill>
+                  </a:tcPr>
+                </a:tc>
+                <a:tc>
+                  <a:txBody>
+                    <a:bodyPr/>
+                    <a:lstStyle/>
+                    <a:p>
+                      <a:pPr algn="ctr" rtl="0" fontAlgn="ctr"/>
+                      <a:r>
+                        <a:rPr lang="pt-BR" sz="900" u="none" strike="noStrike">
+                          <a:effectLst/>
+                        </a:rPr>
+                        <a:t>5</a:t>
+                      </a:r>
+                      <a:endParaRPr lang="pt-BR" sz="900" b="0" i="0" u="none" strike="noStrike">
+                        <a:solidFill>
+                          <a:srgbClr val="000000"/>
+                        </a:solidFill>
+                        <a:effectLst/>
+                        <a:latin typeface="Arial" panose="020B0604020202020204" pitchFamily="34" charset="0"/>
+                      </a:endParaRPr>
+                    </a:p>
+                  </a:txBody>
+                  <a:tcPr marL="2955" marR="2955" marT="2955" marB="0" anchor="ctr"/>
+                </a:tc>
+                <a:tc>
+                  <a:txBody>
+                    <a:bodyPr/>
+                    <a:lstStyle/>
+                    <a:p>
+                      <a:pPr algn="ctr" rtl="0" fontAlgn="ctr"/>
+                      <a:r>
+                        <a:rPr lang="pt-BR" sz="900" u="none" strike="noStrike">
+                          <a:effectLst/>
+                        </a:rPr>
+                        <a:t>2</a:t>
+                      </a:r>
+                      <a:endParaRPr lang="pt-BR" sz="900" b="0" i="0" u="none" strike="noStrike">
+                        <a:solidFill>
+                          <a:srgbClr val="000000"/>
+                        </a:solidFill>
+                        <a:effectLst/>
+                        <a:latin typeface="Arial" panose="020B0604020202020204" pitchFamily="34" charset="0"/>
+                      </a:endParaRPr>
+                    </a:p>
+                  </a:txBody>
+                  <a:tcPr marL="2955" marR="2955" marT="2955" marB="0" anchor="ctr"/>
+                </a:tc>
+                <a:extLst>
+                  <a:ext uri="{0D108BD9-81ED-4DB2-BD59-A6C34878D82A}">
+                    <a16:rowId xmlns:a16="http://schemas.microsoft.com/office/drawing/2014/main" val="2991928864"/>
+                  </a:ext>
+                </a:extLst>
+              </a:tr>
+              <a:tr h="527713">
+                <a:tc>
+                  <a:txBody>
+                    <a:bodyPr/>
+                    <a:lstStyle/>
+                    <a:p>
+                      <a:pPr algn="l" rtl="0" fontAlgn="ctr"/>
+                      <a:r>
+                        <a:rPr lang="pt-BR" sz="900" u="none" strike="noStrike" dirty="0" err="1">
+                          <a:effectLst/>
+                        </a:rPr>
+                        <a:t>Arduino</a:t>
+                      </a:r>
+                      <a:r>
+                        <a:rPr lang="pt-BR" sz="900" u="none" strike="noStrike" dirty="0">
+                          <a:effectLst/>
+                        </a:rPr>
+                        <a:t> funcionando e recebendo os dados dentro da aplicação web; </a:t>
+                      </a:r>
+                      <a:endParaRPr lang="pt-BR" sz="900" b="0" i="0" u="none" strike="noStrike" dirty="0">
+                        <a:solidFill>
+                          <a:srgbClr val="000000"/>
+                        </a:solidFill>
+                        <a:effectLst/>
+                        <a:latin typeface="Arial" panose="020B0604020202020204" pitchFamily="34" charset="0"/>
+                      </a:endParaRPr>
+                    </a:p>
+                  </a:txBody>
+                  <a:tcPr marL="2955" marR="2955" marT="2955" marB="0" anchor="ctr"/>
+                </a:tc>
+                <a:tc>
+                  <a:txBody>
+                    <a:bodyPr/>
+                    <a:lstStyle/>
+                    <a:p>
+                      <a:pPr algn="ctr" rtl="0" fontAlgn="ctr"/>
+                      <a:r>
+                        <a:rPr lang="pt-BR" sz="900" u="none" strike="noStrike" dirty="0">
+                          <a:effectLst/>
+                        </a:rPr>
+                        <a:t>Essencial</a:t>
+                      </a:r>
+                      <a:endParaRPr lang="pt-BR" sz="900" b="0" i="0" u="none" strike="noStrike" dirty="0">
+                        <a:solidFill>
+                          <a:srgbClr val="000000"/>
+                        </a:solidFill>
+                        <a:effectLst/>
+                        <a:latin typeface="Arial" panose="020B0604020202020204" pitchFamily="34" charset="0"/>
+                      </a:endParaRPr>
+                    </a:p>
+                  </a:txBody>
+                  <a:tcPr marL="2955" marR="2955" marT="2955" marB="0" anchor="ctr">
+                    <a:solidFill>
+                      <a:srgbClr val="FF0000"/>
+                    </a:solidFill>
+                  </a:tcPr>
+                </a:tc>
+                <a:tc>
+                  <a:txBody>
+                    <a:bodyPr/>
+                    <a:lstStyle/>
+                    <a:p>
+                      <a:pPr algn="ctr" rtl="0" fontAlgn="ctr"/>
+                      <a:r>
+                        <a:rPr lang="pt-BR" sz="900" u="none" strike="noStrike" dirty="0">
+                          <a:effectLst/>
+                        </a:rPr>
+                        <a:t>5</a:t>
+                      </a:r>
+                      <a:endParaRPr lang="pt-BR" sz="900" b="0" i="0" u="none" strike="noStrike" dirty="0">
+                        <a:solidFill>
+                          <a:srgbClr val="000000"/>
+                        </a:solidFill>
+                        <a:effectLst/>
+                        <a:latin typeface="Arial" panose="020B0604020202020204" pitchFamily="34" charset="0"/>
+                      </a:endParaRPr>
+                    </a:p>
+                  </a:txBody>
+                  <a:tcPr marL="2955" marR="2955" marT="2955" marB="0" anchor="ctr"/>
+                </a:tc>
+                <a:tc>
+                  <a:txBody>
+                    <a:bodyPr/>
+                    <a:lstStyle/>
+                    <a:p>
+                      <a:pPr algn="ctr" rtl="0" fontAlgn="ctr"/>
+                      <a:r>
+                        <a:rPr lang="pt-BR" sz="900" u="none" strike="noStrike">
+                          <a:effectLst/>
+                        </a:rPr>
+                        <a:t>3</a:t>
+                      </a:r>
+                      <a:endParaRPr lang="pt-BR" sz="900" b="0" i="0" u="none" strike="noStrike">
+                        <a:solidFill>
+                          <a:srgbClr val="000000"/>
+                        </a:solidFill>
+                        <a:effectLst/>
+                        <a:latin typeface="Arial" panose="020B0604020202020204" pitchFamily="34" charset="0"/>
+                      </a:endParaRPr>
+                    </a:p>
+                  </a:txBody>
+                  <a:tcPr marL="2955" marR="2955" marT="2955" marB="0" anchor="ctr"/>
+                </a:tc>
+                <a:extLst>
+                  <a:ext uri="{0D108BD9-81ED-4DB2-BD59-A6C34878D82A}">
+                    <a16:rowId xmlns:a16="http://schemas.microsoft.com/office/drawing/2014/main" val="2555413421"/>
+                  </a:ext>
+                </a:extLst>
+              </a:tr>
+              <a:tr h="175904">
+                <a:tc>
+                  <a:txBody>
+                    <a:bodyPr/>
+                    <a:lstStyle/>
+                    <a:p>
+                      <a:pPr algn="l" rtl="0" fontAlgn="ctr"/>
+                      <a:r>
+                        <a:rPr lang="pt-BR" sz="900" u="none" strike="noStrike">
+                          <a:effectLst/>
+                        </a:rPr>
+                        <a:t>Utilizar os sensores;</a:t>
+                      </a:r>
+                      <a:endParaRPr lang="pt-BR" sz="900" b="0" i="0" u="none" strike="noStrike">
+                        <a:solidFill>
+                          <a:srgbClr val="000000"/>
+                        </a:solidFill>
+                        <a:effectLst/>
+                        <a:latin typeface="Arial" panose="020B0604020202020204" pitchFamily="34" charset="0"/>
+                      </a:endParaRPr>
+                    </a:p>
+                  </a:txBody>
+                  <a:tcPr marL="2955" marR="2955" marT="2955" marB="0" anchor="ctr"/>
+                </a:tc>
+                <a:tc>
+                  <a:txBody>
+                    <a:bodyPr/>
+                    <a:lstStyle/>
+                    <a:p>
+                      <a:pPr algn="ctr" rtl="0" fontAlgn="ctr"/>
+                      <a:r>
+                        <a:rPr lang="pt-BR" sz="900" u="none" strike="noStrike" dirty="0">
+                          <a:effectLst/>
+                        </a:rPr>
+                        <a:t>Essencial</a:t>
+                      </a:r>
+                      <a:endParaRPr lang="pt-BR" sz="900" b="0" i="0" u="none" strike="noStrike" dirty="0">
+                        <a:solidFill>
+                          <a:srgbClr val="000000"/>
+                        </a:solidFill>
+                        <a:effectLst/>
+                        <a:latin typeface="Arial" panose="020B0604020202020204" pitchFamily="34" charset="0"/>
+                      </a:endParaRPr>
+                    </a:p>
+                  </a:txBody>
+                  <a:tcPr marL="2955" marR="2955" marT="2955" marB="0" anchor="ctr">
+                    <a:solidFill>
+                      <a:srgbClr val="FF0000"/>
+                    </a:solidFill>
+                  </a:tcPr>
+                </a:tc>
+                <a:tc>
+                  <a:txBody>
+                    <a:bodyPr/>
+                    <a:lstStyle/>
+                    <a:p>
+                      <a:pPr algn="ctr" rtl="0" fontAlgn="ctr"/>
+                      <a:r>
+                        <a:rPr lang="pt-BR" sz="900" u="none" strike="noStrike">
+                          <a:effectLst/>
+                        </a:rPr>
+                        <a:t>3</a:t>
+                      </a:r>
+                      <a:endParaRPr lang="pt-BR" sz="900" b="0" i="0" u="none" strike="noStrike">
+                        <a:solidFill>
+                          <a:srgbClr val="000000"/>
+                        </a:solidFill>
+                        <a:effectLst/>
+                        <a:latin typeface="Arial" panose="020B0604020202020204" pitchFamily="34" charset="0"/>
+                      </a:endParaRPr>
+                    </a:p>
+                  </a:txBody>
+                  <a:tcPr marL="2955" marR="2955" marT="2955" marB="0" anchor="ctr"/>
+                </a:tc>
+                <a:tc>
+                  <a:txBody>
+                    <a:bodyPr/>
+                    <a:lstStyle/>
+                    <a:p>
+                      <a:pPr algn="ctr" rtl="0" fontAlgn="ctr"/>
+                      <a:r>
+                        <a:rPr lang="pt-BR" sz="900" u="none" strike="noStrike">
+                          <a:effectLst/>
+                        </a:rPr>
+                        <a:t>4</a:t>
+                      </a:r>
+                      <a:endParaRPr lang="pt-BR" sz="900" b="0" i="0" u="none" strike="noStrike">
+                        <a:solidFill>
+                          <a:srgbClr val="000000"/>
+                        </a:solidFill>
+                        <a:effectLst/>
+                        <a:latin typeface="Arial" panose="020B0604020202020204" pitchFamily="34" charset="0"/>
+                      </a:endParaRPr>
+                    </a:p>
+                  </a:txBody>
+                  <a:tcPr marL="2955" marR="2955" marT="2955" marB="0" anchor="ctr"/>
+                </a:tc>
+                <a:extLst>
+                  <a:ext uri="{0D108BD9-81ED-4DB2-BD59-A6C34878D82A}">
+                    <a16:rowId xmlns:a16="http://schemas.microsoft.com/office/drawing/2014/main" val="420598700"/>
+                  </a:ext>
+                </a:extLst>
+              </a:tr>
+              <a:tr h="703617">
+                <a:tc>
+                  <a:txBody>
+                    <a:bodyPr/>
+                    <a:lstStyle/>
+                    <a:p>
+                      <a:pPr algn="l" rtl="0" fontAlgn="ctr"/>
+                      <a:r>
+                        <a:rPr lang="pt-BR" sz="900" u="none" strike="noStrike">
+                          <a:effectLst/>
+                        </a:rPr>
+                        <a:t>Realizar uma aplicação web que gere os valores e gráficos relativo à umidade do solo e utilização de água;</a:t>
+                      </a:r>
+                      <a:endParaRPr lang="pt-BR" sz="900" b="0" i="0" u="none" strike="noStrike">
+                        <a:solidFill>
+                          <a:srgbClr val="000000"/>
+                        </a:solidFill>
+                        <a:effectLst/>
+                        <a:latin typeface="Arial" panose="020B0604020202020204" pitchFamily="34" charset="0"/>
+                      </a:endParaRPr>
+                    </a:p>
+                  </a:txBody>
+                  <a:tcPr marL="2955" marR="2955" marT="2955" marB="0" anchor="ctr"/>
+                </a:tc>
+                <a:tc>
+                  <a:txBody>
+                    <a:bodyPr/>
+                    <a:lstStyle/>
+                    <a:p>
+                      <a:pPr algn="ctr" rtl="0" fontAlgn="ctr"/>
+                      <a:r>
+                        <a:rPr lang="pt-BR" sz="900" u="none" strike="noStrike" dirty="0">
+                          <a:effectLst/>
+                        </a:rPr>
+                        <a:t>Essencial</a:t>
+                      </a:r>
+                      <a:endParaRPr lang="pt-BR" sz="900" b="0" i="0" u="none" strike="noStrike" dirty="0">
+                        <a:solidFill>
+                          <a:srgbClr val="000000"/>
+                        </a:solidFill>
+                        <a:effectLst/>
+                        <a:latin typeface="Arial" panose="020B0604020202020204" pitchFamily="34" charset="0"/>
+                      </a:endParaRPr>
+                    </a:p>
+                  </a:txBody>
+                  <a:tcPr marL="2955" marR="2955" marT="2955" marB="0" anchor="ctr">
+                    <a:solidFill>
+                      <a:srgbClr val="FF0000"/>
+                    </a:solidFill>
+                  </a:tcPr>
+                </a:tc>
+                <a:tc>
+                  <a:txBody>
+                    <a:bodyPr/>
+                    <a:lstStyle/>
+                    <a:p>
+                      <a:pPr algn="ctr" rtl="0" fontAlgn="ctr"/>
+                      <a:r>
+                        <a:rPr lang="pt-BR" sz="900" u="none" strike="noStrike" dirty="0">
+                          <a:effectLst/>
+                        </a:rPr>
+                        <a:t>13</a:t>
+                      </a:r>
+                      <a:endParaRPr lang="pt-BR" sz="900" b="0" i="0" u="none" strike="noStrike" dirty="0">
+                        <a:solidFill>
+                          <a:srgbClr val="000000"/>
+                        </a:solidFill>
+                        <a:effectLst/>
+                        <a:latin typeface="Arial" panose="020B0604020202020204" pitchFamily="34" charset="0"/>
+                      </a:endParaRPr>
+                    </a:p>
+                  </a:txBody>
+                  <a:tcPr marL="2955" marR="2955" marT="2955" marB="0" anchor="ctr"/>
+                </a:tc>
+                <a:tc>
+                  <a:txBody>
+                    <a:bodyPr/>
+                    <a:lstStyle/>
+                    <a:p>
+                      <a:pPr algn="ctr" rtl="0" fontAlgn="ctr"/>
+                      <a:r>
+                        <a:rPr lang="pt-BR" sz="900" u="none" strike="noStrike">
+                          <a:effectLst/>
+                        </a:rPr>
+                        <a:t>5</a:t>
+                      </a:r>
+                      <a:endParaRPr lang="pt-BR" sz="900" b="0" i="0" u="none" strike="noStrike">
+                        <a:solidFill>
+                          <a:srgbClr val="000000"/>
+                        </a:solidFill>
+                        <a:effectLst/>
+                        <a:latin typeface="Arial" panose="020B0604020202020204" pitchFamily="34" charset="0"/>
+                      </a:endParaRPr>
+                    </a:p>
+                  </a:txBody>
+                  <a:tcPr marL="2955" marR="2955" marT="2955" marB="0" anchor="ctr"/>
+                </a:tc>
+                <a:extLst>
+                  <a:ext uri="{0D108BD9-81ED-4DB2-BD59-A6C34878D82A}">
+                    <a16:rowId xmlns:a16="http://schemas.microsoft.com/office/drawing/2014/main" val="2903876991"/>
+                  </a:ext>
+                </a:extLst>
+              </a:tr>
+              <a:tr h="323608">
+                <a:tc>
+                  <a:txBody>
+                    <a:bodyPr/>
+                    <a:lstStyle/>
+                    <a:p>
+                      <a:pPr algn="l" rtl="0" fontAlgn="ctr"/>
+                      <a:r>
+                        <a:rPr lang="pt-BR" sz="900" u="none" strike="noStrike">
+                          <a:effectLst/>
+                        </a:rPr>
+                        <a:t>Sistema de login e cadastro de usuário,</a:t>
+                      </a:r>
+                      <a:endParaRPr lang="pt-BR" sz="900" b="0" i="0" u="none" strike="noStrike">
+                        <a:solidFill>
+                          <a:srgbClr val="000000"/>
+                        </a:solidFill>
+                        <a:effectLst/>
+                        <a:latin typeface="Arial" panose="020B0604020202020204" pitchFamily="34" charset="0"/>
+                      </a:endParaRPr>
+                    </a:p>
+                  </a:txBody>
+                  <a:tcPr marL="2955" marR="2955" marT="2955" marB="0" anchor="ctr"/>
+                </a:tc>
+                <a:tc>
+                  <a:txBody>
+                    <a:bodyPr/>
+                    <a:lstStyle/>
+                    <a:p>
+                      <a:pPr algn="ctr" rtl="0" fontAlgn="ctr"/>
+                      <a:r>
+                        <a:rPr lang="pt-BR" sz="900" u="none" strike="noStrike" dirty="0">
+                          <a:effectLst/>
+                        </a:rPr>
+                        <a:t>Essencial</a:t>
+                      </a:r>
+                      <a:endParaRPr lang="pt-BR" sz="900" b="0" i="0" u="none" strike="noStrike" dirty="0">
+                        <a:solidFill>
+                          <a:srgbClr val="000000"/>
+                        </a:solidFill>
+                        <a:effectLst/>
+                        <a:latin typeface="Arial" panose="020B0604020202020204" pitchFamily="34" charset="0"/>
+                      </a:endParaRPr>
+                    </a:p>
+                  </a:txBody>
+                  <a:tcPr marL="2955" marR="2955" marT="2955" marB="0" anchor="ctr">
+                    <a:solidFill>
+                      <a:srgbClr val="FF0000"/>
+                    </a:solidFill>
+                  </a:tcPr>
+                </a:tc>
+                <a:tc>
+                  <a:txBody>
+                    <a:bodyPr/>
+                    <a:lstStyle/>
+                    <a:p>
+                      <a:pPr algn="ctr" rtl="0" fontAlgn="b"/>
+                      <a:r>
+                        <a:rPr lang="pt-BR" sz="900" u="none" strike="noStrike">
+                          <a:effectLst/>
+                        </a:rPr>
+                        <a:t>5</a:t>
+                      </a:r>
+                      <a:endParaRPr lang="pt-BR" sz="900" b="0" i="0" u="none" strike="noStrike">
+                        <a:solidFill>
+                          <a:srgbClr val="000000"/>
+                        </a:solidFill>
+                        <a:effectLst/>
+                        <a:latin typeface="Arial" panose="020B0604020202020204" pitchFamily="34" charset="0"/>
+                      </a:endParaRPr>
+                    </a:p>
+                  </a:txBody>
+                  <a:tcPr marL="2955" marR="2955" marT="2955" marB="0" anchor="b"/>
+                </a:tc>
+                <a:tc>
+                  <a:txBody>
+                    <a:bodyPr/>
+                    <a:lstStyle/>
+                    <a:p>
+                      <a:pPr algn="ctr" rtl="0" fontAlgn="ctr"/>
+                      <a:r>
+                        <a:rPr lang="pt-BR" sz="900" u="none" strike="noStrike">
+                          <a:effectLst/>
+                        </a:rPr>
+                        <a:t>6</a:t>
+                      </a:r>
+                      <a:endParaRPr lang="pt-BR" sz="900" b="0" i="0" u="none" strike="noStrike">
+                        <a:solidFill>
+                          <a:srgbClr val="000000"/>
+                        </a:solidFill>
+                        <a:effectLst/>
+                        <a:latin typeface="Arial" panose="020B0604020202020204" pitchFamily="34" charset="0"/>
+                      </a:endParaRPr>
+                    </a:p>
+                  </a:txBody>
+                  <a:tcPr marL="2955" marR="2955" marT="2955" marB="0" anchor="ctr"/>
+                </a:tc>
+                <a:extLst>
+                  <a:ext uri="{0D108BD9-81ED-4DB2-BD59-A6C34878D82A}">
+                    <a16:rowId xmlns:a16="http://schemas.microsoft.com/office/drawing/2014/main" val="1061755383"/>
+                  </a:ext>
+                </a:extLst>
+              </a:tr>
+              <a:tr h="483687">
+                <a:tc>
+                  <a:txBody>
+                    <a:bodyPr/>
+                    <a:lstStyle/>
+                    <a:p>
+                      <a:pPr algn="l" rtl="0" fontAlgn="ctr"/>
+                      <a:r>
+                        <a:rPr lang="pt-BR" sz="900" u="none" strike="noStrike">
+                          <a:effectLst/>
+                        </a:rPr>
+                        <a:t>O banco de dados armazenando informações sobre os sensores.</a:t>
+                      </a:r>
+                      <a:endParaRPr lang="pt-BR" sz="900" b="0" i="0" u="none" strike="noStrike">
+                        <a:solidFill>
+                          <a:srgbClr val="000000"/>
+                        </a:solidFill>
+                        <a:effectLst/>
+                        <a:latin typeface="Arial" panose="020B0604020202020204" pitchFamily="34" charset="0"/>
+                      </a:endParaRPr>
+                    </a:p>
+                  </a:txBody>
+                  <a:tcPr marL="2955" marR="2955" marT="2955" marB="0" anchor="ctr"/>
+                </a:tc>
+                <a:tc>
+                  <a:txBody>
+                    <a:bodyPr/>
+                    <a:lstStyle/>
+                    <a:p>
+                      <a:pPr algn="ctr" rtl="0" fontAlgn="ctr"/>
+                      <a:r>
+                        <a:rPr lang="pt-BR" sz="900" u="none" strike="noStrike" dirty="0">
+                          <a:effectLst/>
+                        </a:rPr>
+                        <a:t>Essencial</a:t>
+                      </a:r>
+                      <a:endParaRPr lang="pt-BR" sz="900" b="0" i="0" u="none" strike="noStrike" dirty="0">
+                        <a:solidFill>
+                          <a:srgbClr val="000000"/>
+                        </a:solidFill>
+                        <a:effectLst/>
+                        <a:latin typeface="Arial" panose="020B0604020202020204" pitchFamily="34" charset="0"/>
+                      </a:endParaRPr>
+                    </a:p>
+                  </a:txBody>
+                  <a:tcPr marL="2955" marR="2955" marT="2955" marB="0" anchor="ctr">
+                    <a:solidFill>
+                      <a:srgbClr val="FF0000"/>
+                    </a:solidFill>
+                  </a:tcPr>
+                </a:tc>
+                <a:tc>
+                  <a:txBody>
+                    <a:bodyPr/>
+                    <a:lstStyle/>
+                    <a:p>
+                      <a:pPr algn="ctr" rtl="0" fontAlgn="b"/>
+                      <a:r>
+                        <a:rPr lang="pt-BR" sz="900" u="none" strike="noStrike" dirty="0">
+                          <a:effectLst/>
+                        </a:rPr>
+                        <a:t>5</a:t>
+                      </a:r>
+                      <a:endParaRPr lang="pt-BR" sz="900" b="0" i="0" u="none" strike="noStrike" dirty="0">
+                        <a:solidFill>
+                          <a:srgbClr val="000000"/>
+                        </a:solidFill>
+                        <a:effectLst/>
+                        <a:latin typeface="Arial" panose="020B0604020202020204" pitchFamily="34" charset="0"/>
+                      </a:endParaRPr>
+                    </a:p>
+                  </a:txBody>
+                  <a:tcPr marL="2955" marR="2955" marT="2955" marB="0" anchor="b"/>
+                </a:tc>
+                <a:tc>
+                  <a:txBody>
+                    <a:bodyPr/>
+                    <a:lstStyle/>
+                    <a:p>
+                      <a:pPr algn="ctr" rtl="0" fontAlgn="ctr"/>
+                      <a:r>
+                        <a:rPr lang="pt-BR" sz="900" u="none" strike="noStrike">
+                          <a:effectLst/>
+                        </a:rPr>
+                        <a:t>7</a:t>
+                      </a:r>
+                      <a:endParaRPr lang="pt-BR" sz="900" b="0" i="0" u="none" strike="noStrike">
+                        <a:solidFill>
+                          <a:srgbClr val="000000"/>
+                        </a:solidFill>
+                        <a:effectLst/>
+                        <a:latin typeface="Arial" panose="020B0604020202020204" pitchFamily="34" charset="0"/>
+                      </a:endParaRPr>
+                    </a:p>
+                  </a:txBody>
+                  <a:tcPr marL="2955" marR="2955" marT="2955" marB="0" anchor="ctr"/>
+                </a:tc>
+                <a:extLst>
+                  <a:ext uri="{0D108BD9-81ED-4DB2-BD59-A6C34878D82A}">
+                    <a16:rowId xmlns:a16="http://schemas.microsoft.com/office/drawing/2014/main" val="3732030187"/>
+                  </a:ext>
+                </a:extLst>
+              </a:tr>
+              <a:tr h="483687">
+                <a:tc>
+                  <a:txBody>
+                    <a:bodyPr/>
+                    <a:lstStyle/>
+                    <a:p>
+                      <a:pPr algn="l" rtl="0" fontAlgn="ctr"/>
+                      <a:r>
+                        <a:rPr lang="pt-BR" sz="900" u="none" strike="noStrike">
+                          <a:effectLst/>
+                        </a:rPr>
+                        <a:t>Uso de ferramentas para gestão de projetos (Microsoft Project/ Planner); </a:t>
+                      </a:r>
+                      <a:endParaRPr lang="pt-BR" sz="900" b="0" i="0" u="none" strike="noStrike">
+                        <a:solidFill>
+                          <a:srgbClr val="000000"/>
+                        </a:solidFill>
+                        <a:effectLst/>
+                        <a:latin typeface="Arial" panose="020B0604020202020204" pitchFamily="34" charset="0"/>
+                      </a:endParaRPr>
+                    </a:p>
+                  </a:txBody>
+                  <a:tcPr marL="2955" marR="2955" marT="2955" marB="0" anchor="ctr"/>
+                </a:tc>
+                <a:tc>
+                  <a:txBody>
+                    <a:bodyPr/>
+                    <a:lstStyle/>
+                    <a:p>
+                      <a:pPr algn="ctr" rtl="0" fontAlgn="ctr"/>
+                      <a:r>
+                        <a:rPr lang="pt-BR" sz="900" u="none" strike="noStrike" dirty="0">
+                          <a:effectLst/>
+                        </a:rPr>
+                        <a:t>Importante</a:t>
+                      </a:r>
+                      <a:endParaRPr lang="pt-BR" sz="900" b="0" i="0" u="none" strike="noStrike" dirty="0">
+                        <a:solidFill>
+                          <a:srgbClr val="000000"/>
+                        </a:solidFill>
+                        <a:effectLst/>
+                        <a:latin typeface="Arial" panose="020B0604020202020204" pitchFamily="34" charset="0"/>
+                      </a:endParaRPr>
+                    </a:p>
+                  </a:txBody>
+                  <a:tcPr marL="2955" marR="2955" marT="2955" marB="0" anchor="ctr">
+                    <a:solidFill>
+                      <a:srgbClr val="FFFF00"/>
+                    </a:solidFill>
+                  </a:tcPr>
+                </a:tc>
+                <a:tc>
+                  <a:txBody>
+                    <a:bodyPr/>
+                    <a:lstStyle/>
+                    <a:p>
+                      <a:pPr algn="ctr" rtl="0" fontAlgn="ctr"/>
+                      <a:r>
+                        <a:rPr lang="pt-BR" sz="900" u="none" strike="noStrike" dirty="0">
+                          <a:effectLst/>
+                        </a:rPr>
+                        <a:t>3</a:t>
+                      </a:r>
+                      <a:endParaRPr lang="pt-BR" sz="900" b="0" i="0" u="none" strike="noStrike" dirty="0">
+                        <a:solidFill>
+                          <a:srgbClr val="000000"/>
+                        </a:solidFill>
+                        <a:effectLst/>
+                        <a:latin typeface="Arial" panose="020B0604020202020204" pitchFamily="34" charset="0"/>
+                      </a:endParaRPr>
+                    </a:p>
+                  </a:txBody>
+                  <a:tcPr marL="2955" marR="2955" marT="2955" marB="0" anchor="ctr"/>
+                </a:tc>
+                <a:tc>
+                  <a:txBody>
+                    <a:bodyPr/>
+                    <a:lstStyle/>
+                    <a:p>
+                      <a:pPr algn="ctr" rtl="0" fontAlgn="ctr"/>
+                      <a:r>
+                        <a:rPr lang="pt-BR" sz="900" u="none" strike="noStrike" dirty="0">
+                          <a:effectLst/>
+                        </a:rPr>
+                        <a:t>8</a:t>
+                      </a:r>
+                      <a:endParaRPr lang="pt-BR" sz="900" b="0" i="0" u="none" strike="noStrike" dirty="0">
+                        <a:solidFill>
+                          <a:srgbClr val="000000"/>
+                        </a:solidFill>
+                        <a:effectLst/>
+                        <a:latin typeface="Arial" panose="020B0604020202020204" pitchFamily="34" charset="0"/>
+                      </a:endParaRPr>
+                    </a:p>
+                  </a:txBody>
+                  <a:tcPr marL="2955" marR="2955" marT="2955" marB="0" anchor="ctr"/>
+                </a:tc>
+                <a:extLst>
+                  <a:ext uri="{0D108BD9-81ED-4DB2-BD59-A6C34878D82A}">
+                    <a16:rowId xmlns:a16="http://schemas.microsoft.com/office/drawing/2014/main" val="1249808629"/>
+                  </a:ext>
+                </a:extLst>
+              </a:tr>
+              <a:tr h="175904">
+                <a:tc>
+                  <a:txBody>
+                    <a:bodyPr/>
+                    <a:lstStyle/>
+                    <a:p>
+                      <a:pPr algn="l" rtl="0" fontAlgn="ctr"/>
+                      <a:r>
+                        <a:rPr lang="pt-BR" sz="900" u="none" strike="noStrike">
+                          <a:effectLst/>
+                        </a:rPr>
+                        <a:t>Documentação do projeto;</a:t>
+                      </a:r>
+                      <a:endParaRPr lang="pt-BR" sz="900" b="0" i="0" u="none" strike="noStrike">
+                        <a:solidFill>
+                          <a:srgbClr val="000000"/>
+                        </a:solidFill>
+                        <a:effectLst/>
+                        <a:latin typeface="Arial" panose="020B0604020202020204" pitchFamily="34" charset="0"/>
+                      </a:endParaRPr>
+                    </a:p>
+                  </a:txBody>
+                  <a:tcPr marL="2955" marR="2955" marT="2955" marB="0" anchor="ctr"/>
+                </a:tc>
+                <a:tc>
+                  <a:txBody>
+                    <a:bodyPr/>
+                    <a:lstStyle/>
+                    <a:p>
+                      <a:pPr algn="ctr" rtl="0" fontAlgn="ctr"/>
+                      <a:r>
+                        <a:rPr lang="pt-BR" sz="900" u="none" strike="noStrike" dirty="0">
+                          <a:effectLst/>
+                        </a:rPr>
+                        <a:t>Importante</a:t>
+                      </a:r>
+                      <a:endParaRPr lang="pt-BR" sz="900" b="0" i="0" u="none" strike="noStrike" dirty="0">
+                        <a:solidFill>
+                          <a:srgbClr val="000000"/>
+                        </a:solidFill>
+                        <a:effectLst/>
+                        <a:latin typeface="Arial" panose="020B0604020202020204" pitchFamily="34" charset="0"/>
+                      </a:endParaRPr>
+                    </a:p>
+                  </a:txBody>
+                  <a:tcPr marL="2955" marR="2955" marT="2955" marB="0" anchor="ctr">
+                    <a:solidFill>
+                      <a:srgbClr val="FFFF00"/>
+                    </a:solidFill>
+                  </a:tcPr>
+                </a:tc>
+                <a:tc>
+                  <a:txBody>
+                    <a:bodyPr/>
+                    <a:lstStyle/>
+                    <a:p>
+                      <a:pPr algn="ctr" rtl="0" fontAlgn="ctr"/>
+                      <a:r>
+                        <a:rPr lang="pt-BR" sz="900" u="none" strike="noStrike">
+                          <a:effectLst/>
+                        </a:rPr>
+                        <a:t>3</a:t>
+                      </a:r>
+                      <a:endParaRPr lang="pt-BR" sz="900" b="0" i="0" u="none" strike="noStrike">
+                        <a:solidFill>
+                          <a:srgbClr val="000000"/>
+                        </a:solidFill>
+                        <a:effectLst/>
+                        <a:latin typeface="Arial" panose="020B0604020202020204" pitchFamily="34" charset="0"/>
+                      </a:endParaRPr>
+                    </a:p>
+                  </a:txBody>
+                  <a:tcPr marL="2955" marR="2955" marT="2955" marB="0" anchor="ctr"/>
+                </a:tc>
+                <a:tc>
+                  <a:txBody>
+                    <a:bodyPr/>
+                    <a:lstStyle/>
+                    <a:p>
+                      <a:pPr algn="ctr" rtl="0" fontAlgn="ctr"/>
+                      <a:r>
+                        <a:rPr lang="pt-BR" sz="900" u="none" strike="noStrike">
+                          <a:effectLst/>
+                        </a:rPr>
+                        <a:t>9</a:t>
+                      </a:r>
+                      <a:endParaRPr lang="pt-BR" sz="900" b="0" i="0" u="none" strike="noStrike">
+                        <a:solidFill>
+                          <a:srgbClr val="000000"/>
+                        </a:solidFill>
+                        <a:effectLst/>
+                        <a:latin typeface="Arial" panose="020B0604020202020204" pitchFamily="34" charset="0"/>
+                      </a:endParaRPr>
+                    </a:p>
+                  </a:txBody>
+                  <a:tcPr marL="2955" marR="2955" marT="2955" marB="0" anchor="ctr"/>
+                </a:tc>
+                <a:extLst>
+                  <a:ext uri="{0D108BD9-81ED-4DB2-BD59-A6C34878D82A}">
+                    <a16:rowId xmlns:a16="http://schemas.microsoft.com/office/drawing/2014/main" val="2385282059"/>
+                  </a:ext>
+                </a:extLst>
+              </a:tr>
+              <a:tr h="483687">
+                <a:tc>
+                  <a:txBody>
+                    <a:bodyPr/>
+                    <a:lstStyle/>
+                    <a:p>
+                      <a:pPr algn="l" rtl="0" fontAlgn="ctr"/>
+                      <a:r>
+                        <a:rPr lang="pt-BR" sz="900" u="none" strike="noStrike">
+                          <a:effectLst/>
+                        </a:rPr>
+                        <a:t>Desenvolver o conhecimento básico de Git para aplicação do grupo; </a:t>
+                      </a:r>
+                      <a:endParaRPr lang="pt-BR" sz="900" b="0" i="0" u="none" strike="noStrike">
+                        <a:solidFill>
+                          <a:srgbClr val="000000"/>
+                        </a:solidFill>
+                        <a:effectLst/>
+                        <a:latin typeface="Arial" panose="020B0604020202020204" pitchFamily="34" charset="0"/>
+                      </a:endParaRPr>
+                    </a:p>
+                  </a:txBody>
+                  <a:tcPr marL="2955" marR="2955" marT="2955" marB="0" anchor="ctr"/>
+                </a:tc>
+                <a:tc>
+                  <a:txBody>
+                    <a:bodyPr/>
+                    <a:lstStyle/>
+                    <a:p>
+                      <a:pPr algn="ctr" rtl="0" fontAlgn="ctr"/>
+                      <a:r>
+                        <a:rPr lang="pt-BR" sz="900" u="none" strike="noStrike" dirty="0">
+                          <a:effectLst/>
+                        </a:rPr>
+                        <a:t>Importante</a:t>
+                      </a:r>
+                      <a:endParaRPr lang="pt-BR" sz="900" b="0" i="0" u="none" strike="noStrike" dirty="0">
+                        <a:solidFill>
+                          <a:srgbClr val="000000"/>
+                        </a:solidFill>
+                        <a:effectLst/>
+                        <a:latin typeface="Arial" panose="020B0604020202020204" pitchFamily="34" charset="0"/>
+                      </a:endParaRPr>
+                    </a:p>
+                  </a:txBody>
+                  <a:tcPr marL="2955" marR="2955" marT="2955" marB="0" anchor="ctr">
+                    <a:solidFill>
+                      <a:srgbClr val="FFFF00"/>
+                    </a:solidFill>
+                  </a:tcPr>
+                </a:tc>
+                <a:tc>
+                  <a:txBody>
+                    <a:bodyPr/>
+                    <a:lstStyle/>
+                    <a:p>
+                      <a:pPr algn="ctr" rtl="0" fontAlgn="ctr"/>
+                      <a:r>
+                        <a:rPr lang="pt-BR" sz="900" u="none" strike="noStrike">
+                          <a:effectLst/>
+                        </a:rPr>
+                        <a:t>3</a:t>
+                      </a:r>
+                      <a:endParaRPr lang="pt-BR" sz="900" b="0" i="0" u="none" strike="noStrike">
+                        <a:solidFill>
+                          <a:srgbClr val="000000"/>
+                        </a:solidFill>
+                        <a:effectLst/>
+                        <a:latin typeface="Arial" panose="020B0604020202020204" pitchFamily="34" charset="0"/>
+                      </a:endParaRPr>
+                    </a:p>
+                  </a:txBody>
+                  <a:tcPr marL="2955" marR="2955" marT="2955" marB="0" anchor="ctr"/>
+                </a:tc>
+                <a:tc>
+                  <a:txBody>
+                    <a:bodyPr/>
+                    <a:lstStyle/>
+                    <a:p>
+                      <a:pPr algn="ctr" rtl="0" fontAlgn="ctr"/>
+                      <a:r>
+                        <a:rPr lang="pt-BR" sz="900" u="none" strike="noStrike" dirty="0">
+                          <a:effectLst/>
+                        </a:rPr>
+                        <a:t>10</a:t>
+                      </a:r>
+                      <a:endParaRPr lang="pt-BR" sz="900" b="0" i="0" u="none" strike="noStrike" dirty="0">
+                        <a:solidFill>
+                          <a:srgbClr val="000000"/>
+                        </a:solidFill>
+                        <a:effectLst/>
+                        <a:latin typeface="Arial" panose="020B0604020202020204" pitchFamily="34" charset="0"/>
+                      </a:endParaRPr>
+                    </a:p>
+                  </a:txBody>
+                  <a:tcPr marL="2955" marR="2955" marT="2955" marB="0" anchor="ctr"/>
+                </a:tc>
+                <a:extLst>
+                  <a:ext uri="{0D108BD9-81ED-4DB2-BD59-A6C34878D82A}">
+                    <a16:rowId xmlns:a16="http://schemas.microsoft.com/office/drawing/2014/main" val="1218886750"/>
+                  </a:ext>
+                </a:extLst>
+              </a:tr>
+            </a:tbl>
+          </a:graphicData>
+        </a:graphic>
+      </p:graphicFrame>
+    </p:spTree>
+    <p:extLst>
+      <p:ext uri="{BB962C8B-B14F-4D97-AF65-F5344CB8AC3E}">
+        <p14:creationId xmlns:p14="http://schemas.microsoft.com/office/powerpoint/2010/main" val="799734123"/>
+      </p:ext>
+    </p:extLst>
+  </p:cSld>
+  <p:clrMapOvr>
+    <a:masterClrMapping/>
+  </p:clrMapOvr>
+  <mc:AlternateContent xmlns:mc="http://schemas.openxmlformats.org/markup-compatibility/2006" xmlns:p14="http://schemas.microsoft.com/office/powerpoint/2010/main">
+    <mc:Choice Requires="p14">
+      <p:transition spd="med" p14:dur="700">
+        <p:fade/>
+      </p:transition>
+    </mc:Choice>
+    <mc:Fallback xmlns="">
+      <p:transition spd="med">
+        <p:fade/>
+      </p:transition>
+    </mc:Fallback>
+  </mc:AlternateContent>
+  <p:timing>
+    <p:tnLst>
+      <p:par>
+        <p:cTn id="1" dur="indefinite" restart="never" nodeType="tmRoot"/>
+      </p:par>
+    </p:tnLst>
+  </p:timing>
+</p:sld>
+</file>
+
+<file path=ppt/slides/slide7.xml><?xml version="1.0" encoding="utf-8"?>
 <p:sld xmlns:a="http://schemas.openxmlformats.org/drawingml/2006/main" xmlns:r="http://schemas.openxmlformats.org/officeDocument/2006/relationships" xmlns:p="http://schemas.openxmlformats.org/presentationml/2006/main">
   <p:cSld>
     <p:spTree>
@@ -17026,38 +18367,8 @@
         </p:blipFill>
         <p:spPr>
           <a:xfrm>
-            <a:off x="216271" y="915614"/>
-            <a:ext cx="4014086" cy="2641727"/>
-          </a:xfrm>
-          <a:prstGeom prst="rect">
-            <a:avLst/>
-          </a:prstGeom>
-        </p:spPr>
-      </p:pic>
-      <p:pic>
-        <p:nvPicPr>
-          <p:cNvPr id="11" name="Imagem 10" descr="Desenho de personagem&#10;&#10;Descrição gerada automaticamente com confiança baixa">
-            <a:extLst>
-              <a:ext uri="{FF2B5EF4-FFF2-40B4-BE49-F238E27FC236}">
-                <a16:creationId xmlns:a16="http://schemas.microsoft.com/office/drawing/2014/main" id="{A1C05CA3-7D73-4F56-9176-FC21781D7DCC}"/>
-              </a:ext>
-            </a:extLst>
-          </p:cNvPr>
-          <p:cNvPicPr>
-            <a:picLocks noChangeAspect="1"/>
-          </p:cNvPicPr>
-          <p:nvPr/>
-        </p:nvPicPr>
-        <p:blipFill>
-          <a:blip r:embed="rId4"/>
-          <a:stretch>
-            <a:fillRect/>
-          </a:stretch>
-        </p:blipFill>
-        <p:spPr>
-          <a:xfrm>
-            <a:off x="62349" y="4382003"/>
-            <a:ext cx="569561" cy="451023"/>
+            <a:off x="216270" y="915614"/>
+            <a:ext cx="4192399" cy="2555173"/>
           </a:xfrm>
           <a:prstGeom prst="rect">
             <a:avLst/>
@@ -17078,8 +18389,8 @@
         </p:nvSpPr>
         <p:spPr>
           <a:xfrm>
-            <a:off x="216271" y="96963"/>
-            <a:ext cx="7060829" cy="572700"/>
+            <a:off x="216270" y="96962"/>
+            <a:ext cx="7334904" cy="591296"/>
           </a:xfrm>
           <a:prstGeom prst="rect">
             <a:avLst/>
@@ -17130,8 +18441,8 @@
         </p:nvSpPr>
         <p:spPr>
           <a:xfrm>
-            <a:off x="337012" y="152480"/>
-            <a:ext cx="7060828" cy="461665"/>
+            <a:off x="216270" y="161777"/>
+            <a:ext cx="7450136" cy="461665"/>
           </a:xfrm>
           <a:prstGeom prst="rect">
             <a:avLst/>
@@ -17171,15 +18482,15 @@
           <p:nvPr/>
         </p:nvPicPr>
         <p:blipFill>
-          <a:blip r:embed="rId5"/>
+          <a:blip r:embed="rId4"/>
           <a:stretch>
             <a:fillRect/>
           </a:stretch>
         </p:blipFill>
         <p:spPr>
           <a:xfrm>
-            <a:off x="4408670" y="2062301"/>
-            <a:ext cx="4318268" cy="2471519"/>
+            <a:off x="4565987" y="2062301"/>
+            <a:ext cx="4318268" cy="2578525"/>
           </a:xfrm>
           <a:prstGeom prst="rect">
             <a:avLst/>
@@ -17196,10 +18507,17 @@
   <p:clrMapOvr>
     <a:masterClrMapping/>
   </p:clrMapOvr>
+  <p:timing>
+    <p:tnLst>
+      <p:par>
+        <p:cTn id="1" dur="indefinite" restart="never" nodeType="tmRoot"/>
+      </p:par>
+    </p:tnLst>
+  </p:timing>
 </p:sld>
 </file>
 
-<file path=ppt/slides/slide7.xml><?xml version="1.0" encoding="utf-8"?>
+<file path=ppt/slides/slide8.xml><?xml version="1.0" encoding="utf-8"?>
 <p:sld xmlns:a="http://schemas.openxmlformats.org/drawingml/2006/main" xmlns:r="http://schemas.openxmlformats.org/officeDocument/2006/relationships" xmlns:p="http://schemas.openxmlformats.org/presentationml/2006/main">
   <p:cSld>
     <p:spTree>
@@ -17373,6 +18691,15 @@
                         </a:rPr>
                         <a:t>Probabilidade</a:t>
                       </a:r>
+                      <a:r>
+                        <a:rPr lang="pt-BR" sz="1000" b="1" noProof="0" dirty="0">
+                          <a:solidFill>
+                            <a:srgbClr val="FFFFFF"/>
+                          </a:solidFill>
+                          <a:effectLst/>
+                        </a:rPr>
+                        <a:t/>
+                      </a:r>
                       <a:br>
                         <a:rPr lang="pt-BR" sz="1000" b="1" noProof="0" dirty="0">
                           <a:solidFill>
@@ -17390,6 +18717,15 @@
                         </a:rPr>
                         <a:t>- Baixa</a:t>
                       </a:r>
+                      <a:r>
+                        <a:rPr lang="pt-BR" sz="1000" b="1" noProof="0" dirty="0">
+                          <a:solidFill>
+                            <a:srgbClr val="FFFFFF"/>
+                          </a:solidFill>
+                          <a:effectLst/>
+                        </a:rPr>
+                        <a:t/>
+                      </a:r>
                       <a:br>
                         <a:rPr lang="pt-BR" sz="1000" b="1" noProof="0" dirty="0">
                           <a:solidFill>
@@ -17406,6 +18742,15 @@
                           <a:effectLst/>
                         </a:rPr>
                         <a:t>-Média</a:t>
+                      </a:r>
+                      <a:r>
+                        <a:rPr lang="pt-BR" sz="1000" b="1" noProof="0" dirty="0">
+                          <a:solidFill>
+                            <a:srgbClr val="FFFFFF"/>
+                          </a:solidFill>
+                          <a:effectLst/>
+                        </a:rPr>
+                        <a:t/>
                       </a:r>
                       <a:br>
                         <a:rPr lang="pt-BR" sz="1000" b="1" noProof="0" dirty="0">
@@ -17454,6 +18799,15 @@
                         </a:rPr>
                         <a:t>Impacto</a:t>
                       </a:r>
+                      <a:r>
+                        <a:rPr lang="pt-BR" sz="1000" b="1" noProof="0" dirty="0">
+                          <a:solidFill>
+                            <a:srgbClr val="FFFFFF"/>
+                          </a:solidFill>
+                          <a:effectLst/>
+                        </a:rPr>
+                        <a:t/>
+                      </a:r>
                       <a:br>
                         <a:rPr lang="pt-BR" sz="1000" b="1" noProof="0" dirty="0">
                           <a:solidFill>
@@ -17471,6 +18825,15 @@
                         </a:rPr>
                         <a:t>- Baixo</a:t>
                       </a:r>
+                      <a:r>
+                        <a:rPr lang="pt-BR" sz="1000" b="1" noProof="0" dirty="0">
+                          <a:solidFill>
+                            <a:srgbClr val="FFFFFF"/>
+                          </a:solidFill>
+                          <a:effectLst/>
+                        </a:rPr>
+                        <a:t/>
+                      </a:r>
                       <a:br>
                         <a:rPr lang="pt-BR" sz="1000" b="1" noProof="0" dirty="0">
                           <a:solidFill>
@@ -17487,6 +18850,15 @@
                           <a:effectLst/>
                         </a:rPr>
                         <a:t>-Médio</a:t>
+                      </a:r>
+                      <a:r>
+                        <a:rPr lang="pt-BR" sz="1000" b="1" noProof="0" dirty="0">
+                          <a:solidFill>
+                            <a:srgbClr val="FFFFFF"/>
+                          </a:solidFill>
+                          <a:effectLst/>
+                        </a:rPr>
+                        <a:t/>
                       </a:r>
                       <a:br>
                         <a:rPr lang="pt-BR" sz="1000" b="1" noProof="0" dirty="0">
@@ -17565,6 +18937,15 @@
                         </a:rPr>
                         <a:t>Ação</a:t>
                       </a:r>
+                      <a:r>
+                        <a:rPr lang="pt-BR" sz="1000" b="1" noProof="0" dirty="0">
+                          <a:solidFill>
+                            <a:srgbClr val="FFFFFF"/>
+                          </a:solidFill>
+                          <a:effectLst/>
+                        </a:rPr>
+                        <a:t/>
+                      </a:r>
                       <a:br>
                         <a:rPr lang="pt-BR" sz="1000" b="1" noProof="0" dirty="0">
                           <a:solidFill>
@@ -17582,6 +18963,15 @@
                         </a:rPr>
                         <a:t>-Evitar</a:t>
                       </a:r>
+                      <a:r>
+                        <a:rPr lang="pt-BR" sz="1000" b="1" noProof="0" dirty="0">
+                          <a:solidFill>
+                            <a:srgbClr val="FFFFFF"/>
+                          </a:solidFill>
+                          <a:effectLst/>
+                        </a:rPr>
+                        <a:t/>
+                      </a:r>
                       <a:br>
                         <a:rPr lang="pt-BR" sz="1000" b="1" noProof="0" dirty="0">
                           <a:solidFill>
@@ -17598,6 +18988,15 @@
                           <a:effectLst/>
                         </a:rPr>
                         <a:t>-Mitigar</a:t>
+                      </a:r>
+                      <a:r>
+                        <a:rPr lang="pt-BR" sz="1000" b="1" noProof="0" dirty="0">
+                          <a:solidFill>
+                            <a:srgbClr val="FFFFFF"/>
+                          </a:solidFill>
+                          <a:effectLst/>
+                        </a:rPr>
+                        <a:t/>
                       </a:r>
                       <a:br>
                         <a:rPr lang="pt-BR" sz="1000" b="1" noProof="0" dirty="0">
@@ -18583,36 +19982,6 @@
           </a:graphicData>
         </a:graphic>
       </p:graphicFrame>
-      <p:pic>
-        <p:nvPicPr>
-          <p:cNvPr id="4" name="Imagem 3" descr="Desenho de personagem&#10;&#10;Descrição gerada automaticamente com confiança baixa">
-            <a:extLst>
-              <a:ext uri="{FF2B5EF4-FFF2-40B4-BE49-F238E27FC236}">
-                <a16:creationId xmlns:a16="http://schemas.microsoft.com/office/drawing/2014/main" id="{BFC3106E-71D2-4A6F-BDD6-21295902FD43}"/>
-              </a:ext>
-            </a:extLst>
-          </p:cNvPr>
-          <p:cNvPicPr>
-            <a:picLocks noChangeAspect="1"/>
-          </p:cNvPicPr>
-          <p:nvPr/>
-        </p:nvPicPr>
-        <p:blipFill>
-          <a:blip r:embed="rId3"/>
-          <a:stretch>
-            <a:fillRect/>
-          </a:stretch>
-        </p:blipFill>
-        <p:spPr>
-          <a:xfrm>
-            <a:off x="8497058" y="4426531"/>
-            <a:ext cx="569561" cy="451023"/>
-          </a:xfrm>
-          <a:prstGeom prst="rect">
-            <a:avLst/>
-          </a:prstGeom>
-        </p:spPr>
-      </p:pic>
       <p:sp>
         <p:nvSpPr>
           <p:cNvPr id="5" name="Retângulo 4">
@@ -18679,8 +20048,8 @@
         </p:nvSpPr>
         <p:spPr>
           <a:xfrm>
-            <a:off x="376650" y="156295"/>
-            <a:ext cx="3030638" cy="461665"/>
+            <a:off x="180807" y="156295"/>
+            <a:ext cx="3654576" cy="461665"/>
           </a:xfrm>
           <a:prstGeom prst="rect">
             <a:avLst/>
@@ -18722,1384 +20091,13 @@
       </p:transition>
     </mc:Fallback>
   </mc:AlternateContent>
-</p:sld>
-</file>
-
-<file path=ppt/slides/slide8.xml><?xml version="1.0" encoding="utf-8"?>
-<p:sld xmlns:a="http://schemas.openxmlformats.org/drawingml/2006/main" xmlns:r="http://schemas.openxmlformats.org/officeDocument/2006/relationships" xmlns:p="http://schemas.openxmlformats.org/presentationml/2006/main">
-  <p:cSld>
-    <p:spTree>
-      <p:nvGrpSpPr>
-        <p:cNvPr id="1" name="Shape 349"/>
-        <p:cNvGrpSpPr/>
-        <p:nvPr/>
-      </p:nvGrpSpPr>
-      <p:grpSpPr>
-        <a:xfrm>
-          <a:off x="0" y="0"/>
-          <a:ext cx="0" cy="0"/>
-          <a:chOff x="0" y="0"/>
-          <a:chExt cx="0" cy="0"/>
-        </a:xfrm>
-      </p:grpSpPr>
-      <p:pic>
-        <p:nvPicPr>
-          <p:cNvPr id="4" name="Imagem 3" descr="Desenho de personagem&#10;&#10;Descrição gerada automaticamente com confiança baixa">
-            <a:extLst>
-              <a:ext uri="{FF2B5EF4-FFF2-40B4-BE49-F238E27FC236}">
-                <a16:creationId xmlns:a16="http://schemas.microsoft.com/office/drawing/2014/main" id="{089035D2-5FBC-4758-B9BC-5CB07536A30F}"/>
-              </a:ext>
-            </a:extLst>
-          </p:cNvPr>
-          <p:cNvPicPr>
-            <a:picLocks noChangeAspect="1"/>
-          </p:cNvPicPr>
-          <p:nvPr/>
-        </p:nvPicPr>
-        <p:blipFill>
-          <a:blip r:embed="rId3"/>
-          <a:stretch>
-            <a:fillRect/>
-          </a:stretch>
-        </p:blipFill>
-        <p:spPr>
-          <a:xfrm>
-            <a:off x="8517154" y="4431323"/>
-            <a:ext cx="569561" cy="451023"/>
-          </a:xfrm>
-          <a:prstGeom prst="rect">
-            <a:avLst/>
-          </a:prstGeom>
-        </p:spPr>
-      </p:pic>
-      <p:sp>
-        <p:nvSpPr>
-          <p:cNvPr id="7" name="Retângulo 6">
-            <a:extLst>
-              <a:ext uri="{FF2B5EF4-FFF2-40B4-BE49-F238E27FC236}">
-                <a16:creationId xmlns:a16="http://schemas.microsoft.com/office/drawing/2014/main" id="{A7A37478-CA5F-4370-B18A-8E7A1006EB57}"/>
-              </a:ext>
-            </a:extLst>
-          </p:cNvPr>
-          <p:cNvSpPr/>
-          <p:nvPr/>
-        </p:nvSpPr>
-        <p:spPr>
-          <a:xfrm>
-            <a:off x="718387" y="143505"/>
-            <a:ext cx="2117195" cy="572700"/>
-          </a:xfrm>
-          <a:prstGeom prst="rect">
-            <a:avLst/>
-          </a:prstGeom>
-          <a:solidFill>
-            <a:srgbClr val="385819"/>
-          </a:solidFill>
-          <a:ln>
-            <a:noFill/>
-          </a:ln>
-        </p:spPr>
-        <p:style>
-          <a:lnRef idx="2">
-            <a:schemeClr val="accent1">
-              <a:shade val="50000"/>
-            </a:schemeClr>
-          </a:lnRef>
-          <a:fillRef idx="1">
-            <a:schemeClr val="accent1"/>
-          </a:fillRef>
-          <a:effectRef idx="0">
-            <a:schemeClr val="accent1"/>
-          </a:effectRef>
-          <a:fontRef idx="minor">
-            <a:schemeClr val="lt1"/>
-          </a:fontRef>
-        </p:style>
-        <p:txBody>
-          <a:bodyPr rtlCol="0" anchor="ctr"/>
-          <a:lstStyle/>
-          <a:p>
-            <a:pPr algn="ctr"/>
-            <a:endParaRPr lang="pt-BR"/>
-          </a:p>
-        </p:txBody>
-      </p:sp>
-      <p:sp>
-        <p:nvSpPr>
-          <p:cNvPr id="8" name="CaixaDeTexto 7">
-            <a:extLst>
-              <a:ext uri="{FF2B5EF4-FFF2-40B4-BE49-F238E27FC236}">
-                <a16:creationId xmlns:a16="http://schemas.microsoft.com/office/drawing/2014/main" id="{FE59B81E-5C68-4411-9772-62A38E658E5B}"/>
-              </a:ext>
-            </a:extLst>
-          </p:cNvPr>
-          <p:cNvSpPr txBox="1"/>
-          <p:nvPr/>
-        </p:nvSpPr>
-        <p:spPr>
-          <a:xfrm>
-            <a:off x="853940" y="199022"/>
-            <a:ext cx="2343385" cy="461665"/>
-          </a:xfrm>
-          <a:prstGeom prst="rect">
-            <a:avLst/>
-          </a:prstGeom>
-          <a:noFill/>
-        </p:spPr>
-        <p:txBody>
-          <a:bodyPr wrap="square" rtlCol="0">
-            <a:spAutoFit/>
-          </a:bodyPr>
-          <a:lstStyle/>
-          <a:p>
-            <a:r>
-              <a:rPr lang="pt-BR" sz="2400" b="1" dirty="0">
-                <a:solidFill>
-                  <a:schemeClr val="bg1"/>
-                </a:solidFill>
-                <a:latin typeface="Playfair Display"/>
-              </a:rPr>
-              <a:t>REQUISITOS</a:t>
-            </a:r>
-          </a:p>
-        </p:txBody>
-      </p:sp>
-      <p:graphicFrame>
-        <p:nvGraphicFramePr>
-          <p:cNvPr id="2" name="Tabela 1">
-            <a:extLst>
-              <a:ext uri="{FF2B5EF4-FFF2-40B4-BE49-F238E27FC236}">
-                <a16:creationId xmlns:a16="http://schemas.microsoft.com/office/drawing/2014/main" id="{C345B496-8154-4969-ABCD-4876B4A09FDF}"/>
-              </a:ext>
-            </a:extLst>
-          </p:cNvPr>
-          <p:cNvGraphicFramePr>
-            <a:graphicFrameLocks noGrp="1"/>
-          </p:cNvGraphicFramePr>
-          <p:nvPr>
-            <p:extLst>
-              <p:ext uri="{D42A27DB-BD31-4B8C-83A1-F6EECF244321}">
-                <p14:modId xmlns:p14="http://schemas.microsoft.com/office/powerpoint/2010/main" val="2687207305"/>
-              </p:ext>
-            </p:extLst>
-          </p:nvPr>
-        </p:nvGraphicFramePr>
-        <p:xfrm>
-          <a:off x="633046" y="954037"/>
-          <a:ext cx="7475973" cy="3477283"/>
-        </p:xfrm>
-        <a:graphic>
-          <a:graphicData uri="http://schemas.openxmlformats.org/drawingml/2006/table">
-            <a:tbl>
-              <a:tblPr>
-                <a:tableStyleId>{473ACEA7-2A10-4AA4-BFA6-6C7E4F44E177}</a:tableStyleId>
-              </a:tblPr>
-              <a:tblGrid>
-                <a:gridCol w="4016410">
-                  <a:extLst>
-                    <a:ext uri="{9D8B030D-6E8A-4147-A177-3AD203B41FA5}">
-                      <a16:colId xmlns:a16="http://schemas.microsoft.com/office/drawing/2014/main" val="419315512"/>
-                    </a:ext>
-                  </a:extLst>
-                </a:gridCol>
-                <a:gridCol w="1058407">
-                  <a:extLst>
-                    <a:ext uri="{9D8B030D-6E8A-4147-A177-3AD203B41FA5}">
-                      <a16:colId xmlns:a16="http://schemas.microsoft.com/office/drawing/2014/main" val="532117224"/>
-                    </a:ext>
-                  </a:extLst>
-                </a:gridCol>
-                <a:gridCol w="900433">
-                  <a:extLst>
-                    <a:ext uri="{9D8B030D-6E8A-4147-A177-3AD203B41FA5}">
-                      <a16:colId xmlns:a16="http://schemas.microsoft.com/office/drawing/2014/main" val="357279288"/>
-                    </a:ext>
-                  </a:extLst>
-                </a:gridCol>
-                <a:gridCol w="1500723">
-                  <a:extLst>
-                    <a:ext uri="{9D8B030D-6E8A-4147-A177-3AD203B41FA5}">
-                      <a16:colId xmlns:a16="http://schemas.microsoft.com/office/drawing/2014/main" val="4034738568"/>
-                    </a:ext>
-                  </a:extLst>
-                </a:gridCol>
-              </a:tblGrid>
-              <a:tr h="313853">
-                <a:tc>
-                  <a:txBody>
-                    <a:bodyPr/>
-                    <a:lstStyle/>
-                    <a:p>
-                      <a:pPr algn="ctr" rtl="0" fontAlgn="ctr"/>
-                      <a:r>
-                        <a:rPr lang="pt-BR" sz="1000" b="1" u="none" strike="noStrike" dirty="0">
-                          <a:solidFill>
-                            <a:schemeClr val="bg1"/>
-                          </a:solidFill>
-                          <a:effectLst/>
-                        </a:rPr>
-                        <a:t>Requisitos</a:t>
-                      </a:r>
-                      <a:endParaRPr lang="pt-BR" sz="1000" b="1" i="0" u="none" strike="noStrike" dirty="0">
-                        <a:solidFill>
-                          <a:schemeClr val="bg1"/>
-                        </a:solidFill>
-                        <a:effectLst/>
-                        <a:latin typeface="Playfair Display"/>
-                      </a:endParaRPr>
-                    </a:p>
-                  </a:txBody>
-                  <a:tcPr marL="9134" marR="9134" marT="9134" marB="0" anchor="ctr">
-                    <a:solidFill>
-                      <a:srgbClr val="385819"/>
-                    </a:solidFill>
-                  </a:tcPr>
-                </a:tc>
-                <a:tc>
-                  <a:txBody>
-                    <a:bodyPr/>
-                    <a:lstStyle/>
-                    <a:p>
-                      <a:pPr algn="ctr" rtl="0" fontAlgn="ctr"/>
-                      <a:r>
-                        <a:rPr lang="pt-BR" sz="1000" b="1" u="none" strike="noStrike" dirty="0">
-                          <a:solidFill>
-                            <a:schemeClr val="bg1"/>
-                          </a:solidFill>
-                          <a:effectLst/>
-                        </a:rPr>
-                        <a:t>Classificação</a:t>
-                      </a:r>
-                      <a:endParaRPr lang="pt-BR" sz="1000" b="1" i="0" u="none" strike="noStrike" dirty="0">
-                        <a:solidFill>
-                          <a:schemeClr val="bg1"/>
-                        </a:solidFill>
-                        <a:effectLst/>
-                        <a:latin typeface="Playfair Display"/>
-                      </a:endParaRPr>
-                    </a:p>
-                  </a:txBody>
-                  <a:tcPr marL="9134" marR="9134" marT="9134" marB="0" anchor="ctr">
-                    <a:solidFill>
-                      <a:srgbClr val="385819"/>
-                    </a:solidFill>
-                  </a:tcPr>
-                </a:tc>
-                <a:tc>
-                  <a:txBody>
-                    <a:bodyPr/>
-                    <a:lstStyle/>
-                    <a:p>
-                      <a:pPr algn="ctr" rtl="0" fontAlgn="ctr"/>
-                      <a:r>
-                        <a:rPr lang="pt-BR" sz="1000" b="1" u="none" strike="noStrike" dirty="0">
-                          <a:solidFill>
-                            <a:schemeClr val="bg1"/>
-                          </a:solidFill>
-                          <a:effectLst/>
-                        </a:rPr>
-                        <a:t>Fibonacci</a:t>
-                      </a:r>
-                      <a:endParaRPr lang="pt-BR" sz="1000" b="1" i="0" u="none" strike="noStrike" dirty="0">
-                        <a:solidFill>
-                          <a:schemeClr val="bg1"/>
-                        </a:solidFill>
-                        <a:effectLst/>
-                        <a:latin typeface="Playfair Display"/>
-                      </a:endParaRPr>
-                    </a:p>
-                  </a:txBody>
-                  <a:tcPr marL="9134" marR="9134" marT="9134" marB="0" anchor="ctr">
-                    <a:solidFill>
-                      <a:srgbClr val="385819"/>
-                    </a:solidFill>
-                  </a:tcPr>
-                </a:tc>
-                <a:tc>
-                  <a:txBody>
-                    <a:bodyPr/>
-                    <a:lstStyle/>
-                    <a:p>
-                      <a:pPr algn="ctr" rtl="0" fontAlgn="ctr"/>
-                      <a:r>
-                        <a:rPr lang="pt-BR" sz="1000" b="1" u="none" strike="noStrike" dirty="0">
-                          <a:solidFill>
-                            <a:schemeClr val="bg1"/>
-                          </a:solidFill>
-                          <a:effectLst/>
-                        </a:rPr>
-                        <a:t>Ordem de execução</a:t>
-                      </a:r>
-                      <a:endParaRPr lang="pt-BR" sz="1000" b="1" i="0" u="none" strike="noStrike" dirty="0">
-                        <a:solidFill>
-                          <a:schemeClr val="bg1"/>
-                        </a:solidFill>
-                        <a:effectLst/>
-                        <a:latin typeface="Playfair Display"/>
-                      </a:endParaRPr>
-                    </a:p>
-                  </a:txBody>
-                  <a:tcPr marL="9134" marR="9134" marT="9134" marB="0" anchor="ctr">
-                    <a:solidFill>
-                      <a:srgbClr val="385819"/>
-                    </a:solidFill>
-                  </a:tcPr>
-                </a:tc>
-                <a:extLst>
-                  <a:ext uri="{0D108BD9-81ED-4DB2-BD59-A6C34878D82A}">
-                    <a16:rowId xmlns:a16="http://schemas.microsoft.com/office/drawing/2014/main" val="2249731051"/>
-                  </a:ext>
-                </a:extLst>
-              </a:tr>
-              <a:tr h="316343">
-                <a:tc>
-                  <a:txBody>
-                    <a:bodyPr/>
-                    <a:lstStyle/>
-                    <a:p>
-                      <a:pPr algn="l" rtl="0" fontAlgn="ctr"/>
-                      <a:r>
-                        <a:rPr lang="pt-BR" sz="1000" u="none" strike="noStrike">
-                          <a:effectLst/>
-                        </a:rPr>
-                        <a:t>Uso de ferramentas para gestão de projetos (Microsoft Project/ Planner); </a:t>
-                      </a:r>
-                      <a:endParaRPr lang="pt-BR" sz="1000" b="0" i="0" u="none" strike="noStrike">
-                        <a:solidFill>
-                          <a:srgbClr val="000000"/>
-                        </a:solidFill>
-                        <a:effectLst/>
-                        <a:latin typeface="Playfair Display"/>
-                      </a:endParaRPr>
-                    </a:p>
-                  </a:txBody>
-                  <a:tcPr marL="9134" marR="9134" marT="9134" marB="0" anchor="ctr"/>
-                </a:tc>
-                <a:tc>
-                  <a:txBody>
-                    <a:bodyPr/>
-                    <a:lstStyle/>
-                    <a:p>
-                      <a:pPr algn="ctr" rtl="0" fontAlgn="ctr"/>
-                      <a:r>
-                        <a:rPr lang="pt-BR" sz="1000" u="none" strike="noStrike" dirty="0">
-                          <a:effectLst/>
-                        </a:rPr>
-                        <a:t>Importante</a:t>
-                      </a:r>
-                      <a:endParaRPr lang="pt-BR" sz="1000" b="0" i="0" u="none" strike="noStrike" dirty="0">
-                        <a:solidFill>
-                          <a:srgbClr val="000000"/>
-                        </a:solidFill>
-                        <a:effectLst/>
-                        <a:latin typeface="Playfair Display"/>
-                      </a:endParaRPr>
-                    </a:p>
-                  </a:txBody>
-                  <a:tcPr marL="9134" marR="9134" marT="9134" marB="0" anchor="ctr">
-                    <a:solidFill>
-                      <a:srgbClr val="FFFF00"/>
-                    </a:solidFill>
-                  </a:tcPr>
-                </a:tc>
-                <a:tc>
-                  <a:txBody>
-                    <a:bodyPr/>
-                    <a:lstStyle/>
-                    <a:p>
-                      <a:pPr algn="ctr" rtl="0" fontAlgn="ctr"/>
-                      <a:r>
-                        <a:rPr lang="pt-BR" sz="1000" u="none" strike="noStrike" dirty="0">
-                          <a:effectLst/>
-                        </a:rPr>
-                        <a:t>3</a:t>
-                      </a:r>
-                      <a:endParaRPr lang="pt-BR" sz="1000" b="0" i="0" u="none" strike="noStrike" dirty="0">
-                        <a:solidFill>
-                          <a:srgbClr val="000000"/>
-                        </a:solidFill>
-                        <a:effectLst/>
-                        <a:latin typeface="Playfair Display"/>
-                      </a:endParaRPr>
-                    </a:p>
-                  </a:txBody>
-                  <a:tcPr marL="9134" marR="9134" marT="9134" marB="0" anchor="ctr"/>
-                </a:tc>
-                <a:tc>
-                  <a:txBody>
-                    <a:bodyPr/>
-                    <a:lstStyle/>
-                    <a:p>
-                      <a:pPr algn="ctr" rtl="0" fontAlgn="ctr"/>
-                      <a:r>
-                        <a:rPr lang="pt-BR" sz="1000" u="none" strike="noStrike">
-                          <a:effectLst/>
-                        </a:rPr>
-                        <a:t>1</a:t>
-                      </a:r>
-                      <a:endParaRPr lang="pt-BR" sz="1000" b="0" i="0" u="none" strike="noStrike">
-                        <a:solidFill>
-                          <a:srgbClr val="000000"/>
-                        </a:solidFill>
-                        <a:effectLst/>
-                        <a:latin typeface="Playfair Display"/>
-                      </a:endParaRPr>
-                    </a:p>
-                  </a:txBody>
-                  <a:tcPr marL="9134" marR="9134" marT="9134" marB="0" anchor="ctr"/>
-                </a:tc>
-                <a:extLst>
-                  <a:ext uri="{0D108BD9-81ED-4DB2-BD59-A6C34878D82A}">
-                    <a16:rowId xmlns:a16="http://schemas.microsoft.com/office/drawing/2014/main" val="1665457839"/>
-                  </a:ext>
-                </a:extLst>
-              </a:tr>
-              <a:tr h="316343">
-                <a:tc>
-                  <a:txBody>
-                    <a:bodyPr/>
-                    <a:lstStyle/>
-                    <a:p>
-                      <a:pPr algn="l" rtl="0" fontAlgn="ctr"/>
-                      <a:r>
-                        <a:rPr lang="pt-BR" sz="1000" u="none" strike="noStrike">
-                          <a:effectLst/>
-                        </a:rPr>
-                        <a:t>Documentação do projeto;</a:t>
-                      </a:r>
-                      <a:endParaRPr lang="pt-BR" sz="1000" b="0" i="0" u="none" strike="noStrike">
-                        <a:solidFill>
-                          <a:srgbClr val="000000"/>
-                        </a:solidFill>
-                        <a:effectLst/>
-                        <a:latin typeface="Playfair Display"/>
-                      </a:endParaRPr>
-                    </a:p>
-                  </a:txBody>
-                  <a:tcPr marL="9134" marR="9134" marT="9134" marB="0" anchor="ctr"/>
-                </a:tc>
-                <a:tc>
-                  <a:txBody>
-                    <a:bodyPr/>
-                    <a:lstStyle/>
-                    <a:p>
-                      <a:pPr algn="ctr" rtl="0" fontAlgn="ctr"/>
-                      <a:r>
-                        <a:rPr lang="pt-BR" sz="1000" u="none" strike="noStrike" dirty="0">
-                          <a:effectLst/>
-                        </a:rPr>
-                        <a:t>Importante</a:t>
-                      </a:r>
-                      <a:endParaRPr lang="pt-BR" sz="1000" b="0" i="0" u="none" strike="noStrike" dirty="0">
-                        <a:solidFill>
-                          <a:srgbClr val="000000"/>
-                        </a:solidFill>
-                        <a:effectLst/>
-                        <a:latin typeface="Playfair Display"/>
-                      </a:endParaRPr>
-                    </a:p>
-                  </a:txBody>
-                  <a:tcPr marL="9134" marR="9134" marT="9134" marB="0" anchor="ctr">
-                    <a:solidFill>
-                      <a:srgbClr val="FFFF00"/>
-                    </a:solidFill>
-                  </a:tcPr>
-                </a:tc>
-                <a:tc>
-                  <a:txBody>
-                    <a:bodyPr/>
-                    <a:lstStyle/>
-                    <a:p>
-                      <a:pPr algn="ctr" rtl="0" fontAlgn="ctr"/>
-                      <a:r>
-                        <a:rPr lang="pt-BR" sz="1000" u="none" strike="noStrike" dirty="0">
-                          <a:effectLst/>
-                        </a:rPr>
-                        <a:t>3</a:t>
-                      </a:r>
-                      <a:endParaRPr lang="pt-BR" sz="1000" b="0" i="0" u="none" strike="noStrike" dirty="0">
-                        <a:solidFill>
-                          <a:srgbClr val="000000"/>
-                        </a:solidFill>
-                        <a:effectLst/>
-                        <a:latin typeface="Playfair Display"/>
-                      </a:endParaRPr>
-                    </a:p>
-                  </a:txBody>
-                  <a:tcPr marL="9134" marR="9134" marT="9134" marB="0" anchor="ctr"/>
-                </a:tc>
-                <a:tc>
-                  <a:txBody>
-                    <a:bodyPr/>
-                    <a:lstStyle/>
-                    <a:p>
-                      <a:pPr algn="ctr" rtl="0" fontAlgn="ctr"/>
-                      <a:r>
-                        <a:rPr lang="pt-BR" sz="1000" u="none" strike="noStrike">
-                          <a:effectLst/>
-                        </a:rPr>
-                        <a:t>2</a:t>
-                      </a:r>
-                      <a:endParaRPr lang="pt-BR" sz="1000" b="0" i="0" u="none" strike="noStrike">
-                        <a:solidFill>
-                          <a:srgbClr val="000000"/>
-                        </a:solidFill>
-                        <a:effectLst/>
-                        <a:latin typeface="Playfair Display"/>
-                      </a:endParaRPr>
-                    </a:p>
-                  </a:txBody>
-                  <a:tcPr marL="9134" marR="9134" marT="9134" marB="0" anchor="ctr"/>
-                </a:tc>
-                <a:extLst>
-                  <a:ext uri="{0D108BD9-81ED-4DB2-BD59-A6C34878D82A}">
-                    <a16:rowId xmlns:a16="http://schemas.microsoft.com/office/drawing/2014/main" val="1675227797"/>
-                  </a:ext>
-                </a:extLst>
-              </a:tr>
-              <a:tr h="316343">
-                <a:tc>
-                  <a:txBody>
-                    <a:bodyPr/>
-                    <a:lstStyle/>
-                    <a:p>
-                      <a:pPr algn="l" rtl="0" fontAlgn="ctr"/>
-                      <a:r>
-                        <a:rPr lang="pt-BR" sz="1000" u="none" strike="noStrike">
-                          <a:effectLst/>
-                        </a:rPr>
-                        <a:t>Desenvolver o conhecimento básico de Git para aplicação do grupo; </a:t>
-                      </a:r>
-                      <a:endParaRPr lang="pt-BR" sz="1000" b="0" i="0" u="none" strike="noStrike">
-                        <a:solidFill>
-                          <a:srgbClr val="000000"/>
-                        </a:solidFill>
-                        <a:effectLst/>
-                        <a:latin typeface="Playfair Display"/>
-                      </a:endParaRPr>
-                    </a:p>
-                  </a:txBody>
-                  <a:tcPr marL="9134" marR="9134" marT="9134" marB="0" anchor="ctr"/>
-                </a:tc>
-                <a:tc>
-                  <a:txBody>
-                    <a:bodyPr/>
-                    <a:lstStyle/>
-                    <a:p>
-                      <a:pPr algn="ctr" rtl="0" fontAlgn="ctr"/>
-                      <a:r>
-                        <a:rPr lang="pt-BR" sz="1000" u="none" strike="noStrike" dirty="0">
-                          <a:effectLst/>
-                        </a:rPr>
-                        <a:t>Importante</a:t>
-                      </a:r>
-                      <a:endParaRPr lang="pt-BR" sz="1000" b="0" i="0" u="none" strike="noStrike" dirty="0">
-                        <a:solidFill>
-                          <a:srgbClr val="000000"/>
-                        </a:solidFill>
-                        <a:effectLst/>
-                        <a:latin typeface="Playfair Display"/>
-                      </a:endParaRPr>
-                    </a:p>
-                  </a:txBody>
-                  <a:tcPr marL="9134" marR="9134" marT="9134" marB="0" anchor="ctr">
-                    <a:solidFill>
-                      <a:srgbClr val="FFFF00"/>
-                    </a:solidFill>
-                  </a:tcPr>
-                </a:tc>
-                <a:tc>
-                  <a:txBody>
-                    <a:bodyPr/>
-                    <a:lstStyle/>
-                    <a:p>
-                      <a:pPr algn="ctr" rtl="0" fontAlgn="ctr"/>
-                      <a:r>
-                        <a:rPr lang="pt-BR" sz="1000" u="none" strike="noStrike" dirty="0">
-                          <a:effectLst/>
-                        </a:rPr>
-                        <a:t>3</a:t>
-                      </a:r>
-                      <a:endParaRPr lang="pt-BR" sz="1000" b="0" i="0" u="none" strike="noStrike" dirty="0">
-                        <a:solidFill>
-                          <a:srgbClr val="000000"/>
-                        </a:solidFill>
-                        <a:effectLst/>
-                        <a:latin typeface="Playfair Display"/>
-                      </a:endParaRPr>
-                    </a:p>
-                  </a:txBody>
-                  <a:tcPr marL="9134" marR="9134" marT="9134" marB="0" anchor="ctr"/>
-                </a:tc>
-                <a:tc>
-                  <a:txBody>
-                    <a:bodyPr/>
-                    <a:lstStyle/>
-                    <a:p>
-                      <a:pPr algn="ctr" rtl="0" fontAlgn="ctr"/>
-                      <a:r>
-                        <a:rPr lang="pt-BR" sz="1000" u="none" strike="noStrike">
-                          <a:effectLst/>
-                        </a:rPr>
-                        <a:t>3</a:t>
-                      </a:r>
-                      <a:endParaRPr lang="pt-BR" sz="1000" b="0" i="0" u="none" strike="noStrike">
-                        <a:solidFill>
-                          <a:srgbClr val="000000"/>
-                        </a:solidFill>
-                        <a:effectLst/>
-                        <a:latin typeface="Playfair Display"/>
-                      </a:endParaRPr>
-                    </a:p>
-                  </a:txBody>
-                  <a:tcPr marL="9134" marR="9134" marT="9134" marB="0" anchor="ctr"/>
-                </a:tc>
-                <a:extLst>
-                  <a:ext uri="{0D108BD9-81ED-4DB2-BD59-A6C34878D82A}">
-                    <a16:rowId xmlns:a16="http://schemas.microsoft.com/office/drawing/2014/main" val="991000043"/>
-                  </a:ext>
-                </a:extLst>
-              </a:tr>
-              <a:tr h="316343">
-                <a:tc>
-                  <a:txBody>
-                    <a:bodyPr/>
-                    <a:lstStyle/>
-                    <a:p>
-                      <a:pPr algn="l" rtl="0" fontAlgn="ctr"/>
-                      <a:r>
-                        <a:rPr lang="pt-BR" sz="1000" u="none" strike="noStrike" dirty="0">
-                          <a:effectLst/>
-                        </a:rPr>
-                        <a:t>Simular o Arduino na aplicação web; </a:t>
-                      </a:r>
-                      <a:endParaRPr lang="pt-BR" sz="1000" b="0" i="0" u="none" strike="noStrike" dirty="0">
-                        <a:solidFill>
-                          <a:srgbClr val="000000"/>
-                        </a:solidFill>
-                        <a:effectLst/>
-                        <a:latin typeface="Playfair Display"/>
-                      </a:endParaRPr>
-                    </a:p>
-                  </a:txBody>
-                  <a:tcPr marL="9134" marR="9134" marT="9134" marB="0" anchor="ctr"/>
-                </a:tc>
-                <a:tc>
-                  <a:txBody>
-                    <a:bodyPr/>
-                    <a:lstStyle/>
-                    <a:p>
-                      <a:pPr algn="ctr" rtl="0" fontAlgn="ctr"/>
-                      <a:r>
-                        <a:rPr lang="pt-BR" sz="1000" u="none" strike="noStrike" dirty="0">
-                          <a:effectLst/>
-                        </a:rPr>
-                        <a:t>Essencial</a:t>
-                      </a:r>
-                      <a:endParaRPr lang="pt-BR" sz="1000" b="0" i="0" u="none" strike="noStrike" dirty="0">
-                        <a:solidFill>
-                          <a:srgbClr val="000000"/>
-                        </a:solidFill>
-                        <a:effectLst/>
-                        <a:latin typeface="Playfair Display"/>
-                      </a:endParaRPr>
-                    </a:p>
-                  </a:txBody>
-                  <a:tcPr marL="9134" marR="9134" marT="9134" marB="0" anchor="ctr">
-                    <a:solidFill>
-                      <a:srgbClr val="FF0000"/>
-                    </a:solidFill>
-                  </a:tcPr>
-                </a:tc>
-                <a:tc>
-                  <a:txBody>
-                    <a:bodyPr/>
-                    <a:lstStyle/>
-                    <a:p>
-                      <a:pPr algn="ctr" rtl="0" fontAlgn="ctr"/>
-                      <a:r>
-                        <a:rPr lang="pt-BR" sz="1000" u="none" strike="noStrike">
-                          <a:effectLst/>
-                        </a:rPr>
-                        <a:t>5</a:t>
-                      </a:r>
-                      <a:endParaRPr lang="pt-BR" sz="1000" b="0" i="0" u="none" strike="noStrike">
-                        <a:solidFill>
-                          <a:srgbClr val="000000"/>
-                        </a:solidFill>
-                        <a:effectLst/>
-                        <a:latin typeface="Playfair Display"/>
-                      </a:endParaRPr>
-                    </a:p>
-                  </a:txBody>
-                  <a:tcPr marL="9134" marR="9134" marT="9134" marB="0" anchor="ctr"/>
-                </a:tc>
-                <a:tc>
-                  <a:txBody>
-                    <a:bodyPr/>
-                    <a:lstStyle/>
-                    <a:p>
-                      <a:pPr algn="ctr" rtl="0" fontAlgn="ctr"/>
-                      <a:r>
-                        <a:rPr lang="pt-BR" sz="1000" u="none" strike="noStrike" dirty="0">
-                          <a:effectLst/>
-                        </a:rPr>
-                        <a:t>4</a:t>
-                      </a:r>
-                      <a:endParaRPr lang="pt-BR" sz="1000" b="0" i="0" u="none" strike="noStrike" dirty="0">
-                        <a:solidFill>
-                          <a:srgbClr val="000000"/>
-                        </a:solidFill>
-                        <a:effectLst/>
-                        <a:latin typeface="Playfair Display"/>
-                      </a:endParaRPr>
-                    </a:p>
-                  </a:txBody>
-                  <a:tcPr marL="9134" marR="9134" marT="9134" marB="0" anchor="ctr"/>
-                </a:tc>
-                <a:extLst>
-                  <a:ext uri="{0D108BD9-81ED-4DB2-BD59-A6C34878D82A}">
-                    <a16:rowId xmlns:a16="http://schemas.microsoft.com/office/drawing/2014/main" val="399994192"/>
-                  </a:ext>
-                </a:extLst>
-              </a:tr>
-              <a:tr h="316343">
-                <a:tc>
-                  <a:txBody>
-                    <a:bodyPr/>
-                    <a:lstStyle/>
-                    <a:p>
-                      <a:pPr algn="l" rtl="0" fontAlgn="ctr"/>
-                      <a:r>
-                        <a:rPr lang="pt-BR" sz="1000" u="none" strike="noStrike">
-                          <a:effectLst/>
-                        </a:rPr>
-                        <a:t>Captação dos dados; </a:t>
-                      </a:r>
-                      <a:endParaRPr lang="pt-BR" sz="1000" b="0" i="0" u="none" strike="noStrike">
-                        <a:solidFill>
-                          <a:srgbClr val="000000"/>
-                        </a:solidFill>
-                        <a:effectLst/>
-                        <a:latin typeface="Playfair Display"/>
-                      </a:endParaRPr>
-                    </a:p>
-                  </a:txBody>
-                  <a:tcPr marL="9134" marR="9134" marT="9134" marB="0" anchor="ctr"/>
-                </a:tc>
-                <a:tc>
-                  <a:txBody>
-                    <a:bodyPr/>
-                    <a:lstStyle/>
-                    <a:p>
-                      <a:pPr algn="ctr" rtl="0" fontAlgn="ctr"/>
-                      <a:r>
-                        <a:rPr lang="pt-BR" sz="1000" u="none" strike="noStrike" dirty="0">
-                          <a:effectLst/>
-                        </a:rPr>
-                        <a:t>Essencial</a:t>
-                      </a:r>
-                      <a:endParaRPr lang="pt-BR" sz="1000" b="0" i="0" u="none" strike="noStrike" dirty="0">
-                        <a:solidFill>
-                          <a:srgbClr val="000000"/>
-                        </a:solidFill>
-                        <a:effectLst/>
-                        <a:latin typeface="Playfair Display"/>
-                      </a:endParaRPr>
-                    </a:p>
-                  </a:txBody>
-                  <a:tcPr marL="9134" marR="9134" marT="9134" marB="0" anchor="ctr">
-                    <a:solidFill>
-                      <a:srgbClr val="FF0000"/>
-                    </a:solidFill>
-                  </a:tcPr>
-                </a:tc>
-                <a:tc>
-                  <a:txBody>
-                    <a:bodyPr/>
-                    <a:lstStyle/>
-                    <a:p>
-                      <a:pPr algn="ctr" rtl="0" fontAlgn="ctr"/>
-                      <a:r>
-                        <a:rPr lang="pt-BR" sz="1000" u="none" strike="noStrike">
-                          <a:effectLst/>
-                        </a:rPr>
-                        <a:t>5</a:t>
-                      </a:r>
-                      <a:endParaRPr lang="pt-BR" sz="1000" b="0" i="0" u="none" strike="noStrike">
-                        <a:solidFill>
-                          <a:srgbClr val="000000"/>
-                        </a:solidFill>
-                        <a:effectLst/>
-                        <a:latin typeface="Playfair Display"/>
-                      </a:endParaRPr>
-                    </a:p>
-                  </a:txBody>
-                  <a:tcPr marL="9134" marR="9134" marT="9134" marB="0" anchor="ctr"/>
-                </a:tc>
-                <a:tc>
-                  <a:txBody>
-                    <a:bodyPr/>
-                    <a:lstStyle/>
-                    <a:p>
-                      <a:pPr algn="ctr" rtl="0" fontAlgn="ctr"/>
-                      <a:r>
-                        <a:rPr lang="pt-BR" sz="1000" u="none" strike="noStrike" dirty="0">
-                          <a:effectLst/>
-                        </a:rPr>
-                        <a:t>5</a:t>
-                      </a:r>
-                      <a:endParaRPr lang="pt-BR" sz="1000" b="0" i="0" u="none" strike="noStrike" dirty="0">
-                        <a:solidFill>
-                          <a:srgbClr val="000000"/>
-                        </a:solidFill>
-                        <a:effectLst/>
-                        <a:latin typeface="Playfair Display"/>
-                      </a:endParaRPr>
-                    </a:p>
-                  </a:txBody>
-                  <a:tcPr marL="9134" marR="9134" marT="9134" marB="0" anchor="ctr"/>
-                </a:tc>
-                <a:extLst>
-                  <a:ext uri="{0D108BD9-81ED-4DB2-BD59-A6C34878D82A}">
-                    <a16:rowId xmlns:a16="http://schemas.microsoft.com/office/drawing/2014/main" val="3293835611"/>
-                  </a:ext>
-                </a:extLst>
-              </a:tr>
-              <a:tr h="316343">
-                <a:tc>
-                  <a:txBody>
-                    <a:bodyPr/>
-                    <a:lstStyle/>
-                    <a:p>
-                      <a:pPr algn="l" rtl="0" fontAlgn="ctr"/>
-                      <a:r>
-                        <a:rPr lang="pt-BR" sz="1000" u="none" strike="noStrike" dirty="0">
-                          <a:effectLst/>
-                        </a:rPr>
-                        <a:t>Arduino funcionando e recebendo os dados dentro da aplicação web; </a:t>
-                      </a:r>
-                      <a:endParaRPr lang="pt-BR" sz="1000" b="0" i="0" u="none" strike="noStrike" dirty="0">
-                        <a:solidFill>
-                          <a:srgbClr val="000000"/>
-                        </a:solidFill>
-                        <a:effectLst/>
-                        <a:latin typeface="Playfair Display"/>
-                      </a:endParaRPr>
-                    </a:p>
-                  </a:txBody>
-                  <a:tcPr marL="9134" marR="9134" marT="9134" marB="0" anchor="ctr"/>
-                </a:tc>
-                <a:tc>
-                  <a:txBody>
-                    <a:bodyPr/>
-                    <a:lstStyle/>
-                    <a:p>
-                      <a:pPr algn="ctr" rtl="0" fontAlgn="ctr"/>
-                      <a:r>
-                        <a:rPr lang="pt-BR" sz="1000" u="none" strike="noStrike" dirty="0">
-                          <a:effectLst/>
-                        </a:rPr>
-                        <a:t>Essencial</a:t>
-                      </a:r>
-                      <a:endParaRPr lang="pt-BR" sz="1000" b="0" i="0" u="none" strike="noStrike" dirty="0">
-                        <a:solidFill>
-                          <a:srgbClr val="000000"/>
-                        </a:solidFill>
-                        <a:effectLst/>
-                        <a:latin typeface="Playfair Display"/>
-                      </a:endParaRPr>
-                    </a:p>
-                  </a:txBody>
-                  <a:tcPr marL="9134" marR="9134" marT="9134" marB="0" anchor="ctr">
-                    <a:solidFill>
-                      <a:srgbClr val="FF0000"/>
-                    </a:solidFill>
-                  </a:tcPr>
-                </a:tc>
-                <a:tc>
-                  <a:txBody>
-                    <a:bodyPr/>
-                    <a:lstStyle/>
-                    <a:p>
-                      <a:pPr algn="ctr" rtl="0" fontAlgn="ctr"/>
-                      <a:r>
-                        <a:rPr lang="pt-BR" sz="1000" u="none" strike="noStrike">
-                          <a:effectLst/>
-                        </a:rPr>
-                        <a:t>5</a:t>
-                      </a:r>
-                      <a:endParaRPr lang="pt-BR" sz="1000" b="0" i="0" u="none" strike="noStrike">
-                        <a:solidFill>
-                          <a:srgbClr val="000000"/>
-                        </a:solidFill>
-                        <a:effectLst/>
-                        <a:latin typeface="Playfair Display"/>
-                      </a:endParaRPr>
-                    </a:p>
-                  </a:txBody>
-                  <a:tcPr marL="9134" marR="9134" marT="9134" marB="0" anchor="ctr"/>
-                </a:tc>
-                <a:tc>
-                  <a:txBody>
-                    <a:bodyPr/>
-                    <a:lstStyle/>
-                    <a:p>
-                      <a:pPr algn="ctr" rtl="0" fontAlgn="ctr"/>
-                      <a:r>
-                        <a:rPr lang="pt-BR" sz="1000" u="none" strike="noStrike" dirty="0">
-                          <a:effectLst/>
-                        </a:rPr>
-                        <a:t>6</a:t>
-                      </a:r>
-                      <a:endParaRPr lang="pt-BR" sz="1000" b="0" i="0" u="none" strike="noStrike" dirty="0">
-                        <a:solidFill>
-                          <a:srgbClr val="000000"/>
-                        </a:solidFill>
-                        <a:effectLst/>
-                        <a:latin typeface="Playfair Display"/>
-                      </a:endParaRPr>
-                    </a:p>
-                  </a:txBody>
-                  <a:tcPr marL="9134" marR="9134" marT="9134" marB="0" anchor="ctr"/>
-                </a:tc>
-                <a:extLst>
-                  <a:ext uri="{0D108BD9-81ED-4DB2-BD59-A6C34878D82A}">
-                    <a16:rowId xmlns:a16="http://schemas.microsoft.com/office/drawing/2014/main" val="1172031500"/>
-                  </a:ext>
-                </a:extLst>
-              </a:tr>
-              <a:tr h="316343">
-                <a:tc>
-                  <a:txBody>
-                    <a:bodyPr/>
-                    <a:lstStyle/>
-                    <a:p>
-                      <a:pPr algn="l" rtl="0" fontAlgn="ctr"/>
-                      <a:r>
-                        <a:rPr lang="pt-BR" sz="1000" u="none" strike="noStrike">
-                          <a:effectLst/>
-                        </a:rPr>
-                        <a:t>Utilizar os sensores;</a:t>
-                      </a:r>
-                      <a:endParaRPr lang="pt-BR" sz="1000" b="0" i="0" u="none" strike="noStrike">
-                        <a:solidFill>
-                          <a:srgbClr val="000000"/>
-                        </a:solidFill>
-                        <a:effectLst/>
-                        <a:latin typeface="Playfair Display"/>
-                      </a:endParaRPr>
-                    </a:p>
-                  </a:txBody>
-                  <a:tcPr marL="9134" marR="9134" marT="9134" marB="0" anchor="ctr"/>
-                </a:tc>
-                <a:tc>
-                  <a:txBody>
-                    <a:bodyPr/>
-                    <a:lstStyle/>
-                    <a:p>
-                      <a:pPr algn="ctr" rtl="0" fontAlgn="ctr"/>
-                      <a:r>
-                        <a:rPr lang="pt-BR" sz="1000" u="none" strike="noStrike" dirty="0">
-                          <a:effectLst/>
-                        </a:rPr>
-                        <a:t>Essencial</a:t>
-                      </a:r>
-                      <a:endParaRPr lang="pt-BR" sz="1000" b="0" i="0" u="none" strike="noStrike" dirty="0">
-                        <a:solidFill>
-                          <a:srgbClr val="000000"/>
-                        </a:solidFill>
-                        <a:effectLst/>
-                        <a:latin typeface="Playfair Display"/>
-                      </a:endParaRPr>
-                    </a:p>
-                  </a:txBody>
-                  <a:tcPr marL="9134" marR="9134" marT="9134" marB="0" anchor="ctr">
-                    <a:solidFill>
-                      <a:srgbClr val="FF0000"/>
-                    </a:solidFill>
-                  </a:tcPr>
-                </a:tc>
-                <a:tc>
-                  <a:txBody>
-                    <a:bodyPr/>
-                    <a:lstStyle/>
-                    <a:p>
-                      <a:pPr algn="ctr" rtl="0" fontAlgn="ctr"/>
-                      <a:r>
-                        <a:rPr lang="pt-BR" sz="1000" u="none" strike="noStrike">
-                          <a:effectLst/>
-                        </a:rPr>
-                        <a:t>3</a:t>
-                      </a:r>
-                      <a:endParaRPr lang="pt-BR" sz="1000" b="0" i="0" u="none" strike="noStrike">
-                        <a:solidFill>
-                          <a:srgbClr val="000000"/>
-                        </a:solidFill>
-                        <a:effectLst/>
-                        <a:latin typeface="Playfair Display"/>
-                      </a:endParaRPr>
-                    </a:p>
-                  </a:txBody>
-                  <a:tcPr marL="9134" marR="9134" marT="9134" marB="0" anchor="ctr"/>
-                </a:tc>
-                <a:tc>
-                  <a:txBody>
-                    <a:bodyPr/>
-                    <a:lstStyle/>
-                    <a:p>
-                      <a:pPr algn="ctr" rtl="0" fontAlgn="ctr"/>
-                      <a:r>
-                        <a:rPr lang="pt-BR" sz="1000" u="none" strike="noStrike" dirty="0">
-                          <a:effectLst/>
-                        </a:rPr>
-                        <a:t>7</a:t>
-                      </a:r>
-                      <a:endParaRPr lang="pt-BR" sz="1000" b="0" i="0" u="none" strike="noStrike" dirty="0">
-                        <a:solidFill>
-                          <a:srgbClr val="000000"/>
-                        </a:solidFill>
-                        <a:effectLst/>
-                        <a:latin typeface="Playfair Display"/>
-                      </a:endParaRPr>
-                    </a:p>
-                  </a:txBody>
-                  <a:tcPr marL="9134" marR="9134" marT="9134" marB="0" anchor="ctr"/>
-                </a:tc>
-                <a:extLst>
-                  <a:ext uri="{0D108BD9-81ED-4DB2-BD59-A6C34878D82A}">
-                    <a16:rowId xmlns:a16="http://schemas.microsoft.com/office/drawing/2014/main" val="212642982"/>
-                  </a:ext>
-                </a:extLst>
-              </a:tr>
-              <a:tr h="316343">
-                <a:tc>
-                  <a:txBody>
-                    <a:bodyPr/>
-                    <a:lstStyle/>
-                    <a:p>
-                      <a:pPr algn="l" rtl="0" fontAlgn="ctr"/>
-                      <a:r>
-                        <a:rPr lang="pt-BR" sz="1000" u="none" strike="noStrike">
-                          <a:effectLst/>
-                        </a:rPr>
-                        <a:t>Realizar uma aplicação web que gere os valores e gráficos relativo à umidade do solo e utilização de água;</a:t>
-                      </a:r>
-                      <a:endParaRPr lang="pt-BR" sz="1000" b="0" i="0" u="none" strike="noStrike">
-                        <a:solidFill>
-                          <a:srgbClr val="000000"/>
-                        </a:solidFill>
-                        <a:effectLst/>
-                        <a:latin typeface="Playfair Display"/>
-                      </a:endParaRPr>
-                    </a:p>
-                  </a:txBody>
-                  <a:tcPr marL="9134" marR="9134" marT="9134" marB="0" anchor="ctr"/>
-                </a:tc>
-                <a:tc>
-                  <a:txBody>
-                    <a:bodyPr/>
-                    <a:lstStyle/>
-                    <a:p>
-                      <a:pPr algn="ctr" rtl="0" fontAlgn="ctr"/>
-                      <a:r>
-                        <a:rPr lang="pt-BR" sz="1000" u="none" strike="noStrike" dirty="0">
-                          <a:effectLst/>
-                        </a:rPr>
-                        <a:t>Essencial</a:t>
-                      </a:r>
-                      <a:endParaRPr lang="pt-BR" sz="1000" b="0" i="0" u="none" strike="noStrike" dirty="0">
-                        <a:solidFill>
-                          <a:srgbClr val="000000"/>
-                        </a:solidFill>
-                        <a:effectLst/>
-                        <a:latin typeface="Playfair Display"/>
-                      </a:endParaRPr>
-                    </a:p>
-                  </a:txBody>
-                  <a:tcPr marL="9134" marR="9134" marT="9134" marB="0" anchor="ctr">
-                    <a:solidFill>
-                      <a:srgbClr val="FF0000"/>
-                    </a:solidFill>
-                  </a:tcPr>
-                </a:tc>
-                <a:tc>
-                  <a:txBody>
-                    <a:bodyPr/>
-                    <a:lstStyle/>
-                    <a:p>
-                      <a:pPr algn="ctr" rtl="0" fontAlgn="ctr"/>
-                      <a:r>
-                        <a:rPr lang="pt-BR" sz="1000" u="none" strike="noStrike" dirty="0">
-                          <a:effectLst/>
-                        </a:rPr>
-                        <a:t>13</a:t>
-                      </a:r>
-                      <a:endParaRPr lang="pt-BR" sz="1000" b="0" i="0" u="none" strike="noStrike" dirty="0">
-                        <a:solidFill>
-                          <a:srgbClr val="000000"/>
-                        </a:solidFill>
-                        <a:effectLst/>
-                        <a:latin typeface="Playfair Display"/>
-                      </a:endParaRPr>
-                    </a:p>
-                  </a:txBody>
-                  <a:tcPr marL="9134" marR="9134" marT="9134" marB="0" anchor="ctr"/>
-                </a:tc>
-                <a:tc>
-                  <a:txBody>
-                    <a:bodyPr/>
-                    <a:lstStyle/>
-                    <a:p>
-                      <a:pPr algn="ctr" rtl="0" fontAlgn="ctr"/>
-                      <a:r>
-                        <a:rPr lang="pt-BR" sz="1000" u="none" strike="noStrike" dirty="0">
-                          <a:effectLst/>
-                        </a:rPr>
-                        <a:t>8</a:t>
-                      </a:r>
-                      <a:endParaRPr lang="pt-BR" sz="1000" b="0" i="0" u="none" strike="noStrike" dirty="0">
-                        <a:solidFill>
-                          <a:srgbClr val="000000"/>
-                        </a:solidFill>
-                        <a:effectLst/>
-                        <a:latin typeface="Playfair Display"/>
-                      </a:endParaRPr>
-                    </a:p>
-                  </a:txBody>
-                  <a:tcPr marL="9134" marR="9134" marT="9134" marB="0" anchor="ctr"/>
-                </a:tc>
-                <a:extLst>
-                  <a:ext uri="{0D108BD9-81ED-4DB2-BD59-A6C34878D82A}">
-                    <a16:rowId xmlns:a16="http://schemas.microsoft.com/office/drawing/2014/main" val="2864448179"/>
-                  </a:ext>
-                </a:extLst>
-              </a:tr>
-              <a:tr h="316343">
-                <a:tc>
-                  <a:txBody>
-                    <a:bodyPr/>
-                    <a:lstStyle/>
-                    <a:p>
-                      <a:pPr algn="l" rtl="0" fontAlgn="ctr"/>
-                      <a:r>
-                        <a:rPr lang="pt-BR" sz="1000" u="none" strike="noStrike">
-                          <a:effectLst/>
-                        </a:rPr>
-                        <a:t>Sistema de login e cadastro de usuário,</a:t>
-                      </a:r>
-                      <a:endParaRPr lang="pt-BR" sz="1000" b="0" i="0" u="none" strike="noStrike">
-                        <a:solidFill>
-                          <a:srgbClr val="000000"/>
-                        </a:solidFill>
-                        <a:effectLst/>
-                        <a:latin typeface="Playfair Display"/>
-                      </a:endParaRPr>
-                    </a:p>
-                  </a:txBody>
-                  <a:tcPr marL="9134" marR="9134" marT="9134" marB="0" anchor="ctr"/>
-                </a:tc>
-                <a:tc>
-                  <a:txBody>
-                    <a:bodyPr/>
-                    <a:lstStyle/>
-                    <a:p>
-                      <a:pPr algn="ctr" rtl="0" fontAlgn="ctr"/>
-                      <a:r>
-                        <a:rPr lang="pt-BR" sz="1000" u="none" strike="noStrike" dirty="0">
-                          <a:effectLst/>
-                        </a:rPr>
-                        <a:t>Essencial</a:t>
-                      </a:r>
-                      <a:endParaRPr lang="pt-BR" sz="1000" b="0" i="0" u="none" strike="noStrike" dirty="0">
-                        <a:solidFill>
-                          <a:srgbClr val="000000"/>
-                        </a:solidFill>
-                        <a:effectLst/>
-                        <a:latin typeface="Playfair Display"/>
-                      </a:endParaRPr>
-                    </a:p>
-                  </a:txBody>
-                  <a:tcPr marL="9134" marR="9134" marT="9134" marB="0" anchor="ctr">
-                    <a:solidFill>
-                      <a:srgbClr val="FF0000"/>
-                    </a:solidFill>
-                  </a:tcPr>
-                </a:tc>
-                <a:tc>
-                  <a:txBody>
-                    <a:bodyPr/>
-                    <a:lstStyle/>
-                    <a:p>
-                      <a:pPr algn="ctr" rtl="0" fontAlgn="b"/>
-                      <a:r>
-                        <a:rPr lang="pt-BR" sz="1000" u="none" strike="noStrike" dirty="0">
-                          <a:effectLst/>
-                        </a:rPr>
-                        <a:t>5</a:t>
-                      </a:r>
-                    </a:p>
-                  </a:txBody>
-                  <a:tcPr marL="9134" marR="9134" marT="9134" marB="0" anchor="ctr"/>
-                </a:tc>
-                <a:tc>
-                  <a:txBody>
-                    <a:bodyPr/>
-                    <a:lstStyle/>
-                    <a:p>
-                      <a:pPr algn="ctr" rtl="0" fontAlgn="ctr"/>
-                      <a:r>
-                        <a:rPr lang="pt-BR" sz="1000" u="none" strike="noStrike" dirty="0">
-                          <a:effectLst/>
-                        </a:rPr>
-                        <a:t>9</a:t>
-                      </a:r>
-                      <a:endParaRPr lang="pt-BR" sz="1000" b="0" i="0" u="none" strike="noStrike" dirty="0">
-                        <a:solidFill>
-                          <a:srgbClr val="000000"/>
-                        </a:solidFill>
-                        <a:effectLst/>
-                        <a:latin typeface="Playfair Display"/>
-                      </a:endParaRPr>
-                    </a:p>
-                  </a:txBody>
-                  <a:tcPr marL="9134" marR="9134" marT="9134" marB="0" anchor="ctr"/>
-                </a:tc>
-                <a:extLst>
-                  <a:ext uri="{0D108BD9-81ED-4DB2-BD59-A6C34878D82A}">
-                    <a16:rowId xmlns:a16="http://schemas.microsoft.com/office/drawing/2014/main" val="3683926535"/>
-                  </a:ext>
-                </a:extLst>
-              </a:tr>
-              <a:tr h="316343">
-                <a:tc>
-                  <a:txBody>
-                    <a:bodyPr/>
-                    <a:lstStyle/>
-                    <a:p>
-                      <a:pPr algn="l" rtl="0" fontAlgn="ctr"/>
-                      <a:r>
-                        <a:rPr lang="pt-BR" sz="1000" u="none" strike="noStrike">
-                          <a:effectLst/>
-                        </a:rPr>
-                        <a:t>O banco de dados armazenando informações sobre os sensores.</a:t>
-                      </a:r>
-                      <a:endParaRPr lang="pt-BR" sz="1000" b="0" i="0" u="none" strike="noStrike">
-                        <a:solidFill>
-                          <a:srgbClr val="000000"/>
-                        </a:solidFill>
-                        <a:effectLst/>
-                        <a:latin typeface="Playfair Display"/>
-                      </a:endParaRPr>
-                    </a:p>
-                  </a:txBody>
-                  <a:tcPr marL="9134" marR="9134" marT="9134" marB="0" anchor="ctr"/>
-                </a:tc>
-                <a:tc>
-                  <a:txBody>
-                    <a:bodyPr/>
-                    <a:lstStyle/>
-                    <a:p>
-                      <a:pPr algn="ctr" rtl="0" fontAlgn="ctr"/>
-                      <a:r>
-                        <a:rPr lang="pt-BR" sz="1000" u="none" strike="noStrike" dirty="0">
-                          <a:effectLst/>
-                        </a:rPr>
-                        <a:t>Essencial</a:t>
-                      </a:r>
-                      <a:endParaRPr lang="pt-BR" sz="1000" b="0" i="0" u="none" strike="noStrike" dirty="0">
-                        <a:solidFill>
-                          <a:srgbClr val="000000"/>
-                        </a:solidFill>
-                        <a:effectLst/>
-                        <a:latin typeface="Playfair Display"/>
-                      </a:endParaRPr>
-                    </a:p>
-                  </a:txBody>
-                  <a:tcPr marL="9134" marR="9134" marT="9134" marB="0" anchor="ctr">
-                    <a:solidFill>
-                      <a:srgbClr val="FF0000"/>
-                    </a:solidFill>
-                  </a:tcPr>
-                </a:tc>
-                <a:tc>
-                  <a:txBody>
-                    <a:bodyPr/>
-                    <a:lstStyle/>
-                    <a:p>
-                      <a:pPr algn="ctr" rtl="0" fontAlgn="b"/>
-                      <a:r>
-                        <a:rPr lang="pt-BR" sz="1000" u="none" strike="noStrike" dirty="0">
-                          <a:effectLst/>
-                        </a:rPr>
-                        <a:t>5</a:t>
-                      </a:r>
-                      <a:endParaRPr lang="pt-BR" sz="1000" b="0" i="0" u="none" strike="noStrike" dirty="0">
-                        <a:solidFill>
-                          <a:srgbClr val="000000"/>
-                        </a:solidFill>
-                        <a:effectLst/>
-                        <a:latin typeface="Playfair Display"/>
-                      </a:endParaRPr>
-                    </a:p>
-                  </a:txBody>
-                  <a:tcPr marL="9134" marR="9134" marT="9134" marB="0" anchor="ctr"/>
-                </a:tc>
-                <a:tc>
-                  <a:txBody>
-                    <a:bodyPr/>
-                    <a:lstStyle/>
-                    <a:p>
-                      <a:pPr algn="ctr" rtl="0" fontAlgn="ctr"/>
-                      <a:r>
-                        <a:rPr lang="pt-BR" sz="1000" u="none" strike="noStrike" dirty="0">
-                          <a:effectLst/>
-                        </a:rPr>
-                        <a:t>10</a:t>
-                      </a:r>
-                      <a:endParaRPr lang="pt-BR" sz="1000" b="0" i="0" u="none" strike="noStrike" dirty="0">
-                        <a:solidFill>
-                          <a:srgbClr val="000000"/>
-                        </a:solidFill>
-                        <a:effectLst/>
-                        <a:latin typeface="Playfair Display"/>
-                      </a:endParaRPr>
-                    </a:p>
-                  </a:txBody>
-                  <a:tcPr marL="9134" marR="9134" marT="9134" marB="0" anchor="ctr"/>
-                </a:tc>
-                <a:extLst>
-                  <a:ext uri="{0D108BD9-81ED-4DB2-BD59-A6C34878D82A}">
-                    <a16:rowId xmlns:a16="http://schemas.microsoft.com/office/drawing/2014/main" val="2750906775"/>
-                  </a:ext>
-                </a:extLst>
-              </a:tr>
-            </a:tbl>
-          </a:graphicData>
-        </a:graphic>
-      </p:graphicFrame>
-    </p:spTree>
-    <p:extLst>
-      <p:ext uri="{BB962C8B-B14F-4D97-AF65-F5344CB8AC3E}">
-        <p14:creationId xmlns:p14="http://schemas.microsoft.com/office/powerpoint/2010/main" val="799734123"/>
-      </p:ext>
-    </p:extLst>
-  </p:cSld>
-  <p:clrMapOvr>
-    <a:masterClrMapping/>
-  </p:clrMapOvr>
-  <mc:AlternateContent xmlns:mc="http://schemas.openxmlformats.org/markup-compatibility/2006" xmlns:p14="http://schemas.microsoft.com/office/powerpoint/2010/main">
-    <mc:Choice Requires="p14">
-      <p:transition spd="med" p14:dur="700">
-        <p:fade/>
-      </p:transition>
-    </mc:Choice>
-    <mc:Fallback xmlns="">
-      <p:transition spd="med">
-        <p:fade/>
-      </p:transition>
-    </mc:Fallback>
-  </mc:AlternateContent>
+  <p:timing>
+    <p:tnLst>
+      <p:par>
+        <p:cTn id="1" dur="indefinite" restart="never" nodeType="tmRoot"/>
+      </p:par>
+    </p:tnLst>
+  </p:timing>
 </p:sld>
 </file>
 
@@ -20167,6 +20165,13 @@
               </a:rPr>
               <a:t>Demonstração do Site Institucional/Dashboard</a:t>
             </a:r>
+            <a:r>
+              <a:rPr lang="pt-BR" dirty="0">
+                <a:latin typeface="Verdana" panose="020B0604030504040204" pitchFamily="34" charset="0"/>
+                <a:ea typeface="Verdana" panose="020B0604030504040204" pitchFamily="34" charset="0"/>
+              </a:rPr>
+              <a:t/>
+            </a:r>
             <a:br>
               <a:rPr lang="pt-BR" dirty="0">
                 <a:latin typeface="Verdana" panose="020B0604030504040204" pitchFamily="34" charset="0"/>
@@ -20213,14 +20218,44 @@
           <a:p>
             <a:pPr algn="ctr"/>
             <a:r>
-              <a:rPr lang="pt-BR" b="1" dirty="0">
+              <a:rPr lang="pt-BR" b="1" dirty="0" smtClean="0">
                 <a:solidFill>
                   <a:schemeClr val="bg1"/>
                 </a:solidFill>
                 <a:latin typeface="Verdana"/>
                 <a:ea typeface="Verdana"/>
               </a:rPr>
-              <a:t>(Tela de cadastro/login/API </a:t>
+              <a:t>(Site/</a:t>
+            </a:r>
+            <a:r>
+              <a:rPr lang="pt-BR" b="1" dirty="0" err="1">
+                <a:solidFill>
+                  <a:schemeClr val="bg1"/>
+                </a:solidFill>
+                <a:latin typeface="Verdana"/>
+                <a:ea typeface="Verdana"/>
+              </a:rPr>
+              <a:t>L</a:t>
+            </a:r>
+            <a:r>
+              <a:rPr lang="pt-BR" b="1" dirty="0" err="1" smtClean="0">
+                <a:solidFill>
+                  <a:schemeClr val="bg1"/>
+                </a:solidFill>
+                <a:latin typeface="Verdana"/>
+                <a:ea typeface="Verdana"/>
+              </a:rPr>
+              <a:t>ogin</a:t>
+            </a:r>
+            <a:r>
+              <a:rPr lang="pt-BR" b="1" dirty="0" smtClean="0">
+                <a:solidFill>
+                  <a:schemeClr val="bg1"/>
+                </a:solidFill>
+                <a:latin typeface="Verdana"/>
+                <a:ea typeface="Verdana"/>
+              </a:rPr>
+              <a:t>/API </a:t>
             </a:r>
             <a:r>
               <a:rPr lang="pt-BR" b="1" dirty="0" err="1">
